--- a/presentation/core.pptx
+++ b/presentation/core.pptx
@@ -1,27 +1,122 @@
 
 <file path=ppt/presentation.xml><?xml version="1.0" encoding="utf-8"?>
-<p:presentation xmlns:a="http://schemas.openxmlformats.org/drawingml/2006/main" xmlns:p="http://schemas.openxmlformats.org/presentationml/2006/main" xmlns:r="http://schemas.openxmlformats.org/officeDocument/2006/relationships" xmlns:p14="http://schemas.microsoft.com/office/powerpoint/2010/main" xmlns:p15="http://schemas.microsoft.com/office/powerpoint/2012/main" xmlns:mc="http://schemas.openxmlformats.org/markup-compatibility/2006">
+<p:presentation xmlns:a="http://schemas.openxmlformats.org/drawingml/2006/main" xmlns:r="http://schemas.openxmlformats.org/officeDocument/2006/relationships" xmlns:p="http://schemas.openxmlformats.org/presentationml/2006/main">
   <p:sldMasterIdLst>
-    <p:sldMasterId id="2147483648" r:id="rId2"/>
-    <p:sldMasterId id="2147483661" r:id="rId3"/>
+    <p:sldMasterId id="2147483648" r:id="rId1"/>
+    <p:sldMasterId id="2147483661" r:id="rId2"/>
   </p:sldMasterIdLst>
   <p:sldIdLst>
-    <p:sldId id="256" r:id="rId4"/>
-    <p:sldId id="257" r:id="rId5"/>
-    <p:sldId id="258" r:id="rId6"/>
-    <p:sldId id="259" r:id="rId7"/>
-    <p:sldId id="260" r:id="rId8"/>
-    <p:sldId id="261" r:id="rId9"/>
-    <p:sldId id="262" r:id="rId10"/>
-    <p:sldId id="263" r:id="rId11"/>
+    <p:sldId id="256" r:id="rId3"/>
+    <p:sldId id="257" r:id="rId4"/>
+    <p:sldId id="258" r:id="rId5"/>
+    <p:sldId id="259" r:id="rId6"/>
+    <p:sldId id="260" r:id="rId7"/>
+    <p:sldId id="261" r:id="rId8"/>
+    <p:sldId id="262" r:id="rId9"/>
+    <p:sldId id="263" r:id="rId10"/>
   </p:sldIdLst>
   <p:sldSz cx="10080625" cy="7559675"/>
   <p:notesSz cx="7772400" cy="10058400"/>
+  <p:defaultTextStyle>
+    <a:defPPr>
+      <a:defRPr lang="fr-FR"/>
+    </a:defPPr>
+    <a:lvl1pPr marL="0" algn="l" defTabSz="914400" rtl="0" eaLnBrk="1" latinLnBrk="0" hangingPunct="1">
+      <a:defRPr sz="1800" kern="1200">
+        <a:solidFill>
+          <a:schemeClr val="tx1"/>
+        </a:solidFill>
+        <a:latin typeface="+mn-lt"/>
+        <a:ea typeface="+mn-ea"/>
+        <a:cs typeface="+mn-cs"/>
+      </a:defRPr>
+    </a:lvl1pPr>
+    <a:lvl2pPr marL="457200" algn="l" defTabSz="914400" rtl="0" eaLnBrk="1" latinLnBrk="0" hangingPunct="1">
+      <a:defRPr sz="1800" kern="1200">
+        <a:solidFill>
+          <a:schemeClr val="tx1"/>
+        </a:solidFill>
+        <a:latin typeface="+mn-lt"/>
+        <a:ea typeface="+mn-ea"/>
+        <a:cs typeface="+mn-cs"/>
+      </a:defRPr>
+    </a:lvl2pPr>
+    <a:lvl3pPr marL="914400" algn="l" defTabSz="914400" rtl="0" eaLnBrk="1" latinLnBrk="0" hangingPunct="1">
+      <a:defRPr sz="1800" kern="1200">
+        <a:solidFill>
+          <a:schemeClr val="tx1"/>
+        </a:solidFill>
+        <a:latin typeface="+mn-lt"/>
+        <a:ea typeface="+mn-ea"/>
+        <a:cs typeface="+mn-cs"/>
+      </a:defRPr>
+    </a:lvl3pPr>
+    <a:lvl4pPr marL="1371600" algn="l" defTabSz="914400" rtl="0" eaLnBrk="1" latinLnBrk="0" hangingPunct="1">
+      <a:defRPr sz="1800" kern="1200">
+        <a:solidFill>
+          <a:schemeClr val="tx1"/>
+        </a:solidFill>
+        <a:latin typeface="+mn-lt"/>
+        <a:ea typeface="+mn-ea"/>
+        <a:cs typeface="+mn-cs"/>
+      </a:defRPr>
+    </a:lvl4pPr>
+    <a:lvl5pPr marL="1828800" algn="l" defTabSz="914400" rtl="0" eaLnBrk="1" latinLnBrk="0" hangingPunct="1">
+      <a:defRPr sz="1800" kern="1200">
+        <a:solidFill>
+          <a:schemeClr val="tx1"/>
+        </a:solidFill>
+        <a:latin typeface="+mn-lt"/>
+        <a:ea typeface="+mn-ea"/>
+        <a:cs typeface="+mn-cs"/>
+      </a:defRPr>
+    </a:lvl5pPr>
+    <a:lvl6pPr marL="2286000" algn="l" defTabSz="914400" rtl="0" eaLnBrk="1" latinLnBrk="0" hangingPunct="1">
+      <a:defRPr sz="1800" kern="1200">
+        <a:solidFill>
+          <a:schemeClr val="tx1"/>
+        </a:solidFill>
+        <a:latin typeface="+mn-lt"/>
+        <a:ea typeface="+mn-ea"/>
+        <a:cs typeface="+mn-cs"/>
+      </a:defRPr>
+    </a:lvl6pPr>
+    <a:lvl7pPr marL="2743200" algn="l" defTabSz="914400" rtl="0" eaLnBrk="1" latinLnBrk="0" hangingPunct="1">
+      <a:defRPr sz="1800" kern="1200">
+        <a:solidFill>
+          <a:schemeClr val="tx1"/>
+        </a:solidFill>
+        <a:latin typeface="+mn-lt"/>
+        <a:ea typeface="+mn-ea"/>
+        <a:cs typeface="+mn-cs"/>
+      </a:defRPr>
+    </a:lvl7pPr>
+    <a:lvl8pPr marL="3200400" algn="l" defTabSz="914400" rtl="0" eaLnBrk="1" latinLnBrk="0" hangingPunct="1">
+      <a:defRPr sz="1800" kern="1200">
+        <a:solidFill>
+          <a:schemeClr val="tx1"/>
+        </a:solidFill>
+        <a:latin typeface="+mn-lt"/>
+        <a:ea typeface="+mn-ea"/>
+        <a:cs typeface="+mn-cs"/>
+      </a:defRPr>
+    </a:lvl8pPr>
+    <a:lvl9pPr marL="3657600" algn="l" defTabSz="914400" rtl="0" eaLnBrk="1" latinLnBrk="0" hangingPunct="1">
+      <a:defRPr sz="1800" kern="1200">
+        <a:solidFill>
+          <a:schemeClr val="tx1"/>
+        </a:solidFill>
+        <a:latin typeface="+mn-lt"/>
+        <a:ea typeface="+mn-ea"/>
+        <a:cs typeface="+mn-cs"/>
+      </a:defRPr>
+    </a:lvl9pPr>
+  </p:defaultTextStyle>
 </p:presentation>
 </file>
 
 <file path=ppt/slideLayouts/slideLayout1.xml><?xml version="1.0" encoding="utf-8"?>
-<p:sldLayout xmlns:a="http://schemas.openxmlformats.org/drawingml/2006/main" xmlns:p="http://schemas.openxmlformats.org/presentationml/2006/main" xmlns:r="http://schemas.openxmlformats.org/officeDocument/2006/relationships" xmlns:p14="http://schemas.microsoft.com/office/powerpoint/2010/main" xmlns:p15="http://schemas.microsoft.com/office/powerpoint/2012/main" xmlns:mc="http://schemas.openxmlformats.org/markup-compatibility/2006" type="blank" preserve="1">
+<p:sldLayout xmlns:a="http://schemas.openxmlformats.org/drawingml/2006/main" xmlns:r="http://schemas.openxmlformats.org/officeDocument/2006/relationships" xmlns:p="http://schemas.openxmlformats.org/presentationml/2006/main" type="blank" preserve="1">
   <p:cSld name="Blank Slide">
     <p:spTree>
       <p:nvGrpSpPr>
@@ -39,11 +134,14 @@
       </p:grpSpPr>
     </p:spTree>
   </p:cSld>
+  <p:clrMapOvr>
+    <a:masterClrMapping/>
+  </p:clrMapOvr>
 </p:sldLayout>
 </file>
 
 <file path=ppt/slideLayouts/slideLayout10.xml><?xml version="1.0" encoding="utf-8"?>
-<p:sldLayout xmlns:a="http://schemas.openxmlformats.org/drawingml/2006/main" xmlns:p="http://schemas.openxmlformats.org/presentationml/2006/main" xmlns:r="http://schemas.openxmlformats.org/officeDocument/2006/relationships" xmlns:p14="http://schemas.microsoft.com/office/powerpoint/2010/main" xmlns:p15="http://schemas.microsoft.com/office/powerpoint/2012/main" xmlns:mc="http://schemas.openxmlformats.org/markup-compatibility/2006" type="objOverTx" preserve="1">
+<p:sldLayout xmlns:a="http://schemas.openxmlformats.org/drawingml/2006/main" xmlns:r="http://schemas.openxmlformats.org/officeDocument/2006/relationships" xmlns:p="http://schemas.openxmlformats.org/presentationml/2006/main" type="objOverTx" preserve="1">
   <p:cSld name="Title, Content over Content">
     <p:spTree>
       <p:nvGrpSpPr>
@@ -79,16 +177,17 @@
           </a:prstGeom>
         </p:spPr>
         <p:txBody>
-          <a:bodyPr lIns="0" rIns="0" tIns="0" bIns="0" anchor="ctr"/>
+          <a:bodyPr lIns="0" tIns="0" rIns="0" bIns="0" anchor="ctr"/>
+          <a:lstStyle/>
           <a:p>
             <a:pPr algn="ctr"/>
-            <a:endParaRPr b="0" lang="fr-CH" sz="4400" spc="-1" strike="noStrike">
-              <a:solidFill>
-                <a:srgbClr val="000000"/>
-              </a:solidFill>
-              <a:uFill>
-                <a:solidFill>
-                  <a:srgbClr val="ffffff"/>
+            <a:endParaRPr lang="fr-CH" sz="4400" b="0" strike="noStrike" spc="-1">
+              <a:solidFill>
+                <a:srgbClr val="000000"/>
+              </a:solidFill>
+              <a:uFill>
+                <a:solidFill>
+                  <a:srgbClr val="FFFFFF"/>
                 </a:solidFill>
               </a:uFill>
               <a:latin typeface="Arial"/>
@@ -116,17 +215,18 @@
           </a:prstGeom>
         </p:spPr>
         <p:txBody>
-          <a:bodyPr lIns="0" rIns="0" tIns="0" bIns="0">
+          <a:bodyPr lIns="0" tIns="0" rIns="0" bIns="0">
             <a:normAutofit/>
           </a:bodyPr>
-          <a:p>
-            <a:endParaRPr b="0" lang="fr-CH" sz="3200" spc="-1" strike="noStrike">
-              <a:solidFill>
-                <a:srgbClr val="000000"/>
-              </a:solidFill>
-              <a:uFill>
-                <a:solidFill>
-                  <a:srgbClr val="ffffff"/>
+          <a:lstStyle/>
+          <a:p>
+            <a:endParaRPr lang="fr-CH" sz="3200" b="0" strike="noStrike" spc="-1">
+              <a:solidFill>
+                <a:srgbClr val="000000"/>
+              </a:solidFill>
+              <a:uFill>
+                <a:solidFill>
+                  <a:srgbClr val="FFFFFF"/>
                 </a:solidFill>
               </a:uFill>
               <a:latin typeface="Arial"/>
@@ -154,17 +254,18 @@
           </a:prstGeom>
         </p:spPr>
         <p:txBody>
-          <a:bodyPr lIns="0" rIns="0" tIns="0" bIns="0">
+          <a:bodyPr lIns="0" tIns="0" rIns="0" bIns="0">
             <a:normAutofit/>
           </a:bodyPr>
-          <a:p>
-            <a:endParaRPr b="0" lang="fr-CH" sz="3200" spc="-1" strike="noStrike">
-              <a:solidFill>
-                <a:srgbClr val="000000"/>
-              </a:solidFill>
-              <a:uFill>
-                <a:solidFill>
-                  <a:srgbClr val="ffffff"/>
+          <a:lstStyle/>
+          <a:p>
+            <a:endParaRPr lang="fr-CH" sz="3200" b="0" strike="noStrike" spc="-1">
+              <a:solidFill>
+                <a:srgbClr val="000000"/>
+              </a:solidFill>
+              <a:uFill>
+                <a:solidFill>
+                  <a:srgbClr val="FFFFFF"/>
                 </a:solidFill>
               </a:uFill>
               <a:latin typeface="Arial"/>
@@ -174,11 +275,14 @@
       </p:sp>
     </p:spTree>
   </p:cSld>
+  <p:clrMapOvr>
+    <a:masterClrMapping/>
+  </p:clrMapOvr>
 </p:sldLayout>
 </file>
 
 <file path=ppt/slideLayouts/slideLayout11.xml><?xml version="1.0" encoding="utf-8"?>
-<p:sldLayout xmlns:a="http://schemas.openxmlformats.org/drawingml/2006/main" xmlns:p="http://schemas.openxmlformats.org/presentationml/2006/main" xmlns:r="http://schemas.openxmlformats.org/officeDocument/2006/relationships" xmlns:p14="http://schemas.microsoft.com/office/powerpoint/2010/main" xmlns:p15="http://schemas.microsoft.com/office/powerpoint/2012/main" xmlns:mc="http://schemas.openxmlformats.org/markup-compatibility/2006" type="fourObj" preserve="1">
+<p:sldLayout xmlns:a="http://schemas.openxmlformats.org/drawingml/2006/main" xmlns:r="http://schemas.openxmlformats.org/officeDocument/2006/relationships" xmlns:p="http://schemas.openxmlformats.org/presentationml/2006/main" type="fourObj" preserve="1">
   <p:cSld name="Title, 4 Content">
     <p:spTree>
       <p:nvGrpSpPr>
@@ -214,16 +318,17 @@
           </a:prstGeom>
         </p:spPr>
         <p:txBody>
-          <a:bodyPr lIns="0" rIns="0" tIns="0" bIns="0" anchor="ctr"/>
+          <a:bodyPr lIns="0" tIns="0" rIns="0" bIns="0" anchor="ctr"/>
+          <a:lstStyle/>
           <a:p>
             <a:pPr algn="ctr"/>
-            <a:endParaRPr b="0" lang="fr-CH" sz="4400" spc="-1" strike="noStrike">
-              <a:solidFill>
-                <a:srgbClr val="000000"/>
-              </a:solidFill>
-              <a:uFill>
-                <a:solidFill>
-                  <a:srgbClr val="ffffff"/>
+            <a:endParaRPr lang="fr-CH" sz="4400" b="0" strike="noStrike" spc="-1">
+              <a:solidFill>
+                <a:srgbClr val="000000"/>
+              </a:solidFill>
+              <a:uFill>
+                <a:solidFill>
+                  <a:srgbClr val="FFFFFF"/>
                 </a:solidFill>
               </a:uFill>
               <a:latin typeface="Arial"/>
@@ -251,17 +356,18 @@
           </a:prstGeom>
         </p:spPr>
         <p:txBody>
-          <a:bodyPr lIns="0" rIns="0" tIns="0" bIns="0">
+          <a:bodyPr lIns="0" tIns="0" rIns="0" bIns="0">
             <a:normAutofit/>
           </a:bodyPr>
-          <a:p>
-            <a:endParaRPr b="0" lang="fr-CH" sz="3200" spc="-1" strike="noStrike">
-              <a:solidFill>
-                <a:srgbClr val="000000"/>
-              </a:solidFill>
-              <a:uFill>
-                <a:solidFill>
-                  <a:srgbClr val="ffffff"/>
+          <a:lstStyle/>
+          <a:p>
+            <a:endParaRPr lang="fr-CH" sz="3200" b="0" strike="noStrike" spc="-1">
+              <a:solidFill>
+                <a:srgbClr val="000000"/>
+              </a:solidFill>
+              <a:uFill>
+                <a:solidFill>
+                  <a:srgbClr val="FFFFFF"/>
                 </a:solidFill>
               </a:uFill>
               <a:latin typeface="Arial"/>
@@ -289,17 +395,18 @@
           </a:prstGeom>
         </p:spPr>
         <p:txBody>
-          <a:bodyPr lIns="0" rIns="0" tIns="0" bIns="0">
+          <a:bodyPr lIns="0" tIns="0" rIns="0" bIns="0">
             <a:normAutofit/>
           </a:bodyPr>
-          <a:p>
-            <a:endParaRPr b="0" lang="fr-CH" sz="3200" spc="-1" strike="noStrike">
-              <a:solidFill>
-                <a:srgbClr val="000000"/>
-              </a:solidFill>
-              <a:uFill>
-                <a:solidFill>
-                  <a:srgbClr val="ffffff"/>
+          <a:lstStyle/>
+          <a:p>
+            <a:endParaRPr lang="fr-CH" sz="3200" b="0" strike="noStrike" spc="-1">
+              <a:solidFill>
+                <a:srgbClr val="000000"/>
+              </a:solidFill>
+              <a:uFill>
+                <a:solidFill>
+                  <a:srgbClr val="FFFFFF"/>
                 </a:solidFill>
               </a:uFill>
               <a:latin typeface="Arial"/>
@@ -327,17 +434,18 @@
           </a:prstGeom>
         </p:spPr>
         <p:txBody>
-          <a:bodyPr lIns="0" rIns="0" tIns="0" bIns="0">
+          <a:bodyPr lIns="0" tIns="0" rIns="0" bIns="0">
             <a:normAutofit/>
           </a:bodyPr>
-          <a:p>
-            <a:endParaRPr b="0" lang="fr-CH" sz="3200" spc="-1" strike="noStrike">
-              <a:solidFill>
-                <a:srgbClr val="000000"/>
-              </a:solidFill>
-              <a:uFill>
-                <a:solidFill>
-                  <a:srgbClr val="ffffff"/>
+          <a:lstStyle/>
+          <a:p>
+            <a:endParaRPr lang="fr-CH" sz="3200" b="0" strike="noStrike" spc="-1">
+              <a:solidFill>
+                <a:srgbClr val="000000"/>
+              </a:solidFill>
+              <a:uFill>
+                <a:solidFill>
+                  <a:srgbClr val="FFFFFF"/>
                 </a:solidFill>
               </a:uFill>
               <a:latin typeface="Arial"/>
@@ -365,17 +473,18 @@
           </a:prstGeom>
         </p:spPr>
         <p:txBody>
-          <a:bodyPr lIns="0" rIns="0" tIns="0" bIns="0">
+          <a:bodyPr lIns="0" tIns="0" rIns="0" bIns="0">
             <a:normAutofit/>
           </a:bodyPr>
-          <a:p>
-            <a:endParaRPr b="0" lang="fr-CH" sz="3200" spc="-1" strike="noStrike">
-              <a:solidFill>
-                <a:srgbClr val="000000"/>
-              </a:solidFill>
-              <a:uFill>
-                <a:solidFill>
-                  <a:srgbClr val="ffffff"/>
+          <a:lstStyle/>
+          <a:p>
+            <a:endParaRPr lang="fr-CH" sz="3200" b="0" strike="noStrike" spc="-1">
+              <a:solidFill>
+                <a:srgbClr val="000000"/>
+              </a:solidFill>
+              <a:uFill>
+                <a:solidFill>
+                  <a:srgbClr val="FFFFFF"/>
                 </a:solidFill>
               </a:uFill>
               <a:latin typeface="Arial"/>
@@ -385,11 +494,14 @@
       </p:sp>
     </p:spTree>
   </p:cSld>
+  <p:clrMapOvr>
+    <a:masterClrMapping/>
+  </p:clrMapOvr>
 </p:sldLayout>
 </file>
 
 <file path=ppt/slideLayouts/slideLayout12.xml><?xml version="1.0" encoding="utf-8"?>
-<p:sldLayout xmlns:a="http://schemas.openxmlformats.org/drawingml/2006/main" xmlns:p="http://schemas.openxmlformats.org/presentationml/2006/main" xmlns:r="http://schemas.openxmlformats.org/officeDocument/2006/relationships" xmlns:p14="http://schemas.microsoft.com/office/powerpoint/2010/main" xmlns:p15="http://schemas.microsoft.com/office/powerpoint/2012/main" xmlns:mc="http://schemas.openxmlformats.org/markup-compatibility/2006" type="blank" preserve="1">
+<p:sldLayout xmlns:a="http://schemas.openxmlformats.org/drawingml/2006/main" xmlns:r="http://schemas.openxmlformats.org/officeDocument/2006/relationships" xmlns:p="http://schemas.openxmlformats.org/presentationml/2006/main" type="blank" preserve="1">
   <p:cSld name="Title, 6 Content">
     <p:spTree>
       <p:nvGrpSpPr>
@@ -425,16 +537,17 @@
           </a:prstGeom>
         </p:spPr>
         <p:txBody>
-          <a:bodyPr lIns="0" rIns="0" tIns="0" bIns="0" anchor="ctr"/>
+          <a:bodyPr lIns="0" tIns="0" rIns="0" bIns="0" anchor="ctr"/>
+          <a:lstStyle/>
           <a:p>
             <a:pPr algn="ctr"/>
-            <a:endParaRPr b="0" lang="fr-CH" sz="4400" spc="-1" strike="noStrike">
-              <a:solidFill>
-                <a:srgbClr val="000000"/>
-              </a:solidFill>
-              <a:uFill>
-                <a:solidFill>
-                  <a:srgbClr val="ffffff"/>
+            <a:endParaRPr lang="fr-CH" sz="4400" b="0" strike="noStrike" spc="-1">
+              <a:solidFill>
+                <a:srgbClr val="000000"/>
+              </a:solidFill>
+              <a:uFill>
+                <a:solidFill>
+                  <a:srgbClr val="FFFFFF"/>
                 </a:solidFill>
               </a:uFill>
               <a:latin typeface="Arial"/>
@@ -462,17 +575,18 @@
           </a:prstGeom>
         </p:spPr>
         <p:txBody>
-          <a:bodyPr lIns="0" rIns="0" tIns="0" bIns="0">
+          <a:bodyPr lIns="0" tIns="0" rIns="0" bIns="0">
             <a:normAutofit/>
           </a:bodyPr>
-          <a:p>
-            <a:endParaRPr b="0" lang="fr-CH" sz="3200" spc="-1" strike="noStrike">
-              <a:solidFill>
-                <a:srgbClr val="000000"/>
-              </a:solidFill>
-              <a:uFill>
-                <a:solidFill>
-                  <a:srgbClr val="ffffff"/>
+          <a:lstStyle/>
+          <a:p>
+            <a:endParaRPr lang="fr-CH" sz="3200" b="0" strike="noStrike" spc="-1">
+              <a:solidFill>
+                <a:srgbClr val="000000"/>
+              </a:solidFill>
+              <a:uFill>
+                <a:solidFill>
+                  <a:srgbClr val="FFFFFF"/>
                 </a:solidFill>
               </a:uFill>
               <a:latin typeface="Arial"/>
@@ -500,17 +614,18 @@
           </a:prstGeom>
         </p:spPr>
         <p:txBody>
-          <a:bodyPr lIns="0" rIns="0" tIns="0" bIns="0">
+          <a:bodyPr lIns="0" tIns="0" rIns="0" bIns="0">
             <a:normAutofit/>
           </a:bodyPr>
-          <a:p>
-            <a:endParaRPr b="0" lang="fr-CH" sz="3200" spc="-1" strike="noStrike">
-              <a:solidFill>
-                <a:srgbClr val="000000"/>
-              </a:solidFill>
-              <a:uFill>
-                <a:solidFill>
-                  <a:srgbClr val="ffffff"/>
+          <a:lstStyle/>
+          <a:p>
+            <a:endParaRPr lang="fr-CH" sz="3200" b="0" strike="noStrike" spc="-1">
+              <a:solidFill>
+                <a:srgbClr val="000000"/>
+              </a:solidFill>
+              <a:uFill>
+                <a:solidFill>
+                  <a:srgbClr val="FFFFFF"/>
                 </a:solidFill>
               </a:uFill>
               <a:latin typeface="Arial"/>
@@ -538,17 +653,18 @@
           </a:prstGeom>
         </p:spPr>
         <p:txBody>
-          <a:bodyPr lIns="0" rIns="0" tIns="0" bIns="0">
+          <a:bodyPr lIns="0" tIns="0" rIns="0" bIns="0">
             <a:normAutofit/>
           </a:bodyPr>
-          <a:p>
-            <a:endParaRPr b="0" lang="fr-CH" sz="3200" spc="-1" strike="noStrike">
-              <a:solidFill>
-                <a:srgbClr val="000000"/>
-              </a:solidFill>
-              <a:uFill>
-                <a:solidFill>
-                  <a:srgbClr val="ffffff"/>
+          <a:lstStyle/>
+          <a:p>
+            <a:endParaRPr lang="fr-CH" sz="3200" b="0" strike="noStrike" spc="-1">
+              <a:solidFill>
+                <a:srgbClr val="000000"/>
+              </a:solidFill>
+              <a:uFill>
+                <a:solidFill>
+                  <a:srgbClr val="FFFFFF"/>
                 </a:solidFill>
               </a:uFill>
               <a:latin typeface="Arial"/>
@@ -576,17 +692,18 @@
           </a:prstGeom>
         </p:spPr>
         <p:txBody>
-          <a:bodyPr lIns="0" rIns="0" tIns="0" bIns="0">
+          <a:bodyPr lIns="0" tIns="0" rIns="0" bIns="0">
             <a:normAutofit/>
           </a:bodyPr>
-          <a:p>
-            <a:endParaRPr b="0" lang="fr-CH" sz="3200" spc="-1" strike="noStrike">
-              <a:solidFill>
-                <a:srgbClr val="000000"/>
-              </a:solidFill>
-              <a:uFill>
-                <a:solidFill>
-                  <a:srgbClr val="ffffff"/>
+          <a:lstStyle/>
+          <a:p>
+            <a:endParaRPr lang="fr-CH" sz="3200" b="0" strike="noStrike" spc="-1">
+              <a:solidFill>
+                <a:srgbClr val="000000"/>
+              </a:solidFill>
+              <a:uFill>
+                <a:solidFill>
+                  <a:srgbClr val="FFFFFF"/>
                 </a:solidFill>
               </a:uFill>
               <a:latin typeface="Arial"/>
@@ -614,17 +731,18 @@
           </a:prstGeom>
         </p:spPr>
         <p:txBody>
-          <a:bodyPr lIns="0" rIns="0" tIns="0" bIns="0">
+          <a:bodyPr lIns="0" tIns="0" rIns="0" bIns="0">
             <a:normAutofit/>
           </a:bodyPr>
-          <a:p>
-            <a:endParaRPr b="0" lang="fr-CH" sz="3200" spc="-1" strike="noStrike">
-              <a:solidFill>
-                <a:srgbClr val="000000"/>
-              </a:solidFill>
-              <a:uFill>
-                <a:solidFill>
-                  <a:srgbClr val="ffffff"/>
+          <a:lstStyle/>
+          <a:p>
+            <a:endParaRPr lang="fr-CH" sz="3200" b="0" strike="noStrike" spc="-1">
+              <a:solidFill>
+                <a:srgbClr val="000000"/>
+              </a:solidFill>
+              <a:uFill>
+                <a:solidFill>
+                  <a:srgbClr val="FFFFFF"/>
                 </a:solidFill>
               </a:uFill>
               <a:latin typeface="Arial"/>
@@ -652,17 +770,18 @@
           </a:prstGeom>
         </p:spPr>
         <p:txBody>
-          <a:bodyPr lIns="0" rIns="0" tIns="0" bIns="0">
+          <a:bodyPr lIns="0" tIns="0" rIns="0" bIns="0">
             <a:normAutofit/>
           </a:bodyPr>
-          <a:p>
-            <a:endParaRPr b="0" lang="fr-CH" sz="3200" spc="-1" strike="noStrike">
-              <a:solidFill>
-                <a:srgbClr val="000000"/>
-              </a:solidFill>
-              <a:uFill>
-                <a:solidFill>
-                  <a:srgbClr val="ffffff"/>
+          <a:lstStyle/>
+          <a:p>
+            <a:endParaRPr lang="fr-CH" sz="3200" b="0" strike="noStrike" spc="-1">
+              <a:solidFill>
+                <a:srgbClr val="000000"/>
+              </a:solidFill>
+              <a:uFill>
+                <a:solidFill>
+                  <a:srgbClr val="FFFFFF"/>
                 </a:solidFill>
               </a:uFill>
               <a:latin typeface="Arial"/>
@@ -672,11 +791,14 @@
       </p:sp>
     </p:spTree>
   </p:cSld>
+  <p:clrMapOvr>
+    <a:masterClrMapping/>
+  </p:clrMapOvr>
 </p:sldLayout>
 </file>
 
 <file path=ppt/slideLayouts/slideLayout13.xml><?xml version="1.0" encoding="utf-8"?>
-<p:sldLayout xmlns:a="http://schemas.openxmlformats.org/drawingml/2006/main" xmlns:p="http://schemas.openxmlformats.org/presentationml/2006/main" xmlns:r="http://schemas.openxmlformats.org/officeDocument/2006/relationships" xmlns:p14="http://schemas.microsoft.com/office/powerpoint/2010/main" xmlns:p15="http://schemas.microsoft.com/office/powerpoint/2012/main" xmlns:mc="http://schemas.openxmlformats.org/markup-compatibility/2006" type="blank" preserve="1">
+<p:sldLayout xmlns:a="http://schemas.openxmlformats.org/drawingml/2006/main" xmlns:r="http://schemas.openxmlformats.org/officeDocument/2006/relationships" xmlns:p="http://schemas.openxmlformats.org/presentationml/2006/main" type="blank" preserve="1">
   <p:cSld name="Blank Slide">
     <p:spTree>
       <p:nvGrpSpPr>
@@ -694,11 +816,14 @@
       </p:grpSpPr>
     </p:spTree>
   </p:cSld>
+  <p:clrMapOvr>
+    <a:masterClrMapping/>
+  </p:clrMapOvr>
 </p:sldLayout>
 </file>
 
 <file path=ppt/slideLayouts/slideLayout14.xml><?xml version="1.0" encoding="utf-8"?>
-<p:sldLayout xmlns:a="http://schemas.openxmlformats.org/drawingml/2006/main" xmlns:p="http://schemas.openxmlformats.org/presentationml/2006/main" xmlns:r="http://schemas.openxmlformats.org/officeDocument/2006/relationships" xmlns:p14="http://schemas.microsoft.com/office/powerpoint/2010/main" xmlns:p15="http://schemas.microsoft.com/office/powerpoint/2012/main" xmlns:mc="http://schemas.openxmlformats.org/markup-compatibility/2006" type="tx" preserve="1">
+<p:sldLayout xmlns:a="http://schemas.openxmlformats.org/drawingml/2006/main" xmlns:r="http://schemas.openxmlformats.org/officeDocument/2006/relationships" xmlns:p="http://schemas.openxmlformats.org/presentationml/2006/main" type="tx" preserve="1">
   <p:cSld name="Title Slide">
     <p:spTree>
       <p:nvGrpSpPr>
@@ -734,16 +859,17 @@
           </a:prstGeom>
         </p:spPr>
         <p:txBody>
-          <a:bodyPr lIns="0" rIns="0" tIns="0" bIns="0" anchor="ctr"/>
+          <a:bodyPr lIns="0" tIns="0" rIns="0" bIns="0" anchor="ctr"/>
+          <a:lstStyle/>
           <a:p>
             <a:pPr algn="ctr"/>
-            <a:endParaRPr b="0" lang="fr-CH" sz="4400" spc="-1" strike="noStrike">
-              <a:solidFill>
-                <a:srgbClr val="000000"/>
-              </a:solidFill>
-              <a:uFill>
-                <a:solidFill>
-                  <a:srgbClr val="ffffff"/>
+            <a:endParaRPr lang="fr-CH" sz="4400" b="0" strike="noStrike" spc="-1">
+              <a:solidFill>
+                <a:srgbClr val="000000"/>
+              </a:solidFill>
+              <a:uFill>
+                <a:solidFill>
+                  <a:srgbClr val="FFFFFF"/>
                 </a:solidFill>
               </a:uFill>
               <a:latin typeface="Arial"/>
@@ -771,16 +897,17 @@
           </a:prstGeom>
         </p:spPr>
         <p:txBody>
-          <a:bodyPr lIns="0" rIns="0" tIns="0" bIns="0" anchor="ctr"/>
+          <a:bodyPr lIns="0" tIns="0" rIns="0" bIns="0" anchor="ctr"/>
+          <a:lstStyle/>
           <a:p>
             <a:pPr algn="ctr"/>
-            <a:endParaRPr b="0" lang="fr-CH" sz="3200" spc="-1" strike="noStrike">
-              <a:solidFill>
-                <a:srgbClr val="000000"/>
-              </a:solidFill>
-              <a:uFill>
-                <a:solidFill>
-                  <a:srgbClr val="ffffff"/>
+            <a:endParaRPr lang="fr-CH" sz="3200" b="0" strike="noStrike" spc="-1">
+              <a:solidFill>
+                <a:srgbClr val="000000"/>
+              </a:solidFill>
+              <a:uFill>
+                <a:solidFill>
+                  <a:srgbClr val="FFFFFF"/>
                 </a:solidFill>
               </a:uFill>
               <a:latin typeface="Arial"/>
@@ -790,11 +917,14 @@
       </p:sp>
     </p:spTree>
   </p:cSld>
+  <p:clrMapOvr>
+    <a:masterClrMapping/>
+  </p:clrMapOvr>
 </p:sldLayout>
 </file>
 
 <file path=ppt/slideLayouts/slideLayout15.xml><?xml version="1.0" encoding="utf-8"?>
-<p:sldLayout xmlns:a="http://schemas.openxmlformats.org/drawingml/2006/main" xmlns:p="http://schemas.openxmlformats.org/presentationml/2006/main" xmlns:r="http://schemas.openxmlformats.org/officeDocument/2006/relationships" xmlns:p14="http://schemas.microsoft.com/office/powerpoint/2010/main" xmlns:p15="http://schemas.microsoft.com/office/powerpoint/2012/main" xmlns:mc="http://schemas.openxmlformats.org/markup-compatibility/2006" type="obj" preserve="1">
+<p:sldLayout xmlns:a="http://schemas.openxmlformats.org/drawingml/2006/main" xmlns:r="http://schemas.openxmlformats.org/officeDocument/2006/relationships" xmlns:p="http://schemas.openxmlformats.org/presentationml/2006/main" type="obj" preserve="1">
   <p:cSld name="Title, Content">
     <p:spTree>
       <p:nvGrpSpPr>
@@ -830,16 +960,17 @@
           </a:prstGeom>
         </p:spPr>
         <p:txBody>
-          <a:bodyPr lIns="0" rIns="0" tIns="0" bIns="0" anchor="ctr"/>
+          <a:bodyPr lIns="0" tIns="0" rIns="0" bIns="0" anchor="ctr"/>
+          <a:lstStyle/>
           <a:p>
             <a:pPr algn="ctr"/>
-            <a:endParaRPr b="0" lang="fr-CH" sz="4400" spc="-1" strike="noStrike">
-              <a:solidFill>
-                <a:srgbClr val="000000"/>
-              </a:solidFill>
-              <a:uFill>
-                <a:solidFill>
-                  <a:srgbClr val="ffffff"/>
+            <a:endParaRPr lang="fr-CH" sz="4400" b="0" strike="noStrike" spc="-1">
+              <a:solidFill>
+                <a:srgbClr val="000000"/>
+              </a:solidFill>
+              <a:uFill>
+                <a:solidFill>
+                  <a:srgbClr val="FFFFFF"/>
                 </a:solidFill>
               </a:uFill>
               <a:latin typeface="Arial"/>
@@ -867,17 +998,18 @@
           </a:prstGeom>
         </p:spPr>
         <p:txBody>
-          <a:bodyPr lIns="0" rIns="0" tIns="0" bIns="0">
+          <a:bodyPr lIns="0" tIns="0" rIns="0" bIns="0">
             <a:normAutofit/>
           </a:bodyPr>
-          <a:p>
-            <a:endParaRPr b="0" lang="fr-CH" sz="3200" spc="-1" strike="noStrike">
-              <a:solidFill>
-                <a:srgbClr val="000000"/>
-              </a:solidFill>
-              <a:uFill>
-                <a:solidFill>
-                  <a:srgbClr val="ffffff"/>
+          <a:lstStyle/>
+          <a:p>
+            <a:endParaRPr lang="fr-CH" sz="3200" b="0" strike="noStrike" spc="-1">
+              <a:solidFill>
+                <a:srgbClr val="000000"/>
+              </a:solidFill>
+              <a:uFill>
+                <a:solidFill>
+                  <a:srgbClr val="FFFFFF"/>
                 </a:solidFill>
               </a:uFill>
               <a:latin typeface="Arial"/>
@@ -887,11 +1019,14 @@
       </p:sp>
     </p:spTree>
   </p:cSld>
+  <p:clrMapOvr>
+    <a:masterClrMapping/>
+  </p:clrMapOvr>
 </p:sldLayout>
 </file>
 
 <file path=ppt/slideLayouts/slideLayout16.xml><?xml version="1.0" encoding="utf-8"?>
-<p:sldLayout xmlns:a="http://schemas.openxmlformats.org/drawingml/2006/main" xmlns:p="http://schemas.openxmlformats.org/presentationml/2006/main" xmlns:r="http://schemas.openxmlformats.org/officeDocument/2006/relationships" xmlns:p14="http://schemas.microsoft.com/office/powerpoint/2010/main" xmlns:p15="http://schemas.microsoft.com/office/powerpoint/2012/main" xmlns:mc="http://schemas.openxmlformats.org/markup-compatibility/2006" type="twoObj" preserve="1">
+<p:sldLayout xmlns:a="http://schemas.openxmlformats.org/drawingml/2006/main" xmlns:r="http://schemas.openxmlformats.org/officeDocument/2006/relationships" xmlns:p="http://schemas.openxmlformats.org/presentationml/2006/main" type="twoObj" preserve="1">
   <p:cSld name="Title, 2 Content">
     <p:spTree>
       <p:nvGrpSpPr>
@@ -927,16 +1062,17 @@
           </a:prstGeom>
         </p:spPr>
         <p:txBody>
-          <a:bodyPr lIns="0" rIns="0" tIns="0" bIns="0" anchor="ctr"/>
+          <a:bodyPr lIns="0" tIns="0" rIns="0" bIns="0" anchor="ctr"/>
+          <a:lstStyle/>
           <a:p>
             <a:pPr algn="ctr"/>
-            <a:endParaRPr b="0" lang="fr-CH" sz="4400" spc="-1" strike="noStrike">
-              <a:solidFill>
-                <a:srgbClr val="000000"/>
-              </a:solidFill>
-              <a:uFill>
-                <a:solidFill>
-                  <a:srgbClr val="ffffff"/>
+            <a:endParaRPr lang="fr-CH" sz="4400" b="0" strike="noStrike" spc="-1">
+              <a:solidFill>
+                <a:srgbClr val="000000"/>
+              </a:solidFill>
+              <a:uFill>
+                <a:solidFill>
+                  <a:srgbClr val="FFFFFF"/>
                 </a:solidFill>
               </a:uFill>
               <a:latin typeface="Arial"/>
@@ -964,17 +1100,18 @@
           </a:prstGeom>
         </p:spPr>
         <p:txBody>
-          <a:bodyPr lIns="0" rIns="0" tIns="0" bIns="0">
+          <a:bodyPr lIns="0" tIns="0" rIns="0" bIns="0">
             <a:normAutofit/>
           </a:bodyPr>
-          <a:p>
-            <a:endParaRPr b="0" lang="fr-CH" sz="3200" spc="-1" strike="noStrike">
-              <a:solidFill>
-                <a:srgbClr val="000000"/>
-              </a:solidFill>
-              <a:uFill>
-                <a:solidFill>
-                  <a:srgbClr val="ffffff"/>
+          <a:lstStyle/>
+          <a:p>
+            <a:endParaRPr lang="fr-CH" sz="3200" b="0" strike="noStrike" spc="-1">
+              <a:solidFill>
+                <a:srgbClr val="000000"/>
+              </a:solidFill>
+              <a:uFill>
+                <a:solidFill>
+                  <a:srgbClr val="FFFFFF"/>
                 </a:solidFill>
               </a:uFill>
               <a:latin typeface="Arial"/>
@@ -1002,17 +1139,18 @@
           </a:prstGeom>
         </p:spPr>
         <p:txBody>
-          <a:bodyPr lIns="0" rIns="0" tIns="0" bIns="0">
+          <a:bodyPr lIns="0" tIns="0" rIns="0" bIns="0">
             <a:normAutofit/>
           </a:bodyPr>
-          <a:p>
-            <a:endParaRPr b="0" lang="fr-CH" sz="3200" spc="-1" strike="noStrike">
-              <a:solidFill>
-                <a:srgbClr val="000000"/>
-              </a:solidFill>
-              <a:uFill>
-                <a:solidFill>
-                  <a:srgbClr val="ffffff"/>
+          <a:lstStyle/>
+          <a:p>
+            <a:endParaRPr lang="fr-CH" sz="3200" b="0" strike="noStrike" spc="-1">
+              <a:solidFill>
+                <a:srgbClr val="000000"/>
+              </a:solidFill>
+              <a:uFill>
+                <a:solidFill>
+                  <a:srgbClr val="FFFFFF"/>
                 </a:solidFill>
               </a:uFill>
               <a:latin typeface="Arial"/>
@@ -1022,11 +1160,14 @@
       </p:sp>
     </p:spTree>
   </p:cSld>
+  <p:clrMapOvr>
+    <a:masterClrMapping/>
+  </p:clrMapOvr>
 </p:sldLayout>
 </file>
 
 <file path=ppt/slideLayouts/slideLayout17.xml><?xml version="1.0" encoding="utf-8"?>
-<p:sldLayout xmlns:a="http://schemas.openxmlformats.org/drawingml/2006/main" xmlns:p="http://schemas.openxmlformats.org/presentationml/2006/main" xmlns:r="http://schemas.openxmlformats.org/officeDocument/2006/relationships" xmlns:p14="http://schemas.microsoft.com/office/powerpoint/2010/main" xmlns:p15="http://schemas.microsoft.com/office/powerpoint/2012/main" xmlns:mc="http://schemas.openxmlformats.org/markup-compatibility/2006" type="titleOnly" preserve="1">
+<p:sldLayout xmlns:a="http://schemas.openxmlformats.org/drawingml/2006/main" xmlns:r="http://schemas.openxmlformats.org/officeDocument/2006/relationships" xmlns:p="http://schemas.openxmlformats.org/presentationml/2006/main" type="titleOnly" preserve="1">
   <p:cSld name="Title Only">
     <p:spTree>
       <p:nvGrpSpPr>
@@ -1062,16 +1203,17 @@
           </a:prstGeom>
         </p:spPr>
         <p:txBody>
-          <a:bodyPr lIns="0" rIns="0" tIns="0" bIns="0" anchor="ctr"/>
+          <a:bodyPr lIns="0" tIns="0" rIns="0" bIns="0" anchor="ctr"/>
+          <a:lstStyle/>
           <a:p>
             <a:pPr algn="ctr"/>
-            <a:endParaRPr b="0" lang="fr-CH" sz="4400" spc="-1" strike="noStrike">
-              <a:solidFill>
-                <a:srgbClr val="000000"/>
-              </a:solidFill>
-              <a:uFill>
-                <a:solidFill>
-                  <a:srgbClr val="ffffff"/>
+            <a:endParaRPr lang="fr-CH" sz="4400" b="0" strike="noStrike" spc="-1">
+              <a:solidFill>
+                <a:srgbClr val="000000"/>
+              </a:solidFill>
+              <a:uFill>
+                <a:solidFill>
+                  <a:srgbClr val="FFFFFF"/>
                 </a:solidFill>
               </a:uFill>
               <a:latin typeface="Arial"/>
@@ -1081,11 +1223,14 @@
       </p:sp>
     </p:spTree>
   </p:cSld>
+  <p:clrMapOvr>
+    <a:masterClrMapping/>
+  </p:clrMapOvr>
 </p:sldLayout>
 </file>
 
 <file path=ppt/slideLayouts/slideLayout18.xml><?xml version="1.0" encoding="utf-8"?>
-<p:sldLayout xmlns:a="http://schemas.openxmlformats.org/drawingml/2006/main" xmlns:p="http://schemas.openxmlformats.org/presentationml/2006/main" xmlns:r="http://schemas.openxmlformats.org/officeDocument/2006/relationships" xmlns:p14="http://schemas.microsoft.com/office/powerpoint/2010/main" xmlns:p15="http://schemas.microsoft.com/office/powerpoint/2012/main" xmlns:mc="http://schemas.openxmlformats.org/markup-compatibility/2006" type="objOnly" preserve="1">
+<p:sldLayout xmlns:a="http://schemas.openxmlformats.org/drawingml/2006/main" xmlns:r="http://schemas.openxmlformats.org/officeDocument/2006/relationships" xmlns:p="http://schemas.openxmlformats.org/presentationml/2006/main" type="objOnly" preserve="1">
   <p:cSld name="Centered Text">
     <p:spTree>
       <p:nvGrpSpPr>
@@ -1121,16 +1266,17 @@
           </a:prstGeom>
         </p:spPr>
         <p:txBody>
-          <a:bodyPr lIns="0" rIns="0" tIns="0" bIns="0" anchor="ctr"/>
+          <a:bodyPr lIns="0" tIns="0" rIns="0" bIns="0" anchor="ctr"/>
+          <a:lstStyle/>
           <a:p>
             <a:pPr algn="ctr"/>
-            <a:endParaRPr b="0" lang="fr-CH" sz="3200" spc="-1" strike="noStrike">
-              <a:solidFill>
-                <a:srgbClr val="000000"/>
-              </a:solidFill>
-              <a:uFill>
-                <a:solidFill>
-                  <a:srgbClr val="ffffff"/>
+            <a:endParaRPr lang="fr-CH" sz="3200" b="0" strike="noStrike" spc="-1">
+              <a:solidFill>
+                <a:srgbClr val="000000"/>
+              </a:solidFill>
+              <a:uFill>
+                <a:solidFill>
+                  <a:srgbClr val="FFFFFF"/>
                 </a:solidFill>
               </a:uFill>
               <a:latin typeface="Arial"/>
@@ -1140,11 +1286,14 @@
       </p:sp>
     </p:spTree>
   </p:cSld>
+  <p:clrMapOvr>
+    <a:masterClrMapping/>
+  </p:clrMapOvr>
 </p:sldLayout>
 </file>
 
 <file path=ppt/slideLayouts/slideLayout19.xml><?xml version="1.0" encoding="utf-8"?>
-<p:sldLayout xmlns:a="http://schemas.openxmlformats.org/drawingml/2006/main" xmlns:p="http://schemas.openxmlformats.org/presentationml/2006/main" xmlns:r="http://schemas.openxmlformats.org/officeDocument/2006/relationships" xmlns:p14="http://schemas.microsoft.com/office/powerpoint/2010/main" xmlns:p15="http://schemas.microsoft.com/office/powerpoint/2012/main" xmlns:mc="http://schemas.openxmlformats.org/markup-compatibility/2006" type="twoObjAndObj" preserve="1">
+<p:sldLayout xmlns:a="http://schemas.openxmlformats.org/drawingml/2006/main" xmlns:r="http://schemas.openxmlformats.org/officeDocument/2006/relationships" xmlns:p="http://schemas.openxmlformats.org/presentationml/2006/main" type="twoObjAndObj" preserve="1">
   <p:cSld name="Title, 2 Content and Content">
     <p:spTree>
       <p:nvGrpSpPr>
@@ -1180,16 +1329,17 @@
           </a:prstGeom>
         </p:spPr>
         <p:txBody>
-          <a:bodyPr lIns="0" rIns="0" tIns="0" bIns="0" anchor="ctr"/>
+          <a:bodyPr lIns="0" tIns="0" rIns="0" bIns="0" anchor="ctr"/>
+          <a:lstStyle/>
           <a:p>
             <a:pPr algn="ctr"/>
-            <a:endParaRPr b="0" lang="fr-CH" sz="4400" spc="-1" strike="noStrike">
-              <a:solidFill>
-                <a:srgbClr val="000000"/>
-              </a:solidFill>
-              <a:uFill>
-                <a:solidFill>
-                  <a:srgbClr val="ffffff"/>
+            <a:endParaRPr lang="fr-CH" sz="4400" b="0" strike="noStrike" spc="-1">
+              <a:solidFill>
+                <a:srgbClr val="000000"/>
+              </a:solidFill>
+              <a:uFill>
+                <a:solidFill>
+                  <a:srgbClr val="FFFFFF"/>
                 </a:solidFill>
               </a:uFill>
               <a:latin typeface="Arial"/>
@@ -1217,17 +1367,18 @@
           </a:prstGeom>
         </p:spPr>
         <p:txBody>
-          <a:bodyPr lIns="0" rIns="0" tIns="0" bIns="0">
+          <a:bodyPr lIns="0" tIns="0" rIns="0" bIns="0">
             <a:normAutofit/>
           </a:bodyPr>
-          <a:p>
-            <a:endParaRPr b="0" lang="fr-CH" sz="3200" spc="-1" strike="noStrike">
-              <a:solidFill>
-                <a:srgbClr val="000000"/>
-              </a:solidFill>
-              <a:uFill>
-                <a:solidFill>
-                  <a:srgbClr val="ffffff"/>
+          <a:lstStyle/>
+          <a:p>
+            <a:endParaRPr lang="fr-CH" sz="3200" b="0" strike="noStrike" spc="-1">
+              <a:solidFill>
+                <a:srgbClr val="000000"/>
+              </a:solidFill>
+              <a:uFill>
+                <a:solidFill>
+                  <a:srgbClr val="FFFFFF"/>
                 </a:solidFill>
               </a:uFill>
               <a:latin typeface="Arial"/>
@@ -1255,17 +1406,18 @@
           </a:prstGeom>
         </p:spPr>
         <p:txBody>
-          <a:bodyPr lIns="0" rIns="0" tIns="0" bIns="0">
+          <a:bodyPr lIns="0" tIns="0" rIns="0" bIns="0">
             <a:normAutofit/>
           </a:bodyPr>
-          <a:p>
-            <a:endParaRPr b="0" lang="fr-CH" sz="3200" spc="-1" strike="noStrike">
-              <a:solidFill>
-                <a:srgbClr val="000000"/>
-              </a:solidFill>
-              <a:uFill>
-                <a:solidFill>
-                  <a:srgbClr val="ffffff"/>
+          <a:lstStyle/>
+          <a:p>
+            <a:endParaRPr lang="fr-CH" sz="3200" b="0" strike="noStrike" spc="-1">
+              <a:solidFill>
+                <a:srgbClr val="000000"/>
+              </a:solidFill>
+              <a:uFill>
+                <a:solidFill>
+                  <a:srgbClr val="FFFFFF"/>
                 </a:solidFill>
               </a:uFill>
               <a:latin typeface="Arial"/>
@@ -1293,17 +1445,18 @@
           </a:prstGeom>
         </p:spPr>
         <p:txBody>
-          <a:bodyPr lIns="0" rIns="0" tIns="0" bIns="0">
+          <a:bodyPr lIns="0" tIns="0" rIns="0" bIns="0">
             <a:normAutofit/>
           </a:bodyPr>
-          <a:p>
-            <a:endParaRPr b="0" lang="fr-CH" sz="3200" spc="-1" strike="noStrike">
-              <a:solidFill>
-                <a:srgbClr val="000000"/>
-              </a:solidFill>
-              <a:uFill>
-                <a:solidFill>
-                  <a:srgbClr val="ffffff"/>
+          <a:lstStyle/>
+          <a:p>
+            <a:endParaRPr lang="fr-CH" sz="3200" b="0" strike="noStrike" spc="-1">
+              <a:solidFill>
+                <a:srgbClr val="000000"/>
+              </a:solidFill>
+              <a:uFill>
+                <a:solidFill>
+                  <a:srgbClr val="FFFFFF"/>
                 </a:solidFill>
               </a:uFill>
               <a:latin typeface="Arial"/>
@@ -1313,11 +1466,14 @@
       </p:sp>
     </p:spTree>
   </p:cSld>
+  <p:clrMapOvr>
+    <a:masterClrMapping/>
+  </p:clrMapOvr>
 </p:sldLayout>
 </file>
 
 <file path=ppt/slideLayouts/slideLayout2.xml><?xml version="1.0" encoding="utf-8"?>
-<p:sldLayout xmlns:a="http://schemas.openxmlformats.org/drawingml/2006/main" xmlns:p="http://schemas.openxmlformats.org/presentationml/2006/main" xmlns:r="http://schemas.openxmlformats.org/officeDocument/2006/relationships" xmlns:p14="http://schemas.microsoft.com/office/powerpoint/2010/main" xmlns:p15="http://schemas.microsoft.com/office/powerpoint/2012/main" xmlns:mc="http://schemas.openxmlformats.org/markup-compatibility/2006" type="tx" preserve="1">
+<p:sldLayout xmlns:a="http://schemas.openxmlformats.org/drawingml/2006/main" xmlns:r="http://schemas.openxmlformats.org/officeDocument/2006/relationships" xmlns:p="http://schemas.openxmlformats.org/presentationml/2006/main" type="tx" preserve="1">
   <p:cSld name="Title Slide">
     <p:spTree>
       <p:nvGrpSpPr>
@@ -1353,16 +1509,17 @@
           </a:prstGeom>
         </p:spPr>
         <p:txBody>
-          <a:bodyPr lIns="0" rIns="0" tIns="0" bIns="0" anchor="ctr"/>
+          <a:bodyPr lIns="0" tIns="0" rIns="0" bIns="0" anchor="ctr"/>
+          <a:lstStyle/>
           <a:p>
             <a:pPr algn="ctr"/>
-            <a:endParaRPr b="0" lang="fr-CH" sz="4400" spc="-1" strike="noStrike">
-              <a:solidFill>
-                <a:srgbClr val="000000"/>
-              </a:solidFill>
-              <a:uFill>
-                <a:solidFill>
-                  <a:srgbClr val="ffffff"/>
+            <a:endParaRPr lang="fr-CH" sz="4400" b="0" strike="noStrike" spc="-1">
+              <a:solidFill>
+                <a:srgbClr val="000000"/>
+              </a:solidFill>
+              <a:uFill>
+                <a:solidFill>
+                  <a:srgbClr val="FFFFFF"/>
                 </a:solidFill>
               </a:uFill>
               <a:latin typeface="Arial"/>
@@ -1390,16 +1547,17 @@
           </a:prstGeom>
         </p:spPr>
         <p:txBody>
-          <a:bodyPr lIns="0" rIns="0" tIns="0" bIns="0" anchor="ctr"/>
+          <a:bodyPr lIns="0" tIns="0" rIns="0" bIns="0" anchor="ctr"/>
+          <a:lstStyle/>
           <a:p>
             <a:pPr algn="ctr"/>
-            <a:endParaRPr b="0" lang="fr-CH" sz="3200" spc="-1" strike="noStrike">
-              <a:solidFill>
-                <a:srgbClr val="000000"/>
-              </a:solidFill>
-              <a:uFill>
-                <a:solidFill>
-                  <a:srgbClr val="ffffff"/>
+            <a:endParaRPr lang="fr-CH" sz="3200" b="0" strike="noStrike" spc="-1">
+              <a:solidFill>
+                <a:srgbClr val="000000"/>
+              </a:solidFill>
+              <a:uFill>
+                <a:solidFill>
+                  <a:srgbClr val="FFFFFF"/>
                 </a:solidFill>
               </a:uFill>
               <a:latin typeface="Arial"/>
@@ -1409,11 +1567,14 @@
       </p:sp>
     </p:spTree>
   </p:cSld>
+  <p:clrMapOvr>
+    <a:masterClrMapping/>
+  </p:clrMapOvr>
 </p:sldLayout>
 </file>
 
 <file path=ppt/slideLayouts/slideLayout20.xml><?xml version="1.0" encoding="utf-8"?>
-<p:sldLayout xmlns:a="http://schemas.openxmlformats.org/drawingml/2006/main" xmlns:p="http://schemas.openxmlformats.org/presentationml/2006/main" xmlns:r="http://schemas.openxmlformats.org/officeDocument/2006/relationships" xmlns:p14="http://schemas.microsoft.com/office/powerpoint/2010/main" xmlns:p15="http://schemas.microsoft.com/office/powerpoint/2012/main" xmlns:mc="http://schemas.openxmlformats.org/markup-compatibility/2006" type="objAndTwoObj" preserve="1">
+<p:sldLayout xmlns:a="http://schemas.openxmlformats.org/drawingml/2006/main" xmlns:r="http://schemas.openxmlformats.org/officeDocument/2006/relationships" xmlns:p="http://schemas.openxmlformats.org/presentationml/2006/main" type="objAndTwoObj" preserve="1">
   <p:cSld name="Title Content and 2 Content">
     <p:spTree>
       <p:nvGrpSpPr>
@@ -1449,16 +1610,17 @@
           </a:prstGeom>
         </p:spPr>
         <p:txBody>
-          <a:bodyPr lIns="0" rIns="0" tIns="0" bIns="0" anchor="ctr"/>
+          <a:bodyPr lIns="0" tIns="0" rIns="0" bIns="0" anchor="ctr"/>
+          <a:lstStyle/>
           <a:p>
             <a:pPr algn="ctr"/>
-            <a:endParaRPr b="0" lang="fr-CH" sz="4400" spc="-1" strike="noStrike">
-              <a:solidFill>
-                <a:srgbClr val="000000"/>
-              </a:solidFill>
-              <a:uFill>
-                <a:solidFill>
-                  <a:srgbClr val="ffffff"/>
+            <a:endParaRPr lang="fr-CH" sz="4400" b="0" strike="noStrike" spc="-1">
+              <a:solidFill>
+                <a:srgbClr val="000000"/>
+              </a:solidFill>
+              <a:uFill>
+                <a:solidFill>
+                  <a:srgbClr val="FFFFFF"/>
                 </a:solidFill>
               </a:uFill>
               <a:latin typeface="Arial"/>
@@ -1486,17 +1648,18 @@
           </a:prstGeom>
         </p:spPr>
         <p:txBody>
-          <a:bodyPr lIns="0" rIns="0" tIns="0" bIns="0">
+          <a:bodyPr lIns="0" tIns="0" rIns="0" bIns="0">
             <a:normAutofit/>
           </a:bodyPr>
-          <a:p>
-            <a:endParaRPr b="0" lang="fr-CH" sz="3200" spc="-1" strike="noStrike">
-              <a:solidFill>
-                <a:srgbClr val="000000"/>
-              </a:solidFill>
-              <a:uFill>
-                <a:solidFill>
-                  <a:srgbClr val="ffffff"/>
+          <a:lstStyle/>
+          <a:p>
+            <a:endParaRPr lang="fr-CH" sz="3200" b="0" strike="noStrike" spc="-1">
+              <a:solidFill>
+                <a:srgbClr val="000000"/>
+              </a:solidFill>
+              <a:uFill>
+                <a:solidFill>
+                  <a:srgbClr val="FFFFFF"/>
                 </a:solidFill>
               </a:uFill>
               <a:latin typeface="Arial"/>
@@ -1524,17 +1687,18 @@
           </a:prstGeom>
         </p:spPr>
         <p:txBody>
-          <a:bodyPr lIns="0" rIns="0" tIns="0" bIns="0">
+          <a:bodyPr lIns="0" tIns="0" rIns="0" bIns="0">
             <a:normAutofit/>
           </a:bodyPr>
-          <a:p>
-            <a:endParaRPr b="0" lang="fr-CH" sz="3200" spc="-1" strike="noStrike">
-              <a:solidFill>
-                <a:srgbClr val="000000"/>
-              </a:solidFill>
-              <a:uFill>
-                <a:solidFill>
-                  <a:srgbClr val="ffffff"/>
+          <a:lstStyle/>
+          <a:p>
+            <a:endParaRPr lang="fr-CH" sz="3200" b="0" strike="noStrike" spc="-1">
+              <a:solidFill>
+                <a:srgbClr val="000000"/>
+              </a:solidFill>
+              <a:uFill>
+                <a:solidFill>
+                  <a:srgbClr val="FFFFFF"/>
                 </a:solidFill>
               </a:uFill>
               <a:latin typeface="Arial"/>
@@ -1562,17 +1726,18 @@
           </a:prstGeom>
         </p:spPr>
         <p:txBody>
-          <a:bodyPr lIns="0" rIns="0" tIns="0" bIns="0">
+          <a:bodyPr lIns="0" tIns="0" rIns="0" bIns="0">
             <a:normAutofit/>
           </a:bodyPr>
-          <a:p>
-            <a:endParaRPr b="0" lang="fr-CH" sz="3200" spc="-1" strike="noStrike">
-              <a:solidFill>
-                <a:srgbClr val="000000"/>
-              </a:solidFill>
-              <a:uFill>
-                <a:solidFill>
-                  <a:srgbClr val="ffffff"/>
+          <a:lstStyle/>
+          <a:p>
+            <a:endParaRPr lang="fr-CH" sz="3200" b="0" strike="noStrike" spc="-1">
+              <a:solidFill>
+                <a:srgbClr val="000000"/>
+              </a:solidFill>
+              <a:uFill>
+                <a:solidFill>
+                  <a:srgbClr val="FFFFFF"/>
                 </a:solidFill>
               </a:uFill>
               <a:latin typeface="Arial"/>
@@ -1582,11 +1747,14 @@
       </p:sp>
     </p:spTree>
   </p:cSld>
+  <p:clrMapOvr>
+    <a:masterClrMapping/>
+  </p:clrMapOvr>
 </p:sldLayout>
 </file>
 
 <file path=ppt/slideLayouts/slideLayout21.xml><?xml version="1.0" encoding="utf-8"?>
-<p:sldLayout xmlns:a="http://schemas.openxmlformats.org/drawingml/2006/main" xmlns:p="http://schemas.openxmlformats.org/presentationml/2006/main" xmlns:r="http://schemas.openxmlformats.org/officeDocument/2006/relationships" xmlns:p14="http://schemas.microsoft.com/office/powerpoint/2010/main" xmlns:p15="http://schemas.microsoft.com/office/powerpoint/2012/main" xmlns:mc="http://schemas.openxmlformats.org/markup-compatibility/2006" type="twoObjOverTx" preserve="1">
+<p:sldLayout xmlns:a="http://schemas.openxmlformats.org/drawingml/2006/main" xmlns:r="http://schemas.openxmlformats.org/officeDocument/2006/relationships" xmlns:p="http://schemas.openxmlformats.org/presentationml/2006/main" type="twoObjOverTx" preserve="1">
   <p:cSld name="Title, 2 Content over Content">
     <p:spTree>
       <p:nvGrpSpPr>
@@ -1622,16 +1790,17 @@
           </a:prstGeom>
         </p:spPr>
         <p:txBody>
-          <a:bodyPr lIns="0" rIns="0" tIns="0" bIns="0" anchor="ctr"/>
+          <a:bodyPr lIns="0" tIns="0" rIns="0" bIns="0" anchor="ctr"/>
+          <a:lstStyle/>
           <a:p>
             <a:pPr algn="ctr"/>
-            <a:endParaRPr b="0" lang="fr-CH" sz="4400" spc="-1" strike="noStrike">
-              <a:solidFill>
-                <a:srgbClr val="000000"/>
-              </a:solidFill>
-              <a:uFill>
-                <a:solidFill>
-                  <a:srgbClr val="ffffff"/>
+            <a:endParaRPr lang="fr-CH" sz="4400" b="0" strike="noStrike" spc="-1">
+              <a:solidFill>
+                <a:srgbClr val="000000"/>
+              </a:solidFill>
+              <a:uFill>
+                <a:solidFill>
+                  <a:srgbClr val="FFFFFF"/>
                 </a:solidFill>
               </a:uFill>
               <a:latin typeface="Arial"/>
@@ -1659,17 +1828,18 @@
           </a:prstGeom>
         </p:spPr>
         <p:txBody>
-          <a:bodyPr lIns="0" rIns="0" tIns="0" bIns="0">
+          <a:bodyPr lIns="0" tIns="0" rIns="0" bIns="0">
             <a:normAutofit/>
           </a:bodyPr>
-          <a:p>
-            <a:endParaRPr b="0" lang="fr-CH" sz="3200" spc="-1" strike="noStrike">
-              <a:solidFill>
-                <a:srgbClr val="000000"/>
-              </a:solidFill>
-              <a:uFill>
-                <a:solidFill>
-                  <a:srgbClr val="ffffff"/>
+          <a:lstStyle/>
+          <a:p>
+            <a:endParaRPr lang="fr-CH" sz="3200" b="0" strike="noStrike" spc="-1">
+              <a:solidFill>
+                <a:srgbClr val="000000"/>
+              </a:solidFill>
+              <a:uFill>
+                <a:solidFill>
+                  <a:srgbClr val="FFFFFF"/>
                 </a:solidFill>
               </a:uFill>
               <a:latin typeface="Arial"/>
@@ -1697,17 +1867,18 @@
           </a:prstGeom>
         </p:spPr>
         <p:txBody>
-          <a:bodyPr lIns="0" rIns="0" tIns="0" bIns="0">
+          <a:bodyPr lIns="0" tIns="0" rIns="0" bIns="0">
             <a:normAutofit/>
           </a:bodyPr>
-          <a:p>
-            <a:endParaRPr b="0" lang="fr-CH" sz="3200" spc="-1" strike="noStrike">
-              <a:solidFill>
-                <a:srgbClr val="000000"/>
-              </a:solidFill>
-              <a:uFill>
-                <a:solidFill>
-                  <a:srgbClr val="ffffff"/>
+          <a:lstStyle/>
+          <a:p>
+            <a:endParaRPr lang="fr-CH" sz="3200" b="0" strike="noStrike" spc="-1">
+              <a:solidFill>
+                <a:srgbClr val="000000"/>
+              </a:solidFill>
+              <a:uFill>
+                <a:solidFill>
+                  <a:srgbClr val="FFFFFF"/>
                 </a:solidFill>
               </a:uFill>
               <a:latin typeface="Arial"/>
@@ -1735,17 +1906,18 @@
           </a:prstGeom>
         </p:spPr>
         <p:txBody>
-          <a:bodyPr lIns="0" rIns="0" tIns="0" bIns="0">
+          <a:bodyPr lIns="0" tIns="0" rIns="0" bIns="0">
             <a:normAutofit/>
           </a:bodyPr>
-          <a:p>
-            <a:endParaRPr b="0" lang="fr-CH" sz="3200" spc="-1" strike="noStrike">
-              <a:solidFill>
-                <a:srgbClr val="000000"/>
-              </a:solidFill>
-              <a:uFill>
-                <a:solidFill>
-                  <a:srgbClr val="ffffff"/>
+          <a:lstStyle/>
+          <a:p>
+            <a:endParaRPr lang="fr-CH" sz="3200" b="0" strike="noStrike" spc="-1">
+              <a:solidFill>
+                <a:srgbClr val="000000"/>
+              </a:solidFill>
+              <a:uFill>
+                <a:solidFill>
+                  <a:srgbClr val="FFFFFF"/>
                 </a:solidFill>
               </a:uFill>
               <a:latin typeface="Arial"/>
@@ -1755,11 +1927,14 @@
       </p:sp>
     </p:spTree>
   </p:cSld>
+  <p:clrMapOvr>
+    <a:masterClrMapping/>
+  </p:clrMapOvr>
 </p:sldLayout>
 </file>
 
 <file path=ppt/slideLayouts/slideLayout22.xml><?xml version="1.0" encoding="utf-8"?>
-<p:sldLayout xmlns:a="http://schemas.openxmlformats.org/drawingml/2006/main" xmlns:p="http://schemas.openxmlformats.org/presentationml/2006/main" xmlns:r="http://schemas.openxmlformats.org/officeDocument/2006/relationships" xmlns:p14="http://schemas.microsoft.com/office/powerpoint/2010/main" xmlns:p15="http://schemas.microsoft.com/office/powerpoint/2012/main" xmlns:mc="http://schemas.openxmlformats.org/markup-compatibility/2006" type="objOverTx" preserve="1">
+<p:sldLayout xmlns:a="http://schemas.openxmlformats.org/drawingml/2006/main" xmlns:r="http://schemas.openxmlformats.org/officeDocument/2006/relationships" xmlns:p="http://schemas.openxmlformats.org/presentationml/2006/main" type="objOverTx" preserve="1">
   <p:cSld name="Title, Content over Content">
     <p:spTree>
       <p:nvGrpSpPr>
@@ -1795,16 +1970,17 @@
           </a:prstGeom>
         </p:spPr>
         <p:txBody>
-          <a:bodyPr lIns="0" rIns="0" tIns="0" bIns="0" anchor="ctr"/>
+          <a:bodyPr lIns="0" tIns="0" rIns="0" bIns="0" anchor="ctr"/>
+          <a:lstStyle/>
           <a:p>
             <a:pPr algn="ctr"/>
-            <a:endParaRPr b="0" lang="fr-CH" sz="4400" spc="-1" strike="noStrike">
-              <a:solidFill>
-                <a:srgbClr val="000000"/>
-              </a:solidFill>
-              <a:uFill>
-                <a:solidFill>
-                  <a:srgbClr val="ffffff"/>
+            <a:endParaRPr lang="fr-CH" sz="4400" b="0" strike="noStrike" spc="-1">
+              <a:solidFill>
+                <a:srgbClr val="000000"/>
+              </a:solidFill>
+              <a:uFill>
+                <a:solidFill>
+                  <a:srgbClr val="FFFFFF"/>
                 </a:solidFill>
               </a:uFill>
               <a:latin typeface="Arial"/>
@@ -1832,17 +2008,18 @@
           </a:prstGeom>
         </p:spPr>
         <p:txBody>
-          <a:bodyPr lIns="0" rIns="0" tIns="0" bIns="0">
+          <a:bodyPr lIns="0" tIns="0" rIns="0" bIns="0">
             <a:normAutofit/>
           </a:bodyPr>
-          <a:p>
-            <a:endParaRPr b="0" lang="fr-CH" sz="3200" spc="-1" strike="noStrike">
-              <a:solidFill>
-                <a:srgbClr val="000000"/>
-              </a:solidFill>
-              <a:uFill>
-                <a:solidFill>
-                  <a:srgbClr val="ffffff"/>
+          <a:lstStyle/>
+          <a:p>
+            <a:endParaRPr lang="fr-CH" sz="3200" b="0" strike="noStrike" spc="-1">
+              <a:solidFill>
+                <a:srgbClr val="000000"/>
+              </a:solidFill>
+              <a:uFill>
+                <a:solidFill>
+                  <a:srgbClr val="FFFFFF"/>
                 </a:solidFill>
               </a:uFill>
               <a:latin typeface="Arial"/>
@@ -1870,17 +2047,18 @@
           </a:prstGeom>
         </p:spPr>
         <p:txBody>
-          <a:bodyPr lIns="0" rIns="0" tIns="0" bIns="0">
+          <a:bodyPr lIns="0" tIns="0" rIns="0" bIns="0">
             <a:normAutofit/>
           </a:bodyPr>
-          <a:p>
-            <a:endParaRPr b="0" lang="fr-CH" sz="3200" spc="-1" strike="noStrike">
-              <a:solidFill>
-                <a:srgbClr val="000000"/>
-              </a:solidFill>
-              <a:uFill>
-                <a:solidFill>
-                  <a:srgbClr val="ffffff"/>
+          <a:lstStyle/>
+          <a:p>
+            <a:endParaRPr lang="fr-CH" sz="3200" b="0" strike="noStrike" spc="-1">
+              <a:solidFill>
+                <a:srgbClr val="000000"/>
+              </a:solidFill>
+              <a:uFill>
+                <a:solidFill>
+                  <a:srgbClr val="FFFFFF"/>
                 </a:solidFill>
               </a:uFill>
               <a:latin typeface="Arial"/>
@@ -1890,11 +2068,14 @@
       </p:sp>
     </p:spTree>
   </p:cSld>
+  <p:clrMapOvr>
+    <a:masterClrMapping/>
+  </p:clrMapOvr>
 </p:sldLayout>
 </file>
 
 <file path=ppt/slideLayouts/slideLayout23.xml><?xml version="1.0" encoding="utf-8"?>
-<p:sldLayout xmlns:a="http://schemas.openxmlformats.org/drawingml/2006/main" xmlns:p="http://schemas.openxmlformats.org/presentationml/2006/main" xmlns:r="http://schemas.openxmlformats.org/officeDocument/2006/relationships" xmlns:p14="http://schemas.microsoft.com/office/powerpoint/2010/main" xmlns:p15="http://schemas.microsoft.com/office/powerpoint/2012/main" xmlns:mc="http://schemas.openxmlformats.org/markup-compatibility/2006" type="fourObj" preserve="1">
+<p:sldLayout xmlns:a="http://schemas.openxmlformats.org/drawingml/2006/main" xmlns:r="http://schemas.openxmlformats.org/officeDocument/2006/relationships" xmlns:p="http://schemas.openxmlformats.org/presentationml/2006/main" type="fourObj" preserve="1">
   <p:cSld name="Title, 4 Content">
     <p:spTree>
       <p:nvGrpSpPr>
@@ -1930,16 +2111,17 @@
           </a:prstGeom>
         </p:spPr>
         <p:txBody>
-          <a:bodyPr lIns="0" rIns="0" tIns="0" bIns="0" anchor="ctr"/>
+          <a:bodyPr lIns="0" tIns="0" rIns="0" bIns="0" anchor="ctr"/>
+          <a:lstStyle/>
           <a:p>
             <a:pPr algn="ctr"/>
-            <a:endParaRPr b="0" lang="fr-CH" sz="4400" spc="-1" strike="noStrike">
-              <a:solidFill>
-                <a:srgbClr val="000000"/>
-              </a:solidFill>
-              <a:uFill>
-                <a:solidFill>
-                  <a:srgbClr val="ffffff"/>
+            <a:endParaRPr lang="fr-CH" sz="4400" b="0" strike="noStrike" spc="-1">
+              <a:solidFill>
+                <a:srgbClr val="000000"/>
+              </a:solidFill>
+              <a:uFill>
+                <a:solidFill>
+                  <a:srgbClr val="FFFFFF"/>
                 </a:solidFill>
               </a:uFill>
               <a:latin typeface="Arial"/>
@@ -1967,17 +2149,18 @@
           </a:prstGeom>
         </p:spPr>
         <p:txBody>
-          <a:bodyPr lIns="0" rIns="0" tIns="0" bIns="0">
+          <a:bodyPr lIns="0" tIns="0" rIns="0" bIns="0">
             <a:normAutofit/>
           </a:bodyPr>
-          <a:p>
-            <a:endParaRPr b="0" lang="fr-CH" sz="3200" spc="-1" strike="noStrike">
-              <a:solidFill>
-                <a:srgbClr val="000000"/>
-              </a:solidFill>
-              <a:uFill>
-                <a:solidFill>
-                  <a:srgbClr val="ffffff"/>
+          <a:lstStyle/>
+          <a:p>
+            <a:endParaRPr lang="fr-CH" sz="3200" b="0" strike="noStrike" spc="-1">
+              <a:solidFill>
+                <a:srgbClr val="000000"/>
+              </a:solidFill>
+              <a:uFill>
+                <a:solidFill>
+                  <a:srgbClr val="FFFFFF"/>
                 </a:solidFill>
               </a:uFill>
               <a:latin typeface="Arial"/>
@@ -2005,17 +2188,18 @@
           </a:prstGeom>
         </p:spPr>
         <p:txBody>
-          <a:bodyPr lIns="0" rIns="0" tIns="0" bIns="0">
+          <a:bodyPr lIns="0" tIns="0" rIns="0" bIns="0">
             <a:normAutofit/>
           </a:bodyPr>
-          <a:p>
-            <a:endParaRPr b="0" lang="fr-CH" sz="3200" spc="-1" strike="noStrike">
-              <a:solidFill>
-                <a:srgbClr val="000000"/>
-              </a:solidFill>
-              <a:uFill>
-                <a:solidFill>
-                  <a:srgbClr val="ffffff"/>
+          <a:lstStyle/>
+          <a:p>
+            <a:endParaRPr lang="fr-CH" sz="3200" b="0" strike="noStrike" spc="-1">
+              <a:solidFill>
+                <a:srgbClr val="000000"/>
+              </a:solidFill>
+              <a:uFill>
+                <a:solidFill>
+                  <a:srgbClr val="FFFFFF"/>
                 </a:solidFill>
               </a:uFill>
               <a:latin typeface="Arial"/>
@@ -2043,17 +2227,18 @@
           </a:prstGeom>
         </p:spPr>
         <p:txBody>
-          <a:bodyPr lIns="0" rIns="0" tIns="0" bIns="0">
+          <a:bodyPr lIns="0" tIns="0" rIns="0" bIns="0">
             <a:normAutofit/>
           </a:bodyPr>
-          <a:p>
-            <a:endParaRPr b="0" lang="fr-CH" sz="3200" spc="-1" strike="noStrike">
-              <a:solidFill>
-                <a:srgbClr val="000000"/>
-              </a:solidFill>
-              <a:uFill>
-                <a:solidFill>
-                  <a:srgbClr val="ffffff"/>
+          <a:lstStyle/>
+          <a:p>
+            <a:endParaRPr lang="fr-CH" sz="3200" b="0" strike="noStrike" spc="-1">
+              <a:solidFill>
+                <a:srgbClr val="000000"/>
+              </a:solidFill>
+              <a:uFill>
+                <a:solidFill>
+                  <a:srgbClr val="FFFFFF"/>
                 </a:solidFill>
               </a:uFill>
               <a:latin typeface="Arial"/>
@@ -2081,17 +2266,18 @@
           </a:prstGeom>
         </p:spPr>
         <p:txBody>
-          <a:bodyPr lIns="0" rIns="0" tIns="0" bIns="0">
+          <a:bodyPr lIns="0" tIns="0" rIns="0" bIns="0">
             <a:normAutofit/>
           </a:bodyPr>
-          <a:p>
-            <a:endParaRPr b="0" lang="fr-CH" sz="3200" spc="-1" strike="noStrike">
-              <a:solidFill>
-                <a:srgbClr val="000000"/>
-              </a:solidFill>
-              <a:uFill>
-                <a:solidFill>
-                  <a:srgbClr val="ffffff"/>
+          <a:lstStyle/>
+          <a:p>
+            <a:endParaRPr lang="fr-CH" sz="3200" b="0" strike="noStrike" spc="-1">
+              <a:solidFill>
+                <a:srgbClr val="000000"/>
+              </a:solidFill>
+              <a:uFill>
+                <a:solidFill>
+                  <a:srgbClr val="FFFFFF"/>
                 </a:solidFill>
               </a:uFill>
               <a:latin typeface="Arial"/>
@@ -2101,11 +2287,14 @@
       </p:sp>
     </p:spTree>
   </p:cSld>
+  <p:clrMapOvr>
+    <a:masterClrMapping/>
+  </p:clrMapOvr>
 </p:sldLayout>
 </file>
 
 <file path=ppt/slideLayouts/slideLayout24.xml><?xml version="1.0" encoding="utf-8"?>
-<p:sldLayout xmlns:a="http://schemas.openxmlformats.org/drawingml/2006/main" xmlns:p="http://schemas.openxmlformats.org/presentationml/2006/main" xmlns:r="http://schemas.openxmlformats.org/officeDocument/2006/relationships" xmlns:p14="http://schemas.microsoft.com/office/powerpoint/2010/main" xmlns:p15="http://schemas.microsoft.com/office/powerpoint/2012/main" xmlns:mc="http://schemas.openxmlformats.org/markup-compatibility/2006" type="blank" preserve="1">
+<p:sldLayout xmlns:a="http://schemas.openxmlformats.org/drawingml/2006/main" xmlns:r="http://schemas.openxmlformats.org/officeDocument/2006/relationships" xmlns:p="http://schemas.openxmlformats.org/presentationml/2006/main" type="blank" preserve="1">
   <p:cSld name="Title, 6 Content">
     <p:spTree>
       <p:nvGrpSpPr>
@@ -2141,16 +2330,17 @@
           </a:prstGeom>
         </p:spPr>
         <p:txBody>
-          <a:bodyPr lIns="0" rIns="0" tIns="0" bIns="0" anchor="ctr"/>
+          <a:bodyPr lIns="0" tIns="0" rIns="0" bIns="0" anchor="ctr"/>
+          <a:lstStyle/>
           <a:p>
             <a:pPr algn="ctr"/>
-            <a:endParaRPr b="0" lang="fr-CH" sz="4400" spc="-1" strike="noStrike">
-              <a:solidFill>
-                <a:srgbClr val="000000"/>
-              </a:solidFill>
-              <a:uFill>
-                <a:solidFill>
-                  <a:srgbClr val="ffffff"/>
+            <a:endParaRPr lang="fr-CH" sz="4400" b="0" strike="noStrike" spc="-1">
+              <a:solidFill>
+                <a:srgbClr val="000000"/>
+              </a:solidFill>
+              <a:uFill>
+                <a:solidFill>
+                  <a:srgbClr val="FFFFFF"/>
                 </a:solidFill>
               </a:uFill>
               <a:latin typeface="Arial"/>
@@ -2178,17 +2368,18 @@
           </a:prstGeom>
         </p:spPr>
         <p:txBody>
-          <a:bodyPr lIns="0" rIns="0" tIns="0" bIns="0">
+          <a:bodyPr lIns="0" tIns="0" rIns="0" bIns="0">
             <a:normAutofit/>
           </a:bodyPr>
-          <a:p>
-            <a:endParaRPr b="0" lang="fr-CH" sz="3200" spc="-1" strike="noStrike">
-              <a:solidFill>
-                <a:srgbClr val="000000"/>
-              </a:solidFill>
-              <a:uFill>
-                <a:solidFill>
-                  <a:srgbClr val="ffffff"/>
+          <a:lstStyle/>
+          <a:p>
+            <a:endParaRPr lang="fr-CH" sz="3200" b="0" strike="noStrike" spc="-1">
+              <a:solidFill>
+                <a:srgbClr val="000000"/>
+              </a:solidFill>
+              <a:uFill>
+                <a:solidFill>
+                  <a:srgbClr val="FFFFFF"/>
                 </a:solidFill>
               </a:uFill>
               <a:latin typeface="Arial"/>
@@ -2216,17 +2407,18 @@
           </a:prstGeom>
         </p:spPr>
         <p:txBody>
-          <a:bodyPr lIns="0" rIns="0" tIns="0" bIns="0">
+          <a:bodyPr lIns="0" tIns="0" rIns="0" bIns="0">
             <a:normAutofit/>
           </a:bodyPr>
-          <a:p>
-            <a:endParaRPr b="0" lang="fr-CH" sz="3200" spc="-1" strike="noStrike">
-              <a:solidFill>
-                <a:srgbClr val="000000"/>
-              </a:solidFill>
-              <a:uFill>
-                <a:solidFill>
-                  <a:srgbClr val="ffffff"/>
+          <a:lstStyle/>
+          <a:p>
+            <a:endParaRPr lang="fr-CH" sz="3200" b="0" strike="noStrike" spc="-1">
+              <a:solidFill>
+                <a:srgbClr val="000000"/>
+              </a:solidFill>
+              <a:uFill>
+                <a:solidFill>
+                  <a:srgbClr val="FFFFFF"/>
                 </a:solidFill>
               </a:uFill>
               <a:latin typeface="Arial"/>
@@ -2254,17 +2446,18 @@
           </a:prstGeom>
         </p:spPr>
         <p:txBody>
-          <a:bodyPr lIns="0" rIns="0" tIns="0" bIns="0">
+          <a:bodyPr lIns="0" tIns="0" rIns="0" bIns="0">
             <a:normAutofit/>
           </a:bodyPr>
-          <a:p>
-            <a:endParaRPr b="0" lang="fr-CH" sz="3200" spc="-1" strike="noStrike">
-              <a:solidFill>
-                <a:srgbClr val="000000"/>
-              </a:solidFill>
-              <a:uFill>
-                <a:solidFill>
-                  <a:srgbClr val="ffffff"/>
+          <a:lstStyle/>
+          <a:p>
+            <a:endParaRPr lang="fr-CH" sz="3200" b="0" strike="noStrike" spc="-1">
+              <a:solidFill>
+                <a:srgbClr val="000000"/>
+              </a:solidFill>
+              <a:uFill>
+                <a:solidFill>
+                  <a:srgbClr val="FFFFFF"/>
                 </a:solidFill>
               </a:uFill>
               <a:latin typeface="Arial"/>
@@ -2292,17 +2485,18 @@
           </a:prstGeom>
         </p:spPr>
         <p:txBody>
-          <a:bodyPr lIns="0" rIns="0" tIns="0" bIns="0">
+          <a:bodyPr lIns="0" tIns="0" rIns="0" bIns="0">
             <a:normAutofit/>
           </a:bodyPr>
-          <a:p>
-            <a:endParaRPr b="0" lang="fr-CH" sz="3200" spc="-1" strike="noStrike">
-              <a:solidFill>
-                <a:srgbClr val="000000"/>
-              </a:solidFill>
-              <a:uFill>
-                <a:solidFill>
-                  <a:srgbClr val="ffffff"/>
+          <a:lstStyle/>
+          <a:p>
+            <a:endParaRPr lang="fr-CH" sz="3200" b="0" strike="noStrike" spc="-1">
+              <a:solidFill>
+                <a:srgbClr val="000000"/>
+              </a:solidFill>
+              <a:uFill>
+                <a:solidFill>
+                  <a:srgbClr val="FFFFFF"/>
                 </a:solidFill>
               </a:uFill>
               <a:latin typeface="Arial"/>
@@ -2330,17 +2524,18 @@
           </a:prstGeom>
         </p:spPr>
         <p:txBody>
-          <a:bodyPr lIns="0" rIns="0" tIns="0" bIns="0">
+          <a:bodyPr lIns="0" tIns="0" rIns="0" bIns="0">
             <a:normAutofit/>
           </a:bodyPr>
-          <a:p>
-            <a:endParaRPr b="0" lang="fr-CH" sz="3200" spc="-1" strike="noStrike">
-              <a:solidFill>
-                <a:srgbClr val="000000"/>
-              </a:solidFill>
-              <a:uFill>
-                <a:solidFill>
-                  <a:srgbClr val="ffffff"/>
+          <a:lstStyle/>
+          <a:p>
+            <a:endParaRPr lang="fr-CH" sz="3200" b="0" strike="noStrike" spc="-1">
+              <a:solidFill>
+                <a:srgbClr val="000000"/>
+              </a:solidFill>
+              <a:uFill>
+                <a:solidFill>
+                  <a:srgbClr val="FFFFFF"/>
                 </a:solidFill>
               </a:uFill>
               <a:latin typeface="Arial"/>
@@ -2368,17 +2563,18 @@
           </a:prstGeom>
         </p:spPr>
         <p:txBody>
-          <a:bodyPr lIns="0" rIns="0" tIns="0" bIns="0">
+          <a:bodyPr lIns="0" tIns="0" rIns="0" bIns="0">
             <a:normAutofit/>
           </a:bodyPr>
-          <a:p>
-            <a:endParaRPr b="0" lang="fr-CH" sz="3200" spc="-1" strike="noStrike">
-              <a:solidFill>
-                <a:srgbClr val="000000"/>
-              </a:solidFill>
-              <a:uFill>
-                <a:solidFill>
-                  <a:srgbClr val="ffffff"/>
+          <a:lstStyle/>
+          <a:p>
+            <a:endParaRPr lang="fr-CH" sz="3200" b="0" strike="noStrike" spc="-1">
+              <a:solidFill>
+                <a:srgbClr val="000000"/>
+              </a:solidFill>
+              <a:uFill>
+                <a:solidFill>
+                  <a:srgbClr val="FFFFFF"/>
                 </a:solidFill>
               </a:uFill>
               <a:latin typeface="Arial"/>
@@ -2388,11 +2584,14 @@
       </p:sp>
     </p:spTree>
   </p:cSld>
+  <p:clrMapOvr>
+    <a:masterClrMapping/>
+  </p:clrMapOvr>
 </p:sldLayout>
 </file>
 
 <file path=ppt/slideLayouts/slideLayout3.xml><?xml version="1.0" encoding="utf-8"?>
-<p:sldLayout xmlns:a="http://schemas.openxmlformats.org/drawingml/2006/main" xmlns:p="http://schemas.openxmlformats.org/presentationml/2006/main" xmlns:r="http://schemas.openxmlformats.org/officeDocument/2006/relationships" xmlns:p14="http://schemas.microsoft.com/office/powerpoint/2010/main" xmlns:p15="http://schemas.microsoft.com/office/powerpoint/2012/main" xmlns:mc="http://schemas.openxmlformats.org/markup-compatibility/2006" type="obj" preserve="1">
+<p:sldLayout xmlns:a="http://schemas.openxmlformats.org/drawingml/2006/main" xmlns:r="http://schemas.openxmlformats.org/officeDocument/2006/relationships" xmlns:p="http://schemas.openxmlformats.org/presentationml/2006/main" type="obj" preserve="1">
   <p:cSld name="Title, Content">
     <p:spTree>
       <p:nvGrpSpPr>
@@ -2428,16 +2627,17 @@
           </a:prstGeom>
         </p:spPr>
         <p:txBody>
-          <a:bodyPr lIns="0" rIns="0" tIns="0" bIns="0" anchor="ctr"/>
+          <a:bodyPr lIns="0" tIns="0" rIns="0" bIns="0" anchor="ctr"/>
+          <a:lstStyle/>
           <a:p>
             <a:pPr algn="ctr"/>
-            <a:endParaRPr b="0" lang="fr-CH" sz="4400" spc="-1" strike="noStrike">
-              <a:solidFill>
-                <a:srgbClr val="000000"/>
-              </a:solidFill>
-              <a:uFill>
-                <a:solidFill>
-                  <a:srgbClr val="ffffff"/>
+            <a:endParaRPr lang="fr-CH" sz="4400" b="0" strike="noStrike" spc="-1">
+              <a:solidFill>
+                <a:srgbClr val="000000"/>
+              </a:solidFill>
+              <a:uFill>
+                <a:solidFill>
+                  <a:srgbClr val="FFFFFF"/>
                 </a:solidFill>
               </a:uFill>
               <a:latin typeface="Arial"/>
@@ -2465,17 +2665,18 @@
           </a:prstGeom>
         </p:spPr>
         <p:txBody>
-          <a:bodyPr lIns="0" rIns="0" tIns="0" bIns="0">
+          <a:bodyPr lIns="0" tIns="0" rIns="0" bIns="0">
             <a:normAutofit/>
           </a:bodyPr>
-          <a:p>
-            <a:endParaRPr b="0" lang="fr-CH" sz="3200" spc="-1" strike="noStrike">
-              <a:solidFill>
-                <a:srgbClr val="000000"/>
-              </a:solidFill>
-              <a:uFill>
-                <a:solidFill>
-                  <a:srgbClr val="ffffff"/>
+          <a:lstStyle/>
+          <a:p>
+            <a:endParaRPr lang="fr-CH" sz="3200" b="0" strike="noStrike" spc="-1">
+              <a:solidFill>
+                <a:srgbClr val="000000"/>
+              </a:solidFill>
+              <a:uFill>
+                <a:solidFill>
+                  <a:srgbClr val="FFFFFF"/>
                 </a:solidFill>
               </a:uFill>
               <a:latin typeface="Arial"/>
@@ -2485,11 +2686,14 @@
       </p:sp>
     </p:spTree>
   </p:cSld>
+  <p:clrMapOvr>
+    <a:masterClrMapping/>
+  </p:clrMapOvr>
 </p:sldLayout>
 </file>
 
 <file path=ppt/slideLayouts/slideLayout4.xml><?xml version="1.0" encoding="utf-8"?>
-<p:sldLayout xmlns:a="http://schemas.openxmlformats.org/drawingml/2006/main" xmlns:p="http://schemas.openxmlformats.org/presentationml/2006/main" xmlns:r="http://schemas.openxmlformats.org/officeDocument/2006/relationships" xmlns:p14="http://schemas.microsoft.com/office/powerpoint/2010/main" xmlns:p15="http://schemas.microsoft.com/office/powerpoint/2012/main" xmlns:mc="http://schemas.openxmlformats.org/markup-compatibility/2006" type="twoObj" preserve="1">
+<p:sldLayout xmlns:a="http://schemas.openxmlformats.org/drawingml/2006/main" xmlns:r="http://schemas.openxmlformats.org/officeDocument/2006/relationships" xmlns:p="http://schemas.openxmlformats.org/presentationml/2006/main" type="twoObj" preserve="1">
   <p:cSld name="Title, 2 Content">
     <p:spTree>
       <p:nvGrpSpPr>
@@ -2525,16 +2729,17 @@
           </a:prstGeom>
         </p:spPr>
         <p:txBody>
-          <a:bodyPr lIns="0" rIns="0" tIns="0" bIns="0" anchor="ctr"/>
+          <a:bodyPr lIns="0" tIns="0" rIns="0" bIns="0" anchor="ctr"/>
+          <a:lstStyle/>
           <a:p>
             <a:pPr algn="ctr"/>
-            <a:endParaRPr b="0" lang="fr-CH" sz="4400" spc="-1" strike="noStrike">
-              <a:solidFill>
-                <a:srgbClr val="000000"/>
-              </a:solidFill>
-              <a:uFill>
-                <a:solidFill>
-                  <a:srgbClr val="ffffff"/>
+            <a:endParaRPr lang="fr-CH" sz="4400" b="0" strike="noStrike" spc="-1">
+              <a:solidFill>
+                <a:srgbClr val="000000"/>
+              </a:solidFill>
+              <a:uFill>
+                <a:solidFill>
+                  <a:srgbClr val="FFFFFF"/>
                 </a:solidFill>
               </a:uFill>
               <a:latin typeface="Arial"/>
@@ -2562,17 +2767,18 @@
           </a:prstGeom>
         </p:spPr>
         <p:txBody>
-          <a:bodyPr lIns="0" rIns="0" tIns="0" bIns="0">
+          <a:bodyPr lIns="0" tIns="0" rIns="0" bIns="0">
             <a:normAutofit/>
           </a:bodyPr>
-          <a:p>
-            <a:endParaRPr b="0" lang="fr-CH" sz="3200" spc="-1" strike="noStrike">
-              <a:solidFill>
-                <a:srgbClr val="000000"/>
-              </a:solidFill>
-              <a:uFill>
-                <a:solidFill>
-                  <a:srgbClr val="ffffff"/>
+          <a:lstStyle/>
+          <a:p>
+            <a:endParaRPr lang="fr-CH" sz="3200" b="0" strike="noStrike" spc="-1">
+              <a:solidFill>
+                <a:srgbClr val="000000"/>
+              </a:solidFill>
+              <a:uFill>
+                <a:solidFill>
+                  <a:srgbClr val="FFFFFF"/>
                 </a:solidFill>
               </a:uFill>
               <a:latin typeface="Arial"/>
@@ -2600,17 +2806,18 @@
           </a:prstGeom>
         </p:spPr>
         <p:txBody>
-          <a:bodyPr lIns="0" rIns="0" tIns="0" bIns="0">
+          <a:bodyPr lIns="0" tIns="0" rIns="0" bIns="0">
             <a:normAutofit/>
           </a:bodyPr>
-          <a:p>
-            <a:endParaRPr b="0" lang="fr-CH" sz="3200" spc="-1" strike="noStrike">
-              <a:solidFill>
-                <a:srgbClr val="000000"/>
-              </a:solidFill>
-              <a:uFill>
-                <a:solidFill>
-                  <a:srgbClr val="ffffff"/>
+          <a:lstStyle/>
+          <a:p>
+            <a:endParaRPr lang="fr-CH" sz="3200" b="0" strike="noStrike" spc="-1">
+              <a:solidFill>
+                <a:srgbClr val="000000"/>
+              </a:solidFill>
+              <a:uFill>
+                <a:solidFill>
+                  <a:srgbClr val="FFFFFF"/>
                 </a:solidFill>
               </a:uFill>
               <a:latin typeface="Arial"/>
@@ -2620,11 +2827,14 @@
       </p:sp>
     </p:spTree>
   </p:cSld>
+  <p:clrMapOvr>
+    <a:masterClrMapping/>
+  </p:clrMapOvr>
 </p:sldLayout>
 </file>
 
 <file path=ppt/slideLayouts/slideLayout5.xml><?xml version="1.0" encoding="utf-8"?>
-<p:sldLayout xmlns:a="http://schemas.openxmlformats.org/drawingml/2006/main" xmlns:p="http://schemas.openxmlformats.org/presentationml/2006/main" xmlns:r="http://schemas.openxmlformats.org/officeDocument/2006/relationships" xmlns:p14="http://schemas.microsoft.com/office/powerpoint/2010/main" xmlns:p15="http://schemas.microsoft.com/office/powerpoint/2012/main" xmlns:mc="http://schemas.openxmlformats.org/markup-compatibility/2006" type="titleOnly" preserve="1">
+<p:sldLayout xmlns:a="http://schemas.openxmlformats.org/drawingml/2006/main" xmlns:r="http://schemas.openxmlformats.org/officeDocument/2006/relationships" xmlns:p="http://schemas.openxmlformats.org/presentationml/2006/main" type="titleOnly" preserve="1">
   <p:cSld name="Title Only">
     <p:spTree>
       <p:nvGrpSpPr>
@@ -2660,16 +2870,17 @@
           </a:prstGeom>
         </p:spPr>
         <p:txBody>
-          <a:bodyPr lIns="0" rIns="0" tIns="0" bIns="0" anchor="ctr"/>
+          <a:bodyPr lIns="0" tIns="0" rIns="0" bIns="0" anchor="ctr"/>
+          <a:lstStyle/>
           <a:p>
             <a:pPr algn="ctr"/>
-            <a:endParaRPr b="0" lang="fr-CH" sz="4400" spc="-1" strike="noStrike">
-              <a:solidFill>
-                <a:srgbClr val="000000"/>
-              </a:solidFill>
-              <a:uFill>
-                <a:solidFill>
-                  <a:srgbClr val="ffffff"/>
+            <a:endParaRPr lang="fr-CH" sz="4400" b="0" strike="noStrike" spc="-1">
+              <a:solidFill>
+                <a:srgbClr val="000000"/>
+              </a:solidFill>
+              <a:uFill>
+                <a:solidFill>
+                  <a:srgbClr val="FFFFFF"/>
                 </a:solidFill>
               </a:uFill>
               <a:latin typeface="Arial"/>
@@ -2679,11 +2890,14 @@
       </p:sp>
     </p:spTree>
   </p:cSld>
+  <p:clrMapOvr>
+    <a:masterClrMapping/>
+  </p:clrMapOvr>
 </p:sldLayout>
 </file>
 
 <file path=ppt/slideLayouts/slideLayout6.xml><?xml version="1.0" encoding="utf-8"?>
-<p:sldLayout xmlns:a="http://schemas.openxmlformats.org/drawingml/2006/main" xmlns:p="http://schemas.openxmlformats.org/presentationml/2006/main" xmlns:r="http://schemas.openxmlformats.org/officeDocument/2006/relationships" xmlns:p14="http://schemas.microsoft.com/office/powerpoint/2010/main" xmlns:p15="http://schemas.microsoft.com/office/powerpoint/2012/main" xmlns:mc="http://schemas.openxmlformats.org/markup-compatibility/2006" type="objOnly" preserve="1">
+<p:sldLayout xmlns:a="http://schemas.openxmlformats.org/drawingml/2006/main" xmlns:r="http://schemas.openxmlformats.org/officeDocument/2006/relationships" xmlns:p="http://schemas.openxmlformats.org/presentationml/2006/main" type="objOnly" preserve="1">
   <p:cSld name="Centered Text">
     <p:spTree>
       <p:nvGrpSpPr>
@@ -2719,16 +2933,17 @@
           </a:prstGeom>
         </p:spPr>
         <p:txBody>
-          <a:bodyPr lIns="0" rIns="0" tIns="0" bIns="0" anchor="ctr"/>
+          <a:bodyPr lIns="0" tIns="0" rIns="0" bIns="0" anchor="ctr"/>
+          <a:lstStyle/>
           <a:p>
             <a:pPr algn="ctr"/>
-            <a:endParaRPr b="0" lang="fr-CH" sz="3200" spc="-1" strike="noStrike">
-              <a:solidFill>
-                <a:srgbClr val="000000"/>
-              </a:solidFill>
-              <a:uFill>
-                <a:solidFill>
-                  <a:srgbClr val="ffffff"/>
+            <a:endParaRPr lang="fr-CH" sz="3200" b="0" strike="noStrike" spc="-1">
+              <a:solidFill>
+                <a:srgbClr val="000000"/>
+              </a:solidFill>
+              <a:uFill>
+                <a:solidFill>
+                  <a:srgbClr val="FFFFFF"/>
                 </a:solidFill>
               </a:uFill>
               <a:latin typeface="Arial"/>
@@ -2738,11 +2953,14 @@
       </p:sp>
     </p:spTree>
   </p:cSld>
+  <p:clrMapOvr>
+    <a:masterClrMapping/>
+  </p:clrMapOvr>
 </p:sldLayout>
 </file>
 
 <file path=ppt/slideLayouts/slideLayout7.xml><?xml version="1.0" encoding="utf-8"?>
-<p:sldLayout xmlns:a="http://schemas.openxmlformats.org/drawingml/2006/main" xmlns:p="http://schemas.openxmlformats.org/presentationml/2006/main" xmlns:r="http://schemas.openxmlformats.org/officeDocument/2006/relationships" xmlns:p14="http://schemas.microsoft.com/office/powerpoint/2010/main" xmlns:p15="http://schemas.microsoft.com/office/powerpoint/2012/main" xmlns:mc="http://schemas.openxmlformats.org/markup-compatibility/2006" type="twoObjAndObj" preserve="1">
+<p:sldLayout xmlns:a="http://schemas.openxmlformats.org/drawingml/2006/main" xmlns:r="http://schemas.openxmlformats.org/officeDocument/2006/relationships" xmlns:p="http://schemas.openxmlformats.org/presentationml/2006/main" type="twoObjAndObj" preserve="1">
   <p:cSld name="Title, 2 Content and Content">
     <p:spTree>
       <p:nvGrpSpPr>
@@ -2778,16 +2996,17 @@
           </a:prstGeom>
         </p:spPr>
         <p:txBody>
-          <a:bodyPr lIns="0" rIns="0" tIns="0" bIns="0" anchor="ctr"/>
+          <a:bodyPr lIns="0" tIns="0" rIns="0" bIns="0" anchor="ctr"/>
+          <a:lstStyle/>
           <a:p>
             <a:pPr algn="ctr"/>
-            <a:endParaRPr b="0" lang="fr-CH" sz="4400" spc="-1" strike="noStrike">
-              <a:solidFill>
-                <a:srgbClr val="000000"/>
-              </a:solidFill>
-              <a:uFill>
-                <a:solidFill>
-                  <a:srgbClr val="ffffff"/>
+            <a:endParaRPr lang="fr-CH" sz="4400" b="0" strike="noStrike" spc="-1">
+              <a:solidFill>
+                <a:srgbClr val="000000"/>
+              </a:solidFill>
+              <a:uFill>
+                <a:solidFill>
+                  <a:srgbClr val="FFFFFF"/>
                 </a:solidFill>
               </a:uFill>
               <a:latin typeface="Arial"/>
@@ -2815,17 +3034,18 @@
           </a:prstGeom>
         </p:spPr>
         <p:txBody>
-          <a:bodyPr lIns="0" rIns="0" tIns="0" bIns="0">
+          <a:bodyPr lIns="0" tIns="0" rIns="0" bIns="0">
             <a:normAutofit/>
           </a:bodyPr>
-          <a:p>
-            <a:endParaRPr b="0" lang="fr-CH" sz="3200" spc="-1" strike="noStrike">
-              <a:solidFill>
-                <a:srgbClr val="000000"/>
-              </a:solidFill>
-              <a:uFill>
-                <a:solidFill>
-                  <a:srgbClr val="ffffff"/>
+          <a:lstStyle/>
+          <a:p>
+            <a:endParaRPr lang="fr-CH" sz="3200" b="0" strike="noStrike" spc="-1">
+              <a:solidFill>
+                <a:srgbClr val="000000"/>
+              </a:solidFill>
+              <a:uFill>
+                <a:solidFill>
+                  <a:srgbClr val="FFFFFF"/>
                 </a:solidFill>
               </a:uFill>
               <a:latin typeface="Arial"/>
@@ -2853,17 +3073,18 @@
           </a:prstGeom>
         </p:spPr>
         <p:txBody>
-          <a:bodyPr lIns="0" rIns="0" tIns="0" bIns="0">
+          <a:bodyPr lIns="0" tIns="0" rIns="0" bIns="0">
             <a:normAutofit/>
           </a:bodyPr>
-          <a:p>
-            <a:endParaRPr b="0" lang="fr-CH" sz="3200" spc="-1" strike="noStrike">
-              <a:solidFill>
-                <a:srgbClr val="000000"/>
-              </a:solidFill>
-              <a:uFill>
-                <a:solidFill>
-                  <a:srgbClr val="ffffff"/>
+          <a:lstStyle/>
+          <a:p>
+            <a:endParaRPr lang="fr-CH" sz="3200" b="0" strike="noStrike" spc="-1">
+              <a:solidFill>
+                <a:srgbClr val="000000"/>
+              </a:solidFill>
+              <a:uFill>
+                <a:solidFill>
+                  <a:srgbClr val="FFFFFF"/>
                 </a:solidFill>
               </a:uFill>
               <a:latin typeface="Arial"/>
@@ -2891,17 +3112,18 @@
           </a:prstGeom>
         </p:spPr>
         <p:txBody>
-          <a:bodyPr lIns="0" rIns="0" tIns="0" bIns="0">
+          <a:bodyPr lIns="0" tIns="0" rIns="0" bIns="0">
             <a:normAutofit/>
           </a:bodyPr>
-          <a:p>
-            <a:endParaRPr b="0" lang="fr-CH" sz="3200" spc="-1" strike="noStrike">
-              <a:solidFill>
-                <a:srgbClr val="000000"/>
-              </a:solidFill>
-              <a:uFill>
-                <a:solidFill>
-                  <a:srgbClr val="ffffff"/>
+          <a:lstStyle/>
+          <a:p>
+            <a:endParaRPr lang="fr-CH" sz="3200" b="0" strike="noStrike" spc="-1">
+              <a:solidFill>
+                <a:srgbClr val="000000"/>
+              </a:solidFill>
+              <a:uFill>
+                <a:solidFill>
+                  <a:srgbClr val="FFFFFF"/>
                 </a:solidFill>
               </a:uFill>
               <a:latin typeface="Arial"/>
@@ -2911,11 +3133,14 @@
       </p:sp>
     </p:spTree>
   </p:cSld>
+  <p:clrMapOvr>
+    <a:masterClrMapping/>
+  </p:clrMapOvr>
 </p:sldLayout>
 </file>
 
 <file path=ppt/slideLayouts/slideLayout8.xml><?xml version="1.0" encoding="utf-8"?>
-<p:sldLayout xmlns:a="http://schemas.openxmlformats.org/drawingml/2006/main" xmlns:p="http://schemas.openxmlformats.org/presentationml/2006/main" xmlns:r="http://schemas.openxmlformats.org/officeDocument/2006/relationships" xmlns:p14="http://schemas.microsoft.com/office/powerpoint/2010/main" xmlns:p15="http://schemas.microsoft.com/office/powerpoint/2012/main" xmlns:mc="http://schemas.openxmlformats.org/markup-compatibility/2006" type="objAndTwoObj" preserve="1">
+<p:sldLayout xmlns:a="http://schemas.openxmlformats.org/drawingml/2006/main" xmlns:r="http://schemas.openxmlformats.org/officeDocument/2006/relationships" xmlns:p="http://schemas.openxmlformats.org/presentationml/2006/main" type="objAndTwoObj" preserve="1">
   <p:cSld name="Title Content and 2 Content">
     <p:spTree>
       <p:nvGrpSpPr>
@@ -2951,16 +3176,17 @@
           </a:prstGeom>
         </p:spPr>
         <p:txBody>
-          <a:bodyPr lIns="0" rIns="0" tIns="0" bIns="0" anchor="ctr"/>
+          <a:bodyPr lIns="0" tIns="0" rIns="0" bIns="0" anchor="ctr"/>
+          <a:lstStyle/>
           <a:p>
             <a:pPr algn="ctr"/>
-            <a:endParaRPr b="0" lang="fr-CH" sz="4400" spc="-1" strike="noStrike">
-              <a:solidFill>
-                <a:srgbClr val="000000"/>
-              </a:solidFill>
-              <a:uFill>
-                <a:solidFill>
-                  <a:srgbClr val="ffffff"/>
+            <a:endParaRPr lang="fr-CH" sz="4400" b="0" strike="noStrike" spc="-1">
+              <a:solidFill>
+                <a:srgbClr val="000000"/>
+              </a:solidFill>
+              <a:uFill>
+                <a:solidFill>
+                  <a:srgbClr val="FFFFFF"/>
                 </a:solidFill>
               </a:uFill>
               <a:latin typeface="Arial"/>
@@ -2988,17 +3214,18 @@
           </a:prstGeom>
         </p:spPr>
         <p:txBody>
-          <a:bodyPr lIns="0" rIns="0" tIns="0" bIns="0">
+          <a:bodyPr lIns="0" tIns="0" rIns="0" bIns="0">
             <a:normAutofit/>
           </a:bodyPr>
-          <a:p>
-            <a:endParaRPr b="0" lang="fr-CH" sz="3200" spc="-1" strike="noStrike">
-              <a:solidFill>
-                <a:srgbClr val="000000"/>
-              </a:solidFill>
-              <a:uFill>
-                <a:solidFill>
-                  <a:srgbClr val="ffffff"/>
+          <a:lstStyle/>
+          <a:p>
+            <a:endParaRPr lang="fr-CH" sz="3200" b="0" strike="noStrike" spc="-1">
+              <a:solidFill>
+                <a:srgbClr val="000000"/>
+              </a:solidFill>
+              <a:uFill>
+                <a:solidFill>
+                  <a:srgbClr val="FFFFFF"/>
                 </a:solidFill>
               </a:uFill>
               <a:latin typeface="Arial"/>
@@ -3026,17 +3253,18 @@
           </a:prstGeom>
         </p:spPr>
         <p:txBody>
-          <a:bodyPr lIns="0" rIns="0" tIns="0" bIns="0">
+          <a:bodyPr lIns="0" tIns="0" rIns="0" bIns="0">
             <a:normAutofit/>
           </a:bodyPr>
-          <a:p>
-            <a:endParaRPr b="0" lang="fr-CH" sz="3200" spc="-1" strike="noStrike">
-              <a:solidFill>
-                <a:srgbClr val="000000"/>
-              </a:solidFill>
-              <a:uFill>
-                <a:solidFill>
-                  <a:srgbClr val="ffffff"/>
+          <a:lstStyle/>
+          <a:p>
+            <a:endParaRPr lang="fr-CH" sz="3200" b="0" strike="noStrike" spc="-1">
+              <a:solidFill>
+                <a:srgbClr val="000000"/>
+              </a:solidFill>
+              <a:uFill>
+                <a:solidFill>
+                  <a:srgbClr val="FFFFFF"/>
                 </a:solidFill>
               </a:uFill>
               <a:latin typeface="Arial"/>
@@ -3064,17 +3292,18 @@
           </a:prstGeom>
         </p:spPr>
         <p:txBody>
-          <a:bodyPr lIns="0" rIns="0" tIns="0" bIns="0">
+          <a:bodyPr lIns="0" tIns="0" rIns="0" bIns="0">
             <a:normAutofit/>
           </a:bodyPr>
-          <a:p>
-            <a:endParaRPr b="0" lang="fr-CH" sz="3200" spc="-1" strike="noStrike">
-              <a:solidFill>
-                <a:srgbClr val="000000"/>
-              </a:solidFill>
-              <a:uFill>
-                <a:solidFill>
-                  <a:srgbClr val="ffffff"/>
+          <a:lstStyle/>
+          <a:p>
+            <a:endParaRPr lang="fr-CH" sz="3200" b="0" strike="noStrike" spc="-1">
+              <a:solidFill>
+                <a:srgbClr val="000000"/>
+              </a:solidFill>
+              <a:uFill>
+                <a:solidFill>
+                  <a:srgbClr val="FFFFFF"/>
                 </a:solidFill>
               </a:uFill>
               <a:latin typeface="Arial"/>
@@ -3084,11 +3313,14 @@
       </p:sp>
     </p:spTree>
   </p:cSld>
+  <p:clrMapOvr>
+    <a:masterClrMapping/>
+  </p:clrMapOvr>
 </p:sldLayout>
 </file>
 
 <file path=ppt/slideLayouts/slideLayout9.xml><?xml version="1.0" encoding="utf-8"?>
-<p:sldLayout xmlns:a="http://schemas.openxmlformats.org/drawingml/2006/main" xmlns:p="http://schemas.openxmlformats.org/presentationml/2006/main" xmlns:r="http://schemas.openxmlformats.org/officeDocument/2006/relationships" xmlns:p14="http://schemas.microsoft.com/office/powerpoint/2010/main" xmlns:p15="http://schemas.microsoft.com/office/powerpoint/2012/main" xmlns:mc="http://schemas.openxmlformats.org/markup-compatibility/2006" type="twoObjOverTx" preserve="1">
+<p:sldLayout xmlns:a="http://schemas.openxmlformats.org/drawingml/2006/main" xmlns:r="http://schemas.openxmlformats.org/officeDocument/2006/relationships" xmlns:p="http://schemas.openxmlformats.org/presentationml/2006/main" type="twoObjOverTx" preserve="1">
   <p:cSld name="Title, 2 Content over Content">
     <p:spTree>
       <p:nvGrpSpPr>
@@ -3124,16 +3356,17 @@
           </a:prstGeom>
         </p:spPr>
         <p:txBody>
-          <a:bodyPr lIns="0" rIns="0" tIns="0" bIns="0" anchor="ctr"/>
+          <a:bodyPr lIns="0" tIns="0" rIns="0" bIns="0" anchor="ctr"/>
+          <a:lstStyle/>
           <a:p>
             <a:pPr algn="ctr"/>
-            <a:endParaRPr b="0" lang="fr-CH" sz="4400" spc="-1" strike="noStrike">
-              <a:solidFill>
-                <a:srgbClr val="000000"/>
-              </a:solidFill>
-              <a:uFill>
-                <a:solidFill>
-                  <a:srgbClr val="ffffff"/>
+            <a:endParaRPr lang="fr-CH" sz="4400" b="0" strike="noStrike" spc="-1">
+              <a:solidFill>
+                <a:srgbClr val="000000"/>
+              </a:solidFill>
+              <a:uFill>
+                <a:solidFill>
+                  <a:srgbClr val="FFFFFF"/>
                 </a:solidFill>
               </a:uFill>
               <a:latin typeface="Arial"/>
@@ -3161,17 +3394,18 @@
           </a:prstGeom>
         </p:spPr>
         <p:txBody>
-          <a:bodyPr lIns="0" rIns="0" tIns="0" bIns="0">
+          <a:bodyPr lIns="0" tIns="0" rIns="0" bIns="0">
             <a:normAutofit/>
           </a:bodyPr>
-          <a:p>
-            <a:endParaRPr b="0" lang="fr-CH" sz="3200" spc="-1" strike="noStrike">
-              <a:solidFill>
-                <a:srgbClr val="000000"/>
-              </a:solidFill>
-              <a:uFill>
-                <a:solidFill>
-                  <a:srgbClr val="ffffff"/>
+          <a:lstStyle/>
+          <a:p>
+            <a:endParaRPr lang="fr-CH" sz="3200" b="0" strike="noStrike" spc="-1">
+              <a:solidFill>
+                <a:srgbClr val="000000"/>
+              </a:solidFill>
+              <a:uFill>
+                <a:solidFill>
+                  <a:srgbClr val="FFFFFF"/>
                 </a:solidFill>
               </a:uFill>
               <a:latin typeface="Arial"/>
@@ -3199,17 +3433,18 @@
           </a:prstGeom>
         </p:spPr>
         <p:txBody>
-          <a:bodyPr lIns="0" rIns="0" tIns="0" bIns="0">
+          <a:bodyPr lIns="0" tIns="0" rIns="0" bIns="0">
             <a:normAutofit/>
           </a:bodyPr>
-          <a:p>
-            <a:endParaRPr b="0" lang="fr-CH" sz="3200" spc="-1" strike="noStrike">
-              <a:solidFill>
-                <a:srgbClr val="000000"/>
-              </a:solidFill>
-              <a:uFill>
-                <a:solidFill>
-                  <a:srgbClr val="ffffff"/>
+          <a:lstStyle/>
+          <a:p>
+            <a:endParaRPr lang="fr-CH" sz="3200" b="0" strike="noStrike" spc="-1">
+              <a:solidFill>
+                <a:srgbClr val="000000"/>
+              </a:solidFill>
+              <a:uFill>
+                <a:solidFill>
+                  <a:srgbClr val="FFFFFF"/>
                 </a:solidFill>
               </a:uFill>
               <a:latin typeface="Arial"/>
@@ -3237,17 +3472,18 @@
           </a:prstGeom>
         </p:spPr>
         <p:txBody>
-          <a:bodyPr lIns="0" rIns="0" tIns="0" bIns="0">
+          <a:bodyPr lIns="0" tIns="0" rIns="0" bIns="0">
             <a:normAutofit/>
           </a:bodyPr>
-          <a:p>
-            <a:endParaRPr b="0" lang="fr-CH" sz="3200" spc="-1" strike="noStrike">
-              <a:solidFill>
-                <a:srgbClr val="000000"/>
-              </a:solidFill>
-              <a:uFill>
-                <a:solidFill>
-                  <a:srgbClr val="ffffff"/>
+          <a:lstStyle/>
+          <a:p>
+            <a:endParaRPr lang="fr-CH" sz="3200" b="0" strike="noStrike" spc="-1">
+              <a:solidFill>
+                <a:srgbClr val="000000"/>
+              </a:solidFill>
+              <a:uFill>
+                <a:solidFill>
+                  <a:srgbClr val="FFFFFF"/>
                 </a:solidFill>
               </a:uFill>
               <a:latin typeface="Arial"/>
@@ -3257,11 +3493,1336 @@
       </p:sp>
     </p:spTree>
   </p:cSld>
+  <p:clrMapOvr>
+    <a:masterClrMapping/>
+  </p:clrMapOvr>
 </p:sldLayout>
 </file>
 
 <file path=ppt/slideMasters/slideMaster1.xml><?xml version="1.0" encoding="utf-8"?>
-<p:sldMaster xmlns:a="http://schemas.openxmlformats.org/drawingml/2006/main" xmlns:p="http://schemas.openxmlformats.org/presentationml/2006/main" xmlns:r="http://schemas.openxmlformats.org/officeDocument/2006/relationships" xmlns:p14="http://schemas.microsoft.com/office/powerpoint/2010/main" xmlns:p15="http://schemas.microsoft.com/office/powerpoint/2012/main" xmlns:mc="http://schemas.openxmlformats.org/markup-compatibility/2006">
+<p:sldMaster xmlns:a="http://schemas.openxmlformats.org/drawingml/2006/main" xmlns:r="http://schemas.openxmlformats.org/officeDocument/2006/relationships" xmlns:p="http://schemas.openxmlformats.org/presentationml/2006/main">
+  <p:cSld>
+    <p:bg>
+      <p:bgRef idx="1001">
+        <a:schemeClr val="bg1"/>
+      </p:bgRef>
+    </p:bg>
+    <p:spTree>
+      <p:nvGrpSpPr>
+        <p:cNvPr id="1" name=""/>
+        <p:cNvGrpSpPr/>
+        <p:nvPr/>
+      </p:nvGrpSpPr>
+      <p:grpSpPr>
+        <a:xfrm>
+          <a:off x="0" y="0"/>
+          <a:ext cx="0" cy="0"/>
+          <a:chOff x="0" y="0"/>
+          <a:chExt cx="0" cy="0"/>
+        </a:xfrm>
+      </p:grpSpPr>
+      <p:sp>
+        <p:nvSpPr>
+          <p:cNvPr id="3" name="CustomShape 1"/>
+          <p:cNvSpPr/>
+          <p:nvPr/>
+        </p:nvSpPr>
+        <p:spPr>
+          <a:xfrm>
+            <a:off x="0" y="3150000"/>
+            <a:ext cx="9719640" cy="1259640"/>
+          </a:xfrm>
+          <a:prstGeom prst="rect">
+            <a:avLst/>
+          </a:prstGeom>
+          <a:solidFill>
+            <a:srgbClr val="E74C3C"/>
+          </a:solidFill>
+          <a:ln>
+            <a:noFill/>
+          </a:ln>
+        </p:spPr>
+        <p:style>
+          <a:lnRef idx="0">
+            <a:scrgbClr r="0" g="0" b="0"/>
+          </a:lnRef>
+          <a:fillRef idx="0">
+            <a:scrgbClr r="0" g="0" b="0"/>
+          </a:fillRef>
+          <a:effectRef idx="0">
+            <a:scrgbClr r="0" g="0" b="0"/>
+          </a:effectRef>
+          <a:fontRef idx="minor"/>
+        </p:style>
+      </p:sp>
+      <p:sp>
+        <p:nvSpPr>
+          <p:cNvPr id="4" name="PlaceHolder 2"/>
+          <p:cNvSpPr>
+            <a:spLocks noGrp="1"/>
+          </p:cNvSpPr>
+          <p:nvPr>
+            <p:ph type="title"/>
+          </p:nvPr>
+        </p:nvSpPr>
+        <p:spPr>
+          <a:xfrm>
+            <a:off x="360000" y="360000"/>
+            <a:ext cx="9359640" cy="899640"/>
+          </a:xfrm>
+          <a:prstGeom prst="rect">
+            <a:avLst/>
+          </a:prstGeom>
+        </p:spPr>
+        <p:txBody>
+          <a:bodyPr lIns="0" tIns="0" rIns="0" bIns="0" anchor="b"/>
+          <a:lstStyle/>
+          <a:p>
+            <a:r>
+              <a:rPr lang="fr-CH" sz="1800" b="0" strike="noStrike" spc="-1">
+                <a:solidFill>
+                  <a:srgbClr val="000000"/>
+                </a:solidFill>
+                <a:uFill>
+                  <a:solidFill>
+                    <a:srgbClr val="FFFFFF"/>
+                  </a:solidFill>
+                </a:uFill>
+                <a:latin typeface="Arial"/>
+              </a:rPr>
+              <a:t>Click to edit the title text format</a:t>
+            </a:r>
+          </a:p>
+        </p:txBody>
+      </p:sp>
+      <p:sp>
+        <p:nvSpPr>
+          <p:cNvPr id="2" name="PlaceHolder 3"/>
+          <p:cNvSpPr>
+            <a:spLocks noGrp="1"/>
+          </p:cNvSpPr>
+          <p:nvPr>
+            <p:ph type="body"/>
+          </p:nvPr>
+        </p:nvSpPr>
+        <p:spPr>
+          <a:xfrm>
+            <a:off x="504000" y="1768680"/>
+            <a:ext cx="9072000" cy="4384080"/>
+          </a:xfrm>
+          <a:prstGeom prst="rect">
+            <a:avLst/>
+          </a:prstGeom>
+        </p:spPr>
+        <p:txBody>
+          <a:bodyPr lIns="0" tIns="0" rIns="0" bIns="0">
+            <a:normAutofit/>
+          </a:bodyPr>
+          <a:lstStyle/>
+          <a:p>
+            <a:pPr marL="432000" indent="-324000">
+              <a:spcBef>
+                <a:spcPts val="1417"/>
+              </a:spcBef>
+              <a:buClr>
+                <a:srgbClr val="000000"/>
+              </a:buClr>
+              <a:buSzPct val="45000"/>
+              <a:buFont typeface="Wingdings" charset="2"/>
+              <a:buChar char=""/>
+            </a:pPr>
+            <a:r>
+              <a:rPr lang="fr-CH" sz="3200" b="0" strike="noStrike" spc="-1">
+                <a:solidFill>
+                  <a:srgbClr val="000000"/>
+                </a:solidFill>
+                <a:uFill>
+                  <a:solidFill>
+                    <a:srgbClr val="FFFFFF"/>
+                  </a:solidFill>
+                </a:uFill>
+                <a:latin typeface="Arial"/>
+              </a:rPr>
+              <a:t>Click to edit the outline text format</a:t>
+            </a:r>
+          </a:p>
+          <a:p>
+            <a:pPr marL="864000" lvl="1" indent="-324000">
+              <a:spcBef>
+                <a:spcPts val="1134"/>
+              </a:spcBef>
+              <a:buClr>
+                <a:srgbClr val="000000"/>
+              </a:buClr>
+              <a:buSzPct val="75000"/>
+              <a:buFont typeface="Symbol" charset="2"/>
+              <a:buChar char=""/>
+            </a:pPr>
+            <a:r>
+              <a:rPr lang="fr-CH" sz="2800" b="0" strike="noStrike" spc="-1">
+                <a:solidFill>
+                  <a:srgbClr val="000000"/>
+                </a:solidFill>
+                <a:uFill>
+                  <a:solidFill>
+                    <a:srgbClr val="FFFFFF"/>
+                  </a:solidFill>
+                </a:uFill>
+                <a:latin typeface="Arial"/>
+              </a:rPr>
+              <a:t>Second Outline Level</a:t>
+            </a:r>
+          </a:p>
+          <a:p>
+            <a:pPr marL="1296000" lvl="2" indent="-288000">
+              <a:spcBef>
+                <a:spcPts val="850"/>
+              </a:spcBef>
+              <a:buClr>
+                <a:srgbClr val="000000"/>
+              </a:buClr>
+              <a:buSzPct val="45000"/>
+              <a:buFont typeface="Wingdings" charset="2"/>
+              <a:buChar char=""/>
+            </a:pPr>
+            <a:r>
+              <a:rPr lang="fr-CH" sz="2400" b="0" strike="noStrike" spc="-1">
+                <a:solidFill>
+                  <a:srgbClr val="000000"/>
+                </a:solidFill>
+                <a:uFill>
+                  <a:solidFill>
+                    <a:srgbClr val="FFFFFF"/>
+                  </a:solidFill>
+                </a:uFill>
+                <a:latin typeface="Arial"/>
+              </a:rPr>
+              <a:t>Third Outline Level</a:t>
+            </a:r>
+          </a:p>
+          <a:p>
+            <a:pPr marL="1728000" lvl="3" indent="-216000">
+              <a:spcBef>
+                <a:spcPts val="567"/>
+              </a:spcBef>
+              <a:buClr>
+                <a:srgbClr val="000000"/>
+              </a:buClr>
+              <a:buSzPct val="75000"/>
+              <a:buFont typeface="Symbol" charset="2"/>
+              <a:buChar char=""/>
+            </a:pPr>
+            <a:r>
+              <a:rPr lang="fr-CH" sz="2000" b="0" strike="noStrike" spc="-1">
+                <a:solidFill>
+                  <a:srgbClr val="000000"/>
+                </a:solidFill>
+                <a:uFill>
+                  <a:solidFill>
+                    <a:srgbClr val="FFFFFF"/>
+                  </a:solidFill>
+                </a:uFill>
+                <a:latin typeface="Arial"/>
+              </a:rPr>
+              <a:t>Fourth Outline Level</a:t>
+            </a:r>
+          </a:p>
+          <a:p>
+            <a:pPr marL="2160000" lvl="4" indent="-216000">
+              <a:spcBef>
+                <a:spcPts val="283"/>
+              </a:spcBef>
+              <a:buClr>
+                <a:srgbClr val="000000"/>
+              </a:buClr>
+              <a:buSzPct val="45000"/>
+              <a:buFont typeface="Wingdings" charset="2"/>
+              <a:buChar char=""/>
+            </a:pPr>
+            <a:r>
+              <a:rPr lang="fr-CH" sz="2000" b="0" strike="noStrike" spc="-1">
+                <a:solidFill>
+                  <a:srgbClr val="000000"/>
+                </a:solidFill>
+                <a:uFill>
+                  <a:solidFill>
+                    <a:srgbClr val="FFFFFF"/>
+                  </a:solidFill>
+                </a:uFill>
+                <a:latin typeface="Arial"/>
+              </a:rPr>
+              <a:t>Fifth Outline Level</a:t>
+            </a:r>
+          </a:p>
+          <a:p>
+            <a:pPr marL="2592000" lvl="5" indent="-216000">
+              <a:spcBef>
+                <a:spcPts val="283"/>
+              </a:spcBef>
+              <a:buClr>
+                <a:srgbClr val="000000"/>
+              </a:buClr>
+              <a:buSzPct val="45000"/>
+              <a:buFont typeface="Wingdings" charset="2"/>
+              <a:buChar char=""/>
+            </a:pPr>
+            <a:r>
+              <a:rPr lang="fr-CH" sz="2000" b="0" strike="noStrike" spc="-1">
+                <a:solidFill>
+                  <a:srgbClr val="000000"/>
+                </a:solidFill>
+                <a:uFill>
+                  <a:solidFill>
+                    <a:srgbClr val="FFFFFF"/>
+                  </a:solidFill>
+                </a:uFill>
+                <a:latin typeface="Arial"/>
+              </a:rPr>
+              <a:t>Sixth Outline Level</a:t>
+            </a:r>
+          </a:p>
+          <a:p>
+            <a:pPr marL="3024000" lvl="6" indent="-216000">
+              <a:spcBef>
+                <a:spcPts val="283"/>
+              </a:spcBef>
+              <a:buClr>
+                <a:srgbClr val="000000"/>
+              </a:buClr>
+              <a:buSzPct val="45000"/>
+              <a:buFont typeface="Wingdings" charset="2"/>
+              <a:buChar char=""/>
+            </a:pPr>
+            <a:r>
+              <a:rPr lang="fr-CH" sz="2000" b="0" strike="noStrike" spc="-1">
+                <a:solidFill>
+                  <a:srgbClr val="000000"/>
+                </a:solidFill>
+                <a:uFill>
+                  <a:solidFill>
+                    <a:srgbClr val="FFFFFF"/>
+                  </a:solidFill>
+                </a:uFill>
+                <a:latin typeface="Arial"/>
+              </a:rPr>
+              <a:t>Seventh Outline Level</a:t>
+            </a:r>
+          </a:p>
+        </p:txBody>
+      </p:sp>
+    </p:spTree>
+  </p:cSld>
+  <p:clrMap bg1="lt1" tx1="dk1" bg2="lt2" tx2="dk2" accent1="accent1" accent2="accent2" accent3="accent3" accent4="accent4" accent5="accent5" accent6="accent6" hlink="hlink" folHlink="folHlink"/>
+  <p:sldLayoutIdLst>
+    <p:sldLayoutId id="2147483649" r:id="rId1"/>
+    <p:sldLayoutId id="2147483650" r:id="rId2"/>
+    <p:sldLayoutId id="2147483651" r:id="rId3"/>
+    <p:sldLayoutId id="2147483652" r:id="rId4"/>
+    <p:sldLayoutId id="2147483653" r:id="rId5"/>
+    <p:sldLayoutId id="2147483654" r:id="rId6"/>
+    <p:sldLayoutId id="2147483655" r:id="rId7"/>
+    <p:sldLayoutId id="2147483656" r:id="rId8"/>
+    <p:sldLayoutId id="2147483657" r:id="rId9"/>
+    <p:sldLayoutId id="2147483658" r:id="rId10"/>
+    <p:sldLayoutId id="2147483659" r:id="rId11"/>
+    <p:sldLayoutId id="2147483660" r:id="rId12"/>
+  </p:sldLayoutIdLst>
+  <p:txStyles>
+    <p:titleStyle>
+      <a:lvl1pPr algn="l" defTabSz="914400" rtl="0" eaLnBrk="1" latinLnBrk="0" hangingPunct="1">
+        <a:lnSpc>
+          <a:spcPct val="90000"/>
+        </a:lnSpc>
+        <a:spcBef>
+          <a:spcPct val="0"/>
+        </a:spcBef>
+        <a:buNone/>
+        <a:defRPr sz="4400" kern="1200">
+          <a:solidFill>
+            <a:schemeClr val="tx1"/>
+          </a:solidFill>
+          <a:latin typeface="+mj-lt"/>
+          <a:ea typeface="+mj-ea"/>
+          <a:cs typeface="+mj-cs"/>
+        </a:defRPr>
+      </a:lvl1pPr>
+    </p:titleStyle>
+    <p:bodyStyle>
+      <a:lvl1pPr marL="228600" indent="-228600" algn="l" defTabSz="914400" rtl="0" eaLnBrk="1" latinLnBrk="0" hangingPunct="1">
+        <a:lnSpc>
+          <a:spcPct val="90000"/>
+        </a:lnSpc>
+        <a:spcBef>
+          <a:spcPts val="1000"/>
+        </a:spcBef>
+        <a:buFont typeface="Arial" panose="020B0604020202020204" pitchFamily="34" charset="0"/>
+        <a:buChar char="•"/>
+        <a:defRPr sz="2800" kern="1200">
+          <a:solidFill>
+            <a:schemeClr val="tx1"/>
+          </a:solidFill>
+          <a:latin typeface="+mn-lt"/>
+          <a:ea typeface="+mn-ea"/>
+          <a:cs typeface="+mn-cs"/>
+        </a:defRPr>
+      </a:lvl1pPr>
+      <a:lvl2pPr marL="685800" indent="-228600" algn="l" defTabSz="914400" rtl="0" eaLnBrk="1" latinLnBrk="0" hangingPunct="1">
+        <a:lnSpc>
+          <a:spcPct val="90000"/>
+        </a:lnSpc>
+        <a:spcBef>
+          <a:spcPts val="500"/>
+        </a:spcBef>
+        <a:buFont typeface="Arial" panose="020B0604020202020204" pitchFamily="34" charset="0"/>
+        <a:buChar char="•"/>
+        <a:defRPr sz="2400" kern="1200">
+          <a:solidFill>
+            <a:schemeClr val="tx1"/>
+          </a:solidFill>
+          <a:latin typeface="+mn-lt"/>
+          <a:ea typeface="+mn-ea"/>
+          <a:cs typeface="+mn-cs"/>
+        </a:defRPr>
+      </a:lvl2pPr>
+      <a:lvl3pPr marL="1143000" indent="-228600" algn="l" defTabSz="914400" rtl="0" eaLnBrk="1" latinLnBrk="0" hangingPunct="1">
+        <a:lnSpc>
+          <a:spcPct val="90000"/>
+        </a:lnSpc>
+        <a:spcBef>
+          <a:spcPts val="500"/>
+        </a:spcBef>
+        <a:buFont typeface="Arial" panose="020B0604020202020204" pitchFamily="34" charset="0"/>
+        <a:buChar char="•"/>
+        <a:defRPr sz="2000" kern="1200">
+          <a:solidFill>
+            <a:schemeClr val="tx1"/>
+          </a:solidFill>
+          <a:latin typeface="+mn-lt"/>
+          <a:ea typeface="+mn-ea"/>
+          <a:cs typeface="+mn-cs"/>
+        </a:defRPr>
+      </a:lvl3pPr>
+      <a:lvl4pPr marL="1600200" indent="-228600" algn="l" defTabSz="914400" rtl="0" eaLnBrk="1" latinLnBrk="0" hangingPunct="1">
+        <a:lnSpc>
+          <a:spcPct val="90000"/>
+        </a:lnSpc>
+        <a:spcBef>
+          <a:spcPts val="500"/>
+        </a:spcBef>
+        <a:buFont typeface="Arial" panose="020B0604020202020204" pitchFamily="34" charset="0"/>
+        <a:buChar char="•"/>
+        <a:defRPr sz="1800" kern="1200">
+          <a:solidFill>
+            <a:schemeClr val="tx1"/>
+          </a:solidFill>
+          <a:latin typeface="+mn-lt"/>
+          <a:ea typeface="+mn-ea"/>
+          <a:cs typeface="+mn-cs"/>
+        </a:defRPr>
+      </a:lvl4pPr>
+      <a:lvl5pPr marL="2057400" indent="-228600" algn="l" defTabSz="914400" rtl="0" eaLnBrk="1" latinLnBrk="0" hangingPunct="1">
+        <a:lnSpc>
+          <a:spcPct val="90000"/>
+        </a:lnSpc>
+        <a:spcBef>
+          <a:spcPts val="500"/>
+        </a:spcBef>
+        <a:buFont typeface="Arial" panose="020B0604020202020204" pitchFamily="34" charset="0"/>
+        <a:buChar char="•"/>
+        <a:defRPr sz="1800" kern="1200">
+          <a:solidFill>
+            <a:schemeClr val="tx1"/>
+          </a:solidFill>
+          <a:latin typeface="+mn-lt"/>
+          <a:ea typeface="+mn-ea"/>
+          <a:cs typeface="+mn-cs"/>
+        </a:defRPr>
+      </a:lvl5pPr>
+      <a:lvl6pPr marL="2514600" indent="-228600" algn="l" defTabSz="914400" rtl="0" eaLnBrk="1" latinLnBrk="0" hangingPunct="1">
+        <a:lnSpc>
+          <a:spcPct val="90000"/>
+        </a:lnSpc>
+        <a:spcBef>
+          <a:spcPts val="500"/>
+        </a:spcBef>
+        <a:buFont typeface="Arial" panose="020B0604020202020204" pitchFamily="34" charset="0"/>
+        <a:buChar char="•"/>
+        <a:defRPr sz="1800" kern="1200">
+          <a:solidFill>
+            <a:schemeClr val="tx1"/>
+          </a:solidFill>
+          <a:latin typeface="+mn-lt"/>
+          <a:ea typeface="+mn-ea"/>
+          <a:cs typeface="+mn-cs"/>
+        </a:defRPr>
+      </a:lvl6pPr>
+      <a:lvl7pPr marL="2971800" indent="-228600" algn="l" defTabSz="914400" rtl="0" eaLnBrk="1" latinLnBrk="0" hangingPunct="1">
+        <a:lnSpc>
+          <a:spcPct val="90000"/>
+        </a:lnSpc>
+        <a:spcBef>
+          <a:spcPts val="500"/>
+        </a:spcBef>
+        <a:buFont typeface="Arial" panose="020B0604020202020204" pitchFamily="34" charset="0"/>
+        <a:buChar char="•"/>
+        <a:defRPr sz="1800" kern="1200">
+          <a:solidFill>
+            <a:schemeClr val="tx1"/>
+          </a:solidFill>
+          <a:latin typeface="+mn-lt"/>
+          <a:ea typeface="+mn-ea"/>
+          <a:cs typeface="+mn-cs"/>
+        </a:defRPr>
+      </a:lvl7pPr>
+      <a:lvl8pPr marL="3429000" indent="-228600" algn="l" defTabSz="914400" rtl="0" eaLnBrk="1" latinLnBrk="0" hangingPunct="1">
+        <a:lnSpc>
+          <a:spcPct val="90000"/>
+        </a:lnSpc>
+        <a:spcBef>
+          <a:spcPts val="500"/>
+        </a:spcBef>
+        <a:buFont typeface="Arial" panose="020B0604020202020204" pitchFamily="34" charset="0"/>
+        <a:buChar char="•"/>
+        <a:defRPr sz="1800" kern="1200">
+          <a:solidFill>
+            <a:schemeClr val="tx1"/>
+          </a:solidFill>
+          <a:latin typeface="+mn-lt"/>
+          <a:ea typeface="+mn-ea"/>
+          <a:cs typeface="+mn-cs"/>
+        </a:defRPr>
+      </a:lvl8pPr>
+      <a:lvl9pPr marL="3886200" indent="-228600" algn="l" defTabSz="914400" rtl="0" eaLnBrk="1" latinLnBrk="0" hangingPunct="1">
+        <a:lnSpc>
+          <a:spcPct val="90000"/>
+        </a:lnSpc>
+        <a:spcBef>
+          <a:spcPts val="500"/>
+        </a:spcBef>
+        <a:buFont typeface="Arial" panose="020B0604020202020204" pitchFamily="34" charset="0"/>
+        <a:buChar char="•"/>
+        <a:defRPr sz="1800" kern="1200">
+          <a:solidFill>
+            <a:schemeClr val="tx1"/>
+          </a:solidFill>
+          <a:latin typeface="+mn-lt"/>
+          <a:ea typeface="+mn-ea"/>
+          <a:cs typeface="+mn-cs"/>
+        </a:defRPr>
+      </a:lvl9pPr>
+    </p:bodyStyle>
+    <p:otherStyle>
+      <a:defPPr>
+        <a:defRPr lang="fr-FR"/>
+      </a:defPPr>
+      <a:lvl1pPr marL="0" algn="l" defTabSz="914400" rtl="0" eaLnBrk="1" latinLnBrk="0" hangingPunct="1">
+        <a:defRPr sz="1800" kern="1200">
+          <a:solidFill>
+            <a:schemeClr val="tx1"/>
+          </a:solidFill>
+          <a:latin typeface="+mn-lt"/>
+          <a:ea typeface="+mn-ea"/>
+          <a:cs typeface="+mn-cs"/>
+        </a:defRPr>
+      </a:lvl1pPr>
+      <a:lvl2pPr marL="457200" algn="l" defTabSz="914400" rtl="0" eaLnBrk="1" latinLnBrk="0" hangingPunct="1">
+        <a:defRPr sz="1800" kern="1200">
+          <a:solidFill>
+            <a:schemeClr val="tx1"/>
+          </a:solidFill>
+          <a:latin typeface="+mn-lt"/>
+          <a:ea typeface="+mn-ea"/>
+          <a:cs typeface="+mn-cs"/>
+        </a:defRPr>
+      </a:lvl2pPr>
+      <a:lvl3pPr marL="914400" algn="l" defTabSz="914400" rtl="0" eaLnBrk="1" latinLnBrk="0" hangingPunct="1">
+        <a:defRPr sz="1800" kern="1200">
+          <a:solidFill>
+            <a:schemeClr val="tx1"/>
+          </a:solidFill>
+          <a:latin typeface="+mn-lt"/>
+          <a:ea typeface="+mn-ea"/>
+          <a:cs typeface="+mn-cs"/>
+        </a:defRPr>
+      </a:lvl3pPr>
+      <a:lvl4pPr marL="1371600" algn="l" defTabSz="914400" rtl="0" eaLnBrk="1" latinLnBrk="0" hangingPunct="1">
+        <a:defRPr sz="1800" kern="1200">
+          <a:solidFill>
+            <a:schemeClr val="tx1"/>
+          </a:solidFill>
+          <a:latin typeface="+mn-lt"/>
+          <a:ea typeface="+mn-ea"/>
+          <a:cs typeface="+mn-cs"/>
+        </a:defRPr>
+      </a:lvl4pPr>
+      <a:lvl5pPr marL="1828800" algn="l" defTabSz="914400" rtl="0" eaLnBrk="1" latinLnBrk="0" hangingPunct="1">
+        <a:defRPr sz="1800" kern="1200">
+          <a:solidFill>
+            <a:schemeClr val="tx1"/>
+          </a:solidFill>
+          <a:latin typeface="+mn-lt"/>
+          <a:ea typeface="+mn-ea"/>
+          <a:cs typeface="+mn-cs"/>
+        </a:defRPr>
+      </a:lvl5pPr>
+      <a:lvl6pPr marL="2286000" algn="l" defTabSz="914400" rtl="0" eaLnBrk="1" latinLnBrk="0" hangingPunct="1">
+        <a:defRPr sz="1800" kern="1200">
+          <a:solidFill>
+            <a:schemeClr val="tx1"/>
+          </a:solidFill>
+          <a:latin typeface="+mn-lt"/>
+          <a:ea typeface="+mn-ea"/>
+          <a:cs typeface="+mn-cs"/>
+        </a:defRPr>
+      </a:lvl6pPr>
+      <a:lvl7pPr marL="2743200" algn="l" defTabSz="914400" rtl="0" eaLnBrk="1" latinLnBrk="0" hangingPunct="1">
+        <a:defRPr sz="1800" kern="1200">
+          <a:solidFill>
+            <a:schemeClr val="tx1"/>
+          </a:solidFill>
+          <a:latin typeface="+mn-lt"/>
+          <a:ea typeface="+mn-ea"/>
+          <a:cs typeface="+mn-cs"/>
+        </a:defRPr>
+      </a:lvl7pPr>
+      <a:lvl8pPr marL="3200400" algn="l" defTabSz="914400" rtl="0" eaLnBrk="1" latinLnBrk="0" hangingPunct="1">
+        <a:defRPr sz="1800" kern="1200">
+          <a:solidFill>
+            <a:schemeClr val="tx1"/>
+          </a:solidFill>
+          <a:latin typeface="+mn-lt"/>
+          <a:ea typeface="+mn-ea"/>
+          <a:cs typeface="+mn-cs"/>
+        </a:defRPr>
+      </a:lvl8pPr>
+      <a:lvl9pPr marL="3657600" algn="l" defTabSz="914400" rtl="0" eaLnBrk="1" latinLnBrk="0" hangingPunct="1">
+        <a:defRPr sz="1800" kern="1200">
+          <a:solidFill>
+            <a:schemeClr val="tx1"/>
+          </a:solidFill>
+          <a:latin typeface="+mn-lt"/>
+          <a:ea typeface="+mn-ea"/>
+          <a:cs typeface="+mn-cs"/>
+        </a:defRPr>
+      </a:lvl9pPr>
+    </p:otherStyle>
+  </p:txStyles>
+</p:sldMaster>
+</file>
+
+<file path=ppt/slideMasters/slideMaster2.xml><?xml version="1.0" encoding="utf-8"?>
+<p:sldMaster xmlns:a="http://schemas.openxmlformats.org/drawingml/2006/main" xmlns:r="http://schemas.openxmlformats.org/officeDocument/2006/relationships" xmlns:p="http://schemas.openxmlformats.org/presentationml/2006/main">
+  <p:cSld>
+    <p:bg>
+      <p:bgRef idx="1001">
+        <a:schemeClr val="bg1"/>
+      </p:bgRef>
+    </p:bg>
+    <p:spTree>
+      <p:nvGrpSpPr>
+        <p:cNvPr id="1" name=""/>
+        <p:cNvGrpSpPr/>
+        <p:nvPr/>
+      </p:nvGrpSpPr>
+      <p:grpSpPr>
+        <a:xfrm>
+          <a:off x="0" y="0"/>
+          <a:ext cx="0" cy="0"/>
+          <a:chOff x="0" y="0"/>
+          <a:chExt cx="0" cy="0"/>
+        </a:xfrm>
+      </p:grpSpPr>
+      <p:sp>
+        <p:nvSpPr>
+          <p:cNvPr id="39" name="CustomShape 1"/>
+          <p:cNvSpPr/>
+          <p:nvPr/>
+        </p:nvSpPr>
+        <p:spPr>
+          <a:xfrm>
+            <a:off x="0" y="180000"/>
+            <a:ext cx="9719640" cy="1259640"/>
+          </a:xfrm>
+          <a:prstGeom prst="rect">
+            <a:avLst/>
+          </a:prstGeom>
+          <a:solidFill>
+            <a:srgbClr val="E74C3C"/>
+          </a:solidFill>
+          <a:ln w="72000">
+            <a:noFill/>
+          </a:ln>
+        </p:spPr>
+        <p:style>
+          <a:lnRef idx="0">
+            <a:scrgbClr r="0" g="0" b="0"/>
+          </a:lnRef>
+          <a:fillRef idx="0">
+            <a:scrgbClr r="0" g="0" b="0"/>
+          </a:fillRef>
+          <a:effectRef idx="0">
+            <a:scrgbClr r="0" g="0" b="0"/>
+          </a:effectRef>
+          <a:fontRef idx="minor"/>
+        </p:style>
+      </p:sp>
+      <p:sp>
+        <p:nvSpPr>
+          <p:cNvPr id="40" name="CustomShape 2"/>
+          <p:cNvSpPr/>
+          <p:nvPr/>
+        </p:nvSpPr>
+        <p:spPr>
+          <a:xfrm>
+            <a:off x="7560000" y="6840000"/>
+            <a:ext cx="2519640" cy="539640"/>
+          </a:xfrm>
+          <a:prstGeom prst="rect">
+            <a:avLst/>
+          </a:prstGeom>
+          <a:solidFill>
+            <a:srgbClr val="E74C3C"/>
+          </a:solidFill>
+          <a:ln w="72000">
+            <a:noFill/>
+          </a:ln>
+        </p:spPr>
+        <p:style>
+          <a:lnRef idx="0">
+            <a:scrgbClr r="0" g="0" b="0"/>
+          </a:lnRef>
+          <a:fillRef idx="0">
+            <a:scrgbClr r="0" g="0" b="0"/>
+          </a:fillRef>
+          <a:effectRef idx="0">
+            <a:scrgbClr r="0" g="0" b="0"/>
+          </a:effectRef>
+          <a:fontRef idx="minor"/>
+        </p:style>
+      </p:sp>
+      <p:sp>
+        <p:nvSpPr>
+          <p:cNvPr id="41" name="CustomShape 3"/>
+          <p:cNvSpPr/>
+          <p:nvPr/>
+        </p:nvSpPr>
+        <p:spPr>
+          <a:xfrm>
+            <a:off x="900000" y="6840000"/>
+            <a:ext cx="6479640" cy="539640"/>
+          </a:xfrm>
+          <a:prstGeom prst="rect">
+            <a:avLst/>
+          </a:prstGeom>
+          <a:solidFill>
+            <a:srgbClr val="BDC3C7"/>
+          </a:solidFill>
+          <a:ln w="72000">
+            <a:noFill/>
+          </a:ln>
+        </p:spPr>
+        <p:style>
+          <a:lnRef idx="0">
+            <a:scrgbClr r="0" g="0" b="0"/>
+          </a:lnRef>
+          <a:fillRef idx="0">
+            <a:scrgbClr r="0" g="0" b="0"/>
+          </a:fillRef>
+          <a:effectRef idx="0">
+            <a:scrgbClr r="0" g="0" b="0"/>
+          </a:effectRef>
+          <a:fontRef idx="minor"/>
+        </p:style>
+      </p:sp>
+      <p:sp>
+        <p:nvSpPr>
+          <p:cNvPr id="42" name="CustomShape 4"/>
+          <p:cNvSpPr/>
+          <p:nvPr/>
+        </p:nvSpPr>
+        <p:spPr>
+          <a:xfrm>
+            <a:off x="180000" y="6840000"/>
+            <a:ext cx="539640" cy="539640"/>
+          </a:xfrm>
+          <a:prstGeom prst="rect">
+            <a:avLst/>
+          </a:prstGeom>
+          <a:noFill/>
+          <a:ln w="72000">
+            <a:noFill/>
+          </a:ln>
+        </p:spPr>
+        <p:style>
+          <a:lnRef idx="0">
+            <a:scrgbClr r="0" g="0" b="0"/>
+          </a:lnRef>
+          <a:fillRef idx="0">
+            <a:scrgbClr r="0" g="0" b="0"/>
+          </a:fillRef>
+          <a:effectRef idx="0">
+            <a:scrgbClr r="0" g="0" b="0"/>
+          </a:effectRef>
+          <a:fontRef idx="minor"/>
+        </p:style>
+      </p:sp>
+      <p:sp>
+        <p:nvSpPr>
+          <p:cNvPr id="43" name="PlaceHolder 5"/>
+          <p:cNvSpPr>
+            <a:spLocks noGrp="1"/>
+          </p:cNvSpPr>
+          <p:nvPr>
+            <p:ph type="title"/>
+          </p:nvPr>
+        </p:nvSpPr>
+        <p:spPr>
+          <a:xfrm>
+            <a:off x="360000" y="360000"/>
+            <a:ext cx="9359640" cy="899640"/>
+          </a:xfrm>
+          <a:prstGeom prst="rect">
+            <a:avLst/>
+          </a:prstGeom>
+        </p:spPr>
+        <p:txBody>
+          <a:bodyPr lIns="0" tIns="0" rIns="0" bIns="0" anchor="b"/>
+          <a:lstStyle/>
+          <a:p>
+            <a:r>
+              <a:rPr lang="fr-CH" sz="1800" b="0" strike="noStrike" spc="-1">
+                <a:solidFill>
+                  <a:srgbClr val="000000"/>
+                </a:solidFill>
+                <a:uFill>
+                  <a:solidFill>
+                    <a:srgbClr val="FFFFFF"/>
+                  </a:solidFill>
+                </a:uFill>
+                <a:latin typeface="Arial"/>
+              </a:rPr>
+              <a:t>Click to edit the title text format</a:t>
+            </a:r>
+          </a:p>
+        </p:txBody>
+      </p:sp>
+      <p:sp>
+        <p:nvSpPr>
+          <p:cNvPr id="44" name="PlaceHolder 6"/>
+          <p:cNvSpPr>
+            <a:spLocks noGrp="1"/>
+          </p:cNvSpPr>
+          <p:nvPr>
+            <p:ph type="body"/>
+          </p:nvPr>
+        </p:nvSpPr>
+        <p:spPr>
+          <a:xfrm>
+            <a:off x="360000" y="1980000"/>
+            <a:ext cx="9179640" cy="4679640"/>
+          </a:xfrm>
+          <a:prstGeom prst="rect">
+            <a:avLst/>
+          </a:prstGeom>
+        </p:spPr>
+        <p:txBody>
+          <a:bodyPr lIns="0" tIns="0" rIns="0" bIns="0">
+            <a:normAutofit/>
+          </a:bodyPr>
+          <a:lstStyle/>
+          <a:p>
+            <a:pPr marL="432000" indent="-324000">
+              <a:spcBef>
+                <a:spcPts val="1417"/>
+              </a:spcBef>
+              <a:buClr>
+                <a:srgbClr val="000000"/>
+              </a:buClr>
+              <a:buSzPct val="45000"/>
+              <a:buFont typeface="Wingdings" charset="2"/>
+              <a:buChar char=""/>
+            </a:pPr>
+            <a:r>
+              <a:rPr lang="fr-CH" sz="1800" b="0" strike="noStrike" spc="-1">
+                <a:solidFill>
+                  <a:srgbClr val="000000"/>
+                </a:solidFill>
+                <a:uFill>
+                  <a:solidFill>
+                    <a:srgbClr val="FFFFFF"/>
+                  </a:solidFill>
+                </a:uFill>
+                <a:latin typeface="Arial"/>
+              </a:rPr>
+              <a:t>Click to edit the outline text format</a:t>
+            </a:r>
+          </a:p>
+          <a:p>
+            <a:pPr marL="864000" lvl="1" indent="-324000">
+              <a:spcBef>
+                <a:spcPts val="1134"/>
+              </a:spcBef>
+              <a:buClr>
+                <a:srgbClr val="000000"/>
+              </a:buClr>
+              <a:buSzPct val="75000"/>
+              <a:buFont typeface="Symbol" charset="2"/>
+              <a:buChar char=""/>
+            </a:pPr>
+            <a:r>
+              <a:rPr lang="fr-CH" sz="1800" b="0" strike="noStrike" spc="-1">
+                <a:solidFill>
+                  <a:srgbClr val="000000"/>
+                </a:solidFill>
+                <a:uFill>
+                  <a:solidFill>
+                    <a:srgbClr val="FFFFFF"/>
+                  </a:solidFill>
+                </a:uFill>
+                <a:latin typeface="Arial"/>
+              </a:rPr>
+              <a:t>Second Outline Level</a:t>
+            </a:r>
+          </a:p>
+          <a:p>
+            <a:pPr marL="1296000" lvl="2" indent="-288000">
+              <a:spcBef>
+                <a:spcPts val="850"/>
+              </a:spcBef>
+              <a:buClr>
+                <a:srgbClr val="000000"/>
+              </a:buClr>
+              <a:buSzPct val="45000"/>
+              <a:buFont typeface="Wingdings" charset="2"/>
+              <a:buChar char=""/>
+            </a:pPr>
+            <a:r>
+              <a:rPr lang="fr-CH" sz="1800" b="0" strike="noStrike" spc="-1">
+                <a:solidFill>
+                  <a:srgbClr val="000000"/>
+                </a:solidFill>
+                <a:uFill>
+                  <a:solidFill>
+                    <a:srgbClr val="FFFFFF"/>
+                  </a:solidFill>
+                </a:uFill>
+                <a:latin typeface="Arial"/>
+              </a:rPr>
+              <a:t>Third Outline Level</a:t>
+            </a:r>
+          </a:p>
+          <a:p>
+            <a:pPr marL="1728000" lvl="3" indent="-216000">
+              <a:spcBef>
+                <a:spcPts val="567"/>
+              </a:spcBef>
+              <a:buClr>
+                <a:srgbClr val="000000"/>
+              </a:buClr>
+              <a:buSzPct val="75000"/>
+              <a:buFont typeface="Symbol" charset="2"/>
+              <a:buChar char=""/>
+            </a:pPr>
+            <a:r>
+              <a:rPr lang="fr-CH" sz="1800" b="0" strike="noStrike" spc="-1">
+                <a:solidFill>
+                  <a:srgbClr val="000000"/>
+                </a:solidFill>
+                <a:uFill>
+                  <a:solidFill>
+                    <a:srgbClr val="FFFFFF"/>
+                  </a:solidFill>
+                </a:uFill>
+                <a:latin typeface="Arial"/>
+              </a:rPr>
+              <a:t>Fourth Outline Level</a:t>
+            </a:r>
+          </a:p>
+          <a:p>
+            <a:pPr marL="2160000" lvl="4" indent="-216000">
+              <a:spcBef>
+                <a:spcPts val="283"/>
+              </a:spcBef>
+              <a:buClr>
+                <a:srgbClr val="000000"/>
+              </a:buClr>
+              <a:buSzPct val="45000"/>
+              <a:buFont typeface="Wingdings" charset="2"/>
+              <a:buChar char=""/>
+            </a:pPr>
+            <a:r>
+              <a:rPr lang="fr-CH" sz="1800" b="0" strike="noStrike" spc="-1">
+                <a:solidFill>
+                  <a:srgbClr val="000000"/>
+                </a:solidFill>
+                <a:uFill>
+                  <a:solidFill>
+                    <a:srgbClr val="FFFFFF"/>
+                  </a:solidFill>
+                </a:uFill>
+                <a:latin typeface="Arial"/>
+              </a:rPr>
+              <a:t>Fifth Outline Level</a:t>
+            </a:r>
+          </a:p>
+          <a:p>
+            <a:pPr marL="2592000" lvl="5" indent="-216000">
+              <a:spcBef>
+                <a:spcPts val="283"/>
+              </a:spcBef>
+              <a:buClr>
+                <a:srgbClr val="000000"/>
+              </a:buClr>
+              <a:buSzPct val="45000"/>
+              <a:buFont typeface="Wingdings" charset="2"/>
+              <a:buChar char=""/>
+            </a:pPr>
+            <a:r>
+              <a:rPr lang="fr-CH" sz="1800" b="0" strike="noStrike" spc="-1">
+                <a:solidFill>
+                  <a:srgbClr val="000000"/>
+                </a:solidFill>
+                <a:uFill>
+                  <a:solidFill>
+                    <a:srgbClr val="FFFFFF"/>
+                  </a:solidFill>
+                </a:uFill>
+                <a:latin typeface="Arial"/>
+              </a:rPr>
+              <a:t>Sixth Outline Level</a:t>
+            </a:r>
+          </a:p>
+          <a:p>
+            <a:pPr marL="3024000" lvl="6" indent="-216000">
+              <a:spcBef>
+                <a:spcPts val="283"/>
+              </a:spcBef>
+              <a:buClr>
+                <a:srgbClr val="000000"/>
+              </a:buClr>
+              <a:buSzPct val="45000"/>
+              <a:buFont typeface="Wingdings" charset="2"/>
+              <a:buChar char=""/>
+            </a:pPr>
+            <a:r>
+              <a:rPr lang="fr-CH" sz="1800" b="0" strike="noStrike" spc="-1">
+                <a:solidFill>
+                  <a:srgbClr val="000000"/>
+                </a:solidFill>
+                <a:uFill>
+                  <a:solidFill>
+                    <a:srgbClr val="FFFFFF"/>
+                  </a:solidFill>
+                </a:uFill>
+                <a:latin typeface="Arial"/>
+              </a:rPr>
+              <a:t>Seventh Outline Level</a:t>
+            </a:r>
+          </a:p>
+        </p:txBody>
+      </p:sp>
+    </p:spTree>
+  </p:cSld>
+  <p:clrMap bg1="lt1" tx1="dk1" bg2="lt2" tx2="dk2" accent1="accent1" accent2="accent2" accent3="accent3" accent4="accent4" accent5="accent5" accent6="accent6" hlink="hlink" folHlink="folHlink"/>
+  <p:sldLayoutIdLst>
+    <p:sldLayoutId id="2147483662" r:id="rId1"/>
+    <p:sldLayoutId id="2147483663" r:id="rId2"/>
+    <p:sldLayoutId id="2147483664" r:id="rId3"/>
+    <p:sldLayoutId id="2147483665" r:id="rId4"/>
+    <p:sldLayoutId id="2147483666" r:id="rId5"/>
+    <p:sldLayoutId id="2147483667" r:id="rId6"/>
+    <p:sldLayoutId id="2147483668" r:id="rId7"/>
+    <p:sldLayoutId id="2147483669" r:id="rId8"/>
+    <p:sldLayoutId id="2147483670" r:id="rId9"/>
+    <p:sldLayoutId id="2147483671" r:id="rId10"/>
+    <p:sldLayoutId id="2147483672" r:id="rId11"/>
+    <p:sldLayoutId id="2147483673" r:id="rId12"/>
+  </p:sldLayoutIdLst>
+  <p:txStyles>
+    <p:titleStyle>
+      <a:lvl1pPr algn="l" defTabSz="914400" rtl="0" eaLnBrk="1" latinLnBrk="0" hangingPunct="1">
+        <a:lnSpc>
+          <a:spcPct val="90000"/>
+        </a:lnSpc>
+        <a:spcBef>
+          <a:spcPct val="0"/>
+        </a:spcBef>
+        <a:buNone/>
+        <a:defRPr sz="4400" kern="1200">
+          <a:solidFill>
+            <a:schemeClr val="tx1"/>
+          </a:solidFill>
+          <a:latin typeface="+mj-lt"/>
+          <a:ea typeface="+mj-ea"/>
+          <a:cs typeface="+mj-cs"/>
+        </a:defRPr>
+      </a:lvl1pPr>
+    </p:titleStyle>
+    <p:bodyStyle>
+      <a:lvl1pPr marL="228600" indent="-228600" algn="l" defTabSz="914400" rtl="0" eaLnBrk="1" latinLnBrk="0" hangingPunct="1">
+        <a:lnSpc>
+          <a:spcPct val="90000"/>
+        </a:lnSpc>
+        <a:spcBef>
+          <a:spcPts val="1000"/>
+        </a:spcBef>
+        <a:buFont typeface="Arial" panose="020B0604020202020204" pitchFamily="34" charset="0"/>
+        <a:buChar char="•"/>
+        <a:defRPr sz="2800" kern="1200">
+          <a:solidFill>
+            <a:schemeClr val="tx1"/>
+          </a:solidFill>
+          <a:latin typeface="+mn-lt"/>
+          <a:ea typeface="+mn-ea"/>
+          <a:cs typeface="+mn-cs"/>
+        </a:defRPr>
+      </a:lvl1pPr>
+      <a:lvl2pPr marL="685800" indent="-228600" algn="l" defTabSz="914400" rtl="0" eaLnBrk="1" latinLnBrk="0" hangingPunct="1">
+        <a:lnSpc>
+          <a:spcPct val="90000"/>
+        </a:lnSpc>
+        <a:spcBef>
+          <a:spcPts val="500"/>
+        </a:spcBef>
+        <a:buFont typeface="Arial" panose="020B0604020202020204" pitchFamily="34" charset="0"/>
+        <a:buChar char="•"/>
+        <a:defRPr sz="2400" kern="1200">
+          <a:solidFill>
+            <a:schemeClr val="tx1"/>
+          </a:solidFill>
+          <a:latin typeface="+mn-lt"/>
+          <a:ea typeface="+mn-ea"/>
+          <a:cs typeface="+mn-cs"/>
+        </a:defRPr>
+      </a:lvl2pPr>
+      <a:lvl3pPr marL="1143000" indent="-228600" algn="l" defTabSz="914400" rtl="0" eaLnBrk="1" latinLnBrk="0" hangingPunct="1">
+        <a:lnSpc>
+          <a:spcPct val="90000"/>
+        </a:lnSpc>
+        <a:spcBef>
+          <a:spcPts val="500"/>
+        </a:spcBef>
+        <a:buFont typeface="Arial" panose="020B0604020202020204" pitchFamily="34" charset="0"/>
+        <a:buChar char="•"/>
+        <a:defRPr sz="2000" kern="1200">
+          <a:solidFill>
+            <a:schemeClr val="tx1"/>
+          </a:solidFill>
+          <a:latin typeface="+mn-lt"/>
+          <a:ea typeface="+mn-ea"/>
+          <a:cs typeface="+mn-cs"/>
+        </a:defRPr>
+      </a:lvl3pPr>
+      <a:lvl4pPr marL="1600200" indent="-228600" algn="l" defTabSz="914400" rtl="0" eaLnBrk="1" latinLnBrk="0" hangingPunct="1">
+        <a:lnSpc>
+          <a:spcPct val="90000"/>
+        </a:lnSpc>
+        <a:spcBef>
+          <a:spcPts val="500"/>
+        </a:spcBef>
+        <a:buFont typeface="Arial" panose="020B0604020202020204" pitchFamily="34" charset="0"/>
+        <a:buChar char="•"/>
+        <a:defRPr sz="1800" kern="1200">
+          <a:solidFill>
+            <a:schemeClr val="tx1"/>
+          </a:solidFill>
+          <a:latin typeface="+mn-lt"/>
+          <a:ea typeface="+mn-ea"/>
+          <a:cs typeface="+mn-cs"/>
+        </a:defRPr>
+      </a:lvl4pPr>
+      <a:lvl5pPr marL="2057400" indent="-228600" algn="l" defTabSz="914400" rtl="0" eaLnBrk="1" latinLnBrk="0" hangingPunct="1">
+        <a:lnSpc>
+          <a:spcPct val="90000"/>
+        </a:lnSpc>
+        <a:spcBef>
+          <a:spcPts val="500"/>
+        </a:spcBef>
+        <a:buFont typeface="Arial" panose="020B0604020202020204" pitchFamily="34" charset="0"/>
+        <a:buChar char="•"/>
+        <a:defRPr sz="1800" kern="1200">
+          <a:solidFill>
+            <a:schemeClr val="tx1"/>
+          </a:solidFill>
+          <a:latin typeface="+mn-lt"/>
+          <a:ea typeface="+mn-ea"/>
+          <a:cs typeface="+mn-cs"/>
+        </a:defRPr>
+      </a:lvl5pPr>
+      <a:lvl6pPr marL="2514600" indent="-228600" algn="l" defTabSz="914400" rtl="0" eaLnBrk="1" latinLnBrk="0" hangingPunct="1">
+        <a:lnSpc>
+          <a:spcPct val="90000"/>
+        </a:lnSpc>
+        <a:spcBef>
+          <a:spcPts val="500"/>
+        </a:spcBef>
+        <a:buFont typeface="Arial" panose="020B0604020202020204" pitchFamily="34" charset="0"/>
+        <a:buChar char="•"/>
+        <a:defRPr sz="1800" kern="1200">
+          <a:solidFill>
+            <a:schemeClr val="tx1"/>
+          </a:solidFill>
+          <a:latin typeface="+mn-lt"/>
+          <a:ea typeface="+mn-ea"/>
+          <a:cs typeface="+mn-cs"/>
+        </a:defRPr>
+      </a:lvl6pPr>
+      <a:lvl7pPr marL="2971800" indent="-228600" algn="l" defTabSz="914400" rtl="0" eaLnBrk="1" latinLnBrk="0" hangingPunct="1">
+        <a:lnSpc>
+          <a:spcPct val="90000"/>
+        </a:lnSpc>
+        <a:spcBef>
+          <a:spcPts val="500"/>
+        </a:spcBef>
+        <a:buFont typeface="Arial" panose="020B0604020202020204" pitchFamily="34" charset="0"/>
+        <a:buChar char="•"/>
+        <a:defRPr sz="1800" kern="1200">
+          <a:solidFill>
+            <a:schemeClr val="tx1"/>
+          </a:solidFill>
+          <a:latin typeface="+mn-lt"/>
+          <a:ea typeface="+mn-ea"/>
+          <a:cs typeface="+mn-cs"/>
+        </a:defRPr>
+      </a:lvl7pPr>
+      <a:lvl8pPr marL="3429000" indent="-228600" algn="l" defTabSz="914400" rtl="0" eaLnBrk="1" latinLnBrk="0" hangingPunct="1">
+        <a:lnSpc>
+          <a:spcPct val="90000"/>
+        </a:lnSpc>
+        <a:spcBef>
+          <a:spcPts val="500"/>
+        </a:spcBef>
+        <a:buFont typeface="Arial" panose="020B0604020202020204" pitchFamily="34" charset="0"/>
+        <a:buChar char="•"/>
+        <a:defRPr sz="1800" kern="1200">
+          <a:solidFill>
+            <a:schemeClr val="tx1"/>
+          </a:solidFill>
+          <a:latin typeface="+mn-lt"/>
+          <a:ea typeface="+mn-ea"/>
+          <a:cs typeface="+mn-cs"/>
+        </a:defRPr>
+      </a:lvl8pPr>
+      <a:lvl9pPr marL="3886200" indent="-228600" algn="l" defTabSz="914400" rtl="0" eaLnBrk="1" latinLnBrk="0" hangingPunct="1">
+        <a:lnSpc>
+          <a:spcPct val="90000"/>
+        </a:lnSpc>
+        <a:spcBef>
+          <a:spcPts val="500"/>
+        </a:spcBef>
+        <a:buFont typeface="Arial" panose="020B0604020202020204" pitchFamily="34" charset="0"/>
+        <a:buChar char="•"/>
+        <a:defRPr sz="1800" kern="1200">
+          <a:solidFill>
+            <a:schemeClr val="tx1"/>
+          </a:solidFill>
+          <a:latin typeface="+mn-lt"/>
+          <a:ea typeface="+mn-ea"/>
+          <a:cs typeface="+mn-cs"/>
+        </a:defRPr>
+      </a:lvl9pPr>
+    </p:bodyStyle>
+    <p:otherStyle>
+      <a:defPPr>
+        <a:defRPr lang="fr-FR"/>
+      </a:defPPr>
+      <a:lvl1pPr marL="0" algn="l" defTabSz="914400" rtl="0" eaLnBrk="1" latinLnBrk="0" hangingPunct="1">
+        <a:defRPr sz="1800" kern="1200">
+          <a:solidFill>
+            <a:schemeClr val="tx1"/>
+          </a:solidFill>
+          <a:latin typeface="+mn-lt"/>
+          <a:ea typeface="+mn-ea"/>
+          <a:cs typeface="+mn-cs"/>
+        </a:defRPr>
+      </a:lvl1pPr>
+      <a:lvl2pPr marL="457200" algn="l" defTabSz="914400" rtl="0" eaLnBrk="1" latinLnBrk="0" hangingPunct="1">
+        <a:defRPr sz="1800" kern="1200">
+          <a:solidFill>
+            <a:schemeClr val="tx1"/>
+          </a:solidFill>
+          <a:latin typeface="+mn-lt"/>
+          <a:ea typeface="+mn-ea"/>
+          <a:cs typeface="+mn-cs"/>
+        </a:defRPr>
+      </a:lvl2pPr>
+      <a:lvl3pPr marL="914400" algn="l" defTabSz="914400" rtl="0" eaLnBrk="1" latinLnBrk="0" hangingPunct="1">
+        <a:defRPr sz="1800" kern="1200">
+          <a:solidFill>
+            <a:schemeClr val="tx1"/>
+          </a:solidFill>
+          <a:latin typeface="+mn-lt"/>
+          <a:ea typeface="+mn-ea"/>
+          <a:cs typeface="+mn-cs"/>
+        </a:defRPr>
+      </a:lvl3pPr>
+      <a:lvl4pPr marL="1371600" algn="l" defTabSz="914400" rtl="0" eaLnBrk="1" latinLnBrk="0" hangingPunct="1">
+        <a:defRPr sz="1800" kern="1200">
+          <a:solidFill>
+            <a:schemeClr val="tx1"/>
+          </a:solidFill>
+          <a:latin typeface="+mn-lt"/>
+          <a:ea typeface="+mn-ea"/>
+          <a:cs typeface="+mn-cs"/>
+        </a:defRPr>
+      </a:lvl4pPr>
+      <a:lvl5pPr marL="1828800" algn="l" defTabSz="914400" rtl="0" eaLnBrk="1" latinLnBrk="0" hangingPunct="1">
+        <a:defRPr sz="1800" kern="1200">
+          <a:solidFill>
+            <a:schemeClr val="tx1"/>
+          </a:solidFill>
+          <a:latin typeface="+mn-lt"/>
+          <a:ea typeface="+mn-ea"/>
+          <a:cs typeface="+mn-cs"/>
+        </a:defRPr>
+      </a:lvl5pPr>
+      <a:lvl6pPr marL="2286000" algn="l" defTabSz="914400" rtl="0" eaLnBrk="1" latinLnBrk="0" hangingPunct="1">
+        <a:defRPr sz="1800" kern="1200">
+          <a:solidFill>
+            <a:schemeClr val="tx1"/>
+          </a:solidFill>
+          <a:latin typeface="+mn-lt"/>
+          <a:ea typeface="+mn-ea"/>
+          <a:cs typeface="+mn-cs"/>
+        </a:defRPr>
+      </a:lvl6pPr>
+      <a:lvl7pPr marL="2743200" algn="l" defTabSz="914400" rtl="0" eaLnBrk="1" latinLnBrk="0" hangingPunct="1">
+        <a:defRPr sz="1800" kern="1200">
+          <a:solidFill>
+            <a:schemeClr val="tx1"/>
+          </a:solidFill>
+          <a:latin typeface="+mn-lt"/>
+          <a:ea typeface="+mn-ea"/>
+          <a:cs typeface="+mn-cs"/>
+        </a:defRPr>
+      </a:lvl7pPr>
+      <a:lvl8pPr marL="3200400" algn="l" defTabSz="914400" rtl="0" eaLnBrk="1" latinLnBrk="0" hangingPunct="1">
+        <a:defRPr sz="1800" kern="1200">
+          <a:solidFill>
+            <a:schemeClr val="tx1"/>
+          </a:solidFill>
+          <a:latin typeface="+mn-lt"/>
+          <a:ea typeface="+mn-ea"/>
+          <a:cs typeface="+mn-cs"/>
+        </a:defRPr>
+      </a:lvl8pPr>
+      <a:lvl9pPr marL="3657600" algn="l" defTabSz="914400" rtl="0" eaLnBrk="1" latinLnBrk="0" hangingPunct="1">
+        <a:defRPr sz="1800" kern="1200">
+          <a:solidFill>
+            <a:schemeClr val="tx1"/>
+          </a:solidFill>
+          <a:latin typeface="+mn-lt"/>
+          <a:ea typeface="+mn-ea"/>
+          <a:cs typeface="+mn-cs"/>
+        </a:defRPr>
+      </a:lvl9pPr>
+    </p:otherStyle>
+  </p:txStyles>
+</p:sldMaster>
+</file>
+
+<file path=ppt/slides/slide1.xml><?xml version="1.0" encoding="utf-8"?>
+<p:sld xmlns:a="http://schemas.openxmlformats.org/drawingml/2006/main" xmlns:r="http://schemas.openxmlformats.org/officeDocument/2006/relationships" xmlns:p="http://schemas.openxmlformats.org/presentationml/2006/main">
   <p:cSld>
     <p:spTree>
       <p:nvGrpSpPr>
@@ -3279,366 +4840,123 @@
       </p:grpSpPr>
       <p:sp>
         <p:nvSpPr>
-          <p:cNvPr id="0" name="CustomShape 1"/>
+          <p:cNvPr id="81" name="CustomShape 1"/>
           <p:cNvSpPr/>
           <p:nvPr/>
         </p:nvSpPr>
         <p:spPr>
           <a:xfrm>
-            <a:off x="0" y="3150000"/>
-            <a:ext cx="9719640" cy="1259640"/>
-          </a:xfrm>
-          <a:prstGeom prst="rect">
-            <a:avLst/>
-          </a:prstGeom>
-          <a:solidFill>
-            <a:srgbClr val="e74c3c"/>
-          </a:solidFill>
+            <a:off x="360000" y="3330000"/>
+            <a:ext cx="9359640" cy="899640"/>
+          </a:xfrm>
+          <a:prstGeom prst="rect">
+            <a:avLst/>
+          </a:prstGeom>
+          <a:noFill/>
           <a:ln>
             <a:noFill/>
           </a:ln>
         </p:spPr>
         <p:style>
-          <a:lnRef idx="0"/>
-          <a:fillRef idx="0"/>
-          <a:effectRef idx="0"/>
+          <a:lnRef idx="0">
+            <a:scrgbClr r="0" g="0" b="0"/>
+          </a:lnRef>
+          <a:fillRef idx="0">
+            <a:scrgbClr r="0" g="0" b="0"/>
+          </a:fillRef>
+          <a:effectRef idx="0">
+            <a:scrgbClr r="0" g="0" b="0"/>
+          </a:effectRef>
           <a:fontRef idx="minor"/>
         </p:style>
-      </p:sp>
-      <p:sp>
-        <p:nvSpPr>
-          <p:cNvPr id="1" name="PlaceHolder 2"/>
-          <p:cNvSpPr>
-            <a:spLocks noGrp="1"/>
-          </p:cNvSpPr>
-          <p:nvPr>
-            <p:ph type="title"/>
-          </p:nvPr>
-        </p:nvSpPr>
-        <p:spPr>
-          <a:xfrm>
-            <a:off x="360000" y="360000"/>
-            <a:ext cx="9359640" cy="899640"/>
-          </a:xfrm>
-          <a:prstGeom prst="rect">
-            <a:avLst/>
-          </a:prstGeom>
-        </p:spPr>
-        <p:txBody>
-          <a:bodyPr lIns="0" rIns="0" tIns="0" bIns="0" anchor="b"/>
+        <p:txBody>
+          <a:bodyPr lIns="0" tIns="0" rIns="0" bIns="0" anchor="b"/>
+          <a:lstStyle/>
           <a:p>
             <a:r>
-              <a:rPr b="0" lang="fr-CH" sz="1800" spc="-1" strike="noStrike">
-                <a:solidFill>
-                  <a:srgbClr val="000000"/>
+              <a:rPr lang="fr-CH" sz="4800" b="1" strike="noStrike" spc="-1">
+                <a:solidFill>
+                  <a:srgbClr val="FFFFFF"/>
                 </a:solidFill>
                 <a:uFill>
                   <a:solidFill>
-                    <a:srgbClr val="ffffff"/>
+                    <a:srgbClr val="FFFFFF"/>
                   </a:solidFill>
                 </a:uFill>
-                <a:latin typeface="Arial"/>
+                <a:latin typeface="Consolas"/>
               </a:rPr>
-              <a:t>Click to edit the title text format</a:t>
+              <a:t>CoRe</a:t>
             </a:r>
-            <a:endParaRPr b="0" lang="fr-CH" sz="1800" spc="-1" strike="noStrike">
-              <a:solidFill>
-                <a:srgbClr val="000000"/>
-              </a:solidFill>
-              <a:uFill>
-                <a:solidFill>
-                  <a:srgbClr val="ffffff"/>
-                </a:solidFill>
-              </a:uFill>
-              <a:latin typeface="Arial"/>
-            </a:endParaRPr>
-          </a:p>
-        </p:txBody>
-      </p:sp>
-      <p:sp>
-        <p:nvSpPr>
-          <p:cNvPr id="2" name="PlaceHolder 3"/>
-          <p:cNvSpPr>
-            <a:spLocks noGrp="1"/>
-          </p:cNvSpPr>
-          <p:nvPr>
-            <p:ph type="body"/>
-          </p:nvPr>
-        </p:nvSpPr>
-        <p:spPr>
-          <a:xfrm>
-            <a:off x="504000" y="1768680"/>
-            <a:ext cx="9072000" cy="4384080"/>
-          </a:xfrm>
-          <a:prstGeom prst="rect">
-            <a:avLst/>
-          </a:prstGeom>
-        </p:spPr>
-        <p:txBody>
-          <a:bodyPr lIns="0" rIns="0" tIns="0" bIns="0">
-            <a:normAutofit/>
-          </a:bodyPr>
-          <a:p>
-            <a:pPr marL="432000" indent="-324000">
-              <a:spcBef>
-                <a:spcPts val="1417"/>
-              </a:spcBef>
-              <a:buClr>
-                <a:srgbClr val="000000"/>
-              </a:buClr>
-              <a:buSzPct val="45000"/>
-              <a:buFont typeface="Wingdings" charset="2"/>
-              <a:buChar char=""/>
-            </a:pPr>
+            <a:endParaRPr lang="fr-CH" sz="4800" b="0" strike="noStrike" spc="-1">
+              <a:solidFill>
+                <a:srgbClr val="000000"/>
+              </a:solidFill>
+              <a:uFill>
+                <a:solidFill>
+                  <a:srgbClr val="FFFFFF"/>
+                </a:solidFill>
+              </a:uFill>
+              <a:latin typeface="Arial"/>
+            </a:endParaRPr>
+          </a:p>
+        </p:txBody>
+      </p:sp>
+      <p:sp>
+        <p:nvSpPr>
+          <p:cNvPr id="82" name="CustomShape 2"/>
+          <p:cNvSpPr/>
+          <p:nvPr/>
+        </p:nvSpPr>
+        <p:spPr>
+          <a:xfrm>
+            <a:off x="540000" y="4680000"/>
+            <a:ext cx="9179640" cy="2519640"/>
+          </a:xfrm>
+          <a:prstGeom prst="rect">
+            <a:avLst/>
+          </a:prstGeom>
+          <a:noFill/>
+          <a:ln>
+            <a:noFill/>
+          </a:ln>
+        </p:spPr>
+        <p:style>
+          <a:lnRef idx="0">
+            <a:scrgbClr r="0" g="0" b="0"/>
+          </a:lnRef>
+          <a:fillRef idx="0">
+            <a:scrgbClr r="0" g="0" b="0"/>
+          </a:fillRef>
+          <a:effectRef idx="0">
+            <a:scrgbClr r="0" g="0" b="0"/>
+          </a:effectRef>
+          <a:fontRef idx="minor"/>
+        </p:style>
+        <p:txBody>
+          <a:bodyPr lIns="0" tIns="0" rIns="0" bIns="0"/>
+          <a:lstStyle/>
+          <a:p>
             <a:r>
-              <a:rPr b="0" lang="fr-CH" sz="3200" spc="-1" strike="noStrike">
-                <a:solidFill>
-                  <a:srgbClr val="000000"/>
+              <a:rPr lang="fr-CH" sz="2200" b="0" strike="noStrike" spc="-1">
+                <a:solidFill>
+                  <a:srgbClr val="1C1C1C"/>
                 </a:solidFill>
                 <a:uFill>
                   <a:solidFill>
-                    <a:srgbClr val="ffffff"/>
+                    <a:srgbClr val="FFFFFF"/>
                   </a:solidFill>
                 </a:uFill>
-                <a:latin typeface="Arial"/>
+                <a:latin typeface="Source Sans Pro Light"/>
               </a:rPr>
-              <a:t>Click to edit the outline text format</a:t>
+              <a:t>Chain of Responsabilty</a:t>
             </a:r>
-            <a:endParaRPr b="0" lang="fr-CH" sz="3200" spc="-1" strike="noStrike">
-              <a:solidFill>
-                <a:srgbClr val="000000"/>
-              </a:solidFill>
-              <a:uFill>
-                <a:solidFill>
-                  <a:srgbClr val="ffffff"/>
-                </a:solidFill>
-              </a:uFill>
-              <a:latin typeface="Arial"/>
-            </a:endParaRPr>
-          </a:p>
-          <a:p>
-            <a:pPr lvl="1" marL="864000" indent="-324000">
-              <a:spcBef>
-                <a:spcPts val="1134"/>
-              </a:spcBef>
-              <a:buClr>
-                <a:srgbClr val="000000"/>
-              </a:buClr>
-              <a:buSzPct val="75000"/>
-              <a:buFont typeface="Symbol" charset="2"/>
-              <a:buChar char=""/>
-            </a:pPr>
-            <a:r>
-              <a:rPr b="0" lang="fr-CH" sz="2800" spc="-1" strike="noStrike">
-                <a:solidFill>
-                  <a:srgbClr val="000000"/>
-                </a:solidFill>
-                <a:uFill>
-                  <a:solidFill>
-                    <a:srgbClr val="ffffff"/>
-                  </a:solidFill>
-                </a:uFill>
-                <a:latin typeface="Arial"/>
-              </a:rPr>
-              <a:t>Second Outline Level</a:t>
-            </a:r>
-            <a:endParaRPr b="0" lang="fr-CH" sz="2800" spc="-1" strike="noStrike">
-              <a:solidFill>
-                <a:srgbClr val="000000"/>
-              </a:solidFill>
-              <a:uFill>
-                <a:solidFill>
-                  <a:srgbClr val="ffffff"/>
-                </a:solidFill>
-              </a:uFill>
-              <a:latin typeface="Arial"/>
-            </a:endParaRPr>
-          </a:p>
-          <a:p>
-            <a:pPr lvl="2" marL="1296000" indent="-288000">
-              <a:spcBef>
-                <a:spcPts val="850"/>
-              </a:spcBef>
-              <a:buClr>
-                <a:srgbClr val="000000"/>
-              </a:buClr>
-              <a:buSzPct val="45000"/>
-              <a:buFont typeface="Wingdings" charset="2"/>
-              <a:buChar char=""/>
-            </a:pPr>
-            <a:r>
-              <a:rPr b="0" lang="fr-CH" sz="2400" spc="-1" strike="noStrike">
-                <a:solidFill>
-                  <a:srgbClr val="000000"/>
-                </a:solidFill>
-                <a:uFill>
-                  <a:solidFill>
-                    <a:srgbClr val="ffffff"/>
-                  </a:solidFill>
-                </a:uFill>
-                <a:latin typeface="Arial"/>
-              </a:rPr>
-              <a:t>Third Outline Level</a:t>
-            </a:r>
-            <a:endParaRPr b="0" lang="fr-CH" sz="2400" spc="-1" strike="noStrike">
-              <a:solidFill>
-                <a:srgbClr val="000000"/>
-              </a:solidFill>
-              <a:uFill>
-                <a:solidFill>
-                  <a:srgbClr val="ffffff"/>
-                </a:solidFill>
-              </a:uFill>
-              <a:latin typeface="Arial"/>
-            </a:endParaRPr>
-          </a:p>
-          <a:p>
-            <a:pPr lvl="3" marL="1728000" indent="-216000">
-              <a:spcBef>
-                <a:spcPts val="567"/>
-              </a:spcBef>
-              <a:buClr>
-                <a:srgbClr val="000000"/>
-              </a:buClr>
-              <a:buSzPct val="75000"/>
-              <a:buFont typeface="Symbol" charset="2"/>
-              <a:buChar char=""/>
-            </a:pPr>
-            <a:r>
-              <a:rPr b="0" lang="fr-CH" sz="2000" spc="-1" strike="noStrike">
-                <a:solidFill>
-                  <a:srgbClr val="000000"/>
-                </a:solidFill>
-                <a:uFill>
-                  <a:solidFill>
-                    <a:srgbClr val="ffffff"/>
-                  </a:solidFill>
-                </a:uFill>
-                <a:latin typeface="Arial"/>
-              </a:rPr>
-              <a:t>Fourth Outline Level</a:t>
-            </a:r>
-            <a:endParaRPr b="0" lang="fr-CH" sz="2000" spc="-1" strike="noStrike">
-              <a:solidFill>
-                <a:srgbClr val="000000"/>
-              </a:solidFill>
-              <a:uFill>
-                <a:solidFill>
-                  <a:srgbClr val="ffffff"/>
-                </a:solidFill>
-              </a:uFill>
-              <a:latin typeface="Arial"/>
-            </a:endParaRPr>
-          </a:p>
-          <a:p>
-            <a:pPr lvl="4" marL="2160000" indent="-216000">
-              <a:spcBef>
-                <a:spcPts val="283"/>
-              </a:spcBef>
-              <a:buClr>
-                <a:srgbClr val="000000"/>
-              </a:buClr>
-              <a:buSzPct val="45000"/>
-              <a:buFont typeface="Wingdings" charset="2"/>
-              <a:buChar char=""/>
-            </a:pPr>
-            <a:r>
-              <a:rPr b="0" lang="fr-CH" sz="2000" spc="-1" strike="noStrike">
-                <a:solidFill>
-                  <a:srgbClr val="000000"/>
-                </a:solidFill>
-                <a:uFill>
-                  <a:solidFill>
-                    <a:srgbClr val="ffffff"/>
-                  </a:solidFill>
-                </a:uFill>
-                <a:latin typeface="Arial"/>
-              </a:rPr>
-              <a:t>Fifth Outline Level</a:t>
-            </a:r>
-            <a:endParaRPr b="0" lang="fr-CH" sz="2000" spc="-1" strike="noStrike">
-              <a:solidFill>
-                <a:srgbClr val="000000"/>
-              </a:solidFill>
-              <a:uFill>
-                <a:solidFill>
-                  <a:srgbClr val="ffffff"/>
-                </a:solidFill>
-              </a:uFill>
-              <a:latin typeface="Arial"/>
-            </a:endParaRPr>
-          </a:p>
-          <a:p>
-            <a:pPr lvl="5" marL="2592000" indent="-216000">
-              <a:spcBef>
-                <a:spcPts val="283"/>
-              </a:spcBef>
-              <a:buClr>
-                <a:srgbClr val="000000"/>
-              </a:buClr>
-              <a:buSzPct val="45000"/>
-              <a:buFont typeface="Wingdings" charset="2"/>
-              <a:buChar char=""/>
-            </a:pPr>
-            <a:r>
-              <a:rPr b="0" lang="fr-CH" sz="2000" spc="-1" strike="noStrike">
-                <a:solidFill>
-                  <a:srgbClr val="000000"/>
-                </a:solidFill>
-                <a:uFill>
-                  <a:solidFill>
-                    <a:srgbClr val="ffffff"/>
-                  </a:solidFill>
-                </a:uFill>
-                <a:latin typeface="Arial"/>
-              </a:rPr>
-              <a:t>Sixth Outline Level</a:t>
-            </a:r>
-            <a:endParaRPr b="0" lang="fr-CH" sz="2000" spc="-1" strike="noStrike">
-              <a:solidFill>
-                <a:srgbClr val="000000"/>
-              </a:solidFill>
-              <a:uFill>
-                <a:solidFill>
-                  <a:srgbClr val="ffffff"/>
-                </a:solidFill>
-              </a:uFill>
-              <a:latin typeface="Arial"/>
-            </a:endParaRPr>
-          </a:p>
-          <a:p>
-            <a:pPr lvl="6" marL="3024000" indent="-216000">
-              <a:spcBef>
-                <a:spcPts val="283"/>
-              </a:spcBef>
-              <a:buClr>
-                <a:srgbClr val="000000"/>
-              </a:buClr>
-              <a:buSzPct val="45000"/>
-              <a:buFont typeface="Wingdings" charset="2"/>
-              <a:buChar char=""/>
-            </a:pPr>
-            <a:r>
-              <a:rPr b="0" lang="fr-CH" sz="2000" spc="-1" strike="noStrike">
-                <a:solidFill>
-                  <a:srgbClr val="000000"/>
-                </a:solidFill>
-                <a:uFill>
-                  <a:solidFill>
-                    <a:srgbClr val="ffffff"/>
-                  </a:solidFill>
-                </a:uFill>
-                <a:latin typeface="Arial"/>
-              </a:rPr>
-              <a:t>Seventh Outline Level</a:t>
-            </a:r>
-            <a:endParaRPr b="0" lang="fr-CH" sz="2000" spc="-1" strike="noStrike">
-              <a:solidFill>
-                <a:srgbClr val="000000"/>
-              </a:solidFill>
-              <a:uFill>
-                <a:solidFill>
-                  <a:srgbClr val="ffffff"/>
+            <a:endParaRPr lang="fr-CH" sz="2200" b="0" strike="noStrike" spc="-1">
+              <a:solidFill>
+                <a:srgbClr val="000000"/>
+              </a:solidFill>
+              <a:uFill>
+                <a:solidFill>
+                  <a:srgbClr val="FFFFFF"/>
                 </a:solidFill>
               </a:uFill>
               <a:latin typeface="Arial"/>
@@ -3648,26 +4966,41 @@
       </p:sp>
     </p:spTree>
   </p:cSld>
-  <p:clrMap bg1="lt1" bg2="lt2" tx1="dk1" tx2="dk2" accent1="accent1" accent2="accent2" accent3="accent3" accent4="accent4" accent5="accent5" accent6="accent6" hlink="hlink" folHlink="folHlink"/>
-  <p:sldLayoutIdLst>
-    <p:sldLayoutId id="2147483649" r:id="rId2"/>
-    <p:sldLayoutId id="2147483650" r:id="rId3"/>
-    <p:sldLayoutId id="2147483651" r:id="rId4"/>
-    <p:sldLayoutId id="2147483652" r:id="rId5"/>
-    <p:sldLayoutId id="2147483653" r:id="rId6"/>
-    <p:sldLayoutId id="2147483654" r:id="rId7"/>
-    <p:sldLayoutId id="2147483655" r:id="rId8"/>
-    <p:sldLayoutId id="2147483656" r:id="rId9"/>
-    <p:sldLayoutId id="2147483657" r:id="rId10"/>
-    <p:sldLayoutId id="2147483658" r:id="rId11"/>
-    <p:sldLayoutId id="2147483659" r:id="rId12"/>
-    <p:sldLayoutId id="2147483660" r:id="rId13"/>
-  </p:sldLayoutIdLst>
-</p:sldMaster>
+  <p:clrMapOvr>
+    <a:masterClrMapping/>
+  </p:clrMapOvr>
+  <p:timing>
+    <p:tnLst>
+      <p:par>
+        <p:cTn id="1" dur="indefinite" restart="never" nodeType="tmRoot">
+          <p:childTnLst>
+            <p:seq>
+              <p:cTn id="2" nodeType="mainSeq"/>
+              <p:prevCondLst>
+                <p:cond evt="onPrev" delay="0">
+                  <p:tgtEl>
+                    <p:sldTgt/>
+                  </p:tgtEl>
+                </p:cond>
+              </p:prevCondLst>
+              <p:nextCondLst>
+                <p:cond evt="onNext" delay="0">
+                  <p:tgtEl>
+                    <p:sldTgt/>
+                  </p:tgtEl>
+                </p:cond>
+              </p:nextCondLst>
+            </p:seq>
+          </p:childTnLst>
+        </p:cTn>
+      </p:par>
+    </p:tnLst>
+  </p:timing>
+</p:sld>
 </file>
 
-<file path=ppt/slideMasters/slideMaster2.xml><?xml version="1.0" encoding="utf-8"?>
-<p:sldMaster xmlns:a="http://schemas.openxmlformats.org/drawingml/2006/main" xmlns:p="http://schemas.openxmlformats.org/presentationml/2006/main" xmlns:r="http://schemas.openxmlformats.org/officeDocument/2006/relationships" xmlns:p14="http://schemas.microsoft.com/office/powerpoint/2010/main" xmlns:p15="http://schemas.microsoft.com/office/powerpoint/2012/main" xmlns:mc="http://schemas.openxmlformats.org/markup-compatibility/2006">
+<file path=ppt/slides/slide2.xml><?xml version="1.0" encoding="utf-8"?>
+<p:sld xmlns:a="http://schemas.openxmlformats.org/drawingml/2006/main" xmlns:r="http://schemas.openxmlformats.org/officeDocument/2006/relationships" xmlns:p="http://schemas.openxmlformats.org/presentationml/2006/main">
   <p:cSld>
     <p:spTree>
       <p:nvGrpSpPr>
@@ -3685,477 +5018,314 @@
       </p:grpSpPr>
       <p:sp>
         <p:nvSpPr>
-          <p:cNvPr id="39" name="CustomShape 1"/>
+          <p:cNvPr id="83" name="CustomShape 1"/>
           <p:cNvSpPr/>
           <p:nvPr/>
         </p:nvSpPr>
         <p:spPr>
           <a:xfrm>
-            <a:off x="0" y="180000"/>
-            <a:ext cx="9719640" cy="1259640"/>
-          </a:xfrm>
-          <a:prstGeom prst="rect">
-            <a:avLst/>
-          </a:prstGeom>
-          <a:solidFill>
-            <a:srgbClr val="e74c3c"/>
-          </a:solidFill>
-          <a:ln w="72000">
+            <a:off x="360000" y="360000"/>
+            <a:ext cx="9359640" cy="899640"/>
+          </a:xfrm>
+          <a:prstGeom prst="rect">
+            <a:avLst/>
+          </a:prstGeom>
+          <a:noFill/>
+          <a:ln>
             <a:noFill/>
           </a:ln>
         </p:spPr>
         <p:style>
-          <a:lnRef idx="0"/>
-          <a:fillRef idx="0"/>
-          <a:effectRef idx="0"/>
+          <a:lnRef idx="0">
+            <a:scrgbClr r="0" g="0" b="0"/>
+          </a:lnRef>
+          <a:fillRef idx="0">
+            <a:scrgbClr r="0" g="0" b="0"/>
+          </a:fillRef>
+          <a:effectRef idx="0">
+            <a:scrgbClr r="0" g="0" b="0"/>
+          </a:effectRef>
           <a:fontRef idx="minor"/>
         </p:style>
-      </p:sp>
-      <p:sp>
-        <p:nvSpPr>
-          <p:cNvPr id="40" name="CustomShape 2"/>
+        <p:txBody>
+          <a:bodyPr lIns="0" tIns="0" rIns="0" bIns="0" anchor="b"/>
+          <a:lstStyle/>
+          <a:p>
+            <a:r>
+              <a:rPr lang="fr-CH" sz="3200" b="1" strike="noStrike" spc="-1">
+                <a:solidFill>
+                  <a:srgbClr val="FFFFFF"/>
+                </a:solidFill>
+                <a:uFill>
+                  <a:solidFill>
+                    <a:srgbClr val="FFFFFF"/>
+                  </a:solidFill>
+                </a:uFill>
+                <a:latin typeface="Source Sans Pro Black"/>
+              </a:rPr>
+              <a:t>Introduction</a:t>
+            </a:r>
+            <a:endParaRPr lang="fr-CH" sz="3200" b="0" strike="noStrike" spc="-1">
+              <a:solidFill>
+                <a:srgbClr val="000000"/>
+              </a:solidFill>
+              <a:uFill>
+                <a:solidFill>
+                  <a:srgbClr val="FFFFFF"/>
+                </a:solidFill>
+              </a:uFill>
+              <a:latin typeface="Arial"/>
+            </a:endParaRPr>
+          </a:p>
+        </p:txBody>
+      </p:sp>
+      <p:sp>
+        <p:nvSpPr>
+          <p:cNvPr id="84" name="CustomShape 2"/>
           <p:cNvSpPr/>
           <p:nvPr/>
         </p:nvSpPr>
         <p:spPr>
           <a:xfrm>
-            <a:off x="7560000" y="6840000"/>
-            <a:ext cx="2519640" cy="539640"/>
-          </a:xfrm>
-          <a:prstGeom prst="rect">
-            <a:avLst/>
-          </a:prstGeom>
-          <a:solidFill>
-            <a:srgbClr val="e74c3c"/>
-          </a:solidFill>
-          <a:ln w="72000">
+            <a:off x="360000" y="1980000"/>
+            <a:ext cx="9179640" cy="4679640"/>
+          </a:xfrm>
+          <a:prstGeom prst="rect">
+            <a:avLst/>
+          </a:prstGeom>
+          <a:noFill/>
+          <a:ln>
             <a:noFill/>
           </a:ln>
         </p:spPr>
         <p:style>
-          <a:lnRef idx="0"/>
-          <a:fillRef idx="0"/>
-          <a:effectRef idx="0"/>
+          <a:lnRef idx="0">
+            <a:scrgbClr r="0" g="0" b="0"/>
+          </a:lnRef>
+          <a:fillRef idx="0">
+            <a:scrgbClr r="0" g="0" b="0"/>
+          </a:fillRef>
+          <a:effectRef idx="0">
+            <a:scrgbClr r="0" g="0" b="0"/>
+          </a:effectRef>
           <a:fontRef idx="minor"/>
         </p:style>
-      </p:sp>
-      <p:sp>
-        <p:nvSpPr>
-          <p:cNvPr id="41" name="CustomShape 3"/>
-          <p:cNvSpPr/>
+        <p:txBody>
+          <a:bodyPr lIns="0" tIns="0" rIns="0" bIns="0">
+            <a:normAutofit/>
+          </a:bodyPr>
+          <a:lstStyle/>
+          <a:p>
+            <a:pPr>
+              <a:lnSpc>
+                <a:spcPct val="100000"/>
+              </a:lnSpc>
+              <a:spcAft>
+                <a:spcPts val="1142"/>
+              </a:spcAft>
+            </a:pPr>
+            <a:endParaRPr lang="fr-CH" sz="1800" b="0" strike="noStrike" spc="-1">
+              <a:solidFill>
+                <a:srgbClr val="000000"/>
+              </a:solidFill>
+              <a:uFill>
+                <a:solidFill>
+                  <a:srgbClr val="FFFFFF"/>
+                </a:solidFill>
+              </a:uFill>
+              <a:latin typeface="Arial"/>
+            </a:endParaRPr>
+          </a:p>
+          <a:p>
+            <a:pPr>
+              <a:lnSpc>
+                <a:spcPct val="100000"/>
+              </a:lnSpc>
+              <a:spcAft>
+                <a:spcPts val="1142"/>
+              </a:spcAft>
+            </a:pPr>
+            <a:r>
+              <a:rPr lang="fr-CH" sz="2600" b="1" strike="noStrike" spc="-1">
+                <a:solidFill>
+                  <a:srgbClr val="1C1C1C"/>
+                </a:solidFill>
+                <a:uFill>
+                  <a:solidFill>
+                    <a:srgbClr val="FFFFFF"/>
+                  </a:solidFill>
+                </a:uFill>
+                <a:latin typeface="Source Sans Pro Semibold"/>
+              </a:rPr>
+              <a:t>→ Shoot ’em up coloré</a:t>
+            </a:r>
+            <a:endParaRPr lang="fr-CH" sz="2600" b="0" strike="noStrike" spc="-1">
+              <a:solidFill>
+                <a:srgbClr val="000000"/>
+              </a:solidFill>
+              <a:uFill>
+                <a:solidFill>
+                  <a:srgbClr val="FFFFFF"/>
+                </a:solidFill>
+              </a:uFill>
+              <a:latin typeface="Arial"/>
+            </a:endParaRPr>
+          </a:p>
+          <a:p>
+            <a:pPr>
+              <a:lnSpc>
+                <a:spcPct val="100000"/>
+              </a:lnSpc>
+              <a:spcAft>
+                <a:spcPts val="1142"/>
+              </a:spcAft>
+            </a:pPr>
+            <a:r>
+              <a:rPr lang="fr-CH" sz="2600" b="1" strike="noStrike" spc="-1">
+                <a:solidFill>
+                  <a:srgbClr val="1C1C1C"/>
+                </a:solidFill>
+                <a:uFill>
+                  <a:solidFill>
+                    <a:srgbClr val="FFFFFF"/>
+                  </a:solidFill>
+                </a:uFill>
+                <a:latin typeface="Source Sans Pro Semibold"/>
+              </a:rPr>
+              <a:t>→ Maillons de la chaîne = obstacles</a:t>
+            </a:r>
+            <a:endParaRPr lang="fr-CH" sz="2600" b="0" strike="noStrike" spc="-1">
+              <a:solidFill>
+                <a:srgbClr val="000000"/>
+              </a:solidFill>
+              <a:uFill>
+                <a:solidFill>
+                  <a:srgbClr val="FFFFFF"/>
+                </a:solidFill>
+              </a:uFill>
+              <a:latin typeface="Arial"/>
+            </a:endParaRPr>
+          </a:p>
+          <a:p>
+            <a:pPr>
+              <a:lnSpc>
+                <a:spcPct val="100000"/>
+              </a:lnSpc>
+              <a:spcAft>
+                <a:spcPts val="1142"/>
+              </a:spcAft>
+            </a:pPr>
+            <a:r>
+              <a:rPr lang="fr-CH" sz="2600" b="1" strike="noStrike" spc="-1">
+                <a:solidFill>
+                  <a:srgbClr val="1C1C1C"/>
+                </a:solidFill>
+                <a:uFill>
+                  <a:solidFill>
+                    <a:srgbClr val="FFFFFF"/>
+                  </a:solidFill>
+                </a:uFill>
+                <a:latin typeface="Source Sans Pro Semibold"/>
+              </a:rPr>
+              <a:t>→ Chaîne = explosions en chaîne</a:t>
+            </a:r>
+            <a:endParaRPr lang="fr-CH" sz="2600" b="0" strike="noStrike" spc="-1">
+              <a:solidFill>
+                <a:srgbClr val="000000"/>
+              </a:solidFill>
+              <a:uFill>
+                <a:solidFill>
+                  <a:srgbClr val="FFFFFF"/>
+                </a:solidFill>
+              </a:uFill>
+              <a:latin typeface="Arial"/>
+            </a:endParaRPr>
+          </a:p>
+        </p:txBody>
+      </p:sp>
+      <p:pic>
+        <p:nvPicPr>
+          <p:cNvPr id="85" name="Image 84"/>
+          <p:cNvPicPr/>
           <p:nvPr/>
-        </p:nvSpPr>
-        <p:spPr>
-          <a:xfrm>
-            <a:off x="900000" y="6840000"/>
-            <a:ext cx="6479640" cy="539640"/>
-          </a:xfrm>
-          <a:prstGeom prst="rect">
-            <a:avLst/>
-          </a:prstGeom>
-          <a:solidFill>
-            <a:srgbClr val="bdc3c7"/>
-          </a:solidFill>
-          <a:ln w="72000">
+        </p:nvPicPr>
+        <p:blipFill>
+          <a:blip r:embed="rId2"/>
+          <a:stretch/>
+        </p:blipFill>
+        <p:spPr>
+          <a:xfrm>
+            <a:off x="7150680" y="2805480"/>
+            <a:ext cx="811800" cy="811800"/>
+          </a:xfrm>
+          <a:prstGeom prst="rect">
+            <a:avLst/>
+          </a:prstGeom>
+          <a:ln>
             <a:noFill/>
           </a:ln>
         </p:spPr>
-        <p:style>
-          <a:lnRef idx="0"/>
-          <a:fillRef idx="0"/>
-          <a:effectRef idx="0"/>
-          <a:fontRef idx="minor"/>
-        </p:style>
-      </p:sp>
-      <p:sp>
-        <p:nvSpPr>
-          <p:cNvPr id="42" name="CustomShape 4"/>
-          <p:cNvSpPr/>
+      </p:pic>
+      <p:pic>
+        <p:nvPicPr>
+          <p:cNvPr id="86" name="Image 85"/>
+          <p:cNvPicPr/>
           <p:nvPr/>
-        </p:nvSpPr>
-        <p:spPr>
-          <a:xfrm>
-            <a:off x="180000" y="6840000"/>
-            <a:ext cx="539640" cy="539640"/>
-          </a:xfrm>
-          <a:prstGeom prst="rect">
-            <a:avLst/>
-          </a:prstGeom>
-          <a:noFill/>
-          <a:ln w="72000">
+        </p:nvPicPr>
+        <p:blipFill>
+          <a:blip r:embed="rId3"/>
+          <a:stretch/>
+        </p:blipFill>
+        <p:spPr>
+          <a:xfrm rot="19020000">
+            <a:off x="8266680" y="2814480"/>
+            <a:ext cx="811800" cy="811800"/>
+          </a:xfrm>
+          <a:prstGeom prst="rect">
+            <a:avLst/>
+          </a:prstGeom>
+          <a:ln>
             <a:noFill/>
           </a:ln>
         </p:spPr>
-        <p:style>
-          <a:lnRef idx="0"/>
-          <a:fillRef idx="0"/>
-          <a:effectRef idx="0"/>
-          <a:fontRef idx="minor"/>
-        </p:style>
-      </p:sp>
-      <p:sp>
-        <p:nvSpPr>
-          <p:cNvPr id="43" name="PlaceHolder 5"/>
-          <p:cNvSpPr>
-            <a:spLocks noGrp="1"/>
-          </p:cNvSpPr>
-          <p:nvPr>
-            <p:ph type="title"/>
-          </p:nvPr>
-        </p:nvSpPr>
-        <p:spPr>
-          <a:xfrm>
-            <a:off x="360000" y="360000"/>
-            <a:ext cx="9359640" cy="899640"/>
-          </a:xfrm>
-          <a:prstGeom prst="rect">
-            <a:avLst/>
-          </a:prstGeom>
-        </p:spPr>
-        <p:txBody>
-          <a:bodyPr lIns="0" rIns="0" tIns="0" bIns="0" anchor="b"/>
-          <a:p>
-            <a:r>
-              <a:rPr b="0" lang="fr-CH" sz="1800" spc="-1" strike="noStrike">
-                <a:solidFill>
-                  <a:srgbClr val="000000"/>
-                </a:solidFill>
-                <a:uFill>
-                  <a:solidFill>
-                    <a:srgbClr val="ffffff"/>
-                  </a:solidFill>
-                </a:uFill>
-                <a:latin typeface="Arial"/>
-              </a:rPr>
-              <a:t>Click to edit the title text format</a:t>
-            </a:r>
-            <a:endParaRPr b="0" lang="fr-CH" sz="1800" spc="-1" strike="noStrike">
-              <a:solidFill>
-                <a:srgbClr val="000000"/>
-              </a:solidFill>
-              <a:uFill>
-                <a:solidFill>
-                  <a:srgbClr val="ffffff"/>
-                </a:solidFill>
-              </a:uFill>
-              <a:latin typeface="Arial"/>
-            </a:endParaRPr>
-          </a:p>
-        </p:txBody>
-      </p:sp>
-      <p:sp>
-        <p:nvSpPr>
-          <p:cNvPr id="44" name="PlaceHolder 6"/>
-          <p:cNvSpPr>
-            <a:spLocks noGrp="1"/>
-          </p:cNvSpPr>
-          <p:nvPr>
-            <p:ph type="body"/>
-          </p:nvPr>
-        </p:nvSpPr>
-        <p:spPr>
-          <a:xfrm>
-            <a:off x="360000" y="1980000"/>
-            <a:ext cx="9179640" cy="4679640"/>
-          </a:xfrm>
-          <a:prstGeom prst="rect">
-            <a:avLst/>
-          </a:prstGeom>
-        </p:spPr>
-        <p:txBody>
-          <a:bodyPr lIns="0" rIns="0" tIns="0" bIns="0">
-            <a:normAutofit/>
-          </a:bodyPr>
-          <a:p>
-            <a:pPr marL="432000" indent="-324000">
-              <a:spcBef>
-                <a:spcPts val="1417"/>
-              </a:spcBef>
-              <a:buClr>
-                <a:srgbClr val="000000"/>
-              </a:buClr>
-              <a:buSzPct val="45000"/>
-              <a:buFont typeface="Wingdings" charset="2"/>
-              <a:buChar char=""/>
-            </a:pPr>
-            <a:r>
-              <a:rPr b="0" lang="fr-CH" sz="1800" spc="-1" strike="noStrike">
-                <a:solidFill>
-                  <a:srgbClr val="000000"/>
-                </a:solidFill>
-                <a:uFill>
-                  <a:solidFill>
-                    <a:srgbClr val="ffffff"/>
-                  </a:solidFill>
-                </a:uFill>
-                <a:latin typeface="Arial"/>
-              </a:rPr>
-              <a:t>Click to edit the outline text format</a:t>
-            </a:r>
-            <a:endParaRPr b="0" lang="fr-CH" sz="1800" spc="-1" strike="noStrike">
-              <a:solidFill>
-                <a:srgbClr val="000000"/>
-              </a:solidFill>
-              <a:uFill>
-                <a:solidFill>
-                  <a:srgbClr val="ffffff"/>
-                </a:solidFill>
-              </a:uFill>
-              <a:latin typeface="Arial"/>
-            </a:endParaRPr>
-          </a:p>
-          <a:p>
-            <a:pPr lvl="1" marL="864000" indent="-324000">
-              <a:spcBef>
-                <a:spcPts val="1134"/>
-              </a:spcBef>
-              <a:buClr>
-                <a:srgbClr val="000000"/>
-              </a:buClr>
-              <a:buSzPct val="75000"/>
-              <a:buFont typeface="Symbol" charset="2"/>
-              <a:buChar char=""/>
-            </a:pPr>
-            <a:r>
-              <a:rPr b="0" lang="fr-CH" sz="1800" spc="-1" strike="noStrike">
-                <a:solidFill>
-                  <a:srgbClr val="000000"/>
-                </a:solidFill>
-                <a:uFill>
-                  <a:solidFill>
-                    <a:srgbClr val="ffffff"/>
-                  </a:solidFill>
-                </a:uFill>
-                <a:latin typeface="Arial"/>
-              </a:rPr>
-              <a:t>Second Outline Level</a:t>
-            </a:r>
-            <a:endParaRPr b="0" lang="fr-CH" sz="1800" spc="-1" strike="noStrike">
-              <a:solidFill>
-                <a:srgbClr val="000000"/>
-              </a:solidFill>
-              <a:uFill>
-                <a:solidFill>
-                  <a:srgbClr val="ffffff"/>
-                </a:solidFill>
-              </a:uFill>
-              <a:latin typeface="Arial"/>
-            </a:endParaRPr>
-          </a:p>
-          <a:p>
-            <a:pPr lvl="2" marL="1296000" indent="-288000">
-              <a:spcBef>
-                <a:spcPts val="850"/>
-              </a:spcBef>
-              <a:buClr>
-                <a:srgbClr val="000000"/>
-              </a:buClr>
-              <a:buSzPct val="45000"/>
-              <a:buFont typeface="Wingdings" charset="2"/>
-              <a:buChar char=""/>
-            </a:pPr>
-            <a:r>
-              <a:rPr b="0" lang="fr-CH" sz="1800" spc="-1" strike="noStrike">
-                <a:solidFill>
-                  <a:srgbClr val="000000"/>
-                </a:solidFill>
-                <a:uFill>
-                  <a:solidFill>
-                    <a:srgbClr val="ffffff"/>
-                  </a:solidFill>
-                </a:uFill>
-                <a:latin typeface="Arial"/>
-              </a:rPr>
-              <a:t>Third Outline Level</a:t>
-            </a:r>
-            <a:endParaRPr b="0" lang="fr-CH" sz="1800" spc="-1" strike="noStrike">
-              <a:solidFill>
-                <a:srgbClr val="000000"/>
-              </a:solidFill>
-              <a:uFill>
-                <a:solidFill>
-                  <a:srgbClr val="ffffff"/>
-                </a:solidFill>
-              </a:uFill>
-              <a:latin typeface="Arial"/>
-            </a:endParaRPr>
-          </a:p>
-          <a:p>
-            <a:pPr lvl="3" marL="1728000" indent="-216000">
-              <a:spcBef>
-                <a:spcPts val="567"/>
-              </a:spcBef>
-              <a:buClr>
-                <a:srgbClr val="000000"/>
-              </a:buClr>
-              <a:buSzPct val="75000"/>
-              <a:buFont typeface="Symbol" charset="2"/>
-              <a:buChar char=""/>
-            </a:pPr>
-            <a:r>
-              <a:rPr b="0" lang="fr-CH" sz="1800" spc="-1" strike="noStrike">
-                <a:solidFill>
-                  <a:srgbClr val="000000"/>
-                </a:solidFill>
-                <a:uFill>
-                  <a:solidFill>
-                    <a:srgbClr val="ffffff"/>
-                  </a:solidFill>
-                </a:uFill>
-                <a:latin typeface="Arial"/>
-              </a:rPr>
-              <a:t>Fourth Outline Level</a:t>
-            </a:r>
-            <a:endParaRPr b="0" lang="fr-CH" sz="1800" spc="-1" strike="noStrike">
-              <a:solidFill>
-                <a:srgbClr val="000000"/>
-              </a:solidFill>
-              <a:uFill>
-                <a:solidFill>
-                  <a:srgbClr val="ffffff"/>
-                </a:solidFill>
-              </a:uFill>
-              <a:latin typeface="Arial"/>
-            </a:endParaRPr>
-          </a:p>
-          <a:p>
-            <a:pPr lvl="4" marL="2160000" indent="-216000">
-              <a:spcBef>
-                <a:spcPts val="283"/>
-              </a:spcBef>
-              <a:buClr>
-                <a:srgbClr val="000000"/>
-              </a:buClr>
-              <a:buSzPct val="45000"/>
-              <a:buFont typeface="Wingdings" charset="2"/>
-              <a:buChar char=""/>
-            </a:pPr>
-            <a:r>
-              <a:rPr b="0" lang="fr-CH" sz="1800" spc="-1" strike="noStrike">
-                <a:solidFill>
-                  <a:srgbClr val="000000"/>
-                </a:solidFill>
-                <a:uFill>
-                  <a:solidFill>
-                    <a:srgbClr val="ffffff"/>
-                  </a:solidFill>
-                </a:uFill>
-                <a:latin typeface="Arial"/>
-              </a:rPr>
-              <a:t>Fifth Outline Level</a:t>
-            </a:r>
-            <a:endParaRPr b="0" lang="fr-CH" sz="1800" spc="-1" strike="noStrike">
-              <a:solidFill>
-                <a:srgbClr val="000000"/>
-              </a:solidFill>
-              <a:uFill>
-                <a:solidFill>
-                  <a:srgbClr val="ffffff"/>
-                </a:solidFill>
-              </a:uFill>
-              <a:latin typeface="Arial"/>
-            </a:endParaRPr>
-          </a:p>
-          <a:p>
-            <a:pPr lvl="5" marL="2592000" indent="-216000">
-              <a:spcBef>
-                <a:spcPts val="283"/>
-              </a:spcBef>
-              <a:buClr>
-                <a:srgbClr val="000000"/>
-              </a:buClr>
-              <a:buSzPct val="45000"/>
-              <a:buFont typeface="Wingdings" charset="2"/>
-              <a:buChar char=""/>
-            </a:pPr>
-            <a:r>
-              <a:rPr b="0" lang="fr-CH" sz="1800" spc="-1" strike="noStrike">
-                <a:solidFill>
-                  <a:srgbClr val="000000"/>
-                </a:solidFill>
-                <a:uFill>
-                  <a:solidFill>
-                    <a:srgbClr val="ffffff"/>
-                  </a:solidFill>
-                </a:uFill>
-                <a:latin typeface="Arial"/>
-              </a:rPr>
-              <a:t>Sixth Outline Level</a:t>
-            </a:r>
-            <a:endParaRPr b="0" lang="fr-CH" sz="1800" spc="-1" strike="noStrike">
-              <a:solidFill>
-                <a:srgbClr val="000000"/>
-              </a:solidFill>
-              <a:uFill>
-                <a:solidFill>
-                  <a:srgbClr val="ffffff"/>
-                </a:solidFill>
-              </a:uFill>
-              <a:latin typeface="Arial"/>
-            </a:endParaRPr>
-          </a:p>
-          <a:p>
-            <a:pPr lvl="6" marL="3024000" indent="-216000">
-              <a:spcBef>
-                <a:spcPts val="283"/>
-              </a:spcBef>
-              <a:buClr>
-                <a:srgbClr val="000000"/>
-              </a:buClr>
-              <a:buSzPct val="45000"/>
-              <a:buFont typeface="Wingdings" charset="2"/>
-              <a:buChar char=""/>
-            </a:pPr>
-            <a:r>
-              <a:rPr b="0" lang="fr-CH" sz="1800" spc="-1" strike="noStrike">
-                <a:solidFill>
-                  <a:srgbClr val="000000"/>
-                </a:solidFill>
-                <a:uFill>
-                  <a:solidFill>
-                    <a:srgbClr val="ffffff"/>
-                  </a:solidFill>
-                </a:uFill>
-                <a:latin typeface="Arial"/>
-              </a:rPr>
-              <a:t>Seventh Outline Level</a:t>
-            </a:r>
-            <a:endParaRPr b="0" lang="fr-CH" sz="1800" spc="-1" strike="noStrike">
-              <a:solidFill>
-                <a:srgbClr val="000000"/>
-              </a:solidFill>
-              <a:uFill>
-                <a:solidFill>
-                  <a:srgbClr val="ffffff"/>
-                </a:solidFill>
-              </a:uFill>
-              <a:latin typeface="Arial"/>
-            </a:endParaRPr>
-          </a:p>
-        </p:txBody>
-      </p:sp>
+      </p:pic>
     </p:spTree>
   </p:cSld>
-  <p:clrMap bg1="lt1" bg2="lt2" tx1="dk1" tx2="dk2" accent1="accent1" accent2="accent2" accent3="accent3" accent4="accent4" accent5="accent5" accent6="accent6" hlink="hlink" folHlink="folHlink"/>
-  <p:sldLayoutIdLst>
-    <p:sldLayoutId id="2147483662" r:id="rId2"/>
-    <p:sldLayoutId id="2147483663" r:id="rId3"/>
-    <p:sldLayoutId id="2147483664" r:id="rId4"/>
-    <p:sldLayoutId id="2147483665" r:id="rId5"/>
-    <p:sldLayoutId id="2147483666" r:id="rId6"/>
-    <p:sldLayoutId id="2147483667" r:id="rId7"/>
-    <p:sldLayoutId id="2147483668" r:id="rId8"/>
-    <p:sldLayoutId id="2147483669" r:id="rId9"/>
-    <p:sldLayoutId id="2147483670" r:id="rId10"/>
-    <p:sldLayoutId id="2147483671" r:id="rId11"/>
-    <p:sldLayoutId id="2147483672" r:id="rId12"/>
-    <p:sldLayoutId id="2147483673" r:id="rId13"/>
-  </p:sldLayoutIdLst>
-</p:sldMaster>
+  <p:clrMapOvr>
+    <a:masterClrMapping/>
+  </p:clrMapOvr>
+  <p:timing>
+    <p:tnLst>
+      <p:par>
+        <p:cTn id="1" dur="indefinite" restart="never" nodeType="tmRoot">
+          <p:childTnLst>
+            <p:seq>
+              <p:cTn id="2" nodeType="mainSeq"/>
+              <p:prevCondLst>
+                <p:cond evt="onPrev" delay="0">
+                  <p:tgtEl>
+                    <p:sldTgt/>
+                  </p:tgtEl>
+                </p:cond>
+              </p:prevCondLst>
+              <p:nextCondLst>
+                <p:cond evt="onNext" delay="0">
+                  <p:tgtEl>
+                    <p:sldTgt/>
+                  </p:tgtEl>
+                </p:cond>
+              </p:nextCondLst>
+            </p:seq>
+          </p:childTnLst>
+        </p:cTn>
+      </p:par>
+    </p:tnLst>
+  </p:timing>
+</p:sld>
 </file>
 
-<file path=ppt/slides/slide1.xml><?xml version="1.0" encoding="utf-8"?>
-<p:sld xmlns:a="http://schemas.openxmlformats.org/drawingml/2006/main" xmlns:p="http://schemas.openxmlformats.org/presentationml/2006/main" xmlns:r="http://schemas.openxmlformats.org/officeDocument/2006/relationships" xmlns:p14="http://schemas.microsoft.com/office/powerpoint/2010/main" xmlns:p15="http://schemas.microsoft.com/office/powerpoint/2012/main" xmlns:mc="http://schemas.openxmlformats.org/markup-compatibility/2006">
+<file path=ppt/slides/slide3.xml><?xml version="1.0" encoding="utf-8"?>
+<p:sld xmlns:a="http://schemas.openxmlformats.org/drawingml/2006/main" xmlns:r="http://schemas.openxmlformats.org/officeDocument/2006/relationships" xmlns:p="http://schemas.openxmlformats.org/presentationml/2006/main">
   <p:cSld>
     <p:spTree>
       <p:nvGrpSpPr>
@@ -4173,13 +5343,13 @@
       </p:grpSpPr>
       <p:sp>
         <p:nvSpPr>
-          <p:cNvPr id="81" name="CustomShape 1"/>
+          <p:cNvPr id="87" name="CustomShape 1"/>
           <p:cNvSpPr/>
           <p:nvPr/>
         </p:nvSpPr>
         <p:spPr>
           <a:xfrm>
-            <a:off x="360000" y="3330000"/>
+            <a:off x="360000" y="360000"/>
             <a:ext cx="9359640" cy="899640"/>
           </a:xfrm>
           <a:prstGeom prst="rect">
@@ -4191,52 +5361,59 @@
           </a:ln>
         </p:spPr>
         <p:style>
-          <a:lnRef idx="0"/>
-          <a:fillRef idx="0"/>
-          <a:effectRef idx="0"/>
+          <a:lnRef idx="0">
+            <a:scrgbClr r="0" g="0" b="0"/>
+          </a:lnRef>
+          <a:fillRef idx="0">
+            <a:scrgbClr r="0" g="0" b="0"/>
+          </a:fillRef>
+          <a:effectRef idx="0">
+            <a:scrgbClr r="0" g="0" b="0"/>
+          </a:effectRef>
           <a:fontRef idx="minor"/>
         </p:style>
         <p:txBody>
-          <a:bodyPr lIns="0" rIns="0" tIns="0" bIns="0" anchor="b"/>
+          <a:bodyPr lIns="0" tIns="0" rIns="0" bIns="0" anchor="b"/>
+          <a:lstStyle/>
           <a:p>
             <a:r>
-              <a:rPr b="1" lang="fr-CH" sz="4800" spc="-1" strike="noStrike">
-                <a:solidFill>
-                  <a:srgbClr val="ffffff"/>
+              <a:rPr lang="fr-CH" sz="3200" b="1" strike="noStrike" spc="-1">
+                <a:solidFill>
+                  <a:srgbClr val="FFFFFF"/>
                 </a:solidFill>
                 <a:uFill>
                   <a:solidFill>
-                    <a:srgbClr val="ffffff"/>
+                    <a:srgbClr val="FFFFFF"/>
                   </a:solidFill>
                 </a:uFill>
-                <a:latin typeface="Consolas"/>
+                <a:latin typeface="Source Sans Pro Black"/>
               </a:rPr>
-              <a:t>CoRe</a:t>
+              <a:t>Technologies utilisées</a:t>
             </a:r>
-            <a:endParaRPr b="0" lang="fr-CH" sz="4800" spc="-1" strike="noStrike">
-              <a:solidFill>
-                <a:srgbClr val="000000"/>
-              </a:solidFill>
-              <a:uFill>
-                <a:solidFill>
-                  <a:srgbClr val="ffffff"/>
-                </a:solidFill>
-              </a:uFill>
-              <a:latin typeface="Arial"/>
-            </a:endParaRPr>
-          </a:p>
-        </p:txBody>
-      </p:sp>
-      <p:sp>
-        <p:nvSpPr>
-          <p:cNvPr id="82" name="CustomShape 2"/>
+            <a:endParaRPr lang="fr-CH" sz="3200" b="0" strike="noStrike" spc="-1">
+              <a:solidFill>
+                <a:srgbClr val="000000"/>
+              </a:solidFill>
+              <a:uFill>
+                <a:solidFill>
+                  <a:srgbClr val="FFFFFF"/>
+                </a:solidFill>
+              </a:uFill>
+              <a:latin typeface="Arial"/>
+            </a:endParaRPr>
+          </a:p>
+        </p:txBody>
+      </p:sp>
+      <p:sp>
+        <p:nvSpPr>
+          <p:cNvPr id="88" name="CustomShape 2"/>
           <p:cNvSpPr/>
           <p:nvPr/>
         </p:nvSpPr>
         <p:spPr>
           <a:xfrm>
-            <a:off x="540000" y="4680000"/>
-            <a:ext cx="9179640" cy="2519640"/>
+            <a:off x="360000" y="1980000"/>
+            <a:ext cx="9179640" cy="4679640"/>
           </a:xfrm>
           <a:prstGeom prst="rect">
             <a:avLst/>
@@ -4247,35 +5424,175 @@
           </a:ln>
         </p:spPr>
         <p:style>
-          <a:lnRef idx="0"/>
-          <a:fillRef idx="0"/>
-          <a:effectRef idx="0"/>
+          <a:lnRef idx="0">
+            <a:scrgbClr r="0" g="0" b="0"/>
+          </a:lnRef>
+          <a:fillRef idx="0">
+            <a:scrgbClr r="0" g="0" b="0"/>
+          </a:fillRef>
+          <a:effectRef idx="0">
+            <a:scrgbClr r="0" g="0" b="0"/>
+          </a:effectRef>
           <a:fontRef idx="minor"/>
         </p:style>
-        <p:txBody>
-          <a:bodyPr lIns="0" rIns="0" tIns="0" bIns="0"/>
-          <a:p>
+      </p:sp>
+      <p:sp>
+        <p:nvSpPr>
+          <p:cNvPr id="89" name="CustomShape 3"/>
+          <p:cNvSpPr/>
+          <p:nvPr/>
+        </p:nvSpPr>
+        <p:spPr>
+          <a:xfrm>
+            <a:off x="360000" y="1980000"/>
+            <a:ext cx="9179640" cy="4679640"/>
+          </a:xfrm>
+          <a:prstGeom prst="rect">
+            <a:avLst/>
+          </a:prstGeom>
+          <a:noFill/>
+          <a:ln>
+            <a:noFill/>
+          </a:ln>
+        </p:spPr>
+        <p:style>
+          <a:lnRef idx="0">
+            <a:scrgbClr r="0" g="0" b="0"/>
+          </a:lnRef>
+          <a:fillRef idx="0">
+            <a:scrgbClr r="0" g="0" b="0"/>
+          </a:fillRef>
+          <a:effectRef idx="0">
+            <a:scrgbClr r="0" g="0" b="0"/>
+          </a:effectRef>
+          <a:fontRef idx="minor"/>
+        </p:style>
+        <p:txBody>
+          <a:bodyPr lIns="0" tIns="0" rIns="0" bIns="0">
+            <a:normAutofit/>
+          </a:bodyPr>
+          <a:lstStyle/>
+          <a:p>
+            <a:pPr>
+              <a:lnSpc>
+                <a:spcPct val="100000"/>
+              </a:lnSpc>
+              <a:spcAft>
+                <a:spcPts val="1142"/>
+              </a:spcAft>
+            </a:pPr>
+            <a:endParaRPr lang="fr-CH" sz="1800" b="0" strike="noStrike" spc="-1">
+              <a:solidFill>
+                <a:srgbClr val="000000"/>
+              </a:solidFill>
+              <a:uFill>
+                <a:solidFill>
+                  <a:srgbClr val="FFFFFF"/>
+                </a:solidFill>
+              </a:uFill>
+              <a:latin typeface="Arial"/>
+            </a:endParaRPr>
+          </a:p>
+          <a:p>
+            <a:pPr>
+              <a:lnSpc>
+                <a:spcPct val="100000"/>
+              </a:lnSpc>
+              <a:spcAft>
+                <a:spcPts val="1142"/>
+              </a:spcAft>
+            </a:pPr>
             <a:r>
-              <a:rPr b="0" lang="fr-CH" sz="2200" spc="-1" strike="noStrike">
-                <a:solidFill>
-                  <a:srgbClr val="1c1c1c"/>
+              <a:rPr lang="fr-CH" sz="2600" b="1" strike="noStrike" spc="-1">
+                <a:solidFill>
+                  <a:srgbClr val="1C1C1C"/>
                 </a:solidFill>
                 <a:uFill>
                   <a:solidFill>
-                    <a:srgbClr val="ffffff"/>
+                    <a:srgbClr val="FFFFFF"/>
                   </a:solidFill>
                 </a:uFill>
-                <a:latin typeface="Source Sans Pro Light"/>
+                <a:latin typeface="Source Sans Pro Semibold"/>
               </a:rPr>
-              <a:t>Chain of Responsabilty</a:t>
+              <a:t>→ Libgdx (framework)</a:t>
             </a:r>
-            <a:endParaRPr b="0" lang="fr-CH" sz="2200" spc="-1" strike="noStrike">
-              <a:solidFill>
-                <a:srgbClr val="000000"/>
-              </a:solidFill>
-              <a:uFill>
-                <a:solidFill>
-                  <a:srgbClr val="ffffff"/>
+            <a:endParaRPr lang="fr-CH" sz="2600" b="0" strike="noStrike" spc="-1">
+              <a:solidFill>
+                <a:srgbClr val="000000"/>
+              </a:solidFill>
+              <a:uFill>
+                <a:solidFill>
+                  <a:srgbClr val="FFFFFF"/>
+                </a:solidFill>
+              </a:uFill>
+              <a:latin typeface="Arial"/>
+            </a:endParaRPr>
+          </a:p>
+          <a:p>
+            <a:pPr>
+              <a:lnSpc>
+                <a:spcPct val="100000"/>
+              </a:lnSpc>
+              <a:spcAft>
+                <a:spcPts val="1142"/>
+              </a:spcAft>
+            </a:pPr>
+            <a:r>
+              <a:rPr lang="fr-CH" sz="2600" b="1" strike="noStrike" spc="-1">
+                <a:solidFill>
+                  <a:srgbClr val="1C1C1C"/>
+                </a:solidFill>
+                <a:uFill>
+                  <a:solidFill>
+                    <a:srgbClr val="FFFFFF"/>
+                  </a:solidFill>
+                </a:uFill>
+                <a:latin typeface="Source Sans Pro Semibold"/>
+              </a:rPr>
+              <a:t>→ Gradle (préconfiguré par libgdx)</a:t>
+            </a:r>
+            <a:endParaRPr lang="fr-CH" sz="2600" b="0" strike="noStrike" spc="-1">
+              <a:solidFill>
+                <a:srgbClr val="000000"/>
+              </a:solidFill>
+              <a:uFill>
+                <a:solidFill>
+                  <a:srgbClr val="FFFFFF"/>
+                </a:solidFill>
+              </a:uFill>
+              <a:latin typeface="Arial"/>
+            </a:endParaRPr>
+          </a:p>
+          <a:p>
+            <a:pPr>
+              <a:lnSpc>
+                <a:spcPct val="100000"/>
+              </a:lnSpc>
+              <a:spcAft>
+                <a:spcPts val="1142"/>
+              </a:spcAft>
+            </a:pPr>
+            <a:r>
+              <a:rPr lang="fr-CH" sz="2600" b="1" strike="noStrike" spc="-1">
+                <a:solidFill>
+                  <a:srgbClr val="1C1C1C"/>
+                </a:solidFill>
+                <a:uFill>
+                  <a:solidFill>
+                    <a:srgbClr val="FFFFFF"/>
+                  </a:solidFill>
+                </a:uFill>
+                <a:latin typeface="Source Sans Pro Semibold"/>
+              </a:rPr>
+              <a:t>→ GIT</a:t>
+            </a:r>
+            <a:endParaRPr lang="fr-CH" sz="2600" b="0" strike="noStrike" spc="-1">
+              <a:solidFill>
+                <a:srgbClr val="000000"/>
+              </a:solidFill>
+              <a:uFill>
+                <a:solidFill>
+                  <a:srgbClr val="FFFFFF"/>
                 </a:solidFill>
               </a:uFill>
               <a:latin typeface="Arial"/>
@@ -4285,6 +5602,9 @@
       </p:sp>
     </p:spTree>
   </p:cSld>
+  <p:clrMapOvr>
+    <a:masterClrMapping/>
+  </p:clrMapOvr>
   <p:timing>
     <p:tnLst>
       <p:par>
@@ -4293,14 +5613,14 @@
             <p:seq>
               <p:cTn id="2" nodeType="mainSeq"/>
               <p:prevCondLst>
-                <p:cond delay="0" evt="onPrev">
+                <p:cond evt="onPrev" delay="0">
                   <p:tgtEl>
                     <p:sldTgt/>
                   </p:tgtEl>
                 </p:cond>
               </p:prevCondLst>
               <p:nextCondLst>
-                <p:cond delay="0" evt="onNext">
+                <p:cond evt="onNext" delay="0">
                   <p:tgtEl>
                     <p:sldTgt/>
                   </p:tgtEl>
@@ -4315,8 +5635,8 @@
 </p:sld>
 </file>
 
-<file path=ppt/slides/slide2.xml><?xml version="1.0" encoding="utf-8"?>
-<p:sld xmlns:a="http://schemas.openxmlformats.org/drawingml/2006/main" xmlns:p="http://schemas.openxmlformats.org/presentationml/2006/main" xmlns:r="http://schemas.openxmlformats.org/officeDocument/2006/relationships" xmlns:p14="http://schemas.microsoft.com/office/powerpoint/2010/main" xmlns:p15="http://schemas.microsoft.com/office/powerpoint/2012/main" xmlns:mc="http://schemas.openxmlformats.org/markup-compatibility/2006">
+<file path=ppt/slides/slide4.xml><?xml version="1.0" encoding="utf-8"?>
+<p:sld xmlns:a="http://schemas.openxmlformats.org/drawingml/2006/main" xmlns:r="http://schemas.openxmlformats.org/officeDocument/2006/relationships" xmlns:p="http://schemas.openxmlformats.org/presentationml/2006/main">
   <p:cSld>
     <p:spTree>
       <p:nvGrpSpPr>
@@ -4334,7 +5654,47 @@
       </p:grpSpPr>
       <p:sp>
         <p:nvSpPr>
-          <p:cNvPr id="83" name="CustomShape 1"/>
+          <p:cNvPr id="2" name="Rectangle 1"/>
+          <p:cNvSpPr/>
+          <p:nvPr/>
+        </p:nvSpPr>
+        <p:spPr>
+          <a:xfrm>
+            <a:off x="502200" y="3194304"/>
+            <a:ext cx="4094184" cy="2389632"/>
+          </a:xfrm>
+          <a:prstGeom prst="rect">
+            <a:avLst/>
+          </a:prstGeom>
+        </p:spPr>
+        <p:style>
+          <a:lnRef idx="2">
+            <a:schemeClr val="accent1">
+              <a:shade val="50000"/>
+            </a:schemeClr>
+          </a:lnRef>
+          <a:fillRef idx="1">
+            <a:schemeClr val="accent1"/>
+          </a:fillRef>
+          <a:effectRef idx="0">
+            <a:schemeClr val="accent1"/>
+          </a:effectRef>
+          <a:fontRef idx="minor">
+            <a:schemeClr val="lt1"/>
+          </a:fontRef>
+        </p:style>
+        <p:txBody>
+          <a:bodyPr rtlCol="0" anchor="ctr"/>
+          <a:lstStyle/>
+          <a:p>
+            <a:pPr algn="ctr"/>
+            <a:endParaRPr lang="fr-CH"/>
+          </a:p>
+        </p:txBody>
+      </p:sp>
+      <p:sp>
+        <p:nvSpPr>
+          <p:cNvPr id="90" name="CustomShape 1"/>
           <p:cNvSpPr/>
           <p:nvPr/>
         </p:nvSpPr>
@@ -4352,267 +5712,138 @@
           </a:ln>
         </p:spPr>
         <p:style>
-          <a:lnRef idx="0"/>
-          <a:fillRef idx="0"/>
-          <a:effectRef idx="0"/>
+          <a:lnRef idx="0">
+            <a:scrgbClr r="0" g="0" b="0"/>
+          </a:lnRef>
+          <a:fillRef idx="0">
+            <a:scrgbClr r="0" g="0" b="0"/>
+          </a:fillRef>
+          <a:effectRef idx="0">
+            <a:scrgbClr r="0" g="0" b="0"/>
+          </a:effectRef>
           <a:fontRef idx="minor"/>
         </p:style>
         <p:txBody>
-          <a:bodyPr lIns="0" rIns="0" tIns="0" bIns="0" anchor="b"/>
+          <a:bodyPr lIns="0" tIns="0" rIns="0" bIns="0" anchor="b"/>
+          <a:lstStyle/>
           <a:p>
             <a:r>
-              <a:rPr b="1" lang="fr-CH" sz="3200" spc="-1" strike="noStrike">
-                <a:solidFill>
-                  <a:srgbClr val="ffffff"/>
+              <a:rPr lang="fr-CH" sz="3200" b="1" strike="noStrike" spc="-1">
+                <a:solidFill>
+                  <a:srgbClr val="FFFFFF"/>
                 </a:solidFill>
                 <a:uFill>
                   <a:solidFill>
-                    <a:srgbClr val="ffffff"/>
+                    <a:srgbClr val="FFFFFF"/>
                   </a:solidFill>
                 </a:uFill>
                 <a:latin typeface="Source Sans Pro Black"/>
               </a:rPr>
-              <a:t>Introduction</a:t>
+              <a:t>Diagramme de classes</a:t>
             </a:r>
-            <a:endParaRPr b="0" lang="fr-CH" sz="3200" spc="-1" strike="noStrike">
-              <a:solidFill>
-                <a:srgbClr val="000000"/>
-              </a:solidFill>
-              <a:uFill>
-                <a:solidFill>
-                  <a:srgbClr val="ffffff"/>
-                </a:solidFill>
-              </a:uFill>
-              <a:latin typeface="Arial"/>
-            </a:endParaRPr>
-          </a:p>
-        </p:txBody>
-      </p:sp>
-      <p:sp>
-        <p:nvSpPr>
-          <p:cNvPr id="84" name="CustomShape 2"/>
+            <a:endParaRPr lang="fr-CH" sz="3200" b="0" strike="noStrike" spc="-1">
+              <a:solidFill>
+                <a:srgbClr val="000000"/>
+              </a:solidFill>
+              <a:uFill>
+                <a:solidFill>
+                  <a:srgbClr val="FFFFFF"/>
+                </a:solidFill>
+              </a:uFill>
+              <a:latin typeface="Arial"/>
+            </a:endParaRPr>
+          </a:p>
+        </p:txBody>
+      </p:sp>
+      <p:sp>
+        <p:nvSpPr>
+          <p:cNvPr id="3" name="Rectangle 2"/>
           <p:cNvSpPr/>
           <p:nvPr/>
         </p:nvSpPr>
         <p:spPr>
           <a:xfrm>
-            <a:off x="360000" y="1980000"/>
-            <a:ext cx="9179640" cy="4679640"/>
-          </a:xfrm>
-          <a:prstGeom prst="rect">
-            <a:avLst/>
-          </a:prstGeom>
-          <a:noFill/>
-          <a:ln>
-            <a:noFill/>
-          </a:ln>
+            <a:off x="4852416" y="1475232"/>
+            <a:ext cx="3925824" cy="2414016"/>
+          </a:xfrm>
+          <a:prstGeom prst="rect">
+            <a:avLst/>
+          </a:prstGeom>
+          <a:solidFill>
+            <a:srgbClr val="00B050"/>
+          </a:solidFill>
         </p:spPr>
         <p:style>
-          <a:lnRef idx="0"/>
-          <a:fillRef idx="0"/>
-          <a:effectRef idx="0"/>
-          <a:fontRef idx="minor"/>
+          <a:lnRef idx="2">
+            <a:schemeClr val="accent1">
+              <a:shade val="50000"/>
+            </a:schemeClr>
+          </a:lnRef>
+          <a:fillRef idx="1">
+            <a:schemeClr val="accent1"/>
+          </a:fillRef>
+          <a:effectRef idx="0">
+            <a:schemeClr val="accent1"/>
+          </a:effectRef>
+          <a:fontRef idx="minor">
+            <a:schemeClr val="lt1"/>
+          </a:fontRef>
         </p:style>
         <p:txBody>
-          <a:bodyPr lIns="0" rIns="0" tIns="0" bIns="0">
-            <a:normAutofit/>
-          </a:bodyPr>
-          <a:p>
-            <a:pPr>
-              <a:lnSpc>
-                <a:spcPct val="100000"/>
-              </a:lnSpc>
-              <a:spcAft>
-                <a:spcPts val="1142"/>
-              </a:spcAft>
-            </a:pPr>
-            <a:endParaRPr b="0" lang="fr-CH" sz="1800" spc="-1" strike="noStrike">
-              <a:solidFill>
-                <a:srgbClr val="000000"/>
-              </a:solidFill>
-              <a:uFill>
-                <a:solidFill>
-                  <a:srgbClr val="ffffff"/>
-                </a:solidFill>
-              </a:uFill>
-              <a:latin typeface="Arial"/>
-            </a:endParaRPr>
-          </a:p>
-          <a:p>
-            <a:pPr>
-              <a:lnSpc>
-                <a:spcPct val="100000"/>
-              </a:lnSpc>
-              <a:spcAft>
-                <a:spcPts val="1142"/>
-              </a:spcAft>
-            </a:pPr>
-            <a:r>
-              <a:rPr b="1" lang="fr-CH" sz="2600" spc="-1" strike="noStrike">
-                <a:solidFill>
-                  <a:srgbClr val="1c1c1c"/>
-                </a:solidFill>
-                <a:uFill>
-                  <a:solidFill>
-                    <a:srgbClr val="ffffff"/>
-                  </a:solidFill>
-                </a:uFill>
-                <a:latin typeface="Source Sans Pro Semibold"/>
-              </a:rPr>
-              <a:t>→ </a:t>
-            </a:r>
-            <a:r>
-              <a:rPr b="1" lang="fr-CH" sz="2600" spc="-1" strike="noStrike">
-                <a:solidFill>
-                  <a:srgbClr val="1c1c1c"/>
-                </a:solidFill>
-                <a:uFill>
-                  <a:solidFill>
-                    <a:srgbClr val="ffffff"/>
-                  </a:solidFill>
-                </a:uFill>
-                <a:latin typeface="Source Sans Pro Semibold"/>
-              </a:rPr>
-              <a:t>Shoot ’em up coloré</a:t>
-            </a:r>
-            <a:endParaRPr b="0" lang="fr-CH" sz="2600" spc="-1" strike="noStrike">
-              <a:solidFill>
-                <a:srgbClr val="000000"/>
-              </a:solidFill>
-              <a:uFill>
-                <a:solidFill>
-                  <a:srgbClr val="ffffff"/>
-                </a:solidFill>
-              </a:uFill>
-              <a:latin typeface="Arial"/>
-            </a:endParaRPr>
-          </a:p>
-          <a:p>
-            <a:pPr>
-              <a:lnSpc>
-                <a:spcPct val="100000"/>
-              </a:lnSpc>
-              <a:spcAft>
-                <a:spcPts val="1142"/>
-              </a:spcAft>
-            </a:pPr>
-            <a:r>
-              <a:rPr b="1" lang="fr-CH" sz="2600" spc="-1" strike="noStrike">
-                <a:solidFill>
-                  <a:srgbClr val="1c1c1c"/>
-                </a:solidFill>
-                <a:uFill>
-                  <a:solidFill>
-                    <a:srgbClr val="ffffff"/>
-                  </a:solidFill>
-                </a:uFill>
-                <a:latin typeface="Source Sans Pro Semibold"/>
-              </a:rPr>
-              <a:t>→ </a:t>
-            </a:r>
-            <a:r>
-              <a:rPr b="1" lang="fr-CH" sz="2600" spc="-1" strike="noStrike">
-                <a:solidFill>
-                  <a:srgbClr val="1c1c1c"/>
-                </a:solidFill>
-                <a:uFill>
-                  <a:solidFill>
-                    <a:srgbClr val="ffffff"/>
-                  </a:solidFill>
-                </a:uFill>
-                <a:latin typeface="Source Sans Pro Semibold"/>
-              </a:rPr>
-              <a:t>Maillons de la chaîne = obstacles</a:t>
-            </a:r>
-            <a:endParaRPr b="0" lang="fr-CH" sz="2600" spc="-1" strike="noStrike">
-              <a:solidFill>
-                <a:srgbClr val="000000"/>
-              </a:solidFill>
-              <a:uFill>
-                <a:solidFill>
-                  <a:srgbClr val="ffffff"/>
-                </a:solidFill>
-              </a:uFill>
-              <a:latin typeface="Arial"/>
-            </a:endParaRPr>
-          </a:p>
-          <a:p>
-            <a:pPr>
-              <a:lnSpc>
-                <a:spcPct val="100000"/>
-              </a:lnSpc>
-              <a:spcAft>
-                <a:spcPts val="1142"/>
-              </a:spcAft>
-            </a:pPr>
-            <a:r>
-              <a:rPr b="1" lang="fr-CH" sz="2600" spc="-1" strike="noStrike">
-                <a:solidFill>
-                  <a:srgbClr val="1c1c1c"/>
-                </a:solidFill>
-                <a:uFill>
-                  <a:solidFill>
-                    <a:srgbClr val="ffffff"/>
-                  </a:solidFill>
-                </a:uFill>
-                <a:latin typeface="Source Sans Pro Semibold"/>
-              </a:rPr>
-              <a:t>→ </a:t>
-            </a:r>
-            <a:r>
-              <a:rPr b="1" lang="fr-CH" sz="2600" spc="-1" strike="noStrike">
-                <a:solidFill>
-                  <a:srgbClr val="1c1c1c"/>
-                </a:solidFill>
-                <a:uFill>
-                  <a:solidFill>
-                    <a:srgbClr val="ffffff"/>
-                  </a:solidFill>
-                </a:uFill>
-                <a:latin typeface="Source Sans Pro Semibold"/>
-              </a:rPr>
-              <a:t>Chaîne = explosions en chaîne</a:t>
-            </a:r>
-            <a:endParaRPr b="0" lang="fr-CH" sz="2600" spc="-1" strike="noStrike">
-              <a:solidFill>
-                <a:srgbClr val="000000"/>
-              </a:solidFill>
-              <a:uFill>
-                <a:solidFill>
-                  <a:srgbClr val="ffffff"/>
-                </a:solidFill>
-              </a:uFill>
-              <a:latin typeface="Arial"/>
-            </a:endParaRPr>
+          <a:bodyPr rtlCol="0" anchor="ctr"/>
+          <a:lstStyle/>
+          <a:p>
+            <a:pPr algn="ctr"/>
+            <a:endParaRPr lang="fr-CH"/>
+          </a:p>
+        </p:txBody>
+      </p:sp>
+      <p:sp>
+        <p:nvSpPr>
+          <p:cNvPr id="6" name="Rectangle 5"/>
+          <p:cNvSpPr/>
+          <p:nvPr/>
+        </p:nvSpPr>
+        <p:spPr>
+          <a:xfrm>
+            <a:off x="707136" y="5669280"/>
+            <a:ext cx="3608832" cy="1133856"/>
+          </a:xfrm>
+          <a:prstGeom prst="rect">
+            <a:avLst/>
+          </a:prstGeom>
+          <a:solidFill>
+            <a:srgbClr val="7030A0"/>
+          </a:solidFill>
+        </p:spPr>
+        <p:style>
+          <a:lnRef idx="2">
+            <a:schemeClr val="accent1">
+              <a:shade val="50000"/>
+            </a:schemeClr>
+          </a:lnRef>
+          <a:fillRef idx="1">
+            <a:schemeClr val="accent1"/>
+          </a:fillRef>
+          <a:effectRef idx="0">
+            <a:schemeClr val="accent1"/>
+          </a:effectRef>
+          <a:fontRef idx="minor">
+            <a:schemeClr val="lt1"/>
+          </a:fontRef>
+        </p:style>
+        <p:txBody>
+          <a:bodyPr rtlCol="0" anchor="ctr"/>
+          <a:lstStyle/>
+          <a:p>
+            <a:pPr algn="ctr"/>
+            <a:endParaRPr lang="fr-CH"/>
           </a:p>
         </p:txBody>
       </p:sp>
       <p:pic>
         <p:nvPicPr>
-          <p:cNvPr id="85" name="" descr=""/>
-          <p:cNvPicPr/>
-          <p:nvPr/>
-        </p:nvPicPr>
-        <p:blipFill>
-          <a:blip r:embed="rId1"/>
-          <a:stretch/>
-        </p:blipFill>
-        <p:spPr>
-          <a:xfrm>
-            <a:off x="7150680" y="2805480"/>
-            <a:ext cx="811800" cy="811800"/>
-          </a:xfrm>
-          <a:prstGeom prst="rect">
-            <a:avLst/>
-          </a:prstGeom>
-          <a:ln>
-            <a:noFill/>
-          </a:ln>
-        </p:spPr>
-      </p:pic>
-      <p:pic>
-        <p:nvPicPr>
-          <p:cNvPr id="86" name="" descr=""/>
+          <p:cNvPr id="91" name="Image 90"/>
           <p:cNvPicPr/>
           <p:nvPr/>
         </p:nvPicPr>
@@ -4621,9 +5852,9 @@
           <a:stretch/>
         </p:blipFill>
         <p:spPr>
-          <a:xfrm rot="19020000">
-            <a:off x="8266680" y="2814480"/>
-            <a:ext cx="811800" cy="811800"/>
+          <a:xfrm>
+            <a:off x="502200" y="1440000"/>
+            <a:ext cx="9145800" cy="5544000"/>
           </a:xfrm>
           <a:prstGeom prst="rect">
             <a:avLst/>
@@ -4635,22 +5866,25 @@
       </p:pic>
     </p:spTree>
   </p:cSld>
+  <p:clrMapOvr>
+    <a:masterClrMapping/>
+  </p:clrMapOvr>
   <p:timing>
     <p:tnLst>
       <p:par>
-        <p:cTn id="3" dur="indefinite" restart="never" nodeType="tmRoot">
+        <p:cTn id="1" dur="indefinite" restart="never" nodeType="tmRoot">
           <p:childTnLst>
             <p:seq>
-              <p:cTn id="4" nodeType="mainSeq"/>
+              <p:cTn id="2" nodeType="mainSeq"/>
               <p:prevCondLst>
-                <p:cond delay="0" evt="onPrev">
+                <p:cond evt="onPrev" delay="0">
                   <p:tgtEl>
                     <p:sldTgt/>
                   </p:tgtEl>
                 </p:cond>
               </p:prevCondLst>
               <p:nextCondLst>
-                <p:cond delay="0" evt="onNext">
+                <p:cond evt="onNext" delay="0">
                   <p:tgtEl>
                     <p:sldTgt/>
                   </p:tgtEl>
@@ -4665,8 +5899,8 @@
 </p:sld>
 </file>
 
-<file path=ppt/slides/slide3.xml><?xml version="1.0" encoding="utf-8"?>
-<p:sld xmlns:a="http://schemas.openxmlformats.org/drawingml/2006/main" xmlns:p="http://schemas.openxmlformats.org/presentationml/2006/main" xmlns:r="http://schemas.openxmlformats.org/officeDocument/2006/relationships" xmlns:p14="http://schemas.microsoft.com/office/powerpoint/2010/main" xmlns:p15="http://schemas.microsoft.com/office/powerpoint/2012/main" xmlns:mc="http://schemas.openxmlformats.org/markup-compatibility/2006">
+<file path=ppt/slides/slide5.xml><?xml version="1.0" encoding="utf-8"?>
+<p:sld xmlns:a="http://schemas.openxmlformats.org/drawingml/2006/main" xmlns:r="http://schemas.openxmlformats.org/officeDocument/2006/relationships" xmlns:p="http://schemas.openxmlformats.org/presentationml/2006/main">
   <p:cSld>
     <p:spTree>
       <p:nvGrpSpPr>
@@ -4684,7 +5918,7 @@
       </p:grpSpPr>
       <p:sp>
         <p:nvSpPr>
-          <p:cNvPr id="87" name="CustomShape 1"/>
+          <p:cNvPr id="92" name="CustomShape 1"/>
           <p:cNvSpPr/>
           <p:nvPr/>
         </p:nvSpPr>
@@ -4702,285 +5936,149 @@
           </a:ln>
         </p:spPr>
         <p:style>
-          <a:lnRef idx="0"/>
-          <a:fillRef idx="0"/>
-          <a:effectRef idx="0"/>
+          <a:lnRef idx="0">
+            <a:scrgbClr r="0" g="0" b="0"/>
+          </a:lnRef>
+          <a:fillRef idx="0">
+            <a:scrgbClr r="0" g="0" b="0"/>
+          </a:fillRef>
+          <a:effectRef idx="0">
+            <a:scrgbClr r="0" g="0" b="0"/>
+          </a:effectRef>
           <a:fontRef idx="minor"/>
         </p:style>
         <p:txBody>
-          <a:bodyPr lIns="0" rIns="0" tIns="0" bIns="0" anchor="b"/>
+          <a:bodyPr lIns="0" tIns="0" rIns="0" bIns="0" anchor="b"/>
+          <a:lstStyle/>
           <a:p>
             <a:r>
-              <a:rPr b="1" lang="fr-CH" sz="3200" spc="-1" strike="noStrike">
-                <a:solidFill>
-                  <a:srgbClr val="ffffff"/>
+              <a:rPr lang="fr-CH" sz="3200" b="1" strike="noStrike" spc="-1">
+                <a:solidFill>
+                  <a:srgbClr val="FFFFFF"/>
                 </a:solidFill>
                 <a:uFill>
                   <a:solidFill>
-                    <a:srgbClr val="ffffff"/>
+                    <a:srgbClr val="FFFFFF"/>
                   </a:solidFill>
                 </a:uFill>
                 <a:latin typeface="Source Sans Pro Black"/>
               </a:rPr>
-              <a:t>Technologies utilisées</a:t>
+              <a:t>Diagramme de classes</a:t>
             </a:r>
-            <a:endParaRPr b="0" lang="fr-CH" sz="3200" spc="-1" strike="noStrike">
-              <a:solidFill>
-                <a:srgbClr val="000000"/>
-              </a:solidFill>
-              <a:uFill>
-                <a:solidFill>
-                  <a:srgbClr val="ffffff"/>
-                </a:solidFill>
-              </a:uFill>
-              <a:latin typeface="Arial"/>
-            </a:endParaRPr>
-          </a:p>
-        </p:txBody>
-      </p:sp>
-      <p:sp>
-        <p:nvSpPr>
-          <p:cNvPr id="88" name="CustomShape 2"/>
-          <p:cNvSpPr/>
+            <a:endParaRPr lang="fr-CH" sz="3200" b="0" strike="noStrike" spc="-1">
+              <a:solidFill>
+                <a:srgbClr val="000000"/>
+              </a:solidFill>
+              <a:uFill>
+                <a:solidFill>
+                  <a:srgbClr val="FFFFFF"/>
+                </a:solidFill>
+              </a:uFill>
+              <a:latin typeface="Arial"/>
+            </a:endParaRPr>
+          </a:p>
+        </p:txBody>
+      </p:sp>
+      <p:grpSp>
+        <p:nvGrpSpPr>
+          <p:cNvPr id="4" name="Groupe 3"/>
+          <p:cNvGrpSpPr/>
           <p:nvPr/>
-        </p:nvSpPr>
-        <p:spPr>
-          <a:xfrm>
-            <a:off x="360000" y="1980000"/>
-            <a:ext cx="9179640" cy="4679640"/>
-          </a:xfrm>
-          <a:prstGeom prst="rect">
-            <a:avLst/>
-          </a:prstGeom>
-          <a:noFill/>
-          <a:ln>
-            <a:noFill/>
-          </a:ln>
-        </p:spPr>
-        <p:style>
-          <a:lnRef idx="0"/>
-          <a:fillRef idx="0"/>
-          <a:effectRef idx="0"/>
-          <a:fontRef idx="minor"/>
-        </p:style>
-      </p:sp>
-      <p:sp>
-        <p:nvSpPr>
-          <p:cNvPr id="89" name="CustomShape 3"/>
-          <p:cNvSpPr/>
-          <p:nvPr/>
-        </p:nvSpPr>
-        <p:spPr>
-          <a:xfrm>
-            <a:off x="360000" y="1980000"/>
-            <a:ext cx="9179640" cy="4679640"/>
-          </a:xfrm>
-          <a:prstGeom prst="rect">
-            <a:avLst/>
-          </a:prstGeom>
-          <a:noFill/>
-          <a:ln>
-            <a:noFill/>
-          </a:ln>
-        </p:spPr>
-        <p:style>
-          <a:lnRef idx="0"/>
-          <a:fillRef idx="0"/>
-          <a:effectRef idx="0"/>
-          <a:fontRef idx="minor"/>
-        </p:style>
-        <p:txBody>
-          <a:bodyPr lIns="0" rIns="0" tIns="0" bIns="0">
-            <a:normAutofit/>
-          </a:bodyPr>
-          <a:p>
-            <a:pPr>
-              <a:lnSpc>
-                <a:spcPct val="100000"/>
-              </a:lnSpc>
-              <a:spcAft>
-                <a:spcPts val="1142"/>
-              </a:spcAft>
-            </a:pPr>
-            <a:endParaRPr b="0" lang="fr-CH" sz="1800" spc="-1" strike="noStrike">
-              <a:solidFill>
-                <a:srgbClr val="000000"/>
-              </a:solidFill>
-              <a:uFill>
-                <a:solidFill>
-                  <a:srgbClr val="ffffff"/>
-                </a:solidFill>
-              </a:uFill>
-              <a:latin typeface="Arial"/>
-            </a:endParaRPr>
-          </a:p>
-          <a:p>
-            <a:pPr>
-              <a:lnSpc>
-                <a:spcPct val="100000"/>
-              </a:lnSpc>
-              <a:spcAft>
-                <a:spcPts val="1142"/>
-              </a:spcAft>
-            </a:pPr>
-            <a:r>
-              <a:rPr b="1" lang="fr-CH" sz="2600" spc="-1" strike="noStrike">
-                <a:solidFill>
-                  <a:srgbClr val="1c1c1c"/>
-                </a:solidFill>
-                <a:uFill>
-                  <a:solidFill>
-                    <a:srgbClr val="ffffff"/>
-                  </a:solidFill>
-                </a:uFill>
-                <a:latin typeface="Source Sans Pro Semibold"/>
-              </a:rPr>
-              <a:t>→ </a:t>
-            </a:r>
-            <a:r>
-              <a:rPr b="1" lang="fr-CH" sz="2600" spc="-1" strike="noStrike">
-                <a:solidFill>
-                  <a:srgbClr val="1c1c1c"/>
-                </a:solidFill>
-                <a:uFill>
-                  <a:solidFill>
-                    <a:srgbClr val="ffffff"/>
-                  </a:solidFill>
-                </a:uFill>
-                <a:latin typeface="Source Sans Pro Semibold"/>
-              </a:rPr>
-              <a:t>Libgdx (framework)</a:t>
-            </a:r>
-            <a:endParaRPr b="0" lang="fr-CH" sz="2600" spc="-1" strike="noStrike">
-              <a:solidFill>
-                <a:srgbClr val="000000"/>
-              </a:solidFill>
-              <a:uFill>
-                <a:solidFill>
-                  <a:srgbClr val="ffffff"/>
-                </a:solidFill>
-              </a:uFill>
-              <a:latin typeface="Arial"/>
-            </a:endParaRPr>
-          </a:p>
-          <a:p>
-            <a:pPr>
-              <a:lnSpc>
-                <a:spcPct val="100000"/>
-              </a:lnSpc>
-              <a:spcAft>
-                <a:spcPts val="1142"/>
-              </a:spcAft>
-            </a:pPr>
-            <a:r>
-              <a:rPr b="1" lang="fr-CH" sz="2600" spc="-1" strike="noStrike">
-                <a:solidFill>
-                  <a:srgbClr val="1c1c1c"/>
-                </a:solidFill>
-                <a:uFill>
-                  <a:solidFill>
-                    <a:srgbClr val="ffffff"/>
-                  </a:solidFill>
-                </a:uFill>
-                <a:latin typeface="Source Sans Pro Semibold"/>
-              </a:rPr>
-              <a:t>→ </a:t>
-            </a:r>
-            <a:r>
-              <a:rPr b="1" lang="fr-CH" sz="2600" spc="-1" strike="noStrike">
-                <a:solidFill>
-                  <a:srgbClr val="1c1c1c"/>
-                </a:solidFill>
-                <a:uFill>
-                  <a:solidFill>
-                    <a:srgbClr val="ffffff"/>
-                  </a:solidFill>
-                </a:uFill>
-                <a:latin typeface="Source Sans Pro Semibold"/>
-              </a:rPr>
-              <a:t>Gradle (préconfiguré par libgdx)</a:t>
-            </a:r>
-            <a:endParaRPr b="0" lang="fr-CH" sz="2600" spc="-1" strike="noStrike">
-              <a:solidFill>
-                <a:srgbClr val="000000"/>
-              </a:solidFill>
-              <a:uFill>
-                <a:solidFill>
-                  <a:srgbClr val="ffffff"/>
-                </a:solidFill>
-              </a:uFill>
-              <a:latin typeface="Arial"/>
-            </a:endParaRPr>
-          </a:p>
-          <a:p>
-            <a:pPr>
-              <a:lnSpc>
-                <a:spcPct val="100000"/>
-              </a:lnSpc>
-              <a:spcAft>
-                <a:spcPts val="1142"/>
-              </a:spcAft>
-            </a:pPr>
-            <a:r>
-              <a:rPr b="1" lang="fr-CH" sz="2600" spc="-1" strike="noStrike">
-                <a:solidFill>
-                  <a:srgbClr val="1c1c1c"/>
-                </a:solidFill>
-                <a:uFill>
-                  <a:solidFill>
-                    <a:srgbClr val="ffffff"/>
-                  </a:solidFill>
-                </a:uFill>
-                <a:latin typeface="Source Sans Pro Semibold"/>
-              </a:rPr>
-              <a:t>→ </a:t>
-            </a:r>
-            <a:r>
-              <a:rPr b="1" lang="fr-CH" sz="2600" spc="-1" strike="noStrike">
-                <a:solidFill>
-                  <a:srgbClr val="1c1c1c"/>
-                </a:solidFill>
-                <a:uFill>
-                  <a:solidFill>
-                    <a:srgbClr val="ffffff"/>
-                  </a:solidFill>
-                </a:uFill>
-                <a:latin typeface="Source Sans Pro Semibold"/>
-              </a:rPr>
-              <a:t>GIT</a:t>
-            </a:r>
-            <a:endParaRPr b="0" lang="fr-CH" sz="2600" spc="-1" strike="noStrike">
-              <a:solidFill>
-                <a:srgbClr val="000000"/>
-              </a:solidFill>
-              <a:uFill>
-                <a:solidFill>
-                  <a:srgbClr val="ffffff"/>
-                </a:solidFill>
-              </a:uFill>
-              <a:latin typeface="Arial"/>
-            </a:endParaRPr>
-          </a:p>
-        </p:txBody>
-      </p:sp>
+        </p:nvGrpSpPr>
+        <p:grpSpPr>
+          <a:xfrm>
+            <a:off x="853440" y="1682495"/>
+            <a:ext cx="8229600" cy="4830945"/>
+            <a:chOff x="475488" y="3169920"/>
+            <a:chExt cx="4133088" cy="2426208"/>
+          </a:xfrm>
+        </p:grpSpPr>
+        <p:sp>
+          <p:nvSpPr>
+            <p:cNvPr id="5" name="Rectangle 4"/>
+            <p:cNvSpPr/>
+            <p:nvPr/>
+          </p:nvSpPr>
+          <p:spPr>
+            <a:xfrm>
+              <a:off x="502200" y="3194304"/>
+              <a:ext cx="4094184" cy="2389632"/>
+            </a:xfrm>
+            <a:prstGeom prst="rect">
+              <a:avLst/>
+            </a:prstGeom>
+          </p:spPr>
+          <p:style>
+            <a:lnRef idx="2">
+              <a:schemeClr val="accent1">
+                <a:shade val="50000"/>
+              </a:schemeClr>
+            </a:lnRef>
+            <a:fillRef idx="1">
+              <a:schemeClr val="accent1"/>
+            </a:fillRef>
+            <a:effectRef idx="0">
+              <a:schemeClr val="accent1"/>
+            </a:effectRef>
+            <a:fontRef idx="minor">
+              <a:schemeClr val="lt1"/>
+            </a:fontRef>
+          </p:style>
+          <p:txBody>
+            <a:bodyPr rtlCol="0" anchor="ctr"/>
+            <a:lstStyle/>
+            <a:p>
+              <a:pPr algn="ctr"/>
+              <a:endParaRPr lang="fr-CH"/>
+            </a:p>
+          </p:txBody>
+        </p:sp>
+        <p:pic>
+          <p:nvPicPr>
+            <p:cNvPr id="6" name="Image 5"/>
+            <p:cNvPicPr/>
+            <p:nvPr/>
+          </p:nvPicPr>
+          <p:blipFill rotWithShape="1">
+            <a:blip r:embed="rId2"/>
+            <a:srcRect l="-292" t="31203" r="55101" b="25034"/>
+            <a:stretch/>
+          </p:blipFill>
+          <p:spPr>
+            <a:xfrm>
+              <a:off x="475488" y="3169920"/>
+              <a:ext cx="4133088" cy="2426208"/>
+            </a:xfrm>
+            <a:prstGeom prst="rect">
+              <a:avLst/>
+            </a:prstGeom>
+            <a:ln>
+              <a:noFill/>
+            </a:ln>
+          </p:spPr>
+        </p:pic>
+      </p:grpSp>
     </p:spTree>
   </p:cSld>
+  <p:clrMapOvr>
+    <a:masterClrMapping/>
+  </p:clrMapOvr>
   <p:timing>
     <p:tnLst>
       <p:par>
-        <p:cTn id="5" dur="indefinite" restart="never" nodeType="tmRoot">
+        <p:cTn id="1" dur="indefinite" restart="never" nodeType="tmRoot">
           <p:childTnLst>
             <p:seq>
-              <p:cTn id="6" nodeType="mainSeq"/>
+              <p:cTn id="2" nodeType="mainSeq"/>
               <p:prevCondLst>
-                <p:cond delay="0" evt="onPrev">
+                <p:cond evt="onPrev" delay="0">
                   <p:tgtEl>
                     <p:sldTgt/>
                   </p:tgtEl>
                 </p:cond>
               </p:prevCondLst>
               <p:nextCondLst>
-                <p:cond delay="0" evt="onNext">
+                <p:cond evt="onNext" delay="0">
                   <p:tgtEl>
                     <p:sldTgt/>
                   </p:tgtEl>
@@ -4995,8 +6093,8 @@
 </p:sld>
 </file>
 
-<file path=ppt/slides/slide4.xml><?xml version="1.0" encoding="utf-8"?>
-<p:sld xmlns:a="http://schemas.openxmlformats.org/drawingml/2006/main" xmlns:p="http://schemas.openxmlformats.org/presentationml/2006/main" xmlns:r="http://schemas.openxmlformats.org/officeDocument/2006/relationships" xmlns:p14="http://schemas.microsoft.com/office/powerpoint/2010/main" xmlns:p15="http://schemas.microsoft.com/office/powerpoint/2012/main" xmlns:mc="http://schemas.openxmlformats.org/markup-compatibility/2006">
+<file path=ppt/slides/slide6.xml><?xml version="1.0" encoding="utf-8"?>
+<p:sld xmlns:a="http://schemas.openxmlformats.org/drawingml/2006/main" xmlns:r="http://schemas.openxmlformats.org/officeDocument/2006/relationships" xmlns:p="http://schemas.openxmlformats.org/presentationml/2006/main">
   <p:cSld>
     <p:spTree>
       <p:nvGrpSpPr>
@@ -5014,7 +6112,7 @@
       </p:grpSpPr>
       <p:sp>
         <p:nvSpPr>
-          <p:cNvPr id="90" name="CustomShape 1"/>
+          <p:cNvPr id="94" name="CustomShape 1"/>
           <p:cNvSpPr/>
           <p:nvPr/>
         </p:nvSpPr>
@@ -5032,83 +6130,152 @@
           </a:ln>
         </p:spPr>
         <p:style>
-          <a:lnRef idx="0"/>
-          <a:fillRef idx="0"/>
-          <a:effectRef idx="0"/>
+          <a:lnRef idx="0">
+            <a:scrgbClr r="0" g="0" b="0"/>
+          </a:lnRef>
+          <a:fillRef idx="0">
+            <a:scrgbClr r="0" g="0" b="0"/>
+          </a:fillRef>
+          <a:effectRef idx="0">
+            <a:scrgbClr r="0" g="0" b="0"/>
+          </a:effectRef>
           <a:fontRef idx="minor"/>
         </p:style>
         <p:txBody>
-          <a:bodyPr lIns="0" rIns="0" tIns="0" bIns="0" anchor="b"/>
+          <a:bodyPr lIns="0" tIns="0" rIns="0" bIns="0" anchor="b"/>
+          <a:lstStyle/>
           <a:p>
             <a:r>
-              <a:rPr b="1" lang="fr-CH" sz="3200" spc="-1" strike="noStrike">
-                <a:solidFill>
-                  <a:srgbClr val="ffffff"/>
+              <a:rPr lang="fr-CH" sz="3200" b="1" strike="noStrike" spc="-1">
+                <a:solidFill>
+                  <a:srgbClr val="FFFFFF"/>
                 </a:solidFill>
                 <a:uFill>
                   <a:solidFill>
-                    <a:srgbClr val="ffffff"/>
+                    <a:srgbClr val="FFFFFF"/>
                   </a:solidFill>
                 </a:uFill>
                 <a:latin typeface="Source Sans Pro Black"/>
               </a:rPr>
               <a:t>Diagramme de classes</a:t>
             </a:r>
-            <a:endParaRPr b="0" lang="fr-CH" sz="3200" spc="-1" strike="noStrike">
-              <a:solidFill>
-                <a:srgbClr val="000000"/>
-              </a:solidFill>
-              <a:uFill>
-                <a:solidFill>
-                  <a:srgbClr val="ffffff"/>
-                </a:solidFill>
-              </a:uFill>
-              <a:latin typeface="Arial"/>
-            </a:endParaRPr>
-          </a:p>
-        </p:txBody>
-      </p:sp>
-      <p:pic>
-        <p:nvPicPr>
-          <p:cNvPr id="91" name="" descr=""/>
-          <p:cNvPicPr/>
+            <a:endParaRPr lang="fr-CH" sz="3200" b="0" strike="noStrike" spc="-1">
+              <a:solidFill>
+                <a:srgbClr val="000000"/>
+              </a:solidFill>
+              <a:uFill>
+                <a:solidFill>
+                  <a:srgbClr val="FFFFFF"/>
+                </a:solidFill>
+              </a:uFill>
+              <a:latin typeface="Arial"/>
+            </a:endParaRPr>
+          </a:p>
+        </p:txBody>
+      </p:sp>
+      <p:grpSp>
+        <p:nvGrpSpPr>
+          <p:cNvPr id="3" name="Groupe 2"/>
+          <p:cNvGrpSpPr/>
           <p:nvPr/>
-        </p:nvPicPr>
-        <p:blipFill>
-          <a:blip r:embed="rId1"/>
-          <a:stretch/>
-        </p:blipFill>
-        <p:spPr>
-          <a:xfrm>
-            <a:off x="502200" y="1440000"/>
-            <a:ext cx="9145800" cy="5544000"/>
-          </a:xfrm>
-          <a:prstGeom prst="rect">
-            <a:avLst/>
-          </a:prstGeom>
-          <a:ln>
-            <a:noFill/>
-          </a:ln>
-        </p:spPr>
-      </p:pic>
+        </p:nvGrpSpPr>
+        <p:grpSpPr>
+          <a:xfrm>
+            <a:off x="865632" y="1645919"/>
+            <a:ext cx="8058912" cy="4984127"/>
+            <a:chOff x="4828032" y="1450848"/>
+            <a:chExt cx="3962400" cy="2450592"/>
+          </a:xfrm>
+        </p:grpSpPr>
+        <p:sp>
+          <p:nvSpPr>
+            <p:cNvPr id="6" name="Rectangle 5"/>
+            <p:cNvSpPr/>
+            <p:nvPr/>
+          </p:nvSpPr>
+          <p:spPr>
+            <a:xfrm>
+              <a:off x="4852416" y="1475232"/>
+              <a:ext cx="3925824" cy="2414016"/>
+            </a:xfrm>
+            <a:prstGeom prst="rect">
+              <a:avLst/>
+            </a:prstGeom>
+            <a:solidFill>
+              <a:srgbClr val="00B050"/>
+            </a:solidFill>
+          </p:spPr>
+          <p:style>
+            <a:lnRef idx="2">
+              <a:schemeClr val="accent1">
+                <a:shade val="50000"/>
+              </a:schemeClr>
+            </a:lnRef>
+            <a:fillRef idx="1">
+              <a:schemeClr val="accent1"/>
+            </a:fillRef>
+            <a:effectRef idx="0">
+              <a:schemeClr val="accent1"/>
+            </a:effectRef>
+            <a:fontRef idx="minor">
+              <a:schemeClr val="lt1"/>
+            </a:fontRef>
+          </p:style>
+          <p:txBody>
+            <a:bodyPr rtlCol="0" anchor="ctr"/>
+            <a:lstStyle/>
+            <a:p>
+              <a:pPr algn="ctr"/>
+              <a:endParaRPr lang="fr-CH"/>
+            </a:p>
+          </p:txBody>
+        </p:sp>
+        <p:pic>
+          <p:nvPicPr>
+            <p:cNvPr id="7" name="Image 6"/>
+            <p:cNvPicPr/>
+            <p:nvPr/>
+          </p:nvPicPr>
+          <p:blipFill rotWithShape="1">
+            <a:blip r:embed="rId2"/>
+            <a:srcRect l="47300" t="195" r="9376" b="55602"/>
+            <a:stretch/>
+          </p:blipFill>
+          <p:spPr>
+            <a:xfrm>
+              <a:off x="4828032" y="1450848"/>
+              <a:ext cx="3962400" cy="2450592"/>
+            </a:xfrm>
+            <a:prstGeom prst="rect">
+              <a:avLst/>
+            </a:prstGeom>
+            <a:ln>
+              <a:noFill/>
+            </a:ln>
+          </p:spPr>
+        </p:pic>
+      </p:grpSp>
     </p:spTree>
   </p:cSld>
+  <p:clrMapOvr>
+    <a:masterClrMapping/>
+  </p:clrMapOvr>
   <p:timing>
     <p:tnLst>
       <p:par>
-        <p:cTn id="7" dur="indefinite" restart="never" nodeType="tmRoot">
+        <p:cTn id="1" dur="indefinite" restart="never" nodeType="tmRoot">
           <p:childTnLst>
             <p:seq>
-              <p:cTn id="8" nodeType="mainSeq"/>
+              <p:cTn id="2" nodeType="mainSeq"/>
               <p:prevCondLst>
-                <p:cond delay="0" evt="onPrev">
+                <p:cond evt="onPrev" delay="0">
                   <p:tgtEl>
                     <p:sldTgt/>
                   </p:tgtEl>
                 </p:cond>
               </p:prevCondLst>
               <p:nextCondLst>
-                <p:cond delay="0" evt="onNext">
+                <p:cond evt="onNext" delay="0">
                   <p:tgtEl>
                     <p:sldTgt/>
                   </p:tgtEl>
@@ -5123,8 +6290,8 @@
 </p:sld>
 </file>
 
-<file path=ppt/slides/slide5.xml><?xml version="1.0" encoding="utf-8"?>
-<p:sld xmlns:a="http://schemas.openxmlformats.org/drawingml/2006/main" xmlns:p="http://schemas.openxmlformats.org/presentationml/2006/main" xmlns:r="http://schemas.openxmlformats.org/officeDocument/2006/relationships" xmlns:p14="http://schemas.microsoft.com/office/powerpoint/2010/main" xmlns:p15="http://schemas.microsoft.com/office/powerpoint/2012/main" xmlns:mc="http://schemas.openxmlformats.org/markup-compatibility/2006">
+<file path=ppt/slides/slide7.xml><?xml version="1.0" encoding="utf-8"?>
+<p:sld xmlns:a="http://schemas.openxmlformats.org/drawingml/2006/main" xmlns:r="http://schemas.openxmlformats.org/officeDocument/2006/relationships" xmlns:p="http://schemas.openxmlformats.org/presentationml/2006/main">
   <p:cSld>
     <p:spTree>
       <p:nvGrpSpPr>
@@ -5142,7 +6309,7 @@
       </p:grpSpPr>
       <p:sp>
         <p:nvSpPr>
-          <p:cNvPr id="92" name="CustomShape 1"/>
+          <p:cNvPr id="96" name="CustomShape 1"/>
           <p:cNvSpPr/>
           <p:nvPr/>
         </p:nvSpPr>
@@ -5160,83 +6327,152 @@
           </a:ln>
         </p:spPr>
         <p:style>
-          <a:lnRef idx="0"/>
-          <a:fillRef idx="0"/>
-          <a:effectRef idx="0"/>
+          <a:lnRef idx="0">
+            <a:scrgbClr r="0" g="0" b="0"/>
+          </a:lnRef>
+          <a:fillRef idx="0">
+            <a:scrgbClr r="0" g="0" b="0"/>
+          </a:fillRef>
+          <a:effectRef idx="0">
+            <a:scrgbClr r="0" g="0" b="0"/>
+          </a:effectRef>
           <a:fontRef idx="minor"/>
         </p:style>
         <p:txBody>
-          <a:bodyPr lIns="0" rIns="0" tIns="0" bIns="0" anchor="b"/>
+          <a:bodyPr lIns="0" tIns="0" rIns="0" bIns="0" anchor="b"/>
+          <a:lstStyle/>
           <a:p>
             <a:r>
-              <a:rPr b="1" lang="fr-CH" sz="3200" spc="-1" strike="noStrike">
-                <a:solidFill>
-                  <a:srgbClr val="ffffff"/>
+              <a:rPr lang="fr-CH" sz="3200" b="1" strike="noStrike" spc="-1">
+                <a:solidFill>
+                  <a:srgbClr val="FFFFFF"/>
                 </a:solidFill>
                 <a:uFill>
                   <a:solidFill>
-                    <a:srgbClr val="ffffff"/>
+                    <a:srgbClr val="FFFFFF"/>
                   </a:solidFill>
                 </a:uFill>
                 <a:latin typeface="Source Sans Pro Black"/>
               </a:rPr>
               <a:t>Diagramme de classes</a:t>
             </a:r>
-            <a:endParaRPr b="0" lang="fr-CH" sz="3200" spc="-1" strike="noStrike">
-              <a:solidFill>
-                <a:srgbClr val="000000"/>
-              </a:solidFill>
-              <a:uFill>
-                <a:solidFill>
-                  <a:srgbClr val="ffffff"/>
-                </a:solidFill>
-              </a:uFill>
-              <a:latin typeface="Arial"/>
-            </a:endParaRPr>
-          </a:p>
-        </p:txBody>
-      </p:sp>
-      <p:pic>
-        <p:nvPicPr>
-          <p:cNvPr id="93" name="" descr=""/>
-          <p:cNvPicPr/>
+            <a:endParaRPr lang="fr-CH" sz="3200" b="0" strike="noStrike" spc="-1">
+              <a:solidFill>
+                <a:srgbClr val="000000"/>
+              </a:solidFill>
+              <a:uFill>
+                <a:solidFill>
+                  <a:srgbClr val="FFFFFF"/>
+                </a:solidFill>
+              </a:uFill>
+              <a:latin typeface="Arial"/>
+            </a:endParaRPr>
+          </a:p>
+        </p:txBody>
+      </p:sp>
+      <p:grpSp>
+        <p:nvGrpSpPr>
+          <p:cNvPr id="3" name="Groupe 2"/>
+          <p:cNvGrpSpPr/>
           <p:nvPr/>
-        </p:nvPicPr>
-        <p:blipFill>
-          <a:blip r:embed="rId1"/>
-          <a:stretch/>
-        </p:blipFill>
-        <p:spPr>
-          <a:xfrm>
-            <a:off x="648000" y="1584000"/>
-            <a:ext cx="8978400" cy="4896000"/>
-          </a:xfrm>
-          <a:prstGeom prst="rect">
-            <a:avLst/>
-          </a:prstGeom>
-          <a:ln>
-            <a:noFill/>
-          </a:ln>
-        </p:spPr>
-      </p:pic>
+        </p:nvGrpSpPr>
+        <p:grpSpPr>
+          <a:xfrm>
+            <a:off x="933024" y="2743200"/>
+            <a:ext cx="8406048" cy="2688803"/>
+            <a:chOff x="360000" y="2389632"/>
+            <a:chExt cx="9338430" cy="2987040"/>
+          </a:xfrm>
+        </p:grpSpPr>
+        <p:sp>
+          <p:nvSpPr>
+            <p:cNvPr id="6" name="Rectangle 5"/>
+            <p:cNvSpPr/>
+            <p:nvPr/>
+          </p:nvSpPr>
+          <p:spPr>
+            <a:xfrm>
+              <a:off x="360000" y="2414015"/>
+              <a:ext cx="9306988" cy="2924155"/>
+            </a:xfrm>
+            <a:prstGeom prst="rect">
+              <a:avLst/>
+            </a:prstGeom>
+            <a:solidFill>
+              <a:srgbClr val="7030A0"/>
+            </a:solidFill>
+          </p:spPr>
+          <p:style>
+            <a:lnRef idx="2">
+              <a:schemeClr val="accent1">
+                <a:shade val="50000"/>
+              </a:schemeClr>
+            </a:lnRef>
+            <a:fillRef idx="1">
+              <a:schemeClr val="accent1"/>
+            </a:fillRef>
+            <a:effectRef idx="0">
+              <a:schemeClr val="accent1"/>
+            </a:effectRef>
+            <a:fontRef idx="minor">
+              <a:schemeClr val="lt1"/>
+            </a:fontRef>
+          </p:style>
+          <p:txBody>
+            <a:bodyPr rtlCol="0" anchor="ctr"/>
+            <a:lstStyle/>
+            <a:p>
+              <a:pPr algn="ctr"/>
+              <a:endParaRPr lang="fr-CH"/>
+            </a:p>
+          </p:txBody>
+        </p:sp>
+        <p:pic>
+          <p:nvPicPr>
+            <p:cNvPr id="7" name="Image 6"/>
+            <p:cNvPicPr/>
+            <p:nvPr/>
+          </p:nvPicPr>
+          <p:blipFill rotWithShape="1">
+            <a:blip r:embed="rId2"/>
+            <a:srcRect l="2241" t="75846" r="58167" b="3262"/>
+            <a:stretch/>
+          </p:blipFill>
+          <p:spPr>
+            <a:xfrm>
+              <a:off x="360000" y="2389632"/>
+              <a:ext cx="9338430" cy="2987040"/>
+            </a:xfrm>
+            <a:prstGeom prst="rect">
+              <a:avLst/>
+            </a:prstGeom>
+            <a:ln>
+              <a:noFill/>
+            </a:ln>
+          </p:spPr>
+        </p:pic>
+      </p:grpSp>
     </p:spTree>
   </p:cSld>
+  <p:clrMapOvr>
+    <a:masterClrMapping/>
+  </p:clrMapOvr>
   <p:timing>
     <p:tnLst>
       <p:par>
-        <p:cTn id="9" dur="indefinite" restart="never" nodeType="tmRoot">
+        <p:cTn id="1" dur="indefinite" restart="never" nodeType="tmRoot">
           <p:childTnLst>
             <p:seq>
-              <p:cTn id="10" nodeType="mainSeq"/>
+              <p:cTn id="2" nodeType="mainSeq"/>
               <p:prevCondLst>
-                <p:cond delay="0" evt="onPrev">
+                <p:cond evt="onPrev" delay="0">
                   <p:tgtEl>
                     <p:sldTgt/>
                   </p:tgtEl>
                 </p:cond>
               </p:prevCondLst>
               <p:nextCondLst>
-                <p:cond delay="0" evt="onNext">
+                <p:cond evt="onNext" delay="0">
                   <p:tgtEl>
                     <p:sldTgt/>
                   </p:tgtEl>
@@ -5251,8 +6487,8 @@
 </p:sld>
 </file>
 
-<file path=ppt/slides/slide6.xml><?xml version="1.0" encoding="utf-8"?>
-<p:sld xmlns:a="http://schemas.openxmlformats.org/drawingml/2006/main" xmlns:p="http://schemas.openxmlformats.org/presentationml/2006/main" xmlns:r="http://schemas.openxmlformats.org/officeDocument/2006/relationships" xmlns:p14="http://schemas.microsoft.com/office/powerpoint/2010/main" xmlns:p15="http://schemas.microsoft.com/office/powerpoint/2012/main" xmlns:mc="http://schemas.openxmlformats.org/markup-compatibility/2006">
+<file path=ppt/slides/slide8.xml><?xml version="1.0" encoding="utf-8"?>
+<p:sld xmlns:a="http://schemas.openxmlformats.org/drawingml/2006/main" xmlns:r="http://schemas.openxmlformats.org/officeDocument/2006/relationships" xmlns:p="http://schemas.openxmlformats.org/presentationml/2006/main">
   <p:cSld>
     <p:spTree>
       <p:nvGrpSpPr>
@@ -5270,7 +6506,7 @@
       </p:grpSpPr>
       <p:sp>
         <p:nvSpPr>
-          <p:cNvPr id="94" name="CustomShape 1"/>
+          <p:cNvPr id="98" name="CustomShape 1"/>
           <p:cNvSpPr/>
           <p:nvPr/>
         </p:nvSpPr>
@@ -5288,35 +6524,42 @@
           </a:ln>
         </p:spPr>
         <p:style>
-          <a:lnRef idx="0"/>
-          <a:fillRef idx="0"/>
-          <a:effectRef idx="0"/>
+          <a:lnRef idx="0">
+            <a:scrgbClr r="0" g="0" b="0"/>
+          </a:lnRef>
+          <a:fillRef idx="0">
+            <a:scrgbClr r="0" g="0" b="0"/>
+          </a:fillRef>
+          <a:effectRef idx="0">
+            <a:scrgbClr r="0" g="0" b="0"/>
+          </a:effectRef>
           <a:fontRef idx="minor"/>
         </p:style>
         <p:txBody>
-          <a:bodyPr lIns="0" rIns="0" tIns="0" bIns="0" anchor="b"/>
+          <a:bodyPr lIns="0" tIns="0" rIns="0" bIns="0" anchor="b"/>
+          <a:lstStyle/>
           <a:p>
             <a:r>
-              <a:rPr b="1" lang="fr-CH" sz="3200" spc="-1" strike="noStrike">
-                <a:solidFill>
-                  <a:srgbClr val="ffffff"/>
+              <a:rPr lang="fr-CH" sz="3200" b="1" strike="noStrike" spc="-1">
+                <a:solidFill>
+                  <a:srgbClr val="FFFFFF"/>
                 </a:solidFill>
                 <a:uFill>
                   <a:solidFill>
-                    <a:srgbClr val="ffffff"/>
+                    <a:srgbClr val="FFFFFF"/>
                   </a:solidFill>
                 </a:uFill>
                 <a:latin typeface="Source Sans Pro Black"/>
               </a:rPr>
-              <a:t>Diagramme de classes</a:t>
+              <a:t>Démonstration</a:t>
             </a:r>
-            <a:endParaRPr b="0" lang="fr-CH" sz="3200" spc="-1" strike="noStrike">
-              <a:solidFill>
-                <a:srgbClr val="000000"/>
-              </a:solidFill>
-              <a:uFill>
-                <a:solidFill>
-                  <a:srgbClr val="ffffff"/>
+            <a:endParaRPr lang="fr-CH" sz="3200" b="0" strike="noStrike" spc="-1">
+              <a:solidFill>
+                <a:srgbClr val="000000"/>
+              </a:solidFill>
+              <a:uFill>
+                <a:solidFill>
+                  <a:srgbClr val="FFFFFF"/>
                 </a:solidFill>
               </a:uFill>
               <a:latin typeface="Arial"/>
@@ -5326,18 +6569,18 @@
       </p:sp>
       <p:pic>
         <p:nvPicPr>
-          <p:cNvPr id="95" name="" descr=""/>
+          <p:cNvPr id="99" name="Image 98"/>
           <p:cNvPicPr/>
           <p:nvPr/>
         </p:nvPicPr>
         <p:blipFill>
-          <a:blip r:embed="rId1"/>
+          <a:blip r:embed="rId2"/>
           <a:stretch/>
         </p:blipFill>
         <p:spPr>
           <a:xfrm>
-            <a:off x="1124640" y="1623960"/>
-            <a:ext cx="7657200" cy="4906080"/>
+            <a:off x="12240" y="1584000"/>
+            <a:ext cx="10068480" cy="5975640"/>
           </a:xfrm>
           <a:prstGeom prst="rect">
             <a:avLst/>
@@ -5349,278 +6592,25 @@
       </p:pic>
     </p:spTree>
   </p:cSld>
+  <p:clrMapOvr>
+    <a:masterClrMapping/>
+  </p:clrMapOvr>
   <p:timing>
     <p:tnLst>
       <p:par>
-        <p:cTn id="11" dur="indefinite" restart="never" nodeType="tmRoot">
+        <p:cTn id="1" dur="indefinite" restart="never" nodeType="tmRoot">
           <p:childTnLst>
             <p:seq>
-              <p:cTn id="12" nodeType="mainSeq"/>
+              <p:cTn id="2" nodeType="mainSeq"/>
               <p:prevCondLst>
-                <p:cond delay="0" evt="onPrev">
+                <p:cond evt="onPrev" delay="0">
                   <p:tgtEl>
                     <p:sldTgt/>
                   </p:tgtEl>
                 </p:cond>
               </p:prevCondLst>
               <p:nextCondLst>
-                <p:cond delay="0" evt="onNext">
-                  <p:tgtEl>
-                    <p:sldTgt/>
-                  </p:tgtEl>
-                </p:cond>
-              </p:nextCondLst>
-            </p:seq>
-          </p:childTnLst>
-        </p:cTn>
-      </p:par>
-    </p:tnLst>
-  </p:timing>
-</p:sld>
-</file>
-
-<file path=ppt/slides/slide7.xml><?xml version="1.0" encoding="utf-8"?>
-<p:sld xmlns:a="http://schemas.openxmlformats.org/drawingml/2006/main" xmlns:p="http://schemas.openxmlformats.org/presentationml/2006/main" xmlns:r="http://schemas.openxmlformats.org/officeDocument/2006/relationships" xmlns:p14="http://schemas.microsoft.com/office/powerpoint/2010/main" xmlns:p15="http://schemas.microsoft.com/office/powerpoint/2012/main" xmlns:mc="http://schemas.openxmlformats.org/markup-compatibility/2006">
-  <p:cSld>
-    <p:spTree>
-      <p:nvGrpSpPr>
-        <p:cNvPr id="1" name=""/>
-        <p:cNvGrpSpPr/>
-        <p:nvPr/>
-      </p:nvGrpSpPr>
-      <p:grpSpPr>
-        <a:xfrm>
-          <a:off x="0" y="0"/>
-          <a:ext cx="0" cy="0"/>
-          <a:chOff x="0" y="0"/>
-          <a:chExt cx="0" cy="0"/>
-        </a:xfrm>
-      </p:grpSpPr>
-      <p:sp>
-        <p:nvSpPr>
-          <p:cNvPr id="96" name="CustomShape 1"/>
-          <p:cNvSpPr/>
-          <p:nvPr/>
-        </p:nvSpPr>
-        <p:spPr>
-          <a:xfrm>
-            <a:off x="360000" y="360000"/>
-            <a:ext cx="9359640" cy="899640"/>
-          </a:xfrm>
-          <a:prstGeom prst="rect">
-            <a:avLst/>
-          </a:prstGeom>
-          <a:noFill/>
-          <a:ln>
-            <a:noFill/>
-          </a:ln>
-        </p:spPr>
-        <p:style>
-          <a:lnRef idx="0"/>
-          <a:fillRef idx="0"/>
-          <a:effectRef idx="0"/>
-          <a:fontRef idx="minor"/>
-        </p:style>
-        <p:txBody>
-          <a:bodyPr lIns="0" rIns="0" tIns="0" bIns="0" anchor="b"/>
-          <a:p>
-            <a:r>
-              <a:rPr b="1" lang="fr-CH" sz="3200" spc="-1" strike="noStrike">
-                <a:solidFill>
-                  <a:srgbClr val="ffffff"/>
-                </a:solidFill>
-                <a:uFill>
-                  <a:solidFill>
-                    <a:srgbClr val="ffffff"/>
-                  </a:solidFill>
-                </a:uFill>
-                <a:latin typeface="Source Sans Pro Black"/>
-              </a:rPr>
-              <a:t>Diagramme de classes</a:t>
-            </a:r>
-            <a:endParaRPr b="0" lang="fr-CH" sz="3200" spc="-1" strike="noStrike">
-              <a:solidFill>
-                <a:srgbClr val="000000"/>
-              </a:solidFill>
-              <a:uFill>
-                <a:solidFill>
-                  <a:srgbClr val="ffffff"/>
-                </a:solidFill>
-              </a:uFill>
-              <a:latin typeface="Arial"/>
-            </a:endParaRPr>
-          </a:p>
-        </p:txBody>
-      </p:sp>
-      <p:pic>
-        <p:nvPicPr>
-          <p:cNvPr id="97" name="" descr=""/>
-          <p:cNvPicPr/>
-          <p:nvPr/>
-        </p:nvPicPr>
-        <p:blipFill>
-          <a:blip r:embed="rId1"/>
-          <a:stretch/>
-        </p:blipFill>
-        <p:spPr>
-          <a:xfrm>
-            <a:off x="547920" y="2503800"/>
-            <a:ext cx="8609760" cy="2920320"/>
-          </a:xfrm>
-          <a:prstGeom prst="rect">
-            <a:avLst/>
-          </a:prstGeom>
-          <a:ln>
-            <a:noFill/>
-          </a:ln>
-        </p:spPr>
-      </p:pic>
-    </p:spTree>
-  </p:cSld>
-  <p:timing>
-    <p:tnLst>
-      <p:par>
-        <p:cTn id="13" dur="indefinite" restart="never" nodeType="tmRoot">
-          <p:childTnLst>
-            <p:seq>
-              <p:cTn id="14" nodeType="mainSeq"/>
-              <p:prevCondLst>
-                <p:cond delay="0" evt="onPrev">
-                  <p:tgtEl>
-                    <p:sldTgt/>
-                  </p:tgtEl>
-                </p:cond>
-              </p:prevCondLst>
-              <p:nextCondLst>
-                <p:cond delay="0" evt="onNext">
-                  <p:tgtEl>
-                    <p:sldTgt/>
-                  </p:tgtEl>
-                </p:cond>
-              </p:nextCondLst>
-            </p:seq>
-          </p:childTnLst>
-        </p:cTn>
-      </p:par>
-    </p:tnLst>
-  </p:timing>
-</p:sld>
-</file>
-
-<file path=ppt/slides/slide8.xml><?xml version="1.0" encoding="utf-8"?>
-<p:sld xmlns:a="http://schemas.openxmlformats.org/drawingml/2006/main" xmlns:p="http://schemas.openxmlformats.org/presentationml/2006/main" xmlns:r="http://schemas.openxmlformats.org/officeDocument/2006/relationships" xmlns:p14="http://schemas.microsoft.com/office/powerpoint/2010/main" xmlns:p15="http://schemas.microsoft.com/office/powerpoint/2012/main" xmlns:mc="http://schemas.openxmlformats.org/markup-compatibility/2006">
-  <p:cSld>
-    <p:spTree>
-      <p:nvGrpSpPr>
-        <p:cNvPr id="1" name=""/>
-        <p:cNvGrpSpPr/>
-        <p:nvPr/>
-      </p:nvGrpSpPr>
-      <p:grpSpPr>
-        <a:xfrm>
-          <a:off x="0" y="0"/>
-          <a:ext cx="0" cy="0"/>
-          <a:chOff x="0" y="0"/>
-          <a:chExt cx="0" cy="0"/>
-        </a:xfrm>
-      </p:grpSpPr>
-      <p:sp>
-        <p:nvSpPr>
-          <p:cNvPr id="98" name="CustomShape 1"/>
-          <p:cNvSpPr/>
-          <p:nvPr/>
-        </p:nvSpPr>
-        <p:spPr>
-          <a:xfrm>
-            <a:off x="360000" y="360000"/>
-            <a:ext cx="9359640" cy="899640"/>
-          </a:xfrm>
-          <a:prstGeom prst="rect">
-            <a:avLst/>
-          </a:prstGeom>
-          <a:noFill/>
-          <a:ln>
-            <a:noFill/>
-          </a:ln>
-        </p:spPr>
-        <p:style>
-          <a:lnRef idx="0"/>
-          <a:fillRef idx="0"/>
-          <a:effectRef idx="0"/>
-          <a:fontRef idx="minor"/>
-        </p:style>
-        <p:txBody>
-          <a:bodyPr lIns="0" rIns="0" tIns="0" bIns="0" anchor="b"/>
-          <a:p>
-            <a:r>
-              <a:rPr b="1" lang="fr-CH" sz="3200" spc="-1" strike="noStrike">
-                <a:solidFill>
-                  <a:srgbClr val="ffffff"/>
-                </a:solidFill>
-                <a:uFill>
-                  <a:solidFill>
-                    <a:srgbClr val="ffffff"/>
-                  </a:solidFill>
-                </a:uFill>
-                <a:latin typeface="Source Sans Pro Black"/>
-              </a:rPr>
-              <a:t>Démonstration</a:t>
-            </a:r>
-            <a:endParaRPr b="0" lang="fr-CH" sz="3200" spc="-1" strike="noStrike">
-              <a:solidFill>
-                <a:srgbClr val="000000"/>
-              </a:solidFill>
-              <a:uFill>
-                <a:solidFill>
-                  <a:srgbClr val="ffffff"/>
-                </a:solidFill>
-              </a:uFill>
-              <a:latin typeface="Arial"/>
-            </a:endParaRPr>
-          </a:p>
-        </p:txBody>
-      </p:sp>
-      <p:pic>
-        <p:nvPicPr>
-          <p:cNvPr id="99" name="" descr=""/>
-          <p:cNvPicPr/>
-          <p:nvPr/>
-        </p:nvPicPr>
-        <p:blipFill>
-          <a:blip r:embed="rId1"/>
-          <a:stretch/>
-        </p:blipFill>
-        <p:spPr>
-          <a:xfrm>
-            <a:off x="12240" y="1584000"/>
-            <a:ext cx="10068480" cy="5975640"/>
-          </a:xfrm>
-          <a:prstGeom prst="rect">
-            <a:avLst/>
-          </a:prstGeom>
-          <a:ln>
-            <a:noFill/>
-          </a:ln>
-        </p:spPr>
-      </p:pic>
-    </p:spTree>
-  </p:cSld>
-  <p:timing>
-    <p:tnLst>
-      <p:par>
-        <p:cTn id="15" dur="indefinite" restart="never" nodeType="tmRoot">
-          <p:childTnLst>
-            <p:seq>
-              <p:cTn id="16" nodeType="mainSeq"/>
-              <p:prevCondLst>
-                <p:cond delay="0" evt="onPrev">
-                  <p:tgtEl>
-                    <p:sldTgt/>
-                  </p:tgtEl>
-                </p:cond>
-              </p:prevCondLst>
-              <p:nextCondLst>
-                <p:cond delay="0" evt="onNext">
+                <p:cond evt="onNext" delay="0">
                   <p:tgtEl>
                     <p:sldTgt/>
                   </p:tgtEl>
@@ -5855,6 +6845,8 @@
       </a:bgFillStyleLst>
     </a:fmtScheme>
   </a:themeElements>
+  <a:objectDefaults/>
+  <a:extraClrSchemeLst/>
 </a:theme>
 </file>
 
@@ -6078,5 +7070,7 @@
       </a:bgFillStyleLst>
     </a:fmtScheme>
   </a:themeElements>
+  <a:objectDefaults/>
+  <a:extraClrSchemeLst/>
 </a:theme>
 </file>
--- a/presentation/core.pptx
+++ b/presentation/core.pptx
@@ -1,122 +1,27 @@
 
 <file path=ppt/presentation.xml><?xml version="1.0" encoding="utf-8"?>
-<p:presentation xmlns:a="http://schemas.openxmlformats.org/drawingml/2006/main" xmlns:r="http://schemas.openxmlformats.org/officeDocument/2006/relationships" xmlns:p="http://schemas.openxmlformats.org/presentationml/2006/main">
+<p:presentation xmlns:a="http://schemas.openxmlformats.org/drawingml/2006/main" xmlns:p="http://schemas.openxmlformats.org/presentationml/2006/main" xmlns:r="http://schemas.openxmlformats.org/officeDocument/2006/relationships" xmlns:p14="http://schemas.microsoft.com/office/powerpoint/2010/main" xmlns:p15="http://schemas.microsoft.com/office/powerpoint/2012/main" xmlns:mc="http://schemas.openxmlformats.org/markup-compatibility/2006">
   <p:sldMasterIdLst>
-    <p:sldMasterId id="2147483648" r:id="rId1"/>
-    <p:sldMasterId id="2147483661" r:id="rId2"/>
+    <p:sldMasterId id="2147483648" r:id="rId2"/>
+    <p:sldMasterId id="2147483661" r:id="rId3"/>
   </p:sldMasterIdLst>
   <p:sldIdLst>
-    <p:sldId id="256" r:id="rId3"/>
-    <p:sldId id="257" r:id="rId4"/>
-    <p:sldId id="258" r:id="rId5"/>
-    <p:sldId id="259" r:id="rId6"/>
-    <p:sldId id="260" r:id="rId7"/>
-    <p:sldId id="261" r:id="rId8"/>
-    <p:sldId id="262" r:id="rId9"/>
-    <p:sldId id="263" r:id="rId10"/>
+    <p:sldId id="256" r:id="rId4"/>
+    <p:sldId id="257" r:id="rId5"/>
+    <p:sldId id="258" r:id="rId6"/>
+    <p:sldId id="259" r:id="rId7"/>
+    <p:sldId id="260" r:id="rId8"/>
+    <p:sldId id="261" r:id="rId9"/>
+    <p:sldId id="262" r:id="rId10"/>
+    <p:sldId id="263" r:id="rId11"/>
   </p:sldIdLst>
   <p:sldSz cx="10080625" cy="7559675"/>
   <p:notesSz cx="7772400" cy="10058400"/>
-  <p:defaultTextStyle>
-    <a:defPPr>
-      <a:defRPr lang="fr-FR"/>
-    </a:defPPr>
-    <a:lvl1pPr marL="0" algn="l" defTabSz="914400" rtl="0" eaLnBrk="1" latinLnBrk="0" hangingPunct="1">
-      <a:defRPr sz="1800" kern="1200">
-        <a:solidFill>
-          <a:schemeClr val="tx1"/>
-        </a:solidFill>
-        <a:latin typeface="+mn-lt"/>
-        <a:ea typeface="+mn-ea"/>
-        <a:cs typeface="+mn-cs"/>
-      </a:defRPr>
-    </a:lvl1pPr>
-    <a:lvl2pPr marL="457200" algn="l" defTabSz="914400" rtl="0" eaLnBrk="1" latinLnBrk="0" hangingPunct="1">
-      <a:defRPr sz="1800" kern="1200">
-        <a:solidFill>
-          <a:schemeClr val="tx1"/>
-        </a:solidFill>
-        <a:latin typeface="+mn-lt"/>
-        <a:ea typeface="+mn-ea"/>
-        <a:cs typeface="+mn-cs"/>
-      </a:defRPr>
-    </a:lvl2pPr>
-    <a:lvl3pPr marL="914400" algn="l" defTabSz="914400" rtl="0" eaLnBrk="1" latinLnBrk="0" hangingPunct="1">
-      <a:defRPr sz="1800" kern="1200">
-        <a:solidFill>
-          <a:schemeClr val="tx1"/>
-        </a:solidFill>
-        <a:latin typeface="+mn-lt"/>
-        <a:ea typeface="+mn-ea"/>
-        <a:cs typeface="+mn-cs"/>
-      </a:defRPr>
-    </a:lvl3pPr>
-    <a:lvl4pPr marL="1371600" algn="l" defTabSz="914400" rtl="0" eaLnBrk="1" latinLnBrk="0" hangingPunct="1">
-      <a:defRPr sz="1800" kern="1200">
-        <a:solidFill>
-          <a:schemeClr val="tx1"/>
-        </a:solidFill>
-        <a:latin typeface="+mn-lt"/>
-        <a:ea typeface="+mn-ea"/>
-        <a:cs typeface="+mn-cs"/>
-      </a:defRPr>
-    </a:lvl4pPr>
-    <a:lvl5pPr marL="1828800" algn="l" defTabSz="914400" rtl="0" eaLnBrk="1" latinLnBrk="0" hangingPunct="1">
-      <a:defRPr sz="1800" kern="1200">
-        <a:solidFill>
-          <a:schemeClr val="tx1"/>
-        </a:solidFill>
-        <a:latin typeface="+mn-lt"/>
-        <a:ea typeface="+mn-ea"/>
-        <a:cs typeface="+mn-cs"/>
-      </a:defRPr>
-    </a:lvl5pPr>
-    <a:lvl6pPr marL="2286000" algn="l" defTabSz="914400" rtl="0" eaLnBrk="1" latinLnBrk="0" hangingPunct="1">
-      <a:defRPr sz="1800" kern="1200">
-        <a:solidFill>
-          <a:schemeClr val="tx1"/>
-        </a:solidFill>
-        <a:latin typeface="+mn-lt"/>
-        <a:ea typeface="+mn-ea"/>
-        <a:cs typeface="+mn-cs"/>
-      </a:defRPr>
-    </a:lvl6pPr>
-    <a:lvl7pPr marL="2743200" algn="l" defTabSz="914400" rtl="0" eaLnBrk="1" latinLnBrk="0" hangingPunct="1">
-      <a:defRPr sz="1800" kern="1200">
-        <a:solidFill>
-          <a:schemeClr val="tx1"/>
-        </a:solidFill>
-        <a:latin typeface="+mn-lt"/>
-        <a:ea typeface="+mn-ea"/>
-        <a:cs typeface="+mn-cs"/>
-      </a:defRPr>
-    </a:lvl7pPr>
-    <a:lvl8pPr marL="3200400" algn="l" defTabSz="914400" rtl="0" eaLnBrk="1" latinLnBrk="0" hangingPunct="1">
-      <a:defRPr sz="1800" kern="1200">
-        <a:solidFill>
-          <a:schemeClr val="tx1"/>
-        </a:solidFill>
-        <a:latin typeface="+mn-lt"/>
-        <a:ea typeface="+mn-ea"/>
-        <a:cs typeface="+mn-cs"/>
-      </a:defRPr>
-    </a:lvl8pPr>
-    <a:lvl9pPr marL="3657600" algn="l" defTabSz="914400" rtl="0" eaLnBrk="1" latinLnBrk="0" hangingPunct="1">
-      <a:defRPr sz="1800" kern="1200">
-        <a:solidFill>
-          <a:schemeClr val="tx1"/>
-        </a:solidFill>
-        <a:latin typeface="+mn-lt"/>
-        <a:ea typeface="+mn-ea"/>
-        <a:cs typeface="+mn-cs"/>
-      </a:defRPr>
-    </a:lvl9pPr>
-  </p:defaultTextStyle>
 </p:presentation>
 </file>
 
 <file path=ppt/slideLayouts/slideLayout1.xml><?xml version="1.0" encoding="utf-8"?>
-<p:sldLayout xmlns:a="http://schemas.openxmlformats.org/drawingml/2006/main" xmlns:r="http://schemas.openxmlformats.org/officeDocument/2006/relationships" xmlns:p="http://schemas.openxmlformats.org/presentationml/2006/main" type="blank" preserve="1">
+<p:sldLayout xmlns:a="http://schemas.openxmlformats.org/drawingml/2006/main" xmlns:p="http://schemas.openxmlformats.org/presentationml/2006/main" xmlns:r="http://schemas.openxmlformats.org/officeDocument/2006/relationships" xmlns:p14="http://schemas.microsoft.com/office/powerpoint/2010/main" xmlns:p15="http://schemas.microsoft.com/office/powerpoint/2012/main" xmlns:mc="http://schemas.openxmlformats.org/markup-compatibility/2006" type="blank" preserve="1">
   <p:cSld name="Blank Slide">
     <p:spTree>
       <p:nvGrpSpPr>
@@ -134,14 +39,11 @@
       </p:grpSpPr>
     </p:spTree>
   </p:cSld>
-  <p:clrMapOvr>
-    <a:masterClrMapping/>
-  </p:clrMapOvr>
 </p:sldLayout>
 </file>
 
 <file path=ppt/slideLayouts/slideLayout10.xml><?xml version="1.0" encoding="utf-8"?>
-<p:sldLayout xmlns:a="http://schemas.openxmlformats.org/drawingml/2006/main" xmlns:r="http://schemas.openxmlformats.org/officeDocument/2006/relationships" xmlns:p="http://schemas.openxmlformats.org/presentationml/2006/main" type="objOverTx" preserve="1">
+<p:sldLayout xmlns:a="http://schemas.openxmlformats.org/drawingml/2006/main" xmlns:p="http://schemas.openxmlformats.org/presentationml/2006/main" xmlns:r="http://schemas.openxmlformats.org/officeDocument/2006/relationships" xmlns:p14="http://schemas.microsoft.com/office/powerpoint/2010/main" xmlns:p15="http://schemas.microsoft.com/office/powerpoint/2012/main" xmlns:mc="http://schemas.openxmlformats.org/markup-compatibility/2006" type="objOverTx" preserve="1">
   <p:cSld name="Title, Content over Content">
     <p:spTree>
       <p:nvGrpSpPr>
@@ -169,25 +71,23 @@
         </p:nvSpPr>
         <p:spPr>
           <a:xfrm>
-            <a:off x="360000" y="360000"/>
-            <a:ext cx="9359640" cy="899640"/>
-          </a:xfrm>
-          <a:prstGeom prst="rect">
-            <a:avLst/>
-          </a:prstGeom>
-        </p:spPr>
-        <p:txBody>
-          <a:bodyPr lIns="0" tIns="0" rIns="0" bIns="0" anchor="ctr"/>
-          <a:lstStyle/>
-          <a:p>
-            <a:pPr algn="ctr"/>
-            <a:endParaRPr lang="fr-CH" sz="4400" b="0" strike="noStrike" spc="-1">
-              <a:solidFill>
-                <a:srgbClr val="000000"/>
-              </a:solidFill>
-              <a:uFill>
-                <a:solidFill>
-                  <a:srgbClr val="FFFFFF"/>
+            <a:off x="504000" y="301320"/>
+            <a:ext cx="9072000" cy="1261800"/>
+          </a:xfrm>
+          <a:prstGeom prst="rect">
+            <a:avLst/>
+          </a:prstGeom>
+        </p:spPr>
+        <p:txBody>
+          <a:bodyPr lIns="0" rIns="0" tIns="0" bIns="0" anchor="ctr"/>
+          <a:p>
+            <a:endParaRPr b="0" lang="fr-FR" sz="1800" spc="-1" strike="noStrike">
+              <a:solidFill>
+                <a:srgbClr val="000000"/>
+              </a:solidFill>
+              <a:uFill>
+                <a:solidFill>
+                  <a:srgbClr val="ffffff"/>
                 </a:solidFill>
               </a:uFill>
               <a:latin typeface="Arial"/>
@@ -207,26 +107,25 @@
         </p:nvSpPr>
         <p:spPr>
           <a:xfrm>
-            <a:off x="360000" y="1980000"/>
-            <a:ext cx="9179640" cy="2232000"/>
-          </a:xfrm>
-          <a:prstGeom prst="rect">
-            <a:avLst/>
-          </a:prstGeom>
-        </p:spPr>
-        <p:txBody>
-          <a:bodyPr lIns="0" tIns="0" rIns="0" bIns="0">
+            <a:off x="504000" y="1768680"/>
+            <a:ext cx="9072000" cy="2090880"/>
+          </a:xfrm>
+          <a:prstGeom prst="rect">
+            <a:avLst/>
+          </a:prstGeom>
+        </p:spPr>
+        <p:txBody>
+          <a:bodyPr lIns="0" rIns="0" tIns="0" bIns="0">
             <a:normAutofit/>
           </a:bodyPr>
-          <a:lstStyle/>
-          <a:p>
-            <a:endParaRPr lang="fr-CH" sz="3200" b="0" strike="noStrike" spc="-1">
-              <a:solidFill>
-                <a:srgbClr val="000000"/>
-              </a:solidFill>
-              <a:uFill>
-                <a:solidFill>
-                  <a:srgbClr val="FFFFFF"/>
+          <a:p>
+            <a:endParaRPr b="0" lang="fr-FR" sz="2800" spc="-1" strike="noStrike">
+              <a:solidFill>
+                <a:srgbClr val="000000"/>
+              </a:solidFill>
+              <a:uFill>
+                <a:solidFill>
+                  <a:srgbClr val="ffffff"/>
                 </a:solidFill>
               </a:uFill>
               <a:latin typeface="Arial"/>
@@ -246,26 +145,25 @@
         </p:nvSpPr>
         <p:spPr>
           <a:xfrm>
-            <a:off x="360000" y="4424400"/>
-            <a:ext cx="9179640" cy="2232000"/>
-          </a:xfrm>
-          <a:prstGeom prst="rect">
-            <a:avLst/>
-          </a:prstGeom>
-        </p:spPr>
-        <p:txBody>
-          <a:bodyPr lIns="0" tIns="0" rIns="0" bIns="0">
+            <a:off x="504000" y="4058640"/>
+            <a:ext cx="9072000" cy="2090880"/>
+          </a:xfrm>
+          <a:prstGeom prst="rect">
+            <a:avLst/>
+          </a:prstGeom>
+        </p:spPr>
+        <p:txBody>
+          <a:bodyPr lIns="0" rIns="0" tIns="0" bIns="0">
             <a:normAutofit/>
           </a:bodyPr>
-          <a:lstStyle/>
-          <a:p>
-            <a:endParaRPr lang="fr-CH" sz="3200" b="0" strike="noStrike" spc="-1">
-              <a:solidFill>
-                <a:srgbClr val="000000"/>
-              </a:solidFill>
-              <a:uFill>
-                <a:solidFill>
-                  <a:srgbClr val="FFFFFF"/>
+          <a:p>
+            <a:endParaRPr b="0" lang="fr-FR" sz="2800" spc="-1" strike="noStrike">
+              <a:solidFill>
+                <a:srgbClr val="000000"/>
+              </a:solidFill>
+              <a:uFill>
+                <a:solidFill>
+                  <a:srgbClr val="ffffff"/>
                 </a:solidFill>
               </a:uFill>
               <a:latin typeface="Arial"/>
@@ -275,14 +173,11 @@
       </p:sp>
     </p:spTree>
   </p:cSld>
-  <p:clrMapOvr>
-    <a:masterClrMapping/>
-  </p:clrMapOvr>
 </p:sldLayout>
 </file>
 
 <file path=ppt/slideLayouts/slideLayout11.xml><?xml version="1.0" encoding="utf-8"?>
-<p:sldLayout xmlns:a="http://schemas.openxmlformats.org/drawingml/2006/main" xmlns:r="http://schemas.openxmlformats.org/officeDocument/2006/relationships" xmlns:p="http://schemas.openxmlformats.org/presentationml/2006/main" type="fourObj" preserve="1">
+<p:sldLayout xmlns:a="http://schemas.openxmlformats.org/drawingml/2006/main" xmlns:p="http://schemas.openxmlformats.org/presentationml/2006/main" xmlns:r="http://schemas.openxmlformats.org/officeDocument/2006/relationships" xmlns:p14="http://schemas.microsoft.com/office/powerpoint/2010/main" xmlns:p15="http://schemas.microsoft.com/office/powerpoint/2012/main" xmlns:mc="http://schemas.openxmlformats.org/markup-compatibility/2006" type="fourObj" preserve="1">
   <p:cSld name="Title, 4 Content">
     <p:spTree>
       <p:nvGrpSpPr>
@@ -310,25 +205,23 @@
         </p:nvSpPr>
         <p:spPr>
           <a:xfrm>
-            <a:off x="360000" y="360000"/>
-            <a:ext cx="9359640" cy="899640"/>
-          </a:xfrm>
-          <a:prstGeom prst="rect">
-            <a:avLst/>
-          </a:prstGeom>
-        </p:spPr>
-        <p:txBody>
-          <a:bodyPr lIns="0" tIns="0" rIns="0" bIns="0" anchor="ctr"/>
-          <a:lstStyle/>
-          <a:p>
-            <a:pPr algn="ctr"/>
-            <a:endParaRPr lang="fr-CH" sz="4400" b="0" strike="noStrike" spc="-1">
-              <a:solidFill>
-                <a:srgbClr val="000000"/>
-              </a:solidFill>
-              <a:uFill>
-                <a:solidFill>
-                  <a:srgbClr val="FFFFFF"/>
+            <a:off x="504000" y="301320"/>
+            <a:ext cx="9072000" cy="1261800"/>
+          </a:xfrm>
+          <a:prstGeom prst="rect">
+            <a:avLst/>
+          </a:prstGeom>
+        </p:spPr>
+        <p:txBody>
+          <a:bodyPr lIns="0" rIns="0" tIns="0" bIns="0" anchor="ctr"/>
+          <a:p>
+            <a:endParaRPr b="0" lang="fr-FR" sz="1800" spc="-1" strike="noStrike">
+              <a:solidFill>
+                <a:srgbClr val="000000"/>
+              </a:solidFill>
+              <a:uFill>
+                <a:solidFill>
+                  <a:srgbClr val="ffffff"/>
                 </a:solidFill>
               </a:uFill>
               <a:latin typeface="Arial"/>
@@ -348,26 +241,25 @@
         </p:nvSpPr>
         <p:spPr>
           <a:xfrm>
-            <a:off x="360000" y="1980000"/>
-            <a:ext cx="4479480" cy="2232000"/>
-          </a:xfrm>
-          <a:prstGeom prst="rect">
-            <a:avLst/>
-          </a:prstGeom>
-        </p:spPr>
-        <p:txBody>
-          <a:bodyPr lIns="0" tIns="0" rIns="0" bIns="0">
+            <a:off x="504000" y="1768680"/>
+            <a:ext cx="4426920" cy="2090880"/>
+          </a:xfrm>
+          <a:prstGeom prst="rect">
+            <a:avLst/>
+          </a:prstGeom>
+        </p:spPr>
+        <p:txBody>
+          <a:bodyPr lIns="0" rIns="0" tIns="0" bIns="0">
             <a:normAutofit/>
           </a:bodyPr>
-          <a:lstStyle/>
-          <a:p>
-            <a:endParaRPr lang="fr-CH" sz="3200" b="0" strike="noStrike" spc="-1">
-              <a:solidFill>
-                <a:srgbClr val="000000"/>
-              </a:solidFill>
-              <a:uFill>
-                <a:solidFill>
-                  <a:srgbClr val="FFFFFF"/>
+          <a:p>
+            <a:endParaRPr b="0" lang="fr-FR" sz="2800" spc="-1" strike="noStrike">
+              <a:solidFill>
+                <a:srgbClr val="000000"/>
+              </a:solidFill>
+              <a:uFill>
+                <a:solidFill>
+                  <a:srgbClr val="ffffff"/>
                 </a:solidFill>
               </a:uFill>
               <a:latin typeface="Arial"/>
@@ -387,26 +279,25 @@
         </p:nvSpPr>
         <p:spPr>
           <a:xfrm>
-            <a:off x="5063760" y="1980000"/>
-            <a:ext cx="4479480" cy="2232000"/>
-          </a:xfrm>
-          <a:prstGeom prst="rect">
-            <a:avLst/>
-          </a:prstGeom>
-        </p:spPr>
-        <p:txBody>
-          <a:bodyPr lIns="0" tIns="0" rIns="0" bIns="0">
+            <a:off x="5152680" y="1768680"/>
+            <a:ext cx="4426920" cy="2090880"/>
+          </a:xfrm>
+          <a:prstGeom prst="rect">
+            <a:avLst/>
+          </a:prstGeom>
+        </p:spPr>
+        <p:txBody>
+          <a:bodyPr lIns="0" rIns="0" tIns="0" bIns="0">
             <a:normAutofit/>
           </a:bodyPr>
-          <a:lstStyle/>
-          <a:p>
-            <a:endParaRPr lang="fr-CH" sz="3200" b="0" strike="noStrike" spc="-1">
-              <a:solidFill>
-                <a:srgbClr val="000000"/>
-              </a:solidFill>
-              <a:uFill>
-                <a:solidFill>
-                  <a:srgbClr val="FFFFFF"/>
+          <a:p>
+            <a:endParaRPr b="0" lang="fr-FR" sz="2800" spc="-1" strike="noStrike">
+              <a:solidFill>
+                <a:srgbClr val="000000"/>
+              </a:solidFill>
+              <a:uFill>
+                <a:solidFill>
+                  <a:srgbClr val="ffffff"/>
                 </a:solidFill>
               </a:uFill>
               <a:latin typeface="Arial"/>
@@ -426,26 +317,25 @@
         </p:nvSpPr>
         <p:spPr>
           <a:xfrm>
-            <a:off x="5063760" y="4424400"/>
-            <a:ext cx="4479480" cy="2232000"/>
-          </a:xfrm>
-          <a:prstGeom prst="rect">
-            <a:avLst/>
-          </a:prstGeom>
-        </p:spPr>
-        <p:txBody>
-          <a:bodyPr lIns="0" tIns="0" rIns="0" bIns="0">
+            <a:off x="5152680" y="4058640"/>
+            <a:ext cx="4426920" cy="2090880"/>
+          </a:xfrm>
+          <a:prstGeom prst="rect">
+            <a:avLst/>
+          </a:prstGeom>
+        </p:spPr>
+        <p:txBody>
+          <a:bodyPr lIns="0" rIns="0" tIns="0" bIns="0">
             <a:normAutofit/>
           </a:bodyPr>
-          <a:lstStyle/>
-          <a:p>
-            <a:endParaRPr lang="fr-CH" sz="3200" b="0" strike="noStrike" spc="-1">
-              <a:solidFill>
-                <a:srgbClr val="000000"/>
-              </a:solidFill>
-              <a:uFill>
-                <a:solidFill>
-                  <a:srgbClr val="FFFFFF"/>
+          <a:p>
+            <a:endParaRPr b="0" lang="fr-FR" sz="2800" spc="-1" strike="noStrike">
+              <a:solidFill>
+                <a:srgbClr val="000000"/>
+              </a:solidFill>
+              <a:uFill>
+                <a:solidFill>
+                  <a:srgbClr val="ffffff"/>
                 </a:solidFill>
               </a:uFill>
               <a:latin typeface="Arial"/>
@@ -465,26 +355,25 @@
         </p:nvSpPr>
         <p:spPr>
           <a:xfrm>
-            <a:off x="360000" y="4424400"/>
-            <a:ext cx="4479480" cy="2232000"/>
-          </a:xfrm>
-          <a:prstGeom prst="rect">
-            <a:avLst/>
-          </a:prstGeom>
-        </p:spPr>
-        <p:txBody>
-          <a:bodyPr lIns="0" tIns="0" rIns="0" bIns="0">
+            <a:off x="504000" y="4058640"/>
+            <a:ext cx="4426920" cy="2090880"/>
+          </a:xfrm>
+          <a:prstGeom prst="rect">
+            <a:avLst/>
+          </a:prstGeom>
+        </p:spPr>
+        <p:txBody>
+          <a:bodyPr lIns="0" rIns="0" tIns="0" bIns="0">
             <a:normAutofit/>
           </a:bodyPr>
-          <a:lstStyle/>
-          <a:p>
-            <a:endParaRPr lang="fr-CH" sz="3200" b="0" strike="noStrike" spc="-1">
-              <a:solidFill>
-                <a:srgbClr val="000000"/>
-              </a:solidFill>
-              <a:uFill>
-                <a:solidFill>
-                  <a:srgbClr val="FFFFFF"/>
+          <a:p>
+            <a:endParaRPr b="0" lang="fr-FR" sz="2800" spc="-1" strike="noStrike">
+              <a:solidFill>
+                <a:srgbClr val="000000"/>
+              </a:solidFill>
+              <a:uFill>
+                <a:solidFill>
+                  <a:srgbClr val="ffffff"/>
                 </a:solidFill>
               </a:uFill>
               <a:latin typeface="Arial"/>
@@ -494,14 +383,11 @@
       </p:sp>
     </p:spTree>
   </p:cSld>
-  <p:clrMapOvr>
-    <a:masterClrMapping/>
-  </p:clrMapOvr>
 </p:sldLayout>
 </file>
 
 <file path=ppt/slideLayouts/slideLayout12.xml><?xml version="1.0" encoding="utf-8"?>
-<p:sldLayout xmlns:a="http://schemas.openxmlformats.org/drawingml/2006/main" xmlns:r="http://schemas.openxmlformats.org/officeDocument/2006/relationships" xmlns:p="http://schemas.openxmlformats.org/presentationml/2006/main" type="blank" preserve="1">
+<p:sldLayout xmlns:a="http://schemas.openxmlformats.org/drawingml/2006/main" xmlns:p="http://schemas.openxmlformats.org/presentationml/2006/main" xmlns:r="http://schemas.openxmlformats.org/officeDocument/2006/relationships" xmlns:p14="http://schemas.microsoft.com/office/powerpoint/2010/main" xmlns:p15="http://schemas.microsoft.com/office/powerpoint/2012/main" xmlns:mc="http://schemas.openxmlformats.org/markup-compatibility/2006" type="blank" preserve="1">
   <p:cSld name="Title, 6 Content">
     <p:spTree>
       <p:nvGrpSpPr>
@@ -529,25 +415,23 @@
         </p:nvSpPr>
         <p:spPr>
           <a:xfrm>
-            <a:off x="360000" y="360000"/>
-            <a:ext cx="9359640" cy="899640"/>
-          </a:xfrm>
-          <a:prstGeom prst="rect">
-            <a:avLst/>
-          </a:prstGeom>
-        </p:spPr>
-        <p:txBody>
-          <a:bodyPr lIns="0" tIns="0" rIns="0" bIns="0" anchor="ctr"/>
-          <a:lstStyle/>
-          <a:p>
-            <a:pPr algn="ctr"/>
-            <a:endParaRPr lang="fr-CH" sz="4400" b="0" strike="noStrike" spc="-1">
-              <a:solidFill>
-                <a:srgbClr val="000000"/>
-              </a:solidFill>
-              <a:uFill>
-                <a:solidFill>
-                  <a:srgbClr val="FFFFFF"/>
+            <a:off x="504000" y="301320"/>
+            <a:ext cx="9072000" cy="1261800"/>
+          </a:xfrm>
+          <a:prstGeom prst="rect">
+            <a:avLst/>
+          </a:prstGeom>
+        </p:spPr>
+        <p:txBody>
+          <a:bodyPr lIns="0" rIns="0" tIns="0" bIns="0" anchor="ctr"/>
+          <a:p>
+            <a:endParaRPr b="0" lang="fr-FR" sz="1800" spc="-1" strike="noStrike">
+              <a:solidFill>
+                <a:srgbClr val="000000"/>
+              </a:solidFill>
+              <a:uFill>
+                <a:solidFill>
+                  <a:srgbClr val="ffffff"/>
                 </a:solidFill>
               </a:uFill>
               <a:latin typeface="Arial"/>
@@ -567,26 +451,25 @@
         </p:nvSpPr>
         <p:spPr>
           <a:xfrm>
-            <a:off x="360000" y="1980000"/>
-            <a:ext cx="2955600" cy="2232000"/>
-          </a:xfrm>
-          <a:prstGeom prst="rect">
-            <a:avLst/>
-          </a:prstGeom>
-        </p:spPr>
-        <p:txBody>
-          <a:bodyPr lIns="0" tIns="0" rIns="0" bIns="0">
+            <a:off x="504000" y="1768680"/>
+            <a:ext cx="2921040" cy="2090880"/>
+          </a:xfrm>
+          <a:prstGeom prst="rect">
+            <a:avLst/>
+          </a:prstGeom>
+        </p:spPr>
+        <p:txBody>
+          <a:bodyPr lIns="0" rIns="0" tIns="0" bIns="0">
             <a:normAutofit/>
           </a:bodyPr>
-          <a:lstStyle/>
-          <a:p>
-            <a:endParaRPr lang="fr-CH" sz="3200" b="0" strike="noStrike" spc="-1">
-              <a:solidFill>
-                <a:srgbClr val="000000"/>
-              </a:solidFill>
-              <a:uFill>
-                <a:solidFill>
-                  <a:srgbClr val="FFFFFF"/>
+          <a:p>
+            <a:endParaRPr b="0" lang="fr-FR" sz="2800" spc="-1" strike="noStrike">
+              <a:solidFill>
+                <a:srgbClr val="000000"/>
+              </a:solidFill>
+              <a:uFill>
+                <a:solidFill>
+                  <a:srgbClr val="ffffff"/>
                 </a:solidFill>
               </a:uFill>
               <a:latin typeface="Arial"/>
@@ -606,26 +489,25 @@
         </p:nvSpPr>
         <p:spPr>
           <a:xfrm>
-            <a:off x="3463920" y="1980000"/>
-            <a:ext cx="2955600" cy="2232000"/>
-          </a:xfrm>
-          <a:prstGeom prst="rect">
-            <a:avLst/>
-          </a:prstGeom>
-        </p:spPr>
-        <p:txBody>
-          <a:bodyPr lIns="0" tIns="0" rIns="0" bIns="0">
+            <a:off x="3571560" y="1768680"/>
+            <a:ext cx="2921040" cy="2090880"/>
+          </a:xfrm>
+          <a:prstGeom prst="rect">
+            <a:avLst/>
+          </a:prstGeom>
+        </p:spPr>
+        <p:txBody>
+          <a:bodyPr lIns="0" rIns="0" tIns="0" bIns="0">
             <a:normAutofit/>
           </a:bodyPr>
-          <a:lstStyle/>
-          <a:p>
-            <a:endParaRPr lang="fr-CH" sz="3200" b="0" strike="noStrike" spc="-1">
-              <a:solidFill>
-                <a:srgbClr val="000000"/>
-              </a:solidFill>
-              <a:uFill>
-                <a:solidFill>
-                  <a:srgbClr val="FFFFFF"/>
+          <a:p>
+            <a:endParaRPr b="0" lang="fr-FR" sz="2800" spc="-1" strike="noStrike">
+              <a:solidFill>
+                <a:srgbClr val="000000"/>
+              </a:solidFill>
+              <a:uFill>
+                <a:solidFill>
+                  <a:srgbClr val="ffffff"/>
                 </a:solidFill>
               </a:uFill>
               <a:latin typeface="Arial"/>
@@ -645,26 +527,25 @@
         </p:nvSpPr>
         <p:spPr>
           <a:xfrm>
-            <a:off x="6567480" y="1980000"/>
-            <a:ext cx="2955600" cy="2232000"/>
-          </a:xfrm>
-          <a:prstGeom prst="rect">
-            <a:avLst/>
-          </a:prstGeom>
-        </p:spPr>
-        <p:txBody>
-          <a:bodyPr lIns="0" tIns="0" rIns="0" bIns="0">
+            <a:off x="6639120" y="1768680"/>
+            <a:ext cx="2921040" cy="2090880"/>
+          </a:xfrm>
+          <a:prstGeom prst="rect">
+            <a:avLst/>
+          </a:prstGeom>
+        </p:spPr>
+        <p:txBody>
+          <a:bodyPr lIns="0" rIns="0" tIns="0" bIns="0">
             <a:normAutofit/>
           </a:bodyPr>
-          <a:lstStyle/>
-          <a:p>
-            <a:endParaRPr lang="fr-CH" sz="3200" b="0" strike="noStrike" spc="-1">
-              <a:solidFill>
-                <a:srgbClr val="000000"/>
-              </a:solidFill>
-              <a:uFill>
-                <a:solidFill>
-                  <a:srgbClr val="FFFFFF"/>
+          <a:p>
+            <a:endParaRPr b="0" lang="fr-FR" sz="2800" spc="-1" strike="noStrike">
+              <a:solidFill>
+                <a:srgbClr val="000000"/>
+              </a:solidFill>
+              <a:uFill>
+                <a:solidFill>
+                  <a:srgbClr val="ffffff"/>
                 </a:solidFill>
               </a:uFill>
               <a:latin typeface="Arial"/>
@@ -684,26 +565,25 @@
         </p:nvSpPr>
         <p:spPr>
           <a:xfrm>
-            <a:off x="6567480" y="4424400"/>
-            <a:ext cx="2955600" cy="2232000"/>
-          </a:xfrm>
-          <a:prstGeom prst="rect">
-            <a:avLst/>
-          </a:prstGeom>
-        </p:spPr>
-        <p:txBody>
-          <a:bodyPr lIns="0" tIns="0" rIns="0" bIns="0">
+            <a:off x="6639120" y="4058640"/>
+            <a:ext cx="2921040" cy="2090880"/>
+          </a:xfrm>
+          <a:prstGeom prst="rect">
+            <a:avLst/>
+          </a:prstGeom>
+        </p:spPr>
+        <p:txBody>
+          <a:bodyPr lIns="0" rIns="0" tIns="0" bIns="0">
             <a:normAutofit/>
           </a:bodyPr>
-          <a:lstStyle/>
-          <a:p>
-            <a:endParaRPr lang="fr-CH" sz="3200" b="0" strike="noStrike" spc="-1">
-              <a:solidFill>
-                <a:srgbClr val="000000"/>
-              </a:solidFill>
-              <a:uFill>
-                <a:solidFill>
-                  <a:srgbClr val="FFFFFF"/>
+          <a:p>
+            <a:endParaRPr b="0" lang="fr-FR" sz="2800" spc="-1" strike="noStrike">
+              <a:solidFill>
+                <a:srgbClr val="000000"/>
+              </a:solidFill>
+              <a:uFill>
+                <a:solidFill>
+                  <a:srgbClr val="ffffff"/>
                 </a:solidFill>
               </a:uFill>
               <a:latin typeface="Arial"/>
@@ -723,26 +603,25 @@
         </p:nvSpPr>
         <p:spPr>
           <a:xfrm>
-            <a:off x="3463920" y="4424400"/>
-            <a:ext cx="2955600" cy="2232000"/>
-          </a:xfrm>
-          <a:prstGeom prst="rect">
-            <a:avLst/>
-          </a:prstGeom>
-        </p:spPr>
-        <p:txBody>
-          <a:bodyPr lIns="0" tIns="0" rIns="0" bIns="0">
+            <a:off x="3571560" y="4058640"/>
+            <a:ext cx="2921040" cy="2090880"/>
+          </a:xfrm>
+          <a:prstGeom prst="rect">
+            <a:avLst/>
+          </a:prstGeom>
+        </p:spPr>
+        <p:txBody>
+          <a:bodyPr lIns="0" rIns="0" tIns="0" bIns="0">
             <a:normAutofit/>
           </a:bodyPr>
-          <a:lstStyle/>
-          <a:p>
-            <a:endParaRPr lang="fr-CH" sz="3200" b="0" strike="noStrike" spc="-1">
-              <a:solidFill>
-                <a:srgbClr val="000000"/>
-              </a:solidFill>
-              <a:uFill>
-                <a:solidFill>
-                  <a:srgbClr val="FFFFFF"/>
+          <a:p>
+            <a:endParaRPr b="0" lang="fr-FR" sz="2800" spc="-1" strike="noStrike">
+              <a:solidFill>
+                <a:srgbClr val="000000"/>
+              </a:solidFill>
+              <a:uFill>
+                <a:solidFill>
+                  <a:srgbClr val="ffffff"/>
                 </a:solidFill>
               </a:uFill>
               <a:latin typeface="Arial"/>
@@ -762,26 +641,25 @@
         </p:nvSpPr>
         <p:spPr>
           <a:xfrm>
-            <a:off x="360000" y="4424400"/>
-            <a:ext cx="2955600" cy="2232000"/>
-          </a:xfrm>
-          <a:prstGeom prst="rect">
-            <a:avLst/>
-          </a:prstGeom>
-        </p:spPr>
-        <p:txBody>
-          <a:bodyPr lIns="0" tIns="0" rIns="0" bIns="0">
+            <a:off x="504000" y="4058640"/>
+            <a:ext cx="2921040" cy="2090880"/>
+          </a:xfrm>
+          <a:prstGeom prst="rect">
+            <a:avLst/>
+          </a:prstGeom>
+        </p:spPr>
+        <p:txBody>
+          <a:bodyPr lIns="0" rIns="0" tIns="0" bIns="0">
             <a:normAutofit/>
           </a:bodyPr>
-          <a:lstStyle/>
-          <a:p>
-            <a:endParaRPr lang="fr-CH" sz="3200" b="0" strike="noStrike" spc="-1">
-              <a:solidFill>
-                <a:srgbClr val="000000"/>
-              </a:solidFill>
-              <a:uFill>
-                <a:solidFill>
-                  <a:srgbClr val="FFFFFF"/>
+          <a:p>
+            <a:endParaRPr b="0" lang="fr-FR" sz="2800" spc="-1" strike="noStrike">
+              <a:solidFill>
+                <a:srgbClr val="000000"/>
+              </a:solidFill>
+              <a:uFill>
+                <a:solidFill>
+                  <a:srgbClr val="ffffff"/>
                 </a:solidFill>
               </a:uFill>
               <a:latin typeface="Arial"/>
@@ -791,14 +669,11 @@
       </p:sp>
     </p:spTree>
   </p:cSld>
-  <p:clrMapOvr>
-    <a:masterClrMapping/>
-  </p:clrMapOvr>
 </p:sldLayout>
 </file>
 
 <file path=ppt/slideLayouts/slideLayout13.xml><?xml version="1.0" encoding="utf-8"?>
-<p:sldLayout xmlns:a="http://schemas.openxmlformats.org/drawingml/2006/main" xmlns:r="http://schemas.openxmlformats.org/officeDocument/2006/relationships" xmlns:p="http://schemas.openxmlformats.org/presentationml/2006/main" type="blank" preserve="1">
+<p:sldLayout xmlns:a="http://schemas.openxmlformats.org/drawingml/2006/main" xmlns:p="http://schemas.openxmlformats.org/presentationml/2006/main" xmlns:r="http://schemas.openxmlformats.org/officeDocument/2006/relationships" xmlns:p14="http://schemas.microsoft.com/office/powerpoint/2010/main" xmlns:p15="http://schemas.microsoft.com/office/powerpoint/2012/main" xmlns:mc="http://schemas.openxmlformats.org/markup-compatibility/2006" type="blank" preserve="1">
   <p:cSld name="Blank Slide">
     <p:spTree>
       <p:nvGrpSpPr>
@@ -816,14 +691,11 @@
       </p:grpSpPr>
     </p:spTree>
   </p:cSld>
-  <p:clrMapOvr>
-    <a:masterClrMapping/>
-  </p:clrMapOvr>
 </p:sldLayout>
 </file>
 
 <file path=ppt/slideLayouts/slideLayout14.xml><?xml version="1.0" encoding="utf-8"?>
-<p:sldLayout xmlns:a="http://schemas.openxmlformats.org/drawingml/2006/main" xmlns:r="http://schemas.openxmlformats.org/officeDocument/2006/relationships" xmlns:p="http://schemas.openxmlformats.org/presentationml/2006/main" type="tx" preserve="1">
+<p:sldLayout xmlns:a="http://schemas.openxmlformats.org/drawingml/2006/main" xmlns:p="http://schemas.openxmlformats.org/presentationml/2006/main" xmlns:r="http://schemas.openxmlformats.org/officeDocument/2006/relationships" xmlns:p14="http://schemas.microsoft.com/office/powerpoint/2010/main" xmlns:p15="http://schemas.microsoft.com/office/powerpoint/2012/main" xmlns:mc="http://schemas.openxmlformats.org/markup-compatibility/2006" type="tx" preserve="1">
   <p:cSld name="Title Slide">
     <p:spTree>
       <p:nvGrpSpPr>
@@ -851,63 +723,60 @@
         </p:nvSpPr>
         <p:spPr>
           <a:xfrm>
-            <a:off x="360000" y="360000"/>
-            <a:ext cx="9359640" cy="899640"/>
-          </a:xfrm>
-          <a:prstGeom prst="rect">
-            <a:avLst/>
-          </a:prstGeom>
-        </p:spPr>
-        <p:txBody>
-          <a:bodyPr lIns="0" tIns="0" rIns="0" bIns="0" anchor="ctr"/>
-          <a:lstStyle/>
+            <a:off x="504000" y="301320"/>
+            <a:ext cx="9072000" cy="1261800"/>
+          </a:xfrm>
+          <a:prstGeom prst="rect">
+            <a:avLst/>
+          </a:prstGeom>
+        </p:spPr>
+        <p:txBody>
+          <a:bodyPr lIns="0" rIns="0" tIns="0" bIns="0" anchor="ctr"/>
+          <a:p>
+            <a:endParaRPr b="0" lang="fr-FR" sz="1800" spc="-1" strike="noStrike">
+              <a:solidFill>
+                <a:srgbClr val="000000"/>
+              </a:solidFill>
+              <a:uFill>
+                <a:solidFill>
+                  <a:srgbClr val="ffffff"/>
+                </a:solidFill>
+              </a:uFill>
+              <a:latin typeface="Arial"/>
+            </a:endParaRPr>
+          </a:p>
+        </p:txBody>
+      </p:sp>
+      <p:sp>
+        <p:nvSpPr>
+          <p:cNvPr id="46" name="PlaceHolder 2"/>
+          <p:cNvSpPr>
+            <a:spLocks noGrp="1"/>
+          </p:cNvSpPr>
+          <p:nvPr>
+            <p:ph type="subTitle"/>
+          </p:nvPr>
+        </p:nvSpPr>
+        <p:spPr>
+          <a:xfrm>
+            <a:off x="504000" y="1768680"/>
+            <a:ext cx="9072000" cy="4384080"/>
+          </a:xfrm>
+          <a:prstGeom prst="rect">
+            <a:avLst/>
+          </a:prstGeom>
+        </p:spPr>
+        <p:txBody>
+          <a:bodyPr lIns="0" rIns="0" tIns="0" bIns="0" anchor="ctr"/>
           <a:p>
             <a:pPr algn="ctr"/>
-            <a:endParaRPr lang="fr-CH" sz="4400" b="0" strike="noStrike" spc="-1">
-              <a:solidFill>
-                <a:srgbClr val="000000"/>
-              </a:solidFill>
-              <a:uFill>
-                <a:solidFill>
-                  <a:srgbClr val="FFFFFF"/>
-                </a:solidFill>
-              </a:uFill>
-              <a:latin typeface="Arial"/>
-            </a:endParaRPr>
-          </a:p>
-        </p:txBody>
-      </p:sp>
-      <p:sp>
-        <p:nvSpPr>
-          <p:cNvPr id="46" name="PlaceHolder 2"/>
-          <p:cNvSpPr>
-            <a:spLocks noGrp="1"/>
-          </p:cNvSpPr>
-          <p:nvPr>
-            <p:ph type="subTitle"/>
-          </p:nvPr>
-        </p:nvSpPr>
-        <p:spPr>
-          <a:xfrm>
-            <a:off x="360000" y="1980000"/>
-            <a:ext cx="9179640" cy="4679640"/>
-          </a:xfrm>
-          <a:prstGeom prst="rect">
-            <a:avLst/>
-          </a:prstGeom>
-        </p:spPr>
-        <p:txBody>
-          <a:bodyPr lIns="0" tIns="0" rIns="0" bIns="0" anchor="ctr"/>
-          <a:lstStyle/>
-          <a:p>
-            <a:pPr algn="ctr"/>
-            <a:endParaRPr lang="fr-CH" sz="3200" b="0" strike="noStrike" spc="-1">
-              <a:solidFill>
-                <a:srgbClr val="000000"/>
-              </a:solidFill>
-              <a:uFill>
-                <a:solidFill>
-                  <a:srgbClr val="FFFFFF"/>
+            <a:endParaRPr b="0" lang="fr-CH" sz="3200" spc="-1" strike="noStrike">
+              <a:solidFill>
+                <a:srgbClr val="000000"/>
+              </a:solidFill>
+              <a:uFill>
+                <a:solidFill>
+                  <a:srgbClr val="ffffff"/>
                 </a:solidFill>
               </a:uFill>
               <a:latin typeface="Arial"/>
@@ -917,14 +786,11 @@
       </p:sp>
     </p:spTree>
   </p:cSld>
-  <p:clrMapOvr>
-    <a:masterClrMapping/>
-  </p:clrMapOvr>
 </p:sldLayout>
 </file>
 
 <file path=ppt/slideLayouts/slideLayout15.xml><?xml version="1.0" encoding="utf-8"?>
-<p:sldLayout xmlns:a="http://schemas.openxmlformats.org/drawingml/2006/main" xmlns:r="http://schemas.openxmlformats.org/officeDocument/2006/relationships" xmlns:p="http://schemas.openxmlformats.org/presentationml/2006/main" type="obj" preserve="1">
+<p:sldLayout xmlns:a="http://schemas.openxmlformats.org/drawingml/2006/main" xmlns:p="http://schemas.openxmlformats.org/presentationml/2006/main" xmlns:r="http://schemas.openxmlformats.org/officeDocument/2006/relationships" xmlns:p14="http://schemas.microsoft.com/office/powerpoint/2010/main" xmlns:p15="http://schemas.microsoft.com/office/powerpoint/2012/main" xmlns:mc="http://schemas.openxmlformats.org/markup-compatibility/2006" type="obj" preserve="1">
   <p:cSld name="Title, Content">
     <p:spTree>
       <p:nvGrpSpPr>
@@ -952,25 +818,23 @@
         </p:nvSpPr>
         <p:spPr>
           <a:xfrm>
-            <a:off x="360000" y="360000"/>
-            <a:ext cx="9359640" cy="899640"/>
-          </a:xfrm>
-          <a:prstGeom prst="rect">
-            <a:avLst/>
-          </a:prstGeom>
-        </p:spPr>
-        <p:txBody>
-          <a:bodyPr lIns="0" tIns="0" rIns="0" bIns="0" anchor="ctr"/>
-          <a:lstStyle/>
-          <a:p>
-            <a:pPr algn="ctr"/>
-            <a:endParaRPr lang="fr-CH" sz="4400" b="0" strike="noStrike" spc="-1">
-              <a:solidFill>
-                <a:srgbClr val="000000"/>
-              </a:solidFill>
-              <a:uFill>
-                <a:solidFill>
-                  <a:srgbClr val="FFFFFF"/>
+            <a:off x="504000" y="301320"/>
+            <a:ext cx="9072000" cy="1261800"/>
+          </a:xfrm>
+          <a:prstGeom prst="rect">
+            <a:avLst/>
+          </a:prstGeom>
+        </p:spPr>
+        <p:txBody>
+          <a:bodyPr lIns="0" rIns="0" tIns="0" bIns="0" anchor="ctr"/>
+          <a:p>
+            <a:endParaRPr b="0" lang="fr-FR" sz="1800" spc="-1" strike="noStrike">
+              <a:solidFill>
+                <a:srgbClr val="000000"/>
+              </a:solidFill>
+              <a:uFill>
+                <a:solidFill>
+                  <a:srgbClr val="ffffff"/>
                 </a:solidFill>
               </a:uFill>
               <a:latin typeface="Arial"/>
@@ -990,26 +854,25 @@
         </p:nvSpPr>
         <p:spPr>
           <a:xfrm>
-            <a:off x="360000" y="1980000"/>
-            <a:ext cx="9179640" cy="4679640"/>
-          </a:xfrm>
-          <a:prstGeom prst="rect">
-            <a:avLst/>
-          </a:prstGeom>
-        </p:spPr>
-        <p:txBody>
-          <a:bodyPr lIns="0" tIns="0" rIns="0" bIns="0">
+            <a:off x="504000" y="1768680"/>
+            <a:ext cx="9072000" cy="4384080"/>
+          </a:xfrm>
+          <a:prstGeom prst="rect">
+            <a:avLst/>
+          </a:prstGeom>
+        </p:spPr>
+        <p:txBody>
+          <a:bodyPr lIns="0" rIns="0" tIns="0" bIns="0">
             <a:normAutofit/>
           </a:bodyPr>
-          <a:lstStyle/>
-          <a:p>
-            <a:endParaRPr lang="fr-CH" sz="3200" b="0" strike="noStrike" spc="-1">
-              <a:solidFill>
-                <a:srgbClr val="000000"/>
-              </a:solidFill>
-              <a:uFill>
-                <a:solidFill>
-                  <a:srgbClr val="FFFFFF"/>
+          <a:p>
+            <a:endParaRPr b="0" lang="fr-FR" sz="2800" spc="-1" strike="noStrike">
+              <a:solidFill>
+                <a:srgbClr val="000000"/>
+              </a:solidFill>
+              <a:uFill>
+                <a:solidFill>
+                  <a:srgbClr val="ffffff"/>
                 </a:solidFill>
               </a:uFill>
               <a:latin typeface="Arial"/>
@@ -1019,14 +882,11 @@
       </p:sp>
     </p:spTree>
   </p:cSld>
-  <p:clrMapOvr>
-    <a:masterClrMapping/>
-  </p:clrMapOvr>
 </p:sldLayout>
 </file>
 
 <file path=ppt/slideLayouts/slideLayout16.xml><?xml version="1.0" encoding="utf-8"?>
-<p:sldLayout xmlns:a="http://schemas.openxmlformats.org/drawingml/2006/main" xmlns:r="http://schemas.openxmlformats.org/officeDocument/2006/relationships" xmlns:p="http://schemas.openxmlformats.org/presentationml/2006/main" type="twoObj" preserve="1">
+<p:sldLayout xmlns:a="http://schemas.openxmlformats.org/drawingml/2006/main" xmlns:p="http://schemas.openxmlformats.org/presentationml/2006/main" xmlns:r="http://schemas.openxmlformats.org/officeDocument/2006/relationships" xmlns:p14="http://schemas.microsoft.com/office/powerpoint/2010/main" xmlns:p15="http://schemas.microsoft.com/office/powerpoint/2012/main" xmlns:mc="http://schemas.openxmlformats.org/markup-compatibility/2006" type="twoObj" preserve="1">
   <p:cSld name="Title, 2 Content">
     <p:spTree>
       <p:nvGrpSpPr>
@@ -1054,25 +914,23 @@
         </p:nvSpPr>
         <p:spPr>
           <a:xfrm>
-            <a:off x="360000" y="360000"/>
-            <a:ext cx="9359640" cy="899640"/>
-          </a:xfrm>
-          <a:prstGeom prst="rect">
-            <a:avLst/>
-          </a:prstGeom>
-        </p:spPr>
-        <p:txBody>
-          <a:bodyPr lIns="0" tIns="0" rIns="0" bIns="0" anchor="ctr"/>
-          <a:lstStyle/>
-          <a:p>
-            <a:pPr algn="ctr"/>
-            <a:endParaRPr lang="fr-CH" sz="4400" b="0" strike="noStrike" spc="-1">
-              <a:solidFill>
-                <a:srgbClr val="000000"/>
-              </a:solidFill>
-              <a:uFill>
-                <a:solidFill>
-                  <a:srgbClr val="FFFFFF"/>
+            <a:off x="504000" y="301320"/>
+            <a:ext cx="9072000" cy="1261800"/>
+          </a:xfrm>
+          <a:prstGeom prst="rect">
+            <a:avLst/>
+          </a:prstGeom>
+        </p:spPr>
+        <p:txBody>
+          <a:bodyPr lIns="0" rIns="0" tIns="0" bIns="0" anchor="ctr"/>
+          <a:p>
+            <a:endParaRPr b="0" lang="fr-FR" sz="1800" spc="-1" strike="noStrike">
+              <a:solidFill>
+                <a:srgbClr val="000000"/>
+              </a:solidFill>
+              <a:uFill>
+                <a:solidFill>
+                  <a:srgbClr val="ffffff"/>
                 </a:solidFill>
               </a:uFill>
               <a:latin typeface="Arial"/>
@@ -1092,26 +950,25 @@
         </p:nvSpPr>
         <p:spPr>
           <a:xfrm>
-            <a:off x="360000" y="1980000"/>
-            <a:ext cx="4479480" cy="4679640"/>
-          </a:xfrm>
-          <a:prstGeom prst="rect">
-            <a:avLst/>
-          </a:prstGeom>
-        </p:spPr>
-        <p:txBody>
-          <a:bodyPr lIns="0" tIns="0" rIns="0" bIns="0">
+            <a:off x="504000" y="1768680"/>
+            <a:ext cx="4426920" cy="4384080"/>
+          </a:xfrm>
+          <a:prstGeom prst="rect">
+            <a:avLst/>
+          </a:prstGeom>
+        </p:spPr>
+        <p:txBody>
+          <a:bodyPr lIns="0" rIns="0" tIns="0" bIns="0">
             <a:normAutofit/>
           </a:bodyPr>
-          <a:lstStyle/>
-          <a:p>
-            <a:endParaRPr lang="fr-CH" sz="3200" b="0" strike="noStrike" spc="-1">
-              <a:solidFill>
-                <a:srgbClr val="000000"/>
-              </a:solidFill>
-              <a:uFill>
-                <a:solidFill>
-                  <a:srgbClr val="FFFFFF"/>
+          <a:p>
+            <a:endParaRPr b="0" lang="fr-FR" sz="2800" spc="-1" strike="noStrike">
+              <a:solidFill>
+                <a:srgbClr val="000000"/>
+              </a:solidFill>
+              <a:uFill>
+                <a:solidFill>
+                  <a:srgbClr val="ffffff"/>
                 </a:solidFill>
               </a:uFill>
               <a:latin typeface="Arial"/>
@@ -1131,26 +988,25 @@
         </p:nvSpPr>
         <p:spPr>
           <a:xfrm>
-            <a:off x="5063760" y="1980000"/>
-            <a:ext cx="4479480" cy="4679640"/>
-          </a:xfrm>
-          <a:prstGeom prst="rect">
-            <a:avLst/>
-          </a:prstGeom>
-        </p:spPr>
-        <p:txBody>
-          <a:bodyPr lIns="0" tIns="0" rIns="0" bIns="0">
+            <a:off x="5152680" y="1768680"/>
+            <a:ext cx="4426920" cy="4384080"/>
+          </a:xfrm>
+          <a:prstGeom prst="rect">
+            <a:avLst/>
+          </a:prstGeom>
+        </p:spPr>
+        <p:txBody>
+          <a:bodyPr lIns="0" rIns="0" tIns="0" bIns="0">
             <a:normAutofit/>
           </a:bodyPr>
-          <a:lstStyle/>
-          <a:p>
-            <a:endParaRPr lang="fr-CH" sz="3200" b="0" strike="noStrike" spc="-1">
-              <a:solidFill>
-                <a:srgbClr val="000000"/>
-              </a:solidFill>
-              <a:uFill>
-                <a:solidFill>
-                  <a:srgbClr val="FFFFFF"/>
+          <a:p>
+            <a:endParaRPr b="0" lang="fr-FR" sz="2800" spc="-1" strike="noStrike">
+              <a:solidFill>
+                <a:srgbClr val="000000"/>
+              </a:solidFill>
+              <a:uFill>
+                <a:solidFill>
+                  <a:srgbClr val="ffffff"/>
                 </a:solidFill>
               </a:uFill>
               <a:latin typeface="Arial"/>
@@ -1160,14 +1016,11 @@
       </p:sp>
     </p:spTree>
   </p:cSld>
-  <p:clrMapOvr>
-    <a:masterClrMapping/>
-  </p:clrMapOvr>
 </p:sldLayout>
 </file>
 
 <file path=ppt/slideLayouts/slideLayout17.xml><?xml version="1.0" encoding="utf-8"?>
-<p:sldLayout xmlns:a="http://schemas.openxmlformats.org/drawingml/2006/main" xmlns:r="http://schemas.openxmlformats.org/officeDocument/2006/relationships" xmlns:p="http://schemas.openxmlformats.org/presentationml/2006/main" type="titleOnly" preserve="1">
+<p:sldLayout xmlns:a="http://schemas.openxmlformats.org/drawingml/2006/main" xmlns:p="http://schemas.openxmlformats.org/presentationml/2006/main" xmlns:r="http://schemas.openxmlformats.org/officeDocument/2006/relationships" xmlns:p14="http://schemas.microsoft.com/office/powerpoint/2010/main" xmlns:p15="http://schemas.microsoft.com/office/powerpoint/2012/main" xmlns:mc="http://schemas.openxmlformats.org/markup-compatibility/2006" type="titleOnly" preserve="1">
   <p:cSld name="Title Only">
     <p:spTree>
       <p:nvGrpSpPr>
@@ -1195,25 +1048,23 @@
         </p:nvSpPr>
         <p:spPr>
           <a:xfrm>
-            <a:off x="360000" y="360000"/>
-            <a:ext cx="9359640" cy="899640"/>
-          </a:xfrm>
-          <a:prstGeom prst="rect">
-            <a:avLst/>
-          </a:prstGeom>
-        </p:spPr>
-        <p:txBody>
-          <a:bodyPr lIns="0" tIns="0" rIns="0" bIns="0" anchor="ctr"/>
-          <a:lstStyle/>
-          <a:p>
-            <a:pPr algn="ctr"/>
-            <a:endParaRPr lang="fr-CH" sz="4400" b="0" strike="noStrike" spc="-1">
-              <a:solidFill>
-                <a:srgbClr val="000000"/>
-              </a:solidFill>
-              <a:uFill>
-                <a:solidFill>
-                  <a:srgbClr val="FFFFFF"/>
+            <a:off x="504000" y="301320"/>
+            <a:ext cx="9072000" cy="1261800"/>
+          </a:xfrm>
+          <a:prstGeom prst="rect">
+            <a:avLst/>
+          </a:prstGeom>
+        </p:spPr>
+        <p:txBody>
+          <a:bodyPr lIns="0" rIns="0" tIns="0" bIns="0" anchor="ctr"/>
+          <a:p>
+            <a:endParaRPr b="0" lang="fr-FR" sz="1800" spc="-1" strike="noStrike">
+              <a:solidFill>
+                <a:srgbClr val="000000"/>
+              </a:solidFill>
+              <a:uFill>
+                <a:solidFill>
+                  <a:srgbClr val="ffffff"/>
                 </a:solidFill>
               </a:uFill>
               <a:latin typeface="Arial"/>
@@ -1223,14 +1074,11 @@
       </p:sp>
     </p:spTree>
   </p:cSld>
-  <p:clrMapOvr>
-    <a:masterClrMapping/>
-  </p:clrMapOvr>
 </p:sldLayout>
 </file>
 
 <file path=ppt/slideLayouts/slideLayout18.xml><?xml version="1.0" encoding="utf-8"?>
-<p:sldLayout xmlns:a="http://schemas.openxmlformats.org/drawingml/2006/main" xmlns:r="http://schemas.openxmlformats.org/officeDocument/2006/relationships" xmlns:p="http://schemas.openxmlformats.org/presentationml/2006/main" type="objOnly" preserve="1">
+<p:sldLayout xmlns:a="http://schemas.openxmlformats.org/drawingml/2006/main" xmlns:p="http://schemas.openxmlformats.org/presentationml/2006/main" xmlns:r="http://schemas.openxmlformats.org/officeDocument/2006/relationships" xmlns:p14="http://schemas.microsoft.com/office/powerpoint/2010/main" xmlns:p15="http://schemas.microsoft.com/office/powerpoint/2012/main" xmlns:mc="http://schemas.openxmlformats.org/markup-compatibility/2006" type="objOnly" preserve="1">
   <p:cSld name="Centered Text">
     <p:spTree>
       <p:nvGrpSpPr>
@@ -1258,25 +1106,24 @@
         </p:nvSpPr>
         <p:spPr>
           <a:xfrm>
-            <a:off x="360000" y="360000"/>
-            <a:ext cx="9359640" cy="4171680"/>
-          </a:xfrm>
-          <a:prstGeom prst="rect">
-            <a:avLst/>
-          </a:prstGeom>
-        </p:spPr>
-        <p:txBody>
-          <a:bodyPr lIns="0" tIns="0" rIns="0" bIns="0" anchor="ctr"/>
-          <a:lstStyle/>
+            <a:off x="504000" y="301320"/>
+            <a:ext cx="9072000" cy="5850360"/>
+          </a:xfrm>
+          <a:prstGeom prst="rect">
+            <a:avLst/>
+          </a:prstGeom>
+        </p:spPr>
+        <p:txBody>
+          <a:bodyPr lIns="0" rIns="0" tIns="0" bIns="0" anchor="ctr"/>
           <a:p>
             <a:pPr algn="ctr"/>
-            <a:endParaRPr lang="fr-CH" sz="3200" b="0" strike="noStrike" spc="-1">
-              <a:solidFill>
-                <a:srgbClr val="000000"/>
-              </a:solidFill>
-              <a:uFill>
-                <a:solidFill>
-                  <a:srgbClr val="FFFFFF"/>
+            <a:endParaRPr b="0" lang="fr-CH" sz="3200" spc="-1" strike="noStrike">
+              <a:solidFill>
+                <a:srgbClr val="000000"/>
+              </a:solidFill>
+              <a:uFill>
+                <a:solidFill>
+                  <a:srgbClr val="ffffff"/>
                 </a:solidFill>
               </a:uFill>
               <a:latin typeface="Arial"/>
@@ -1286,14 +1133,11 @@
       </p:sp>
     </p:spTree>
   </p:cSld>
-  <p:clrMapOvr>
-    <a:masterClrMapping/>
-  </p:clrMapOvr>
 </p:sldLayout>
 </file>
 
 <file path=ppt/slideLayouts/slideLayout19.xml><?xml version="1.0" encoding="utf-8"?>
-<p:sldLayout xmlns:a="http://schemas.openxmlformats.org/drawingml/2006/main" xmlns:r="http://schemas.openxmlformats.org/officeDocument/2006/relationships" xmlns:p="http://schemas.openxmlformats.org/presentationml/2006/main" type="twoObjAndObj" preserve="1">
+<p:sldLayout xmlns:a="http://schemas.openxmlformats.org/drawingml/2006/main" xmlns:p="http://schemas.openxmlformats.org/presentationml/2006/main" xmlns:r="http://schemas.openxmlformats.org/officeDocument/2006/relationships" xmlns:p14="http://schemas.microsoft.com/office/powerpoint/2010/main" xmlns:p15="http://schemas.microsoft.com/office/powerpoint/2012/main" xmlns:mc="http://schemas.openxmlformats.org/markup-compatibility/2006" type="twoObjAndObj" preserve="1">
   <p:cSld name="Title, 2 Content and Content">
     <p:spTree>
       <p:nvGrpSpPr>
@@ -1321,25 +1165,23 @@
         </p:nvSpPr>
         <p:spPr>
           <a:xfrm>
-            <a:off x="360000" y="360000"/>
-            <a:ext cx="9359640" cy="899640"/>
-          </a:xfrm>
-          <a:prstGeom prst="rect">
-            <a:avLst/>
-          </a:prstGeom>
-        </p:spPr>
-        <p:txBody>
-          <a:bodyPr lIns="0" tIns="0" rIns="0" bIns="0" anchor="ctr"/>
-          <a:lstStyle/>
-          <a:p>
-            <a:pPr algn="ctr"/>
-            <a:endParaRPr lang="fr-CH" sz="4400" b="0" strike="noStrike" spc="-1">
-              <a:solidFill>
-                <a:srgbClr val="000000"/>
-              </a:solidFill>
-              <a:uFill>
-                <a:solidFill>
-                  <a:srgbClr val="FFFFFF"/>
+            <a:off x="504000" y="301320"/>
+            <a:ext cx="9072000" cy="1261800"/>
+          </a:xfrm>
+          <a:prstGeom prst="rect">
+            <a:avLst/>
+          </a:prstGeom>
+        </p:spPr>
+        <p:txBody>
+          <a:bodyPr lIns="0" rIns="0" tIns="0" bIns="0" anchor="ctr"/>
+          <a:p>
+            <a:endParaRPr b="0" lang="fr-FR" sz="1800" spc="-1" strike="noStrike">
+              <a:solidFill>
+                <a:srgbClr val="000000"/>
+              </a:solidFill>
+              <a:uFill>
+                <a:solidFill>
+                  <a:srgbClr val="ffffff"/>
                 </a:solidFill>
               </a:uFill>
               <a:latin typeface="Arial"/>
@@ -1359,26 +1201,25 @@
         </p:nvSpPr>
         <p:spPr>
           <a:xfrm>
-            <a:off x="360000" y="1980000"/>
-            <a:ext cx="4479480" cy="2232000"/>
-          </a:xfrm>
-          <a:prstGeom prst="rect">
-            <a:avLst/>
-          </a:prstGeom>
-        </p:spPr>
-        <p:txBody>
-          <a:bodyPr lIns="0" tIns="0" rIns="0" bIns="0">
+            <a:off x="504000" y="1768680"/>
+            <a:ext cx="4426920" cy="2090880"/>
+          </a:xfrm>
+          <a:prstGeom prst="rect">
+            <a:avLst/>
+          </a:prstGeom>
+        </p:spPr>
+        <p:txBody>
+          <a:bodyPr lIns="0" rIns="0" tIns="0" bIns="0">
             <a:normAutofit/>
           </a:bodyPr>
-          <a:lstStyle/>
-          <a:p>
-            <a:endParaRPr lang="fr-CH" sz="3200" b="0" strike="noStrike" spc="-1">
-              <a:solidFill>
-                <a:srgbClr val="000000"/>
-              </a:solidFill>
-              <a:uFill>
-                <a:solidFill>
-                  <a:srgbClr val="FFFFFF"/>
+          <a:p>
+            <a:endParaRPr b="0" lang="fr-FR" sz="2800" spc="-1" strike="noStrike">
+              <a:solidFill>
+                <a:srgbClr val="000000"/>
+              </a:solidFill>
+              <a:uFill>
+                <a:solidFill>
+                  <a:srgbClr val="ffffff"/>
                 </a:solidFill>
               </a:uFill>
               <a:latin typeface="Arial"/>
@@ -1398,26 +1239,25 @@
         </p:nvSpPr>
         <p:spPr>
           <a:xfrm>
-            <a:off x="360000" y="4424400"/>
-            <a:ext cx="4479480" cy="2232000"/>
-          </a:xfrm>
-          <a:prstGeom prst="rect">
-            <a:avLst/>
-          </a:prstGeom>
-        </p:spPr>
-        <p:txBody>
-          <a:bodyPr lIns="0" tIns="0" rIns="0" bIns="0">
+            <a:off x="504000" y="4058640"/>
+            <a:ext cx="4426920" cy="2090880"/>
+          </a:xfrm>
+          <a:prstGeom prst="rect">
+            <a:avLst/>
+          </a:prstGeom>
+        </p:spPr>
+        <p:txBody>
+          <a:bodyPr lIns="0" rIns="0" tIns="0" bIns="0">
             <a:normAutofit/>
           </a:bodyPr>
-          <a:lstStyle/>
-          <a:p>
-            <a:endParaRPr lang="fr-CH" sz="3200" b="0" strike="noStrike" spc="-1">
-              <a:solidFill>
-                <a:srgbClr val="000000"/>
-              </a:solidFill>
-              <a:uFill>
-                <a:solidFill>
-                  <a:srgbClr val="FFFFFF"/>
+          <a:p>
+            <a:endParaRPr b="0" lang="fr-FR" sz="2800" spc="-1" strike="noStrike">
+              <a:solidFill>
+                <a:srgbClr val="000000"/>
+              </a:solidFill>
+              <a:uFill>
+                <a:solidFill>
+                  <a:srgbClr val="ffffff"/>
                 </a:solidFill>
               </a:uFill>
               <a:latin typeface="Arial"/>
@@ -1437,26 +1277,25 @@
         </p:nvSpPr>
         <p:spPr>
           <a:xfrm>
-            <a:off x="5063760" y="1980000"/>
-            <a:ext cx="4479480" cy="4679640"/>
-          </a:xfrm>
-          <a:prstGeom prst="rect">
-            <a:avLst/>
-          </a:prstGeom>
-        </p:spPr>
-        <p:txBody>
-          <a:bodyPr lIns="0" tIns="0" rIns="0" bIns="0">
+            <a:off x="5152680" y="1768680"/>
+            <a:ext cx="4426920" cy="4384080"/>
+          </a:xfrm>
+          <a:prstGeom prst="rect">
+            <a:avLst/>
+          </a:prstGeom>
+        </p:spPr>
+        <p:txBody>
+          <a:bodyPr lIns="0" rIns="0" tIns="0" bIns="0">
             <a:normAutofit/>
           </a:bodyPr>
-          <a:lstStyle/>
-          <a:p>
-            <a:endParaRPr lang="fr-CH" sz="3200" b="0" strike="noStrike" spc="-1">
-              <a:solidFill>
-                <a:srgbClr val="000000"/>
-              </a:solidFill>
-              <a:uFill>
-                <a:solidFill>
-                  <a:srgbClr val="FFFFFF"/>
+          <a:p>
+            <a:endParaRPr b="0" lang="fr-FR" sz="2800" spc="-1" strike="noStrike">
+              <a:solidFill>
+                <a:srgbClr val="000000"/>
+              </a:solidFill>
+              <a:uFill>
+                <a:solidFill>
+                  <a:srgbClr val="ffffff"/>
                 </a:solidFill>
               </a:uFill>
               <a:latin typeface="Arial"/>
@@ -1466,14 +1305,11 @@
       </p:sp>
     </p:spTree>
   </p:cSld>
-  <p:clrMapOvr>
-    <a:masterClrMapping/>
-  </p:clrMapOvr>
 </p:sldLayout>
 </file>
 
 <file path=ppt/slideLayouts/slideLayout2.xml><?xml version="1.0" encoding="utf-8"?>
-<p:sldLayout xmlns:a="http://schemas.openxmlformats.org/drawingml/2006/main" xmlns:r="http://schemas.openxmlformats.org/officeDocument/2006/relationships" xmlns:p="http://schemas.openxmlformats.org/presentationml/2006/main" type="tx" preserve="1">
+<p:sldLayout xmlns:a="http://schemas.openxmlformats.org/drawingml/2006/main" xmlns:p="http://schemas.openxmlformats.org/presentationml/2006/main" xmlns:r="http://schemas.openxmlformats.org/officeDocument/2006/relationships" xmlns:p14="http://schemas.microsoft.com/office/powerpoint/2010/main" xmlns:p15="http://schemas.microsoft.com/office/powerpoint/2012/main" xmlns:mc="http://schemas.openxmlformats.org/markup-compatibility/2006" type="tx" preserve="1">
   <p:cSld name="Title Slide">
     <p:spTree>
       <p:nvGrpSpPr>
@@ -1501,63 +1337,60 @@
         </p:nvSpPr>
         <p:spPr>
           <a:xfrm>
-            <a:off x="360000" y="360000"/>
-            <a:ext cx="9359640" cy="899640"/>
-          </a:xfrm>
-          <a:prstGeom prst="rect">
-            <a:avLst/>
-          </a:prstGeom>
-        </p:spPr>
-        <p:txBody>
-          <a:bodyPr lIns="0" tIns="0" rIns="0" bIns="0" anchor="ctr"/>
-          <a:lstStyle/>
+            <a:off x="504000" y="301320"/>
+            <a:ext cx="9072000" cy="1261800"/>
+          </a:xfrm>
+          <a:prstGeom prst="rect">
+            <a:avLst/>
+          </a:prstGeom>
+        </p:spPr>
+        <p:txBody>
+          <a:bodyPr lIns="0" rIns="0" tIns="0" bIns="0" anchor="ctr"/>
+          <a:p>
+            <a:endParaRPr b="0" lang="fr-FR" sz="1800" spc="-1" strike="noStrike">
+              <a:solidFill>
+                <a:srgbClr val="000000"/>
+              </a:solidFill>
+              <a:uFill>
+                <a:solidFill>
+                  <a:srgbClr val="ffffff"/>
+                </a:solidFill>
+              </a:uFill>
+              <a:latin typeface="Arial"/>
+            </a:endParaRPr>
+          </a:p>
+        </p:txBody>
+      </p:sp>
+      <p:sp>
+        <p:nvSpPr>
+          <p:cNvPr id="4" name="PlaceHolder 2"/>
+          <p:cNvSpPr>
+            <a:spLocks noGrp="1"/>
+          </p:cNvSpPr>
+          <p:nvPr>
+            <p:ph type="subTitle"/>
+          </p:nvPr>
+        </p:nvSpPr>
+        <p:spPr>
+          <a:xfrm>
+            <a:off x="504000" y="1768680"/>
+            <a:ext cx="9072000" cy="4384080"/>
+          </a:xfrm>
+          <a:prstGeom prst="rect">
+            <a:avLst/>
+          </a:prstGeom>
+        </p:spPr>
+        <p:txBody>
+          <a:bodyPr lIns="0" rIns="0" tIns="0" bIns="0" anchor="ctr"/>
           <a:p>
             <a:pPr algn="ctr"/>
-            <a:endParaRPr lang="fr-CH" sz="4400" b="0" strike="noStrike" spc="-1">
-              <a:solidFill>
-                <a:srgbClr val="000000"/>
-              </a:solidFill>
-              <a:uFill>
-                <a:solidFill>
-                  <a:srgbClr val="FFFFFF"/>
-                </a:solidFill>
-              </a:uFill>
-              <a:latin typeface="Arial"/>
-            </a:endParaRPr>
-          </a:p>
-        </p:txBody>
-      </p:sp>
-      <p:sp>
-        <p:nvSpPr>
-          <p:cNvPr id="4" name="PlaceHolder 2"/>
-          <p:cNvSpPr>
-            <a:spLocks noGrp="1"/>
-          </p:cNvSpPr>
-          <p:nvPr>
-            <p:ph type="subTitle"/>
-          </p:nvPr>
-        </p:nvSpPr>
-        <p:spPr>
-          <a:xfrm>
-            <a:off x="360000" y="1980000"/>
-            <a:ext cx="9179640" cy="4679640"/>
-          </a:xfrm>
-          <a:prstGeom prst="rect">
-            <a:avLst/>
-          </a:prstGeom>
-        </p:spPr>
-        <p:txBody>
-          <a:bodyPr lIns="0" tIns="0" rIns="0" bIns="0" anchor="ctr"/>
-          <a:lstStyle/>
-          <a:p>
-            <a:pPr algn="ctr"/>
-            <a:endParaRPr lang="fr-CH" sz="3200" b="0" strike="noStrike" spc="-1">
-              <a:solidFill>
-                <a:srgbClr val="000000"/>
-              </a:solidFill>
-              <a:uFill>
-                <a:solidFill>
-                  <a:srgbClr val="FFFFFF"/>
+            <a:endParaRPr b="0" lang="fr-CH" sz="3200" spc="-1" strike="noStrike">
+              <a:solidFill>
+                <a:srgbClr val="000000"/>
+              </a:solidFill>
+              <a:uFill>
+                <a:solidFill>
+                  <a:srgbClr val="ffffff"/>
                 </a:solidFill>
               </a:uFill>
               <a:latin typeface="Arial"/>
@@ -1567,14 +1400,11 @@
       </p:sp>
     </p:spTree>
   </p:cSld>
-  <p:clrMapOvr>
-    <a:masterClrMapping/>
-  </p:clrMapOvr>
 </p:sldLayout>
 </file>
 
 <file path=ppt/slideLayouts/slideLayout20.xml><?xml version="1.0" encoding="utf-8"?>
-<p:sldLayout xmlns:a="http://schemas.openxmlformats.org/drawingml/2006/main" xmlns:r="http://schemas.openxmlformats.org/officeDocument/2006/relationships" xmlns:p="http://schemas.openxmlformats.org/presentationml/2006/main" type="objAndTwoObj" preserve="1">
+<p:sldLayout xmlns:a="http://schemas.openxmlformats.org/drawingml/2006/main" xmlns:p="http://schemas.openxmlformats.org/presentationml/2006/main" xmlns:r="http://schemas.openxmlformats.org/officeDocument/2006/relationships" xmlns:p14="http://schemas.microsoft.com/office/powerpoint/2010/main" xmlns:p15="http://schemas.microsoft.com/office/powerpoint/2012/main" xmlns:mc="http://schemas.openxmlformats.org/markup-compatibility/2006" type="objAndTwoObj" preserve="1">
   <p:cSld name="Title Content and 2 Content">
     <p:spTree>
       <p:nvGrpSpPr>
@@ -1602,25 +1432,23 @@
         </p:nvSpPr>
         <p:spPr>
           <a:xfrm>
-            <a:off x="360000" y="360000"/>
-            <a:ext cx="9359640" cy="899640"/>
-          </a:xfrm>
-          <a:prstGeom prst="rect">
-            <a:avLst/>
-          </a:prstGeom>
-        </p:spPr>
-        <p:txBody>
-          <a:bodyPr lIns="0" tIns="0" rIns="0" bIns="0" anchor="ctr"/>
-          <a:lstStyle/>
-          <a:p>
-            <a:pPr algn="ctr"/>
-            <a:endParaRPr lang="fr-CH" sz="4400" b="0" strike="noStrike" spc="-1">
-              <a:solidFill>
-                <a:srgbClr val="000000"/>
-              </a:solidFill>
-              <a:uFill>
-                <a:solidFill>
-                  <a:srgbClr val="FFFFFF"/>
+            <a:off x="504000" y="301320"/>
+            <a:ext cx="9072000" cy="1261800"/>
+          </a:xfrm>
+          <a:prstGeom prst="rect">
+            <a:avLst/>
+          </a:prstGeom>
+        </p:spPr>
+        <p:txBody>
+          <a:bodyPr lIns="0" rIns="0" tIns="0" bIns="0" anchor="ctr"/>
+          <a:p>
+            <a:endParaRPr b="0" lang="fr-FR" sz="1800" spc="-1" strike="noStrike">
+              <a:solidFill>
+                <a:srgbClr val="000000"/>
+              </a:solidFill>
+              <a:uFill>
+                <a:solidFill>
+                  <a:srgbClr val="ffffff"/>
                 </a:solidFill>
               </a:uFill>
               <a:latin typeface="Arial"/>
@@ -1640,26 +1468,25 @@
         </p:nvSpPr>
         <p:spPr>
           <a:xfrm>
-            <a:off x="360000" y="1980000"/>
-            <a:ext cx="4479480" cy="4679640"/>
-          </a:xfrm>
-          <a:prstGeom prst="rect">
-            <a:avLst/>
-          </a:prstGeom>
-        </p:spPr>
-        <p:txBody>
-          <a:bodyPr lIns="0" tIns="0" rIns="0" bIns="0">
+            <a:off x="504000" y="1768680"/>
+            <a:ext cx="4426920" cy="4384080"/>
+          </a:xfrm>
+          <a:prstGeom prst="rect">
+            <a:avLst/>
+          </a:prstGeom>
+        </p:spPr>
+        <p:txBody>
+          <a:bodyPr lIns="0" rIns="0" tIns="0" bIns="0">
             <a:normAutofit/>
           </a:bodyPr>
-          <a:lstStyle/>
-          <a:p>
-            <a:endParaRPr lang="fr-CH" sz="3200" b="0" strike="noStrike" spc="-1">
-              <a:solidFill>
-                <a:srgbClr val="000000"/>
-              </a:solidFill>
-              <a:uFill>
-                <a:solidFill>
-                  <a:srgbClr val="FFFFFF"/>
+          <a:p>
+            <a:endParaRPr b="0" lang="fr-FR" sz="2800" spc="-1" strike="noStrike">
+              <a:solidFill>
+                <a:srgbClr val="000000"/>
+              </a:solidFill>
+              <a:uFill>
+                <a:solidFill>
+                  <a:srgbClr val="ffffff"/>
                 </a:solidFill>
               </a:uFill>
               <a:latin typeface="Arial"/>
@@ -1679,26 +1506,25 @@
         </p:nvSpPr>
         <p:spPr>
           <a:xfrm>
-            <a:off x="5063760" y="1980000"/>
-            <a:ext cx="4479480" cy="2232000"/>
-          </a:xfrm>
-          <a:prstGeom prst="rect">
-            <a:avLst/>
-          </a:prstGeom>
-        </p:spPr>
-        <p:txBody>
-          <a:bodyPr lIns="0" tIns="0" rIns="0" bIns="0">
+            <a:off x="5152680" y="1768680"/>
+            <a:ext cx="4426920" cy="2090880"/>
+          </a:xfrm>
+          <a:prstGeom prst="rect">
+            <a:avLst/>
+          </a:prstGeom>
+        </p:spPr>
+        <p:txBody>
+          <a:bodyPr lIns="0" rIns="0" tIns="0" bIns="0">
             <a:normAutofit/>
           </a:bodyPr>
-          <a:lstStyle/>
-          <a:p>
-            <a:endParaRPr lang="fr-CH" sz="3200" b="0" strike="noStrike" spc="-1">
-              <a:solidFill>
-                <a:srgbClr val="000000"/>
-              </a:solidFill>
-              <a:uFill>
-                <a:solidFill>
-                  <a:srgbClr val="FFFFFF"/>
+          <a:p>
+            <a:endParaRPr b="0" lang="fr-FR" sz="2800" spc="-1" strike="noStrike">
+              <a:solidFill>
+                <a:srgbClr val="000000"/>
+              </a:solidFill>
+              <a:uFill>
+                <a:solidFill>
+                  <a:srgbClr val="ffffff"/>
                 </a:solidFill>
               </a:uFill>
               <a:latin typeface="Arial"/>
@@ -1718,26 +1544,25 @@
         </p:nvSpPr>
         <p:spPr>
           <a:xfrm>
-            <a:off x="5063760" y="4424400"/>
-            <a:ext cx="4479480" cy="2232000"/>
-          </a:xfrm>
-          <a:prstGeom prst="rect">
-            <a:avLst/>
-          </a:prstGeom>
-        </p:spPr>
-        <p:txBody>
-          <a:bodyPr lIns="0" tIns="0" rIns="0" bIns="0">
+            <a:off x="5152680" y="4058640"/>
+            <a:ext cx="4426920" cy="2090880"/>
+          </a:xfrm>
+          <a:prstGeom prst="rect">
+            <a:avLst/>
+          </a:prstGeom>
+        </p:spPr>
+        <p:txBody>
+          <a:bodyPr lIns="0" rIns="0" tIns="0" bIns="0">
             <a:normAutofit/>
           </a:bodyPr>
-          <a:lstStyle/>
-          <a:p>
-            <a:endParaRPr lang="fr-CH" sz="3200" b="0" strike="noStrike" spc="-1">
-              <a:solidFill>
-                <a:srgbClr val="000000"/>
-              </a:solidFill>
-              <a:uFill>
-                <a:solidFill>
-                  <a:srgbClr val="FFFFFF"/>
+          <a:p>
+            <a:endParaRPr b="0" lang="fr-FR" sz="2800" spc="-1" strike="noStrike">
+              <a:solidFill>
+                <a:srgbClr val="000000"/>
+              </a:solidFill>
+              <a:uFill>
+                <a:solidFill>
+                  <a:srgbClr val="ffffff"/>
                 </a:solidFill>
               </a:uFill>
               <a:latin typeface="Arial"/>
@@ -1747,14 +1572,11 @@
       </p:sp>
     </p:spTree>
   </p:cSld>
-  <p:clrMapOvr>
-    <a:masterClrMapping/>
-  </p:clrMapOvr>
 </p:sldLayout>
 </file>
 
 <file path=ppt/slideLayouts/slideLayout21.xml><?xml version="1.0" encoding="utf-8"?>
-<p:sldLayout xmlns:a="http://schemas.openxmlformats.org/drawingml/2006/main" xmlns:r="http://schemas.openxmlformats.org/officeDocument/2006/relationships" xmlns:p="http://schemas.openxmlformats.org/presentationml/2006/main" type="twoObjOverTx" preserve="1">
+<p:sldLayout xmlns:a="http://schemas.openxmlformats.org/drawingml/2006/main" xmlns:p="http://schemas.openxmlformats.org/presentationml/2006/main" xmlns:r="http://schemas.openxmlformats.org/officeDocument/2006/relationships" xmlns:p14="http://schemas.microsoft.com/office/powerpoint/2010/main" xmlns:p15="http://schemas.microsoft.com/office/powerpoint/2012/main" xmlns:mc="http://schemas.openxmlformats.org/markup-compatibility/2006" type="twoObjOverTx" preserve="1">
   <p:cSld name="Title, 2 Content over Content">
     <p:spTree>
       <p:nvGrpSpPr>
@@ -1782,25 +1604,23 @@
         </p:nvSpPr>
         <p:spPr>
           <a:xfrm>
-            <a:off x="360000" y="360000"/>
-            <a:ext cx="9359640" cy="899640"/>
-          </a:xfrm>
-          <a:prstGeom prst="rect">
-            <a:avLst/>
-          </a:prstGeom>
-        </p:spPr>
-        <p:txBody>
-          <a:bodyPr lIns="0" tIns="0" rIns="0" bIns="0" anchor="ctr"/>
-          <a:lstStyle/>
-          <a:p>
-            <a:pPr algn="ctr"/>
-            <a:endParaRPr lang="fr-CH" sz="4400" b="0" strike="noStrike" spc="-1">
-              <a:solidFill>
-                <a:srgbClr val="000000"/>
-              </a:solidFill>
-              <a:uFill>
-                <a:solidFill>
-                  <a:srgbClr val="FFFFFF"/>
+            <a:off x="504000" y="301320"/>
+            <a:ext cx="9072000" cy="1261800"/>
+          </a:xfrm>
+          <a:prstGeom prst="rect">
+            <a:avLst/>
+          </a:prstGeom>
+        </p:spPr>
+        <p:txBody>
+          <a:bodyPr lIns="0" rIns="0" tIns="0" bIns="0" anchor="ctr"/>
+          <a:p>
+            <a:endParaRPr b="0" lang="fr-FR" sz="1800" spc="-1" strike="noStrike">
+              <a:solidFill>
+                <a:srgbClr val="000000"/>
+              </a:solidFill>
+              <a:uFill>
+                <a:solidFill>
+                  <a:srgbClr val="ffffff"/>
                 </a:solidFill>
               </a:uFill>
               <a:latin typeface="Arial"/>
@@ -1820,26 +1640,25 @@
         </p:nvSpPr>
         <p:spPr>
           <a:xfrm>
-            <a:off x="360000" y="1980000"/>
-            <a:ext cx="4479480" cy="2232000"/>
-          </a:xfrm>
-          <a:prstGeom prst="rect">
-            <a:avLst/>
-          </a:prstGeom>
-        </p:spPr>
-        <p:txBody>
-          <a:bodyPr lIns="0" tIns="0" rIns="0" bIns="0">
+            <a:off x="504000" y="1768680"/>
+            <a:ext cx="4426920" cy="2090880"/>
+          </a:xfrm>
+          <a:prstGeom prst="rect">
+            <a:avLst/>
+          </a:prstGeom>
+        </p:spPr>
+        <p:txBody>
+          <a:bodyPr lIns="0" rIns="0" tIns="0" bIns="0">
             <a:normAutofit/>
           </a:bodyPr>
-          <a:lstStyle/>
-          <a:p>
-            <a:endParaRPr lang="fr-CH" sz="3200" b="0" strike="noStrike" spc="-1">
-              <a:solidFill>
-                <a:srgbClr val="000000"/>
-              </a:solidFill>
-              <a:uFill>
-                <a:solidFill>
-                  <a:srgbClr val="FFFFFF"/>
+          <a:p>
+            <a:endParaRPr b="0" lang="fr-FR" sz="2800" spc="-1" strike="noStrike">
+              <a:solidFill>
+                <a:srgbClr val="000000"/>
+              </a:solidFill>
+              <a:uFill>
+                <a:solidFill>
+                  <a:srgbClr val="ffffff"/>
                 </a:solidFill>
               </a:uFill>
               <a:latin typeface="Arial"/>
@@ -1859,26 +1678,25 @@
         </p:nvSpPr>
         <p:spPr>
           <a:xfrm>
-            <a:off x="5063760" y="1980000"/>
-            <a:ext cx="4479480" cy="2232000"/>
-          </a:xfrm>
-          <a:prstGeom prst="rect">
-            <a:avLst/>
-          </a:prstGeom>
-        </p:spPr>
-        <p:txBody>
-          <a:bodyPr lIns="0" tIns="0" rIns="0" bIns="0">
+            <a:off x="5152680" y="1768680"/>
+            <a:ext cx="4426920" cy="2090880"/>
+          </a:xfrm>
+          <a:prstGeom prst="rect">
+            <a:avLst/>
+          </a:prstGeom>
+        </p:spPr>
+        <p:txBody>
+          <a:bodyPr lIns="0" rIns="0" tIns="0" bIns="0">
             <a:normAutofit/>
           </a:bodyPr>
-          <a:lstStyle/>
-          <a:p>
-            <a:endParaRPr lang="fr-CH" sz="3200" b="0" strike="noStrike" spc="-1">
-              <a:solidFill>
-                <a:srgbClr val="000000"/>
-              </a:solidFill>
-              <a:uFill>
-                <a:solidFill>
-                  <a:srgbClr val="FFFFFF"/>
+          <a:p>
+            <a:endParaRPr b="0" lang="fr-FR" sz="2800" spc="-1" strike="noStrike">
+              <a:solidFill>
+                <a:srgbClr val="000000"/>
+              </a:solidFill>
+              <a:uFill>
+                <a:solidFill>
+                  <a:srgbClr val="ffffff"/>
                 </a:solidFill>
               </a:uFill>
               <a:latin typeface="Arial"/>
@@ -1898,26 +1716,25 @@
         </p:nvSpPr>
         <p:spPr>
           <a:xfrm>
-            <a:off x="360000" y="4424400"/>
-            <a:ext cx="9179640" cy="2232000"/>
-          </a:xfrm>
-          <a:prstGeom prst="rect">
-            <a:avLst/>
-          </a:prstGeom>
-        </p:spPr>
-        <p:txBody>
-          <a:bodyPr lIns="0" tIns="0" rIns="0" bIns="0">
+            <a:off x="504000" y="4058640"/>
+            <a:ext cx="9072000" cy="2090880"/>
+          </a:xfrm>
+          <a:prstGeom prst="rect">
+            <a:avLst/>
+          </a:prstGeom>
+        </p:spPr>
+        <p:txBody>
+          <a:bodyPr lIns="0" rIns="0" tIns="0" bIns="0">
             <a:normAutofit/>
           </a:bodyPr>
-          <a:lstStyle/>
-          <a:p>
-            <a:endParaRPr lang="fr-CH" sz="3200" b="0" strike="noStrike" spc="-1">
-              <a:solidFill>
-                <a:srgbClr val="000000"/>
-              </a:solidFill>
-              <a:uFill>
-                <a:solidFill>
-                  <a:srgbClr val="FFFFFF"/>
+          <a:p>
+            <a:endParaRPr b="0" lang="fr-FR" sz="2800" spc="-1" strike="noStrike">
+              <a:solidFill>
+                <a:srgbClr val="000000"/>
+              </a:solidFill>
+              <a:uFill>
+                <a:solidFill>
+                  <a:srgbClr val="ffffff"/>
                 </a:solidFill>
               </a:uFill>
               <a:latin typeface="Arial"/>
@@ -1927,14 +1744,11 @@
       </p:sp>
     </p:spTree>
   </p:cSld>
-  <p:clrMapOvr>
-    <a:masterClrMapping/>
-  </p:clrMapOvr>
 </p:sldLayout>
 </file>
 
 <file path=ppt/slideLayouts/slideLayout22.xml><?xml version="1.0" encoding="utf-8"?>
-<p:sldLayout xmlns:a="http://schemas.openxmlformats.org/drawingml/2006/main" xmlns:r="http://schemas.openxmlformats.org/officeDocument/2006/relationships" xmlns:p="http://schemas.openxmlformats.org/presentationml/2006/main" type="objOverTx" preserve="1">
+<p:sldLayout xmlns:a="http://schemas.openxmlformats.org/drawingml/2006/main" xmlns:p="http://schemas.openxmlformats.org/presentationml/2006/main" xmlns:r="http://schemas.openxmlformats.org/officeDocument/2006/relationships" xmlns:p14="http://schemas.microsoft.com/office/powerpoint/2010/main" xmlns:p15="http://schemas.microsoft.com/office/powerpoint/2012/main" xmlns:mc="http://schemas.openxmlformats.org/markup-compatibility/2006" type="objOverTx" preserve="1">
   <p:cSld name="Title, Content over Content">
     <p:spTree>
       <p:nvGrpSpPr>
@@ -1962,25 +1776,23 @@
         </p:nvSpPr>
         <p:spPr>
           <a:xfrm>
-            <a:off x="360000" y="360000"/>
-            <a:ext cx="9359640" cy="899640"/>
-          </a:xfrm>
-          <a:prstGeom prst="rect">
-            <a:avLst/>
-          </a:prstGeom>
-        </p:spPr>
-        <p:txBody>
-          <a:bodyPr lIns="0" tIns="0" rIns="0" bIns="0" anchor="ctr"/>
-          <a:lstStyle/>
-          <a:p>
-            <a:pPr algn="ctr"/>
-            <a:endParaRPr lang="fr-CH" sz="4400" b="0" strike="noStrike" spc="-1">
-              <a:solidFill>
-                <a:srgbClr val="000000"/>
-              </a:solidFill>
-              <a:uFill>
-                <a:solidFill>
-                  <a:srgbClr val="FFFFFF"/>
+            <a:off x="504000" y="301320"/>
+            <a:ext cx="9072000" cy="1261800"/>
+          </a:xfrm>
+          <a:prstGeom prst="rect">
+            <a:avLst/>
+          </a:prstGeom>
+        </p:spPr>
+        <p:txBody>
+          <a:bodyPr lIns="0" rIns="0" tIns="0" bIns="0" anchor="ctr"/>
+          <a:p>
+            <a:endParaRPr b="0" lang="fr-FR" sz="1800" spc="-1" strike="noStrike">
+              <a:solidFill>
+                <a:srgbClr val="000000"/>
+              </a:solidFill>
+              <a:uFill>
+                <a:solidFill>
+                  <a:srgbClr val="ffffff"/>
                 </a:solidFill>
               </a:uFill>
               <a:latin typeface="Arial"/>
@@ -2000,26 +1812,25 @@
         </p:nvSpPr>
         <p:spPr>
           <a:xfrm>
-            <a:off x="360000" y="1980000"/>
-            <a:ext cx="9179640" cy="2232000"/>
-          </a:xfrm>
-          <a:prstGeom prst="rect">
-            <a:avLst/>
-          </a:prstGeom>
-        </p:spPr>
-        <p:txBody>
-          <a:bodyPr lIns="0" tIns="0" rIns="0" bIns="0">
+            <a:off x="504000" y="1768680"/>
+            <a:ext cx="9072000" cy="2090880"/>
+          </a:xfrm>
+          <a:prstGeom prst="rect">
+            <a:avLst/>
+          </a:prstGeom>
+        </p:spPr>
+        <p:txBody>
+          <a:bodyPr lIns="0" rIns="0" tIns="0" bIns="0">
             <a:normAutofit/>
           </a:bodyPr>
-          <a:lstStyle/>
-          <a:p>
-            <a:endParaRPr lang="fr-CH" sz="3200" b="0" strike="noStrike" spc="-1">
-              <a:solidFill>
-                <a:srgbClr val="000000"/>
-              </a:solidFill>
-              <a:uFill>
-                <a:solidFill>
-                  <a:srgbClr val="FFFFFF"/>
+          <a:p>
+            <a:endParaRPr b="0" lang="fr-FR" sz="2800" spc="-1" strike="noStrike">
+              <a:solidFill>
+                <a:srgbClr val="000000"/>
+              </a:solidFill>
+              <a:uFill>
+                <a:solidFill>
+                  <a:srgbClr val="ffffff"/>
                 </a:solidFill>
               </a:uFill>
               <a:latin typeface="Arial"/>
@@ -2039,26 +1850,25 @@
         </p:nvSpPr>
         <p:spPr>
           <a:xfrm>
-            <a:off x="360000" y="4424400"/>
-            <a:ext cx="9179640" cy="2232000"/>
-          </a:xfrm>
-          <a:prstGeom prst="rect">
-            <a:avLst/>
-          </a:prstGeom>
-        </p:spPr>
-        <p:txBody>
-          <a:bodyPr lIns="0" tIns="0" rIns="0" bIns="0">
+            <a:off x="504000" y="4058640"/>
+            <a:ext cx="9072000" cy="2090880"/>
+          </a:xfrm>
+          <a:prstGeom prst="rect">
+            <a:avLst/>
+          </a:prstGeom>
+        </p:spPr>
+        <p:txBody>
+          <a:bodyPr lIns="0" rIns="0" tIns="0" bIns="0">
             <a:normAutofit/>
           </a:bodyPr>
-          <a:lstStyle/>
-          <a:p>
-            <a:endParaRPr lang="fr-CH" sz="3200" b="0" strike="noStrike" spc="-1">
-              <a:solidFill>
-                <a:srgbClr val="000000"/>
-              </a:solidFill>
-              <a:uFill>
-                <a:solidFill>
-                  <a:srgbClr val="FFFFFF"/>
+          <a:p>
+            <a:endParaRPr b="0" lang="fr-FR" sz="2800" spc="-1" strike="noStrike">
+              <a:solidFill>
+                <a:srgbClr val="000000"/>
+              </a:solidFill>
+              <a:uFill>
+                <a:solidFill>
+                  <a:srgbClr val="ffffff"/>
                 </a:solidFill>
               </a:uFill>
               <a:latin typeface="Arial"/>
@@ -2068,14 +1878,11 @@
       </p:sp>
     </p:spTree>
   </p:cSld>
-  <p:clrMapOvr>
-    <a:masterClrMapping/>
-  </p:clrMapOvr>
 </p:sldLayout>
 </file>
 
 <file path=ppt/slideLayouts/slideLayout23.xml><?xml version="1.0" encoding="utf-8"?>
-<p:sldLayout xmlns:a="http://schemas.openxmlformats.org/drawingml/2006/main" xmlns:r="http://schemas.openxmlformats.org/officeDocument/2006/relationships" xmlns:p="http://schemas.openxmlformats.org/presentationml/2006/main" type="fourObj" preserve="1">
+<p:sldLayout xmlns:a="http://schemas.openxmlformats.org/drawingml/2006/main" xmlns:p="http://schemas.openxmlformats.org/presentationml/2006/main" xmlns:r="http://schemas.openxmlformats.org/officeDocument/2006/relationships" xmlns:p14="http://schemas.microsoft.com/office/powerpoint/2010/main" xmlns:p15="http://schemas.microsoft.com/office/powerpoint/2012/main" xmlns:mc="http://schemas.openxmlformats.org/markup-compatibility/2006" type="fourObj" preserve="1">
   <p:cSld name="Title, 4 Content">
     <p:spTree>
       <p:nvGrpSpPr>
@@ -2103,25 +1910,23 @@
         </p:nvSpPr>
         <p:spPr>
           <a:xfrm>
-            <a:off x="360000" y="360000"/>
-            <a:ext cx="9359640" cy="899640"/>
-          </a:xfrm>
-          <a:prstGeom prst="rect">
-            <a:avLst/>
-          </a:prstGeom>
-        </p:spPr>
-        <p:txBody>
-          <a:bodyPr lIns="0" tIns="0" rIns="0" bIns="0" anchor="ctr"/>
-          <a:lstStyle/>
-          <a:p>
-            <a:pPr algn="ctr"/>
-            <a:endParaRPr lang="fr-CH" sz="4400" b="0" strike="noStrike" spc="-1">
-              <a:solidFill>
-                <a:srgbClr val="000000"/>
-              </a:solidFill>
-              <a:uFill>
-                <a:solidFill>
-                  <a:srgbClr val="FFFFFF"/>
+            <a:off x="504000" y="301320"/>
+            <a:ext cx="9072000" cy="1261800"/>
+          </a:xfrm>
+          <a:prstGeom prst="rect">
+            <a:avLst/>
+          </a:prstGeom>
+        </p:spPr>
+        <p:txBody>
+          <a:bodyPr lIns="0" rIns="0" tIns="0" bIns="0" anchor="ctr"/>
+          <a:p>
+            <a:endParaRPr b="0" lang="fr-FR" sz="1800" spc="-1" strike="noStrike">
+              <a:solidFill>
+                <a:srgbClr val="000000"/>
+              </a:solidFill>
+              <a:uFill>
+                <a:solidFill>
+                  <a:srgbClr val="ffffff"/>
                 </a:solidFill>
               </a:uFill>
               <a:latin typeface="Arial"/>
@@ -2141,26 +1946,25 @@
         </p:nvSpPr>
         <p:spPr>
           <a:xfrm>
-            <a:off x="360000" y="1980000"/>
-            <a:ext cx="4479480" cy="2232000"/>
-          </a:xfrm>
-          <a:prstGeom prst="rect">
-            <a:avLst/>
-          </a:prstGeom>
-        </p:spPr>
-        <p:txBody>
-          <a:bodyPr lIns="0" tIns="0" rIns="0" bIns="0">
+            <a:off x="504000" y="1768680"/>
+            <a:ext cx="4426920" cy="2090880"/>
+          </a:xfrm>
+          <a:prstGeom prst="rect">
+            <a:avLst/>
+          </a:prstGeom>
+        </p:spPr>
+        <p:txBody>
+          <a:bodyPr lIns="0" rIns="0" tIns="0" bIns="0">
             <a:normAutofit/>
           </a:bodyPr>
-          <a:lstStyle/>
-          <a:p>
-            <a:endParaRPr lang="fr-CH" sz="3200" b="0" strike="noStrike" spc="-1">
-              <a:solidFill>
-                <a:srgbClr val="000000"/>
-              </a:solidFill>
-              <a:uFill>
-                <a:solidFill>
-                  <a:srgbClr val="FFFFFF"/>
+          <a:p>
+            <a:endParaRPr b="0" lang="fr-FR" sz="2800" spc="-1" strike="noStrike">
+              <a:solidFill>
+                <a:srgbClr val="000000"/>
+              </a:solidFill>
+              <a:uFill>
+                <a:solidFill>
+                  <a:srgbClr val="ffffff"/>
                 </a:solidFill>
               </a:uFill>
               <a:latin typeface="Arial"/>
@@ -2180,26 +1984,25 @@
         </p:nvSpPr>
         <p:spPr>
           <a:xfrm>
-            <a:off x="5063760" y="1980000"/>
-            <a:ext cx="4479480" cy="2232000"/>
-          </a:xfrm>
-          <a:prstGeom prst="rect">
-            <a:avLst/>
-          </a:prstGeom>
-        </p:spPr>
-        <p:txBody>
-          <a:bodyPr lIns="0" tIns="0" rIns="0" bIns="0">
+            <a:off x="5152680" y="1768680"/>
+            <a:ext cx="4426920" cy="2090880"/>
+          </a:xfrm>
+          <a:prstGeom prst="rect">
+            <a:avLst/>
+          </a:prstGeom>
+        </p:spPr>
+        <p:txBody>
+          <a:bodyPr lIns="0" rIns="0" tIns="0" bIns="0">
             <a:normAutofit/>
           </a:bodyPr>
-          <a:lstStyle/>
-          <a:p>
-            <a:endParaRPr lang="fr-CH" sz="3200" b="0" strike="noStrike" spc="-1">
-              <a:solidFill>
-                <a:srgbClr val="000000"/>
-              </a:solidFill>
-              <a:uFill>
-                <a:solidFill>
-                  <a:srgbClr val="FFFFFF"/>
+          <a:p>
+            <a:endParaRPr b="0" lang="fr-FR" sz="2800" spc="-1" strike="noStrike">
+              <a:solidFill>
+                <a:srgbClr val="000000"/>
+              </a:solidFill>
+              <a:uFill>
+                <a:solidFill>
+                  <a:srgbClr val="ffffff"/>
                 </a:solidFill>
               </a:uFill>
               <a:latin typeface="Arial"/>
@@ -2219,26 +2022,25 @@
         </p:nvSpPr>
         <p:spPr>
           <a:xfrm>
-            <a:off x="5063760" y="4424400"/>
-            <a:ext cx="4479480" cy="2232000"/>
-          </a:xfrm>
-          <a:prstGeom prst="rect">
-            <a:avLst/>
-          </a:prstGeom>
-        </p:spPr>
-        <p:txBody>
-          <a:bodyPr lIns="0" tIns="0" rIns="0" bIns="0">
+            <a:off x="5152680" y="4058640"/>
+            <a:ext cx="4426920" cy="2090880"/>
+          </a:xfrm>
+          <a:prstGeom prst="rect">
+            <a:avLst/>
+          </a:prstGeom>
+        </p:spPr>
+        <p:txBody>
+          <a:bodyPr lIns="0" rIns="0" tIns="0" bIns="0">
             <a:normAutofit/>
           </a:bodyPr>
-          <a:lstStyle/>
-          <a:p>
-            <a:endParaRPr lang="fr-CH" sz="3200" b="0" strike="noStrike" spc="-1">
-              <a:solidFill>
-                <a:srgbClr val="000000"/>
-              </a:solidFill>
-              <a:uFill>
-                <a:solidFill>
-                  <a:srgbClr val="FFFFFF"/>
+          <a:p>
+            <a:endParaRPr b="0" lang="fr-FR" sz="2800" spc="-1" strike="noStrike">
+              <a:solidFill>
+                <a:srgbClr val="000000"/>
+              </a:solidFill>
+              <a:uFill>
+                <a:solidFill>
+                  <a:srgbClr val="ffffff"/>
                 </a:solidFill>
               </a:uFill>
               <a:latin typeface="Arial"/>
@@ -2258,26 +2060,25 @@
         </p:nvSpPr>
         <p:spPr>
           <a:xfrm>
-            <a:off x="360000" y="4424400"/>
-            <a:ext cx="4479480" cy="2232000"/>
-          </a:xfrm>
-          <a:prstGeom prst="rect">
-            <a:avLst/>
-          </a:prstGeom>
-        </p:spPr>
-        <p:txBody>
-          <a:bodyPr lIns="0" tIns="0" rIns="0" bIns="0">
+            <a:off x="504000" y="4058640"/>
+            <a:ext cx="4426920" cy="2090880"/>
+          </a:xfrm>
+          <a:prstGeom prst="rect">
+            <a:avLst/>
+          </a:prstGeom>
+        </p:spPr>
+        <p:txBody>
+          <a:bodyPr lIns="0" rIns="0" tIns="0" bIns="0">
             <a:normAutofit/>
           </a:bodyPr>
-          <a:lstStyle/>
-          <a:p>
-            <a:endParaRPr lang="fr-CH" sz="3200" b="0" strike="noStrike" spc="-1">
-              <a:solidFill>
-                <a:srgbClr val="000000"/>
-              </a:solidFill>
-              <a:uFill>
-                <a:solidFill>
-                  <a:srgbClr val="FFFFFF"/>
+          <a:p>
+            <a:endParaRPr b="0" lang="fr-FR" sz="2800" spc="-1" strike="noStrike">
+              <a:solidFill>
+                <a:srgbClr val="000000"/>
+              </a:solidFill>
+              <a:uFill>
+                <a:solidFill>
+                  <a:srgbClr val="ffffff"/>
                 </a:solidFill>
               </a:uFill>
               <a:latin typeface="Arial"/>
@@ -2287,14 +2088,11 @@
       </p:sp>
     </p:spTree>
   </p:cSld>
-  <p:clrMapOvr>
-    <a:masterClrMapping/>
-  </p:clrMapOvr>
 </p:sldLayout>
 </file>
 
 <file path=ppt/slideLayouts/slideLayout24.xml><?xml version="1.0" encoding="utf-8"?>
-<p:sldLayout xmlns:a="http://schemas.openxmlformats.org/drawingml/2006/main" xmlns:r="http://schemas.openxmlformats.org/officeDocument/2006/relationships" xmlns:p="http://schemas.openxmlformats.org/presentationml/2006/main" type="blank" preserve="1">
+<p:sldLayout xmlns:a="http://schemas.openxmlformats.org/drawingml/2006/main" xmlns:p="http://schemas.openxmlformats.org/presentationml/2006/main" xmlns:r="http://schemas.openxmlformats.org/officeDocument/2006/relationships" xmlns:p14="http://schemas.microsoft.com/office/powerpoint/2010/main" xmlns:p15="http://schemas.microsoft.com/office/powerpoint/2012/main" xmlns:mc="http://schemas.openxmlformats.org/markup-compatibility/2006" type="blank" preserve="1">
   <p:cSld name="Title, 6 Content">
     <p:spTree>
       <p:nvGrpSpPr>
@@ -2322,25 +2120,23 @@
         </p:nvSpPr>
         <p:spPr>
           <a:xfrm>
-            <a:off x="360000" y="360000"/>
-            <a:ext cx="9359640" cy="899640"/>
-          </a:xfrm>
-          <a:prstGeom prst="rect">
-            <a:avLst/>
-          </a:prstGeom>
-        </p:spPr>
-        <p:txBody>
-          <a:bodyPr lIns="0" tIns="0" rIns="0" bIns="0" anchor="ctr"/>
-          <a:lstStyle/>
-          <a:p>
-            <a:pPr algn="ctr"/>
-            <a:endParaRPr lang="fr-CH" sz="4400" b="0" strike="noStrike" spc="-1">
-              <a:solidFill>
-                <a:srgbClr val="000000"/>
-              </a:solidFill>
-              <a:uFill>
-                <a:solidFill>
-                  <a:srgbClr val="FFFFFF"/>
+            <a:off x="504000" y="301320"/>
+            <a:ext cx="9072000" cy="1261800"/>
+          </a:xfrm>
+          <a:prstGeom prst="rect">
+            <a:avLst/>
+          </a:prstGeom>
+        </p:spPr>
+        <p:txBody>
+          <a:bodyPr lIns="0" rIns="0" tIns="0" bIns="0" anchor="ctr"/>
+          <a:p>
+            <a:endParaRPr b="0" lang="fr-FR" sz="1800" spc="-1" strike="noStrike">
+              <a:solidFill>
+                <a:srgbClr val="000000"/>
+              </a:solidFill>
+              <a:uFill>
+                <a:solidFill>
+                  <a:srgbClr val="ffffff"/>
                 </a:solidFill>
               </a:uFill>
               <a:latin typeface="Arial"/>
@@ -2360,26 +2156,25 @@
         </p:nvSpPr>
         <p:spPr>
           <a:xfrm>
-            <a:off x="360000" y="1980000"/>
-            <a:ext cx="2955600" cy="2232000"/>
-          </a:xfrm>
-          <a:prstGeom prst="rect">
-            <a:avLst/>
-          </a:prstGeom>
-        </p:spPr>
-        <p:txBody>
-          <a:bodyPr lIns="0" tIns="0" rIns="0" bIns="0">
+            <a:off x="504000" y="1768680"/>
+            <a:ext cx="2921040" cy="2090880"/>
+          </a:xfrm>
+          <a:prstGeom prst="rect">
+            <a:avLst/>
+          </a:prstGeom>
+        </p:spPr>
+        <p:txBody>
+          <a:bodyPr lIns="0" rIns="0" tIns="0" bIns="0">
             <a:normAutofit/>
           </a:bodyPr>
-          <a:lstStyle/>
-          <a:p>
-            <a:endParaRPr lang="fr-CH" sz="3200" b="0" strike="noStrike" spc="-1">
-              <a:solidFill>
-                <a:srgbClr val="000000"/>
-              </a:solidFill>
-              <a:uFill>
-                <a:solidFill>
-                  <a:srgbClr val="FFFFFF"/>
+          <a:p>
+            <a:endParaRPr b="0" lang="fr-FR" sz="2800" spc="-1" strike="noStrike">
+              <a:solidFill>
+                <a:srgbClr val="000000"/>
+              </a:solidFill>
+              <a:uFill>
+                <a:solidFill>
+                  <a:srgbClr val="ffffff"/>
                 </a:solidFill>
               </a:uFill>
               <a:latin typeface="Arial"/>
@@ -2399,26 +2194,25 @@
         </p:nvSpPr>
         <p:spPr>
           <a:xfrm>
-            <a:off x="3463920" y="1980000"/>
-            <a:ext cx="2955600" cy="2232000"/>
-          </a:xfrm>
-          <a:prstGeom prst="rect">
-            <a:avLst/>
-          </a:prstGeom>
-        </p:spPr>
-        <p:txBody>
-          <a:bodyPr lIns="0" tIns="0" rIns="0" bIns="0">
+            <a:off x="3571560" y="1768680"/>
+            <a:ext cx="2921040" cy="2090880"/>
+          </a:xfrm>
+          <a:prstGeom prst="rect">
+            <a:avLst/>
+          </a:prstGeom>
+        </p:spPr>
+        <p:txBody>
+          <a:bodyPr lIns="0" rIns="0" tIns="0" bIns="0">
             <a:normAutofit/>
           </a:bodyPr>
-          <a:lstStyle/>
-          <a:p>
-            <a:endParaRPr lang="fr-CH" sz="3200" b="0" strike="noStrike" spc="-1">
-              <a:solidFill>
-                <a:srgbClr val="000000"/>
-              </a:solidFill>
-              <a:uFill>
-                <a:solidFill>
-                  <a:srgbClr val="FFFFFF"/>
+          <a:p>
+            <a:endParaRPr b="0" lang="fr-FR" sz="2800" spc="-1" strike="noStrike">
+              <a:solidFill>
+                <a:srgbClr val="000000"/>
+              </a:solidFill>
+              <a:uFill>
+                <a:solidFill>
+                  <a:srgbClr val="ffffff"/>
                 </a:solidFill>
               </a:uFill>
               <a:latin typeface="Arial"/>
@@ -2438,26 +2232,25 @@
         </p:nvSpPr>
         <p:spPr>
           <a:xfrm>
-            <a:off x="6567480" y="1980000"/>
-            <a:ext cx="2955600" cy="2232000"/>
-          </a:xfrm>
-          <a:prstGeom prst="rect">
-            <a:avLst/>
-          </a:prstGeom>
-        </p:spPr>
-        <p:txBody>
-          <a:bodyPr lIns="0" tIns="0" rIns="0" bIns="0">
+            <a:off x="6639120" y="1768680"/>
+            <a:ext cx="2921040" cy="2090880"/>
+          </a:xfrm>
+          <a:prstGeom prst="rect">
+            <a:avLst/>
+          </a:prstGeom>
+        </p:spPr>
+        <p:txBody>
+          <a:bodyPr lIns="0" rIns="0" tIns="0" bIns="0">
             <a:normAutofit/>
           </a:bodyPr>
-          <a:lstStyle/>
-          <a:p>
-            <a:endParaRPr lang="fr-CH" sz="3200" b="0" strike="noStrike" spc="-1">
-              <a:solidFill>
-                <a:srgbClr val="000000"/>
-              </a:solidFill>
-              <a:uFill>
-                <a:solidFill>
-                  <a:srgbClr val="FFFFFF"/>
+          <a:p>
+            <a:endParaRPr b="0" lang="fr-FR" sz="2800" spc="-1" strike="noStrike">
+              <a:solidFill>
+                <a:srgbClr val="000000"/>
+              </a:solidFill>
+              <a:uFill>
+                <a:solidFill>
+                  <a:srgbClr val="ffffff"/>
                 </a:solidFill>
               </a:uFill>
               <a:latin typeface="Arial"/>
@@ -2477,26 +2270,25 @@
         </p:nvSpPr>
         <p:spPr>
           <a:xfrm>
-            <a:off x="6567480" y="4424400"/>
-            <a:ext cx="2955600" cy="2232000"/>
-          </a:xfrm>
-          <a:prstGeom prst="rect">
-            <a:avLst/>
-          </a:prstGeom>
-        </p:spPr>
-        <p:txBody>
-          <a:bodyPr lIns="0" tIns="0" rIns="0" bIns="0">
+            <a:off x="6639120" y="4058640"/>
+            <a:ext cx="2921040" cy="2090880"/>
+          </a:xfrm>
+          <a:prstGeom prst="rect">
+            <a:avLst/>
+          </a:prstGeom>
+        </p:spPr>
+        <p:txBody>
+          <a:bodyPr lIns="0" rIns="0" tIns="0" bIns="0">
             <a:normAutofit/>
           </a:bodyPr>
-          <a:lstStyle/>
-          <a:p>
-            <a:endParaRPr lang="fr-CH" sz="3200" b="0" strike="noStrike" spc="-1">
-              <a:solidFill>
-                <a:srgbClr val="000000"/>
-              </a:solidFill>
-              <a:uFill>
-                <a:solidFill>
-                  <a:srgbClr val="FFFFFF"/>
+          <a:p>
+            <a:endParaRPr b="0" lang="fr-FR" sz="2800" spc="-1" strike="noStrike">
+              <a:solidFill>
+                <a:srgbClr val="000000"/>
+              </a:solidFill>
+              <a:uFill>
+                <a:solidFill>
+                  <a:srgbClr val="ffffff"/>
                 </a:solidFill>
               </a:uFill>
               <a:latin typeface="Arial"/>
@@ -2516,26 +2308,25 @@
         </p:nvSpPr>
         <p:spPr>
           <a:xfrm>
-            <a:off x="3463920" y="4424400"/>
-            <a:ext cx="2955600" cy="2232000"/>
-          </a:xfrm>
-          <a:prstGeom prst="rect">
-            <a:avLst/>
-          </a:prstGeom>
-        </p:spPr>
-        <p:txBody>
-          <a:bodyPr lIns="0" tIns="0" rIns="0" bIns="0">
+            <a:off x="3571560" y="4058640"/>
+            <a:ext cx="2921040" cy="2090880"/>
+          </a:xfrm>
+          <a:prstGeom prst="rect">
+            <a:avLst/>
+          </a:prstGeom>
+        </p:spPr>
+        <p:txBody>
+          <a:bodyPr lIns="0" rIns="0" tIns="0" bIns="0">
             <a:normAutofit/>
           </a:bodyPr>
-          <a:lstStyle/>
-          <a:p>
-            <a:endParaRPr lang="fr-CH" sz="3200" b="0" strike="noStrike" spc="-1">
-              <a:solidFill>
-                <a:srgbClr val="000000"/>
-              </a:solidFill>
-              <a:uFill>
-                <a:solidFill>
-                  <a:srgbClr val="FFFFFF"/>
+          <a:p>
+            <a:endParaRPr b="0" lang="fr-FR" sz="2800" spc="-1" strike="noStrike">
+              <a:solidFill>
+                <a:srgbClr val="000000"/>
+              </a:solidFill>
+              <a:uFill>
+                <a:solidFill>
+                  <a:srgbClr val="ffffff"/>
                 </a:solidFill>
               </a:uFill>
               <a:latin typeface="Arial"/>
@@ -2555,26 +2346,25 @@
         </p:nvSpPr>
         <p:spPr>
           <a:xfrm>
-            <a:off x="360000" y="4424400"/>
-            <a:ext cx="2955600" cy="2232000"/>
-          </a:xfrm>
-          <a:prstGeom prst="rect">
-            <a:avLst/>
-          </a:prstGeom>
-        </p:spPr>
-        <p:txBody>
-          <a:bodyPr lIns="0" tIns="0" rIns="0" bIns="0">
+            <a:off x="504000" y="4058640"/>
+            <a:ext cx="2921040" cy="2090880"/>
+          </a:xfrm>
+          <a:prstGeom prst="rect">
+            <a:avLst/>
+          </a:prstGeom>
+        </p:spPr>
+        <p:txBody>
+          <a:bodyPr lIns="0" rIns="0" tIns="0" bIns="0">
             <a:normAutofit/>
           </a:bodyPr>
-          <a:lstStyle/>
-          <a:p>
-            <a:endParaRPr lang="fr-CH" sz="3200" b="0" strike="noStrike" spc="-1">
-              <a:solidFill>
-                <a:srgbClr val="000000"/>
-              </a:solidFill>
-              <a:uFill>
-                <a:solidFill>
-                  <a:srgbClr val="FFFFFF"/>
+          <a:p>
+            <a:endParaRPr b="0" lang="fr-FR" sz="2800" spc="-1" strike="noStrike">
+              <a:solidFill>
+                <a:srgbClr val="000000"/>
+              </a:solidFill>
+              <a:uFill>
+                <a:solidFill>
+                  <a:srgbClr val="ffffff"/>
                 </a:solidFill>
               </a:uFill>
               <a:latin typeface="Arial"/>
@@ -2584,14 +2374,11 @@
       </p:sp>
     </p:spTree>
   </p:cSld>
-  <p:clrMapOvr>
-    <a:masterClrMapping/>
-  </p:clrMapOvr>
 </p:sldLayout>
 </file>
 
 <file path=ppt/slideLayouts/slideLayout3.xml><?xml version="1.0" encoding="utf-8"?>
-<p:sldLayout xmlns:a="http://schemas.openxmlformats.org/drawingml/2006/main" xmlns:r="http://schemas.openxmlformats.org/officeDocument/2006/relationships" xmlns:p="http://schemas.openxmlformats.org/presentationml/2006/main" type="obj" preserve="1">
+<p:sldLayout xmlns:a="http://schemas.openxmlformats.org/drawingml/2006/main" xmlns:p="http://schemas.openxmlformats.org/presentationml/2006/main" xmlns:r="http://schemas.openxmlformats.org/officeDocument/2006/relationships" xmlns:p14="http://schemas.microsoft.com/office/powerpoint/2010/main" xmlns:p15="http://schemas.microsoft.com/office/powerpoint/2012/main" xmlns:mc="http://schemas.openxmlformats.org/markup-compatibility/2006" type="obj" preserve="1">
   <p:cSld name="Title, Content">
     <p:spTree>
       <p:nvGrpSpPr>
@@ -2619,25 +2406,23 @@
         </p:nvSpPr>
         <p:spPr>
           <a:xfrm>
-            <a:off x="360000" y="360000"/>
-            <a:ext cx="9359640" cy="899640"/>
-          </a:xfrm>
-          <a:prstGeom prst="rect">
-            <a:avLst/>
-          </a:prstGeom>
-        </p:spPr>
-        <p:txBody>
-          <a:bodyPr lIns="0" tIns="0" rIns="0" bIns="0" anchor="ctr"/>
-          <a:lstStyle/>
-          <a:p>
-            <a:pPr algn="ctr"/>
-            <a:endParaRPr lang="fr-CH" sz="4400" b="0" strike="noStrike" spc="-1">
-              <a:solidFill>
-                <a:srgbClr val="000000"/>
-              </a:solidFill>
-              <a:uFill>
-                <a:solidFill>
-                  <a:srgbClr val="FFFFFF"/>
+            <a:off x="504000" y="301320"/>
+            <a:ext cx="9072000" cy="1261800"/>
+          </a:xfrm>
+          <a:prstGeom prst="rect">
+            <a:avLst/>
+          </a:prstGeom>
+        </p:spPr>
+        <p:txBody>
+          <a:bodyPr lIns="0" rIns="0" tIns="0" bIns="0" anchor="ctr"/>
+          <a:p>
+            <a:endParaRPr b="0" lang="fr-FR" sz="1800" spc="-1" strike="noStrike">
+              <a:solidFill>
+                <a:srgbClr val="000000"/>
+              </a:solidFill>
+              <a:uFill>
+                <a:solidFill>
+                  <a:srgbClr val="ffffff"/>
                 </a:solidFill>
               </a:uFill>
               <a:latin typeface="Arial"/>
@@ -2657,26 +2442,25 @@
         </p:nvSpPr>
         <p:spPr>
           <a:xfrm>
-            <a:off x="360000" y="1980000"/>
-            <a:ext cx="9179640" cy="4679640"/>
-          </a:xfrm>
-          <a:prstGeom prst="rect">
-            <a:avLst/>
-          </a:prstGeom>
-        </p:spPr>
-        <p:txBody>
-          <a:bodyPr lIns="0" tIns="0" rIns="0" bIns="0">
+            <a:off x="504000" y="1768680"/>
+            <a:ext cx="9072000" cy="4384080"/>
+          </a:xfrm>
+          <a:prstGeom prst="rect">
+            <a:avLst/>
+          </a:prstGeom>
+        </p:spPr>
+        <p:txBody>
+          <a:bodyPr lIns="0" rIns="0" tIns="0" bIns="0">
             <a:normAutofit/>
           </a:bodyPr>
-          <a:lstStyle/>
-          <a:p>
-            <a:endParaRPr lang="fr-CH" sz="3200" b="0" strike="noStrike" spc="-1">
-              <a:solidFill>
-                <a:srgbClr val="000000"/>
-              </a:solidFill>
-              <a:uFill>
-                <a:solidFill>
-                  <a:srgbClr val="FFFFFF"/>
+          <a:p>
+            <a:endParaRPr b="0" lang="fr-FR" sz="2800" spc="-1" strike="noStrike">
+              <a:solidFill>
+                <a:srgbClr val="000000"/>
+              </a:solidFill>
+              <a:uFill>
+                <a:solidFill>
+                  <a:srgbClr val="ffffff"/>
                 </a:solidFill>
               </a:uFill>
               <a:latin typeface="Arial"/>
@@ -2686,14 +2470,11 @@
       </p:sp>
     </p:spTree>
   </p:cSld>
-  <p:clrMapOvr>
-    <a:masterClrMapping/>
-  </p:clrMapOvr>
 </p:sldLayout>
 </file>
 
 <file path=ppt/slideLayouts/slideLayout4.xml><?xml version="1.0" encoding="utf-8"?>
-<p:sldLayout xmlns:a="http://schemas.openxmlformats.org/drawingml/2006/main" xmlns:r="http://schemas.openxmlformats.org/officeDocument/2006/relationships" xmlns:p="http://schemas.openxmlformats.org/presentationml/2006/main" type="twoObj" preserve="1">
+<p:sldLayout xmlns:a="http://schemas.openxmlformats.org/drawingml/2006/main" xmlns:p="http://schemas.openxmlformats.org/presentationml/2006/main" xmlns:r="http://schemas.openxmlformats.org/officeDocument/2006/relationships" xmlns:p14="http://schemas.microsoft.com/office/powerpoint/2010/main" xmlns:p15="http://schemas.microsoft.com/office/powerpoint/2012/main" xmlns:mc="http://schemas.openxmlformats.org/markup-compatibility/2006" type="twoObj" preserve="1">
   <p:cSld name="Title, 2 Content">
     <p:spTree>
       <p:nvGrpSpPr>
@@ -2721,25 +2502,23 @@
         </p:nvSpPr>
         <p:spPr>
           <a:xfrm>
-            <a:off x="360000" y="360000"/>
-            <a:ext cx="9359640" cy="899640"/>
-          </a:xfrm>
-          <a:prstGeom prst="rect">
-            <a:avLst/>
-          </a:prstGeom>
-        </p:spPr>
-        <p:txBody>
-          <a:bodyPr lIns="0" tIns="0" rIns="0" bIns="0" anchor="ctr"/>
-          <a:lstStyle/>
-          <a:p>
-            <a:pPr algn="ctr"/>
-            <a:endParaRPr lang="fr-CH" sz="4400" b="0" strike="noStrike" spc="-1">
-              <a:solidFill>
-                <a:srgbClr val="000000"/>
-              </a:solidFill>
-              <a:uFill>
-                <a:solidFill>
-                  <a:srgbClr val="FFFFFF"/>
+            <a:off x="504000" y="301320"/>
+            <a:ext cx="9072000" cy="1261800"/>
+          </a:xfrm>
+          <a:prstGeom prst="rect">
+            <a:avLst/>
+          </a:prstGeom>
+        </p:spPr>
+        <p:txBody>
+          <a:bodyPr lIns="0" rIns="0" tIns="0" bIns="0" anchor="ctr"/>
+          <a:p>
+            <a:endParaRPr b="0" lang="fr-FR" sz="1800" spc="-1" strike="noStrike">
+              <a:solidFill>
+                <a:srgbClr val="000000"/>
+              </a:solidFill>
+              <a:uFill>
+                <a:solidFill>
+                  <a:srgbClr val="ffffff"/>
                 </a:solidFill>
               </a:uFill>
               <a:latin typeface="Arial"/>
@@ -2759,26 +2538,25 @@
         </p:nvSpPr>
         <p:spPr>
           <a:xfrm>
-            <a:off x="360000" y="1980000"/>
-            <a:ext cx="4479480" cy="4679640"/>
-          </a:xfrm>
-          <a:prstGeom prst="rect">
-            <a:avLst/>
-          </a:prstGeom>
-        </p:spPr>
-        <p:txBody>
-          <a:bodyPr lIns="0" tIns="0" rIns="0" bIns="0">
+            <a:off x="504000" y="1768680"/>
+            <a:ext cx="4426920" cy="4384080"/>
+          </a:xfrm>
+          <a:prstGeom prst="rect">
+            <a:avLst/>
+          </a:prstGeom>
+        </p:spPr>
+        <p:txBody>
+          <a:bodyPr lIns="0" rIns="0" tIns="0" bIns="0">
             <a:normAutofit/>
           </a:bodyPr>
-          <a:lstStyle/>
-          <a:p>
-            <a:endParaRPr lang="fr-CH" sz="3200" b="0" strike="noStrike" spc="-1">
-              <a:solidFill>
-                <a:srgbClr val="000000"/>
-              </a:solidFill>
-              <a:uFill>
-                <a:solidFill>
-                  <a:srgbClr val="FFFFFF"/>
+          <a:p>
+            <a:endParaRPr b="0" lang="fr-FR" sz="2800" spc="-1" strike="noStrike">
+              <a:solidFill>
+                <a:srgbClr val="000000"/>
+              </a:solidFill>
+              <a:uFill>
+                <a:solidFill>
+                  <a:srgbClr val="ffffff"/>
                 </a:solidFill>
               </a:uFill>
               <a:latin typeface="Arial"/>
@@ -2798,26 +2576,25 @@
         </p:nvSpPr>
         <p:spPr>
           <a:xfrm>
-            <a:off x="5063760" y="1980000"/>
-            <a:ext cx="4479480" cy="4679640"/>
-          </a:xfrm>
-          <a:prstGeom prst="rect">
-            <a:avLst/>
-          </a:prstGeom>
-        </p:spPr>
-        <p:txBody>
-          <a:bodyPr lIns="0" tIns="0" rIns="0" bIns="0">
+            <a:off x="5152680" y="1768680"/>
+            <a:ext cx="4426920" cy="4384080"/>
+          </a:xfrm>
+          <a:prstGeom prst="rect">
+            <a:avLst/>
+          </a:prstGeom>
+        </p:spPr>
+        <p:txBody>
+          <a:bodyPr lIns="0" rIns="0" tIns="0" bIns="0">
             <a:normAutofit/>
           </a:bodyPr>
-          <a:lstStyle/>
-          <a:p>
-            <a:endParaRPr lang="fr-CH" sz="3200" b="0" strike="noStrike" spc="-1">
-              <a:solidFill>
-                <a:srgbClr val="000000"/>
-              </a:solidFill>
-              <a:uFill>
-                <a:solidFill>
-                  <a:srgbClr val="FFFFFF"/>
+          <a:p>
+            <a:endParaRPr b="0" lang="fr-FR" sz="2800" spc="-1" strike="noStrike">
+              <a:solidFill>
+                <a:srgbClr val="000000"/>
+              </a:solidFill>
+              <a:uFill>
+                <a:solidFill>
+                  <a:srgbClr val="ffffff"/>
                 </a:solidFill>
               </a:uFill>
               <a:latin typeface="Arial"/>
@@ -2827,14 +2604,11 @@
       </p:sp>
     </p:spTree>
   </p:cSld>
-  <p:clrMapOvr>
-    <a:masterClrMapping/>
-  </p:clrMapOvr>
 </p:sldLayout>
 </file>
 
 <file path=ppt/slideLayouts/slideLayout5.xml><?xml version="1.0" encoding="utf-8"?>
-<p:sldLayout xmlns:a="http://schemas.openxmlformats.org/drawingml/2006/main" xmlns:r="http://schemas.openxmlformats.org/officeDocument/2006/relationships" xmlns:p="http://schemas.openxmlformats.org/presentationml/2006/main" type="titleOnly" preserve="1">
+<p:sldLayout xmlns:a="http://schemas.openxmlformats.org/drawingml/2006/main" xmlns:p="http://schemas.openxmlformats.org/presentationml/2006/main" xmlns:r="http://schemas.openxmlformats.org/officeDocument/2006/relationships" xmlns:p14="http://schemas.microsoft.com/office/powerpoint/2010/main" xmlns:p15="http://schemas.microsoft.com/office/powerpoint/2012/main" xmlns:mc="http://schemas.openxmlformats.org/markup-compatibility/2006" type="titleOnly" preserve="1">
   <p:cSld name="Title Only">
     <p:spTree>
       <p:nvGrpSpPr>
@@ -2862,25 +2636,23 @@
         </p:nvSpPr>
         <p:spPr>
           <a:xfrm>
-            <a:off x="360000" y="360000"/>
-            <a:ext cx="9359640" cy="899640"/>
-          </a:xfrm>
-          <a:prstGeom prst="rect">
-            <a:avLst/>
-          </a:prstGeom>
-        </p:spPr>
-        <p:txBody>
-          <a:bodyPr lIns="0" tIns="0" rIns="0" bIns="0" anchor="ctr"/>
-          <a:lstStyle/>
-          <a:p>
-            <a:pPr algn="ctr"/>
-            <a:endParaRPr lang="fr-CH" sz="4400" b="0" strike="noStrike" spc="-1">
-              <a:solidFill>
-                <a:srgbClr val="000000"/>
-              </a:solidFill>
-              <a:uFill>
-                <a:solidFill>
-                  <a:srgbClr val="FFFFFF"/>
+            <a:off x="504000" y="301320"/>
+            <a:ext cx="9072000" cy="1261800"/>
+          </a:xfrm>
+          <a:prstGeom prst="rect">
+            <a:avLst/>
+          </a:prstGeom>
+        </p:spPr>
+        <p:txBody>
+          <a:bodyPr lIns="0" rIns="0" tIns="0" bIns="0" anchor="ctr"/>
+          <a:p>
+            <a:endParaRPr b="0" lang="fr-FR" sz="1800" spc="-1" strike="noStrike">
+              <a:solidFill>
+                <a:srgbClr val="000000"/>
+              </a:solidFill>
+              <a:uFill>
+                <a:solidFill>
+                  <a:srgbClr val="ffffff"/>
                 </a:solidFill>
               </a:uFill>
               <a:latin typeface="Arial"/>
@@ -2890,14 +2662,11 @@
       </p:sp>
     </p:spTree>
   </p:cSld>
-  <p:clrMapOvr>
-    <a:masterClrMapping/>
-  </p:clrMapOvr>
 </p:sldLayout>
 </file>
 
 <file path=ppt/slideLayouts/slideLayout6.xml><?xml version="1.0" encoding="utf-8"?>
-<p:sldLayout xmlns:a="http://schemas.openxmlformats.org/drawingml/2006/main" xmlns:r="http://schemas.openxmlformats.org/officeDocument/2006/relationships" xmlns:p="http://schemas.openxmlformats.org/presentationml/2006/main" type="objOnly" preserve="1">
+<p:sldLayout xmlns:a="http://schemas.openxmlformats.org/drawingml/2006/main" xmlns:p="http://schemas.openxmlformats.org/presentationml/2006/main" xmlns:r="http://schemas.openxmlformats.org/officeDocument/2006/relationships" xmlns:p14="http://schemas.microsoft.com/office/powerpoint/2010/main" xmlns:p15="http://schemas.microsoft.com/office/powerpoint/2012/main" xmlns:mc="http://schemas.openxmlformats.org/markup-compatibility/2006" type="objOnly" preserve="1">
   <p:cSld name="Centered Text">
     <p:spTree>
       <p:nvGrpSpPr>
@@ -2925,25 +2694,24 @@
         </p:nvSpPr>
         <p:spPr>
           <a:xfrm>
-            <a:off x="360000" y="360000"/>
-            <a:ext cx="9359640" cy="4171680"/>
-          </a:xfrm>
-          <a:prstGeom prst="rect">
-            <a:avLst/>
-          </a:prstGeom>
-        </p:spPr>
-        <p:txBody>
-          <a:bodyPr lIns="0" tIns="0" rIns="0" bIns="0" anchor="ctr"/>
-          <a:lstStyle/>
+            <a:off x="504000" y="301320"/>
+            <a:ext cx="9072000" cy="5850360"/>
+          </a:xfrm>
+          <a:prstGeom prst="rect">
+            <a:avLst/>
+          </a:prstGeom>
+        </p:spPr>
+        <p:txBody>
+          <a:bodyPr lIns="0" rIns="0" tIns="0" bIns="0" anchor="ctr"/>
           <a:p>
             <a:pPr algn="ctr"/>
-            <a:endParaRPr lang="fr-CH" sz="3200" b="0" strike="noStrike" spc="-1">
-              <a:solidFill>
-                <a:srgbClr val="000000"/>
-              </a:solidFill>
-              <a:uFill>
-                <a:solidFill>
-                  <a:srgbClr val="FFFFFF"/>
+            <a:endParaRPr b="0" lang="fr-CH" sz="3200" spc="-1" strike="noStrike">
+              <a:solidFill>
+                <a:srgbClr val="000000"/>
+              </a:solidFill>
+              <a:uFill>
+                <a:solidFill>
+                  <a:srgbClr val="ffffff"/>
                 </a:solidFill>
               </a:uFill>
               <a:latin typeface="Arial"/>
@@ -2953,14 +2721,11 @@
       </p:sp>
     </p:spTree>
   </p:cSld>
-  <p:clrMapOvr>
-    <a:masterClrMapping/>
-  </p:clrMapOvr>
 </p:sldLayout>
 </file>
 
 <file path=ppt/slideLayouts/slideLayout7.xml><?xml version="1.0" encoding="utf-8"?>
-<p:sldLayout xmlns:a="http://schemas.openxmlformats.org/drawingml/2006/main" xmlns:r="http://schemas.openxmlformats.org/officeDocument/2006/relationships" xmlns:p="http://schemas.openxmlformats.org/presentationml/2006/main" type="twoObjAndObj" preserve="1">
+<p:sldLayout xmlns:a="http://schemas.openxmlformats.org/drawingml/2006/main" xmlns:p="http://schemas.openxmlformats.org/presentationml/2006/main" xmlns:r="http://schemas.openxmlformats.org/officeDocument/2006/relationships" xmlns:p14="http://schemas.microsoft.com/office/powerpoint/2010/main" xmlns:p15="http://schemas.microsoft.com/office/powerpoint/2012/main" xmlns:mc="http://schemas.openxmlformats.org/markup-compatibility/2006" type="twoObjAndObj" preserve="1">
   <p:cSld name="Title, 2 Content and Content">
     <p:spTree>
       <p:nvGrpSpPr>
@@ -2988,25 +2753,23 @@
         </p:nvSpPr>
         <p:spPr>
           <a:xfrm>
-            <a:off x="360000" y="360000"/>
-            <a:ext cx="9359640" cy="899640"/>
-          </a:xfrm>
-          <a:prstGeom prst="rect">
-            <a:avLst/>
-          </a:prstGeom>
-        </p:spPr>
-        <p:txBody>
-          <a:bodyPr lIns="0" tIns="0" rIns="0" bIns="0" anchor="ctr"/>
-          <a:lstStyle/>
-          <a:p>
-            <a:pPr algn="ctr"/>
-            <a:endParaRPr lang="fr-CH" sz="4400" b="0" strike="noStrike" spc="-1">
-              <a:solidFill>
-                <a:srgbClr val="000000"/>
-              </a:solidFill>
-              <a:uFill>
-                <a:solidFill>
-                  <a:srgbClr val="FFFFFF"/>
+            <a:off x="504000" y="301320"/>
+            <a:ext cx="9072000" cy="1261800"/>
+          </a:xfrm>
+          <a:prstGeom prst="rect">
+            <a:avLst/>
+          </a:prstGeom>
+        </p:spPr>
+        <p:txBody>
+          <a:bodyPr lIns="0" rIns="0" tIns="0" bIns="0" anchor="ctr"/>
+          <a:p>
+            <a:endParaRPr b="0" lang="fr-FR" sz="1800" spc="-1" strike="noStrike">
+              <a:solidFill>
+                <a:srgbClr val="000000"/>
+              </a:solidFill>
+              <a:uFill>
+                <a:solidFill>
+                  <a:srgbClr val="ffffff"/>
                 </a:solidFill>
               </a:uFill>
               <a:latin typeface="Arial"/>
@@ -3026,26 +2789,25 @@
         </p:nvSpPr>
         <p:spPr>
           <a:xfrm>
-            <a:off x="360000" y="1980000"/>
-            <a:ext cx="4479480" cy="2232000"/>
-          </a:xfrm>
-          <a:prstGeom prst="rect">
-            <a:avLst/>
-          </a:prstGeom>
-        </p:spPr>
-        <p:txBody>
-          <a:bodyPr lIns="0" tIns="0" rIns="0" bIns="0">
+            <a:off x="504000" y="1768680"/>
+            <a:ext cx="4426920" cy="2090880"/>
+          </a:xfrm>
+          <a:prstGeom prst="rect">
+            <a:avLst/>
+          </a:prstGeom>
+        </p:spPr>
+        <p:txBody>
+          <a:bodyPr lIns="0" rIns="0" tIns="0" bIns="0">
             <a:normAutofit/>
           </a:bodyPr>
-          <a:lstStyle/>
-          <a:p>
-            <a:endParaRPr lang="fr-CH" sz="3200" b="0" strike="noStrike" spc="-1">
-              <a:solidFill>
-                <a:srgbClr val="000000"/>
-              </a:solidFill>
-              <a:uFill>
-                <a:solidFill>
-                  <a:srgbClr val="FFFFFF"/>
+          <a:p>
+            <a:endParaRPr b="0" lang="fr-FR" sz="2800" spc="-1" strike="noStrike">
+              <a:solidFill>
+                <a:srgbClr val="000000"/>
+              </a:solidFill>
+              <a:uFill>
+                <a:solidFill>
+                  <a:srgbClr val="ffffff"/>
                 </a:solidFill>
               </a:uFill>
               <a:latin typeface="Arial"/>
@@ -3065,26 +2827,25 @@
         </p:nvSpPr>
         <p:spPr>
           <a:xfrm>
-            <a:off x="360000" y="4424400"/>
-            <a:ext cx="4479480" cy="2232000"/>
-          </a:xfrm>
-          <a:prstGeom prst="rect">
-            <a:avLst/>
-          </a:prstGeom>
-        </p:spPr>
-        <p:txBody>
-          <a:bodyPr lIns="0" tIns="0" rIns="0" bIns="0">
+            <a:off x="504000" y="4058640"/>
+            <a:ext cx="4426920" cy="2090880"/>
+          </a:xfrm>
+          <a:prstGeom prst="rect">
+            <a:avLst/>
+          </a:prstGeom>
+        </p:spPr>
+        <p:txBody>
+          <a:bodyPr lIns="0" rIns="0" tIns="0" bIns="0">
             <a:normAutofit/>
           </a:bodyPr>
-          <a:lstStyle/>
-          <a:p>
-            <a:endParaRPr lang="fr-CH" sz="3200" b="0" strike="noStrike" spc="-1">
-              <a:solidFill>
-                <a:srgbClr val="000000"/>
-              </a:solidFill>
-              <a:uFill>
-                <a:solidFill>
-                  <a:srgbClr val="FFFFFF"/>
+          <a:p>
+            <a:endParaRPr b="0" lang="fr-FR" sz="2800" spc="-1" strike="noStrike">
+              <a:solidFill>
+                <a:srgbClr val="000000"/>
+              </a:solidFill>
+              <a:uFill>
+                <a:solidFill>
+                  <a:srgbClr val="ffffff"/>
                 </a:solidFill>
               </a:uFill>
               <a:latin typeface="Arial"/>
@@ -3104,26 +2865,25 @@
         </p:nvSpPr>
         <p:spPr>
           <a:xfrm>
-            <a:off x="5063760" y="1980000"/>
-            <a:ext cx="4479480" cy="4679640"/>
-          </a:xfrm>
-          <a:prstGeom prst="rect">
-            <a:avLst/>
-          </a:prstGeom>
-        </p:spPr>
-        <p:txBody>
-          <a:bodyPr lIns="0" tIns="0" rIns="0" bIns="0">
+            <a:off x="5152680" y="1768680"/>
+            <a:ext cx="4426920" cy="4384080"/>
+          </a:xfrm>
+          <a:prstGeom prst="rect">
+            <a:avLst/>
+          </a:prstGeom>
+        </p:spPr>
+        <p:txBody>
+          <a:bodyPr lIns="0" rIns="0" tIns="0" bIns="0">
             <a:normAutofit/>
           </a:bodyPr>
-          <a:lstStyle/>
-          <a:p>
-            <a:endParaRPr lang="fr-CH" sz="3200" b="0" strike="noStrike" spc="-1">
-              <a:solidFill>
-                <a:srgbClr val="000000"/>
-              </a:solidFill>
-              <a:uFill>
-                <a:solidFill>
-                  <a:srgbClr val="FFFFFF"/>
+          <a:p>
+            <a:endParaRPr b="0" lang="fr-FR" sz="2800" spc="-1" strike="noStrike">
+              <a:solidFill>
+                <a:srgbClr val="000000"/>
+              </a:solidFill>
+              <a:uFill>
+                <a:solidFill>
+                  <a:srgbClr val="ffffff"/>
                 </a:solidFill>
               </a:uFill>
               <a:latin typeface="Arial"/>
@@ -3133,14 +2893,11 @@
       </p:sp>
     </p:spTree>
   </p:cSld>
-  <p:clrMapOvr>
-    <a:masterClrMapping/>
-  </p:clrMapOvr>
 </p:sldLayout>
 </file>
 
 <file path=ppt/slideLayouts/slideLayout8.xml><?xml version="1.0" encoding="utf-8"?>
-<p:sldLayout xmlns:a="http://schemas.openxmlformats.org/drawingml/2006/main" xmlns:r="http://schemas.openxmlformats.org/officeDocument/2006/relationships" xmlns:p="http://schemas.openxmlformats.org/presentationml/2006/main" type="objAndTwoObj" preserve="1">
+<p:sldLayout xmlns:a="http://schemas.openxmlformats.org/drawingml/2006/main" xmlns:p="http://schemas.openxmlformats.org/presentationml/2006/main" xmlns:r="http://schemas.openxmlformats.org/officeDocument/2006/relationships" xmlns:p14="http://schemas.microsoft.com/office/powerpoint/2010/main" xmlns:p15="http://schemas.microsoft.com/office/powerpoint/2012/main" xmlns:mc="http://schemas.openxmlformats.org/markup-compatibility/2006" type="objAndTwoObj" preserve="1">
   <p:cSld name="Title Content and 2 Content">
     <p:spTree>
       <p:nvGrpSpPr>
@@ -3168,25 +2925,23 @@
         </p:nvSpPr>
         <p:spPr>
           <a:xfrm>
-            <a:off x="360000" y="360000"/>
-            <a:ext cx="9359640" cy="899640"/>
-          </a:xfrm>
-          <a:prstGeom prst="rect">
-            <a:avLst/>
-          </a:prstGeom>
-        </p:spPr>
-        <p:txBody>
-          <a:bodyPr lIns="0" tIns="0" rIns="0" bIns="0" anchor="ctr"/>
-          <a:lstStyle/>
-          <a:p>
-            <a:pPr algn="ctr"/>
-            <a:endParaRPr lang="fr-CH" sz="4400" b="0" strike="noStrike" spc="-1">
-              <a:solidFill>
-                <a:srgbClr val="000000"/>
-              </a:solidFill>
-              <a:uFill>
-                <a:solidFill>
-                  <a:srgbClr val="FFFFFF"/>
+            <a:off x="504000" y="301320"/>
+            <a:ext cx="9072000" cy="1261800"/>
+          </a:xfrm>
+          <a:prstGeom prst="rect">
+            <a:avLst/>
+          </a:prstGeom>
+        </p:spPr>
+        <p:txBody>
+          <a:bodyPr lIns="0" rIns="0" tIns="0" bIns="0" anchor="ctr"/>
+          <a:p>
+            <a:endParaRPr b="0" lang="fr-FR" sz="1800" spc="-1" strike="noStrike">
+              <a:solidFill>
+                <a:srgbClr val="000000"/>
+              </a:solidFill>
+              <a:uFill>
+                <a:solidFill>
+                  <a:srgbClr val="ffffff"/>
                 </a:solidFill>
               </a:uFill>
               <a:latin typeface="Arial"/>
@@ -3206,26 +2961,25 @@
         </p:nvSpPr>
         <p:spPr>
           <a:xfrm>
-            <a:off x="360000" y="1980000"/>
-            <a:ext cx="4479480" cy="4679640"/>
-          </a:xfrm>
-          <a:prstGeom prst="rect">
-            <a:avLst/>
-          </a:prstGeom>
-        </p:spPr>
-        <p:txBody>
-          <a:bodyPr lIns="0" tIns="0" rIns="0" bIns="0">
+            <a:off x="504000" y="1768680"/>
+            <a:ext cx="4426920" cy="4384080"/>
+          </a:xfrm>
+          <a:prstGeom prst="rect">
+            <a:avLst/>
+          </a:prstGeom>
+        </p:spPr>
+        <p:txBody>
+          <a:bodyPr lIns="0" rIns="0" tIns="0" bIns="0">
             <a:normAutofit/>
           </a:bodyPr>
-          <a:lstStyle/>
-          <a:p>
-            <a:endParaRPr lang="fr-CH" sz="3200" b="0" strike="noStrike" spc="-1">
-              <a:solidFill>
-                <a:srgbClr val="000000"/>
-              </a:solidFill>
-              <a:uFill>
-                <a:solidFill>
-                  <a:srgbClr val="FFFFFF"/>
+          <a:p>
+            <a:endParaRPr b="0" lang="fr-FR" sz="2800" spc="-1" strike="noStrike">
+              <a:solidFill>
+                <a:srgbClr val="000000"/>
+              </a:solidFill>
+              <a:uFill>
+                <a:solidFill>
+                  <a:srgbClr val="ffffff"/>
                 </a:solidFill>
               </a:uFill>
               <a:latin typeface="Arial"/>
@@ -3245,26 +2999,25 @@
         </p:nvSpPr>
         <p:spPr>
           <a:xfrm>
-            <a:off x="5063760" y="1980000"/>
-            <a:ext cx="4479480" cy="2232000"/>
-          </a:xfrm>
-          <a:prstGeom prst="rect">
-            <a:avLst/>
-          </a:prstGeom>
-        </p:spPr>
-        <p:txBody>
-          <a:bodyPr lIns="0" tIns="0" rIns="0" bIns="0">
+            <a:off x="5152680" y="1768680"/>
+            <a:ext cx="4426920" cy="2090880"/>
+          </a:xfrm>
+          <a:prstGeom prst="rect">
+            <a:avLst/>
+          </a:prstGeom>
+        </p:spPr>
+        <p:txBody>
+          <a:bodyPr lIns="0" rIns="0" tIns="0" bIns="0">
             <a:normAutofit/>
           </a:bodyPr>
-          <a:lstStyle/>
-          <a:p>
-            <a:endParaRPr lang="fr-CH" sz="3200" b="0" strike="noStrike" spc="-1">
-              <a:solidFill>
-                <a:srgbClr val="000000"/>
-              </a:solidFill>
-              <a:uFill>
-                <a:solidFill>
-                  <a:srgbClr val="FFFFFF"/>
+          <a:p>
+            <a:endParaRPr b="0" lang="fr-FR" sz="2800" spc="-1" strike="noStrike">
+              <a:solidFill>
+                <a:srgbClr val="000000"/>
+              </a:solidFill>
+              <a:uFill>
+                <a:solidFill>
+                  <a:srgbClr val="ffffff"/>
                 </a:solidFill>
               </a:uFill>
               <a:latin typeface="Arial"/>
@@ -3284,26 +3037,25 @@
         </p:nvSpPr>
         <p:spPr>
           <a:xfrm>
-            <a:off x="5063760" y="4424400"/>
-            <a:ext cx="4479480" cy="2232000"/>
-          </a:xfrm>
-          <a:prstGeom prst="rect">
-            <a:avLst/>
-          </a:prstGeom>
-        </p:spPr>
-        <p:txBody>
-          <a:bodyPr lIns="0" tIns="0" rIns="0" bIns="0">
+            <a:off x="5152680" y="4058640"/>
+            <a:ext cx="4426920" cy="2090880"/>
+          </a:xfrm>
+          <a:prstGeom prst="rect">
+            <a:avLst/>
+          </a:prstGeom>
+        </p:spPr>
+        <p:txBody>
+          <a:bodyPr lIns="0" rIns="0" tIns="0" bIns="0">
             <a:normAutofit/>
           </a:bodyPr>
-          <a:lstStyle/>
-          <a:p>
-            <a:endParaRPr lang="fr-CH" sz="3200" b="0" strike="noStrike" spc="-1">
-              <a:solidFill>
-                <a:srgbClr val="000000"/>
-              </a:solidFill>
-              <a:uFill>
-                <a:solidFill>
-                  <a:srgbClr val="FFFFFF"/>
+          <a:p>
+            <a:endParaRPr b="0" lang="fr-FR" sz="2800" spc="-1" strike="noStrike">
+              <a:solidFill>
+                <a:srgbClr val="000000"/>
+              </a:solidFill>
+              <a:uFill>
+                <a:solidFill>
+                  <a:srgbClr val="ffffff"/>
                 </a:solidFill>
               </a:uFill>
               <a:latin typeface="Arial"/>
@@ -3313,14 +3065,11 @@
       </p:sp>
     </p:spTree>
   </p:cSld>
-  <p:clrMapOvr>
-    <a:masterClrMapping/>
-  </p:clrMapOvr>
 </p:sldLayout>
 </file>
 
 <file path=ppt/slideLayouts/slideLayout9.xml><?xml version="1.0" encoding="utf-8"?>
-<p:sldLayout xmlns:a="http://schemas.openxmlformats.org/drawingml/2006/main" xmlns:r="http://schemas.openxmlformats.org/officeDocument/2006/relationships" xmlns:p="http://schemas.openxmlformats.org/presentationml/2006/main" type="twoObjOverTx" preserve="1">
+<p:sldLayout xmlns:a="http://schemas.openxmlformats.org/drawingml/2006/main" xmlns:p="http://schemas.openxmlformats.org/presentationml/2006/main" xmlns:r="http://schemas.openxmlformats.org/officeDocument/2006/relationships" xmlns:p14="http://schemas.microsoft.com/office/powerpoint/2010/main" xmlns:p15="http://schemas.microsoft.com/office/powerpoint/2012/main" xmlns:mc="http://schemas.openxmlformats.org/markup-compatibility/2006" type="twoObjOverTx" preserve="1">
   <p:cSld name="Title, 2 Content over Content">
     <p:spTree>
       <p:nvGrpSpPr>
@@ -3348,25 +3097,23 @@
         </p:nvSpPr>
         <p:spPr>
           <a:xfrm>
-            <a:off x="360000" y="360000"/>
-            <a:ext cx="9359640" cy="899640"/>
-          </a:xfrm>
-          <a:prstGeom prst="rect">
-            <a:avLst/>
-          </a:prstGeom>
-        </p:spPr>
-        <p:txBody>
-          <a:bodyPr lIns="0" tIns="0" rIns="0" bIns="0" anchor="ctr"/>
-          <a:lstStyle/>
-          <a:p>
-            <a:pPr algn="ctr"/>
-            <a:endParaRPr lang="fr-CH" sz="4400" b="0" strike="noStrike" spc="-1">
-              <a:solidFill>
-                <a:srgbClr val="000000"/>
-              </a:solidFill>
-              <a:uFill>
-                <a:solidFill>
-                  <a:srgbClr val="FFFFFF"/>
+            <a:off x="504000" y="301320"/>
+            <a:ext cx="9072000" cy="1261800"/>
+          </a:xfrm>
+          <a:prstGeom prst="rect">
+            <a:avLst/>
+          </a:prstGeom>
+        </p:spPr>
+        <p:txBody>
+          <a:bodyPr lIns="0" rIns="0" tIns="0" bIns="0" anchor="ctr"/>
+          <a:p>
+            <a:endParaRPr b="0" lang="fr-FR" sz="1800" spc="-1" strike="noStrike">
+              <a:solidFill>
+                <a:srgbClr val="000000"/>
+              </a:solidFill>
+              <a:uFill>
+                <a:solidFill>
+                  <a:srgbClr val="ffffff"/>
                 </a:solidFill>
               </a:uFill>
               <a:latin typeface="Arial"/>
@@ -3386,26 +3133,25 @@
         </p:nvSpPr>
         <p:spPr>
           <a:xfrm>
-            <a:off x="360000" y="1980000"/>
-            <a:ext cx="4479480" cy="2232000"/>
-          </a:xfrm>
-          <a:prstGeom prst="rect">
-            <a:avLst/>
-          </a:prstGeom>
-        </p:spPr>
-        <p:txBody>
-          <a:bodyPr lIns="0" tIns="0" rIns="0" bIns="0">
+            <a:off x="504000" y="1768680"/>
+            <a:ext cx="4426920" cy="2090880"/>
+          </a:xfrm>
+          <a:prstGeom prst="rect">
+            <a:avLst/>
+          </a:prstGeom>
+        </p:spPr>
+        <p:txBody>
+          <a:bodyPr lIns="0" rIns="0" tIns="0" bIns="0">
             <a:normAutofit/>
           </a:bodyPr>
-          <a:lstStyle/>
-          <a:p>
-            <a:endParaRPr lang="fr-CH" sz="3200" b="0" strike="noStrike" spc="-1">
-              <a:solidFill>
-                <a:srgbClr val="000000"/>
-              </a:solidFill>
-              <a:uFill>
-                <a:solidFill>
-                  <a:srgbClr val="FFFFFF"/>
+          <a:p>
+            <a:endParaRPr b="0" lang="fr-FR" sz="2800" spc="-1" strike="noStrike">
+              <a:solidFill>
+                <a:srgbClr val="000000"/>
+              </a:solidFill>
+              <a:uFill>
+                <a:solidFill>
+                  <a:srgbClr val="ffffff"/>
                 </a:solidFill>
               </a:uFill>
               <a:latin typeface="Arial"/>
@@ -3425,26 +3171,25 @@
         </p:nvSpPr>
         <p:spPr>
           <a:xfrm>
-            <a:off x="5063760" y="1980000"/>
-            <a:ext cx="4479480" cy="2232000"/>
-          </a:xfrm>
-          <a:prstGeom prst="rect">
-            <a:avLst/>
-          </a:prstGeom>
-        </p:spPr>
-        <p:txBody>
-          <a:bodyPr lIns="0" tIns="0" rIns="0" bIns="0">
+            <a:off x="5152680" y="1768680"/>
+            <a:ext cx="4426920" cy="2090880"/>
+          </a:xfrm>
+          <a:prstGeom prst="rect">
+            <a:avLst/>
+          </a:prstGeom>
+        </p:spPr>
+        <p:txBody>
+          <a:bodyPr lIns="0" rIns="0" tIns="0" bIns="0">
             <a:normAutofit/>
           </a:bodyPr>
-          <a:lstStyle/>
-          <a:p>
-            <a:endParaRPr lang="fr-CH" sz="3200" b="0" strike="noStrike" spc="-1">
-              <a:solidFill>
-                <a:srgbClr val="000000"/>
-              </a:solidFill>
-              <a:uFill>
-                <a:solidFill>
-                  <a:srgbClr val="FFFFFF"/>
+          <a:p>
+            <a:endParaRPr b="0" lang="fr-FR" sz="2800" spc="-1" strike="noStrike">
+              <a:solidFill>
+                <a:srgbClr val="000000"/>
+              </a:solidFill>
+              <a:uFill>
+                <a:solidFill>
+                  <a:srgbClr val="ffffff"/>
                 </a:solidFill>
               </a:uFill>
               <a:latin typeface="Arial"/>
@@ -3464,26 +3209,25 @@
         </p:nvSpPr>
         <p:spPr>
           <a:xfrm>
-            <a:off x="360000" y="4424400"/>
-            <a:ext cx="9179640" cy="2232000"/>
-          </a:xfrm>
-          <a:prstGeom prst="rect">
-            <a:avLst/>
-          </a:prstGeom>
-        </p:spPr>
-        <p:txBody>
-          <a:bodyPr lIns="0" tIns="0" rIns="0" bIns="0">
+            <a:off x="504000" y="4058640"/>
+            <a:ext cx="9072000" cy="2090880"/>
+          </a:xfrm>
+          <a:prstGeom prst="rect">
+            <a:avLst/>
+          </a:prstGeom>
+        </p:spPr>
+        <p:txBody>
+          <a:bodyPr lIns="0" rIns="0" tIns="0" bIns="0">
             <a:normAutofit/>
           </a:bodyPr>
-          <a:lstStyle/>
-          <a:p>
-            <a:endParaRPr lang="fr-CH" sz="3200" b="0" strike="noStrike" spc="-1">
-              <a:solidFill>
-                <a:srgbClr val="000000"/>
-              </a:solidFill>
-              <a:uFill>
-                <a:solidFill>
-                  <a:srgbClr val="FFFFFF"/>
+          <a:p>
+            <a:endParaRPr b="0" lang="fr-FR" sz="2800" spc="-1" strike="noStrike">
+              <a:solidFill>
+                <a:srgbClr val="000000"/>
+              </a:solidFill>
+              <a:uFill>
+                <a:solidFill>
+                  <a:srgbClr val="ffffff"/>
                 </a:solidFill>
               </a:uFill>
               <a:latin typeface="Arial"/>
@@ -3493,19 +3237,18 @@
       </p:sp>
     </p:spTree>
   </p:cSld>
-  <p:clrMapOvr>
-    <a:masterClrMapping/>
-  </p:clrMapOvr>
 </p:sldLayout>
 </file>
 
 <file path=ppt/slideMasters/slideMaster1.xml><?xml version="1.0" encoding="utf-8"?>
-<p:sldMaster xmlns:a="http://schemas.openxmlformats.org/drawingml/2006/main" xmlns:r="http://schemas.openxmlformats.org/officeDocument/2006/relationships" xmlns:p="http://schemas.openxmlformats.org/presentationml/2006/main">
+<p:sldMaster xmlns:a="http://schemas.openxmlformats.org/drawingml/2006/main" xmlns:p="http://schemas.openxmlformats.org/presentationml/2006/main" xmlns:r="http://schemas.openxmlformats.org/officeDocument/2006/relationships" xmlns:p14="http://schemas.microsoft.com/office/powerpoint/2010/main" xmlns:p15="http://schemas.microsoft.com/office/powerpoint/2012/main" xmlns:mc="http://schemas.openxmlformats.org/markup-compatibility/2006">
   <p:cSld>
     <p:bg>
-      <p:bgRef idx="1001">
-        <a:schemeClr val="bg1"/>
-      </p:bgRef>
+      <p:bgPr>
+        <a:solidFill>
+          <a:srgbClr val="ffffff"/>
+        </a:solidFill>
+      </p:bgPr>
     </p:bg>
     <p:spTree>
       <p:nvGrpSpPr>
@@ -3523,41 +3266,35 @@
       </p:grpSpPr>
       <p:sp>
         <p:nvSpPr>
-          <p:cNvPr id="3" name="CustomShape 1"/>
+          <p:cNvPr id="0" name="CustomShape 1"/>
           <p:cNvSpPr/>
           <p:nvPr/>
         </p:nvSpPr>
         <p:spPr>
           <a:xfrm>
             <a:off x="0" y="3150000"/>
-            <a:ext cx="9719640" cy="1259640"/>
+            <a:ext cx="9719280" cy="1259280"/>
           </a:xfrm>
           <a:prstGeom prst="rect">
             <a:avLst/>
           </a:prstGeom>
           <a:solidFill>
-            <a:srgbClr val="E74C3C"/>
+            <a:srgbClr val="e74c3c"/>
           </a:solidFill>
           <a:ln>
             <a:noFill/>
           </a:ln>
         </p:spPr>
         <p:style>
-          <a:lnRef idx="0">
-            <a:scrgbClr r="0" g="0" b="0"/>
-          </a:lnRef>
-          <a:fillRef idx="0">
-            <a:scrgbClr r="0" g="0" b="0"/>
-          </a:fillRef>
-          <a:effectRef idx="0">
-            <a:scrgbClr r="0" g="0" b="0"/>
-          </a:effectRef>
+          <a:lnRef idx="0"/>
+          <a:fillRef idx="0"/>
+          <a:effectRef idx="0"/>
           <a:fontRef idx="minor"/>
         </p:style>
       </p:sp>
       <p:sp>
         <p:nvSpPr>
-          <p:cNvPr id="4" name="PlaceHolder 2"/>
+          <p:cNvPr id="1" name="PlaceHolder 2"/>
           <p:cNvSpPr>
             <a:spLocks noGrp="1"/>
           </p:cNvSpPr>
@@ -3568,30 +3305,40 @@
         <p:spPr>
           <a:xfrm>
             <a:off x="360000" y="360000"/>
-            <a:ext cx="9359640" cy="899640"/>
-          </a:xfrm>
-          <a:prstGeom prst="rect">
-            <a:avLst/>
-          </a:prstGeom>
-        </p:spPr>
-        <p:txBody>
-          <a:bodyPr lIns="0" tIns="0" rIns="0" bIns="0" anchor="b"/>
-          <a:lstStyle/>
+            <a:ext cx="9359280" cy="899280"/>
+          </a:xfrm>
+          <a:prstGeom prst="rect">
+            <a:avLst/>
+          </a:prstGeom>
+        </p:spPr>
+        <p:txBody>
+          <a:bodyPr lIns="0" rIns="0" tIns="0" bIns="0" anchor="ctr"/>
           <a:p>
             <a:r>
-              <a:rPr lang="fr-CH" sz="1800" b="0" strike="noStrike" spc="-1">
+              <a:rPr b="0" lang="fr-FR" sz="4400" spc="-1" strike="noStrike">
                 <a:solidFill>
                   <a:srgbClr val="000000"/>
                 </a:solidFill>
                 <a:uFill>
                   <a:solidFill>
-                    <a:srgbClr val="FFFFFF"/>
+                    <a:srgbClr val="ffffff"/>
                   </a:solidFill>
                 </a:uFill>
                 <a:latin typeface="Arial"/>
               </a:rPr>
               <a:t>Click to edit the title text format</a:t>
             </a:r>
+            <a:endParaRPr b="0" lang="fr-FR" sz="4400" spc="-1" strike="noStrike">
+              <a:solidFill>
+                <a:srgbClr val="000000"/>
+              </a:solidFill>
+              <a:uFill>
+                <a:solidFill>
+                  <a:srgbClr val="ffffff"/>
+                </a:solidFill>
+              </a:uFill>
+              <a:latin typeface="Arial"/>
+            </a:endParaRPr>
           </a:p>
         </p:txBody>
       </p:sp>
@@ -3607,18 +3354,17 @@
         </p:nvSpPr>
         <p:spPr>
           <a:xfrm>
-            <a:off x="504000" y="1768680"/>
-            <a:ext cx="9072000" cy="4384080"/>
-          </a:xfrm>
-          <a:prstGeom prst="rect">
-            <a:avLst/>
-          </a:prstGeom>
-        </p:spPr>
-        <p:txBody>
-          <a:bodyPr lIns="0" tIns="0" rIns="0" bIns="0">
+            <a:off x="360000" y="1980000"/>
+            <a:ext cx="9179280" cy="4679280"/>
+          </a:xfrm>
+          <a:prstGeom prst="rect">
+            <a:avLst/>
+          </a:prstGeom>
+        </p:spPr>
+        <p:txBody>
+          <a:bodyPr lIns="0" rIns="0" tIns="0" bIns="0">
             <a:normAutofit/>
           </a:bodyPr>
-          <a:lstStyle/>
           <a:p>
             <a:pPr marL="432000" indent="-324000">
               <a:spcBef>
@@ -3632,22 +3378,33 @@
               <a:buChar char=""/>
             </a:pPr>
             <a:r>
-              <a:rPr lang="fr-CH" sz="3200" b="0" strike="noStrike" spc="-1">
+              <a:rPr b="0" lang="fr-FR" sz="2800" spc="-1" strike="noStrike">
                 <a:solidFill>
                   <a:srgbClr val="000000"/>
                 </a:solidFill>
                 <a:uFill>
                   <a:solidFill>
-                    <a:srgbClr val="FFFFFF"/>
+                    <a:srgbClr val="ffffff"/>
                   </a:solidFill>
                 </a:uFill>
                 <a:latin typeface="Arial"/>
               </a:rPr>
               <a:t>Click to edit the outline text format</a:t>
             </a:r>
-          </a:p>
-          <a:p>
-            <a:pPr marL="864000" lvl="1" indent="-324000">
+            <a:endParaRPr b="0" lang="fr-FR" sz="2800" spc="-1" strike="noStrike">
+              <a:solidFill>
+                <a:srgbClr val="000000"/>
+              </a:solidFill>
+              <a:uFill>
+                <a:solidFill>
+                  <a:srgbClr val="ffffff"/>
+                </a:solidFill>
+              </a:uFill>
+              <a:latin typeface="Arial"/>
+            </a:endParaRPr>
+          </a:p>
+          <a:p>
+            <a:pPr lvl="1" marL="864000" indent="-324000">
               <a:spcBef>
                 <a:spcPts val="1134"/>
               </a:spcBef>
@@ -3659,22 +3416,33 @@
               <a:buChar char=""/>
             </a:pPr>
             <a:r>
-              <a:rPr lang="fr-CH" sz="2800" b="0" strike="noStrike" spc="-1">
+              <a:rPr b="0" lang="fr-FR" sz="2800" spc="-1" strike="noStrike">
                 <a:solidFill>
                   <a:srgbClr val="000000"/>
                 </a:solidFill>
                 <a:uFill>
                   <a:solidFill>
-                    <a:srgbClr val="FFFFFF"/>
+                    <a:srgbClr val="ffffff"/>
                   </a:solidFill>
                 </a:uFill>
                 <a:latin typeface="Arial"/>
               </a:rPr>
               <a:t>Second Outline Level</a:t>
             </a:r>
-          </a:p>
-          <a:p>
-            <a:pPr marL="1296000" lvl="2" indent="-288000">
+            <a:endParaRPr b="0" lang="fr-FR" sz="2800" spc="-1" strike="noStrike">
+              <a:solidFill>
+                <a:srgbClr val="000000"/>
+              </a:solidFill>
+              <a:uFill>
+                <a:solidFill>
+                  <a:srgbClr val="ffffff"/>
+                </a:solidFill>
+              </a:uFill>
+              <a:latin typeface="Arial"/>
+            </a:endParaRPr>
+          </a:p>
+          <a:p>
+            <a:pPr lvl="2" marL="1296000" indent="-288000">
               <a:spcBef>
                 <a:spcPts val="850"/>
               </a:spcBef>
@@ -3686,22 +3454,33 @@
               <a:buChar char=""/>
             </a:pPr>
             <a:r>
-              <a:rPr lang="fr-CH" sz="2400" b="0" strike="noStrike" spc="-1">
+              <a:rPr b="0" lang="fr-FR" sz="2800" spc="-1" strike="noStrike">
                 <a:solidFill>
                   <a:srgbClr val="000000"/>
                 </a:solidFill>
                 <a:uFill>
                   <a:solidFill>
-                    <a:srgbClr val="FFFFFF"/>
+                    <a:srgbClr val="ffffff"/>
                   </a:solidFill>
                 </a:uFill>
                 <a:latin typeface="Arial"/>
               </a:rPr>
               <a:t>Third Outline Level</a:t>
             </a:r>
-          </a:p>
-          <a:p>
-            <a:pPr marL="1728000" lvl="3" indent="-216000">
+            <a:endParaRPr b="0" lang="fr-FR" sz="2800" spc="-1" strike="noStrike">
+              <a:solidFill>
+                <a:srgbClr val="000000"/>
+              </a:solidFill>
+              <a:uFill>
+                <a:solidFill>
+                  <a:srgbClr val="ffffff"/>
+                </a:solidFill>
+              </a:uFill>
+              <a:latin typeface="Arial"/>
+            </a:endParaRPr>
+          </a:p>
+          <a:p>
+            <a:pPr lvl="3" marL="1728000" indent="-216000">
               <a:spcBef>
                 <a:spcPts val="567"/>
               </a:spcBef>
@@ -3713,22 +3492,33 @@
               <a:buChar char=""/>
             </a:pPr>
             <a:r>
-              <a:rPr lang="fr-CH" sz="2000" b="0" strike="noStrike" spc="-1">
+              <a:rPr b="0" lang="fr-FR" sz="2800" spc="-1" strike="noStrike">
                 <a:solidFill>
                   <a:srgbClr val="000000"/>
                 </a:solidFill>
                 <a:uFill>
                   <a:solidFill>
-                    <a:srgbClr val="FFFFFF"/>
+                    <a:srgbClr val="ffffff"/>
                   </a:solidFill>
                 </a:uFill>
                 <a:latin typeface="Arial"/>
               </a:rPr>
               <a:t>Fourth Outline Level</a:t>
             </a:r>
-          </a:p>
-          <a:p>
-            <a:pPr marL="2160000" lvl="4" indent="-216000">
+            <a:endParaRPr b="0" lang="fr-FR" sz="2800" spc="-1" strike="noStrike">
+              <a:solidFill>
+                <a:srgbClr val="000000"/>
+              </a:solidFill>
+              <a:uFill>
+                <a:solidFill>
+                  <a:srgbClr val="ffffff"/>
+                </a:solidFill>
+              </a:uFill>
+              <a:latin typeface="Arial"/>
+            </a:endParaRPr>
+          </a:p>
+          <a:p>
+            <a:pPr lvl="4" marL="2160000" indent="-216000">
               <a:spcBef>
                 <a:spcPts val="283"/>
               </a:spcBef>
@@ -3740,22 +3530,33 @@
               <a:buChar char=""/>
             </a:pPr>
             <a:r>
-              <a:rPr lang="fr-CH" sz="2000" b="0" strike="noStrike" spc="-1">
+              <a:rPr b="0" lang="fr-FR" sz="2800" spc="-1" strike="noStrike">
                 <a:solidFill>
                   <a:srgbClr val="000000"/>
                 </a:solidFill>
                 <a:uFill>
                   <a:solidFill>
-                    <a:srgbClr val="FFFFFF"/>
+                    <a:srgbClr val="ffffff"/>
                   </a:solidFill>
                 </a:uFill>
                 <a:latin typeface="Arial"/>
               </a:rPr>
               <a:t>Fifth Outline Level</a:t>
             </a:r>
-          </a:p>
-          <a:p>
-            <a:pPr marL="2592000" lvl="5" indent="-216000">
+            <a:endParaRPr b="0" lang="fr-FR" sz="2800" spc="-1" strike="noStrike">
+              <a:solidFill>
+                <a:srgbClr val="000000"/>
+              </a:solidFill>
+              <a:uFill>
+                <a:solidFill>
+                  <a:srgbClr val="ffffff"/>
+                </a:solidFill>
+              </a:uFill>
+              <a:latin typeface="Arial"/>
+            </a:endParaRPr>
+          </a:p>
+          <a:p>
+            <a:pPr lvl="5" marL="2592000" indent="-216000">
               <a:spcBef>
                 <a:spcPts val="283"/>
               </a:spcBef>
@@ -3767,22 +3568,33 @@
               <a:buChar char=""/>
             </a:pPr>
             <a:r>
-              <a:rPr lang="fr-CH" sz="2000" b="0" strike="noStrike" spc="-1">
+              <a:rPr b="0" lang="fr-FR" sz="2800" spc="-1" strike="noStrike">
                 <a:solidFill>
                   <a:srgbClr val="000000"/>
                 </a:solidFill>
                 <a:uFill>
                   <a:solidFill>
-                    <a:srgbClr val="FFFFFF"/>
+                    <a:srgbClr val="ffffff"/>
                   </a:solidFill>
                 </a:uFill>
                 <a:latin typeface="Arial"/>
               </a:rPr>
               <a:t>Sixth Outline Level</a:t>
             </a:r>
-          </a:p>
-          <a:p>
-            <a:pPr marL="3024000" lvl="6" indent="-216000">
+            <a:endParaRPr b="0" lang="fr-FR" sz="2800" spc="-1" strike="noStrike">
+              <a:solidFill>
+                <a:srgbClr val="000000"/>
+              </a:solidFill>
+              <a:uFill>
+                <a:solidFill>
+                  <a:srgbClr val="ffffff"/>
+                </a:solidFill>
+              </a:uFill>
+              <a:latin typeface="Arial"/>
+            </a:endParaRPr>
+          </a:p>
+          <a:p>
+            <a:pPr lvl="6" marL="3024000" indent="-216000">
               <a:spcBef>
                 <a:spcPts val="283"/>
               </a:spcBef>
@@ -3794,329 +3606,62 @@
               <a:buChar char=""/>
             </a:pPr>
             <a:r>
-              <a:rPr lang="fr-CH" sz="2000" b="0" strike="noStrike" spc="-1">
+              <a:rPr b="0" lang="fr-FR" sz="2800" spc="-1" strike="noStrike">
                 <a:solidFill>
                   <a:srgbClr val="000000"/>
                 </a:solidFill>
                 <a:uFill>
                   <a:solidFill>
-                    <a:srgbClr val="FFFFFF"/>
+                    <a:srgbClr val="ffffff"/>
                   </a:solidFill>
                 </a:uFill>
                 <a:latin typeface="Arial"/>
               </a:rPr>
               <a:t>Seventh Outline Level</a:t>
             </a:r>
+            <a:endParaRPr b="0" lang="fr-FR" sz="2800" spc="-1" strike="noStrike">
+              <a:solidFill>
+                <a:srgbClr val="000000"/>
+              </a:solidFill>
+              <a:uFill>
+                <a:solidFill>
+                  <a:srgbClr val="ffffff"/>
+                </a:solidFill>
+              </a:uFill>
+              <a:latin typeface="Arial"/>
+            </a:endParaRPr>
           </a:p>
         </p:txBody>
       </p:sp>
     </p:spTree>
   </p:cSld>
-  <p:clrMap bg1="lt1" tx1="dk1" bg2="lt2" tx2="dk2" accent1="accent1" accent2="accent2" accent3="accent3" accent4="accent4" accent5="accent5" accent6="accent6" hlink="hlink" folHlink="folHlink"/>
+  <p:clrMap bg1="lt1" bg2="lt2" tx1="dk1" tx2="dk2" accent1="accent1" accent2="accent2" accent3="accent3" accent4="accent4" accent5="accent5" accent6="accent6" hlink="hlink" folHlink="folHlink"/>
   <p:sldLayoutIdLst>
-    <p:sldLayoutId id="2147483649" r:id="rId1"/>
-    <p:sldLayoutId id="2147483650" r:id="rId2"/>
-    <p:sldLayoutId id="2147483651" r:id="rId3"/>
-    <p:sldLayoutId id="2147483652" r:id="rId4"/>
-    <p:sldLayoutId id="2147483653" r:id="rId5"/>
-    <p:sldLayoutId id="2147483654" r:id="rId6"/>
-    <p:sldLayoutId id="2147483655" r:id="rId7"/>
-    <p:sldLayoutId id="2147483656" r:id="rId8"/>
-    <p:sldLayoutId id="2147483657" r:id="rId9"/>
-    <p:sldLayoutId id="2147483658" r:id="rId10"/>
-    <p:sldLayoutId id="2147483659" r:id="rId11"/>
-    <p:sldLayoutId id="2147483660" r:id="rId12"/>
+    <p:sldLayoutId id="2147483649" r:id="rId2"/>
+    <p:sldLayoutId id="2147483650" r:id="rId3"/>
+    <p:sldLayoutId id="2147483651" r:id="rId4"/>
+    <p:sldLayoutId id="2147483652" r:id="rId5"/>
+    <p:sldLayoutId id="2147483653" r:id="rId6"/>
+    <p:sldLayoutId id="2147483654" r:id="rId7"/>
+    <p:sldLayoutId id="2147483655" r:id="rId8"/>
+    <p:sldLayoutId id="2147483656" r:id="rId9"/>
+    <p:sldLayoutId id="2147483657" r:id="rId10"/>
+    <p:sldLayoutId id="2147483658" r:id="rId11"/>
+    <p:sldLayoutId id="2147483659" r:id="rId12"/>
+    <p:sldLayoutId id="2147483660" r:id="rId13"/>
   </p:sldLayoutIdLst>
-  <p:txStyles>
-    <p:titleStyle>
-      <a:lvl1pPr algn="l" defTabSz="914400" rtl="0" eaLnBrk="1" latinLnBrk="0" hangingPunct="1">
-        <a:lnSpc>
-          <a:spcPct val="90000"/>
-        </a:lnSpc>
-        <a:spcBef>
-          <a:spcPct val="0"/>
-        </a:spcBef>
-        <a:buNone/>
-        <a:defRPr sz="4400" kern="1200">
-          <a:solidFill>
-            <a:schemeClr val="tx1"/>
-          </a:solidFill>
-          <a:latin typeface="+mj-lt"/>
-          <a:ea typeface="+mj-ea"/>
-          <a:cs typeface="+mj-cs"/>
-        </a:defRPr>
-      </a:lvl1pPr>
-    </p:titleStyle>
-    <p:bodyStyle>
-      <a:lvl1pPr marL="228600" indent="-228600" algn="l" defTabSz="914400" rtl="0" eaLnBrk="1" latinLnBrk="0" hangingPunct="1">
-        <a:lnSpc>
-          <a:spcPct val="90000"/>
-        </a:lnSpc>
-        <a:spcBef>
-          <a:spcPts val="1000"/>
-        </a:spcBef>
-        <a:buFont typeface="Arial" panose="020B0604020202020204" pitchFamily="34" charset="0"/>
-        <a:buChar char="•"/>
-        <a:defRPr sz="2800" kern="1200">
-          <a:solidFill>
-            <a:schemeClr val="tx1"/>
-          </a:solidFill>
-          <a:latin typeface="+mn-lt"/>
-          <a:ea typeface="+mn-ea"/>
-          <a:cs typeface="+mn-cs"/>
-        </a:defRPr>
-      </a:lvl1pPr>
-      <a:lvl2pPr marL="685800" indent="-228600" algn="l" defTabSz="914400" rtl="0" eaLnBrk="1" latinLnBrk="0" hangingPunct="1">
-        <a:lnSpc>
-          <a:spcPct val="90000"/>
-        </a:lnSpc>
-        <a:spcBef>
-          <a:spcPts val="500"/>
-        </a:spcBef>
-        <a:buFont typeface="Arial" panose="020B0604020202020204" pitchFamily="34" charset="0"/>
-        <a:buChar char="•"/>
-        <a:defRPr sz="2400" kern="1200">
-          <a:solidFill>
-            <a:schemeClr val="tx1"/>
-          </a:solidFill>
-          <a:latin typeface="+mn-lt"/>
-          <a:ea typeface="+mn-ea"/>
-          <a:cs typeface="+mn-cs"/>
-        </a:defRPr>
-      </a:lvl2pPr>
-      <a:lvl3pPr marL="1143000" indent="-228600" algn="l" defTabSz="914400" rtl="0" eaLnBrk="1" latinLnBrk="0" hangingPunct="1">
-        <a:lnSpc>
-          <a:spcPct val="90000"/>
-        </a:lnSpc>
-        <a:spcBef>
-          <a:spcPts val="500"/>
-        </a:spcBef>
-        <a:buFont typeface="Arial" panose="020B0604020202020204" pitchFamily="34" charset="0"/>
-        <a:buChar char="•"/>
-        <a:defRPr sz="2000" kern="1200">
-          <a:solidFill>
-            <a:schemeClr val="tx1"/>
-          </a:solidFill>
-          <a:latin typeface="+mn-lt"/>
-          <a:ea typeface="+mn-ea"/>
-          <a:cs typeface="+mn-cs"/>
-        </a:defRPr>
-      </a:lvl3pPr>
-      <a:lvl4pPr marL="1600200" indent="-228600" algn="l" defTabSz="914400" rtl="0" eaLnBrk="1" latinLnBrk="0" hangingPunct="1">
-        <a:lnSpc>
-          <a:spcPct val="90000"/>
-        </a:lnSpc>
-        <a:spcBef>
-          <a:spcPts val="500"/>
-        </a:spcBef>
-        <a:buFont typeface="Arial" panose="020B0604020202020204" pitchFamily="34" charset="0"/>
-        <a:buChar char="•"/>
-        <a:defRPr sz="1800" kern="1200">
-          <a:solidFill>
-            <a:schemeClr val="tx1"/>
-          </a:solidFill>
-          <a:latin typeface="+mn-lt"/>
-          <a:ea typeface="+mn-ea"/>
-          <a:cs typeface="+mn-cs"/>
-        </a:defRPr>
-      </a:lvl4pPr>
-      <a:lvl5pPr marL="2057400" indent="-228600" algn="l" defTabSz="914400" rtl="0" eaLnBrk="1" latinLnBrk="0" hangingPunct="1">
-        <a:lnSpc>
-          <a:spcPct val="90000"/>
-        </a:lnSpc>
-        <a:spcBef>
-          <a:spcPts val="500"/>
-        </a:spcBef>
-        <a:buFont typeface="Arial" panose="020B0604020202020204" pitchFamily="34" charset="0"/>
-        <a:buChar char="•"/>
-        <a:defRPr sz="1800" kern="1200">
-          <a:solidFill>
-            <a:schemeClr val="tx1"/>
-          </a:solidFill>
-          <a:latin typeface="+mn-lt"/>
-          <a:ea typeface="+mn-ea"/>
-          <a:cs typeface="+mn-cs"/>
-        </a:defRPr>
-      </a:lvl5pPr>
-      <a:lvl6pPr marL="2514600" indent="-228600" algn="l" defTabSz="914400" rtl="0" eaLnBrk="1" latinLnBrk="0" hangingPunct="1">
-        <a:lnSpc>
-          <a:spcPct val="90000"/>
-        </a:lnSpc>
-        <a:spcBef>
-          <a:spcPts val="500"/>
-        </a:spcBef>
-        <a:buFont typeface="Arial" panose="020B0604020202020204" pitchFamily="34" charset="0"/>
-        <a:buChar char="•"/>
-        <a:defRPr sz="1800" kern="1200">
-          <a:solidFill>
-            <a:schemeClr val="tx1"/>
-          </a:solidFill>
-          <a:latin typeface="+mn-lt"/>
-          <a:ea typeface="+mn-ea"/>
-          <a:cs typeface="+mn-cs"/>
-        </a:defRPr>
-      </a:lvl6pPr>
-      <a:lvl7pPr marL="2971800" indent="-228600" algn="l" defTabSz="914400" rtl="0" eaLnBrk="1" latinLnBrk="0" hangingPunct="1">
-        <a:lnSpc>
-          <a:spcPct val="90000"/>
-        </a:lnSpc>
-        <a:spcBef>
-          <a:spcPts val="500"/>
-        </a:spcBef>
-        <a:buFont typeface="Arial" panose="020B0604020202020204" pitchFamily="34" charset="0"/>
-        <a:buChar char="•"/>
-        <a:defRPr sz="1800" kern="1200">
-          <a:solidFill>
-            <a:schemeClr val="tx1"/>
-          </a:solidFill>
-          <a:latin typeface="+mn-lt"/>
-          <a:ea typeface="+mn-ea"/>
-          <a:cs typeface="+mn-cs"/>
-        </a:defRPr>
-      </a:lvl7pPr>
-      <a:lvl8pPr marL="3429000" indent="-228600" algn="l" defTabSz="914400" rtl="0" eaLnBrk="1" latinLnBrk="0" hangingPunct="1">
-        <a:lnSpc>
-          <a:spcPct val="90000"/>
-        </a:lnSpc>
-        <a:spcBef>
-          <a:spcPts val="500"/>
-        </a:spcBef>
-        <a:buFont typeface="Arial" panose="020B0604020202020204" pitchFamily="34" charset="0"/>
-        <a:buChar char="•"/>
-        <a:defRPr sz="1800" kern="1200">
-          <a:solidFill>
-            <a:schemeClr val="tx1"/>
-          </a:solidFill>
-          <a:latin typeface="+mn-lt"/>
-          <a:ea typeface="+mn-ea"/>
-          <a:cs typeface="+mn-cs"/>
-        </a:defRPr>
-      </a:lvl8pPr>
-      <a:lvl9pPr marL="3886200" indent="-228600" algn="l" defTabSz="914400" rtl="0" eaLnBrk="1" latinLnBrk="0" hangingPunct="1">
-        <a:lnSpc>
-          <a:spcPct val="90000"/>
-        </a:lnSpc>
-        <a:spcBef>
-          <a:spcPts val="500"/>
-        </a:spcBef>
-        <a:buFont typeface="Arial" panose="020B0604020202020204" pitchFamily="34" charset="0"/>
-        <a:buChar char="•"/>
-        <a:defRPr sz="1800" kern="1200">
-          <a:solidFill>
-            <a:schemeClr val="tx1"/>
-          </a:solidFill>
-          <a:latin typeface="+mn-lt"/>
-          <a:ea typeface="+mn-ea"/>
-          <a:cs typeface="+mn-cs"/>
-        </a:defRPr>
-      </a:lvl9pPr>
-    </p:bodyStyle>
-    <p:otherStyle>
-      <a:defPPr>
-        <a:defRPr lang="fr-FR"/>
-      </a:defPPr>
-      <a:lvl1pPr marL="0" algn="l" defTabSz="914400" rtl="0" eaLnBrk="1" latinLnBrk="0" hangingPunct="1">
-        <a:defRPr sz="1800" kern="1200">
-          <a:solidFill>
-            <a:schemeClr val="tx1"/>
-          </a:solidFill>
-          <a:latin typeface="+mn-lt"/>
-          <a:ea typeface="+mn-ea"/>
-          <a:cs typeface="+mn-cs"/>
-        </a:defRPr>
-      </a:lvl1pPr>
-      <a:lvl2pPr marL="457200" algn="l" defTabSz="914400" rtl="0" eaLnBrk="1" latinLnBrk="0" hangingPunct="1">
-        <a:defRPr sz="1800" kern="1200">
-          <a:solidFill>
-            <a:schemeClr val="tx1"/>
-          </a:solidFill>
-          <a:latin typeface="+mn-lt"/>
-          <a:ea typeface="+mn-ea"/>
-          <a:cs typeface="+mn-cs"/>
-        </a:defRPr>
-      </a:lvl2pPr>
-      <a:lvl3pPr marL="914400" algn="l" defTabSz="914400" rtl="0" eaLnBrk="1" latinLnBrk="0" hangingPunct="1">
-        <a:defRPr sz="1800" kern="1200">
-          <a:solidFill>
-            <a:schemeClr val="tx1"/>
-          </a:solidFill>
-          <a:latin typeface="+mn-lt"/>
-          <a:ea typeface="+mn-ea"/>
-          <a:cs typeface="+mn-cs"/>
-        </a:defRPr>
-      </a:lvl3pPr>
-      <a:lvl4pPr marL="1371600" algn="l" defTabSz="914400" rtl="0" eaLnBrk="1" latinLnBrk="0" hangingPunct="1">
-        <a:defRPr sz="1800" kern="1200">
-          <a:solidFill>
-            <a:schemeClr val="tx1"/>
-          </a:solidFill>
-          <a:latin typeface="+mn-lt"/>
-          <a:ea typeface="+mn-ea"/>
-          <a:cs typeface="+mn-cs"/>
-        </a:defRPr>
-      </a:lvl4pPr>
-      <a:lvl5pPr marL="1828800" algn="l" defTabSz="914400" rtl="0" eaLnBrk="1" latinLnBrk="0" hangingPunct="1">
-        <a:defRPr sz="1800" kern="1200">
-          <a:solidFill>
-            <a:schemeClr val="tx1"/>
-          </a:solidFill>
-          <a:latin typeface="+mn-lt"/>
-          <a:ea typeface="+mn-ea"/>
-          <a:cs typeface="+mn-cs"/>
-        </a:defRPr>
-      </a:lvl5pPr>
-      <a:lvl6pPr marL="2286000" algn="l" defTabSz="914400" rtl="0" eaLnBrk="1" latinLnBrk="0" hangingPunct="1">
-        <a:defRPr sz="1800" kern="1200">
-          <a:solidFill>
-            <a:schemeClr val="tx1"/>
-          </a:solidFill>
-          <a:latin typeface="+mn-lt"/>
-          <a:ea typeface="+mn-ea"/>
-          <a:cs typeface="+mn-cs"/>
-        </a:defRPr>
-      </a:lvl6pPr>
-      <a:lvl7pPr marL="2743200" algn="l" defTabSz="914400" rtl="0" eaLnBrk="1" latinLnBrk="0" hangingPunct="1">
-        <a:defRPr sz="1800" kern="1200">
-          <a:solidFill>
-            <a:schemeClr val="tx1"/>
-          </a:solidFill>
-          <a:latin typeface="+mn-lt"/>
-          <a:ea typeface="+mn-ea"/>
-          <a:cs typeface="+mn-cs"/>
-        </a:defRPr>
-      </a:lvl7pPr>
-      <a:lvl8pPr marL="3200400" algn="l" defTabSz="914400" rtl="0" eaLnBrk="1" latinLnBrk="0" hangingPunct="1">
-        <a:defRPr sz="1800" kern="1200">
-          <a:solidFill>
-            <a:schemeClr val="tx1"/>
-          </a:solidFill>
-          <a:latin typeface="+mn-lt"/>
-          <a:ea typeface="+mn-ea"/>
-          <a:cs typeface="+mn-cs"/>
-        </a:defRPr>
-      </a:lvl8pPr>
-      <a:lvl9pPr marL="3657600" algn="l" defTabSz="914400" rtl="0" eaLnBrk="1" latinLnBrk="0" hangingPunct="1">
-        <a:defRPr sz="1800" kern="1200">
-          <a:solidFill>
-            <a:schemeClr val="tx1"/>
-          </a:solidFill>
-          <a:latin typeface="+mn-lt"/>
-          <a:ea typeface="+mn-ea"/>
-          <a:cs typeface="+mn-cs"/>
-        </a:defRPr>
-      </a:lvl9pPr>
-    </p:otherStyle>
-  </p:txStyles>
 </p:sldMaster>
 </file>
 
 <file path=ppt/slideMasters/slideMaster2.xml><?xml version="1.0" encoding="utf-8"?>
-<p:sldMaster xmlns:a="http://schemas.openxmlformats.org/drawingml/2006/main" xmlns:r="http://schemas.openxmlformats.org/officeDocument/2006/relationships" xmlns:p="http://schemas.openxmlformats.org/presentationml/2006/main">
+<p:sldMaster xmlns:a="http://schemas.openxmlformats.org/drawingml/2006/main" xmlns:p="http://schemas.openxmlformats.org/presentationml/2006/main" xmlns:r="http://schemas.openxmlformats.org/officeDocument/2006/relationships" xmlns:p14="http://schemas.microsoft.com/office/powerpoint/2010/main" xmlns:p15="http://schemas.microsoft.com/office/powerpoint/2012/main" xmlns:mc="http://schemas.openxmlformats.org/markup-compatibility/2006">
   <p:cSld>
     <p:bg>
-      <p:bgRef idx="1001">
-        <a:schemeClr val="bg1"/>
-      </p:bgRef>
+      <p:bgPr>
+        <a:solidFill>
+          <a:srgbClr val="ffffff"/>
+        </a:solidFill>
+      </p:bgPr>
     </p:bg>
     <p:spTree>
       <p:nvGrpSpPr>
@@ -4141,28 +3686,22 @@
         <p:spPr>
           <a:xfrm>
             <a:off x="0" y="180000"/>
-            <a:ext cx="9719640" cy="1259640"/>
+            <a:ext cx="9719280" cy="1259280"/>
           </a:xfrm>
           <a:prstGeom prst="rect">
             <a:avLst/>
           </a:prstGeom>
           <a:solidFill>
-            <a:srgbClr val="E74C3C"/>
+            <a:srgbClr val="e74c3c"/>
           </a:solidFill>
           <a:ln w="72000">
             <a:noFill/>
           </a:ln>
         </p:spPr>
         <p:style>
-          <a:lnRef idx="0">
-            <a:scrgbClr r="0" g="0" b="0"/>
-          </a:lnRef>
-          <a:fillRef idx="0">
-            <a:scrgbClr r="0" g="0" b="0"/>
-          </a:fillRef>
-          <a:effectRef idx="0">
-            <a:scrgbClr r="0" g="0" b="0"/>
-          </a:effectRef>
+          <a:lnRef idx="0"/>
+          <a:fillRef idx="0"/>
+          <a:effectRef idx="0"/>
           <a:fontRef idx="minor"/>
         </p:style>
       </p:sp>
@@ -4175,28 +3714,22 @@
         <p:spPr>
           <a:xfrm>
             <a:off x="7560000" y="6840000"/>
-            <a:ext cx="2519640" cy="539640"/>
+            <a:ext cx="2519280" cy="539280"/>
           </a:xfrm>
           <a:prstGeom prst="rect">
             <a:avLst/>
           </a:prstGeom>
           <a:solidFill>
-            <a:srgbClr val="E74C3C"/>
+            <a:srgbClr val="e74c3c"/>
           </a:solidFill>
           <a:ln w="72000">
             <a:noFill/>
           </a:ln>
         </p:spPr>
         <p:style>
-          <a:lnRef idx="0">
-            <a:scrgbClr r="0" g="0" b="0"/>
-          </a:lnRef>
-          <a:fillRef idx="0">
-            <a:scrgbClr r="0" g="0" b="0"/>
-          </a:fillRef>
-          <a:effectRef idx="0">
-            <a:scrgbClr r="0" g="0" b="0"/>
-          </a:effectRef>
+          <a:lnRef idx="0"/>
+          <a:fillRef idx="0"/>
+          <a:effectRef idx="0"/>
           <a:fontRef idx="minor"/>
         </p:style>
       </p:sp>
@@ -4209,28 +3742,22 @@
         <p:spPr>
           <a:xfrm>
             <a:off x="900000" y="6840000"/>
-            <a:ext cx="6479640" cy="539640"/>
+            <a:ext cx="6479280" cy="539280"/>
           </a:xfrm>
           <a:prstGeom prst="rect">
             <a:avLst/>
           </a:prstGeom>
           <a:solidFill>
-            <a:srgbClr val="BDC3C7"/>
+            <a:srgbClr val="bdc3c7"/>
           </a:solidFill>
           <a:ln w="72000">
             <a:noFill/>
           </a:ln>
         </p:spPr>
         <p:style>
-          <a:lnRef idx="0">
-            <a:scrgbClr r="0" g="0" b="0"/>
-          </a:lnRef>
-          <a:fillRef idx="0">
-            <a:scrgbClr r="0" g="0" b="0"/>
-          </a:fillRef>
-          <a:effectRef idx="0">
-            <a:scrgbClr r="0" g="0" b="0"/>
-          </a:effectRef>
+          <a:lnRef idx="0"/>
+          <a:fillRef idx="0"/>
+          <a:effectRef idx="0"/>
           <a:fontRef idx="minor"/>
         </p:style>
       </p:sp>
@@ -4243,7 +3770,7 @@
         <p:spPr>
           <a:xfrm>
             <a:off x="180000" y="6840000"/>
-            <a:ext cx="539640" cy="539640"/>
+            <a:ext cx="539280" cy="539280"/>
           </a:xfrm>
           <a:prstGeom prst="rect">
             <a:avLst/>
@@ -4254,15 +3781,9 @@
           </a:ln>
         </p:spPr>
         <p:style>
-          <a:lnRef idx="0">
-            <a:scrgbClr r="0" g="0" b="0"/>
-          </a:lnRef>
-          <a:fillRef idx="0">
-            <a:scrgbClr r="0" g="0" b="0"/>
-          </a:fillRef>
-          <a:effectRef idx="0">
-            <a:scrgbClr r="0" g="0" b="0"/>
-          </a:effectRef>
+          <a:lnRef idx="0"/>
+          <a:fillRef idx="0"/>
+          <a:effectRef idx="0"/>
           <a:fontRef idx="minor"/>
         </p:style>
       </p:sp>
@@ -4278,31 +3799,41 @@
         </p:nvSpPr>
         <p:spPr>
           <a:xfrm>
-            <a:off x="360000" y="360000"/>
-            <a:ext cx="9359640" cy="899640"/>
-          </a:xfrm>
-          <a:prstGeom prst="rect">
-            <a:avLst/>
-          </a:prstGeom>
-        </p:spPr>
-        <p:txBody>
-          <a:bodyPr lIns="0" tIns="0" rIns="0" bIns="0" anchor="b"/>
-          <a:lstStyle/>
+            <a:off x="504000" y="301320"/>
+            <a:ext cx="9072000" cy="1261800"/>
+          </a:xfrm>
+          <a:prstGeom prst="rect">
+            <a:avLst/>
+          </a:prstGeom>
+        </p:spPr>
+        <p:txBody>
+          <a:bodyPr lIns="0" rIns="0" tIns="0" bIns="0" anchor="ctr"/>
           <a:p>
             <a:r>
-              <a:rPr lang="fr-CH" sz="1800" b="0" strike="noStrike" spc="-1">
+              <a:rPr b="0" lang="fr-FR" sz="1800" spc="-1" strike="noStrike">
                 <a:solidFill>
                   <a:srgbClr val="000000"/>
                 </a:solidFill>
                 <a:uFill>
                   <a:solidFill>
-                    <a:srgbClr val="FFFFFF"/>
+                    <a:srgbClr val="ffffff"/>
                   </a:solidFill>
                 </a:uFill>
                 <a:latin typeface="Arial"/>
               </a:rPr>
               <a:t>Click to edit the title text format</a:t>
             </a:r>
+            <a:endParaRPr b="0" lang="fr-FR" sz="1800" spc="-1" strike="noStrike">
+              <a:solidFill>
+                <a:srgbClr val="000000"/>
+              </a:solidFill>
+              <a:uFill>
+                <a:solidFill>
+                  <a:srgbClr val="ffffff"/>
+                </a:solidFill>
+              </a:uFill>
+              <a:latin typeface="Arial"/>
+            </a:endParaRPr>
           </a:p>
         </p:txBody>
       </p:sp>
@@ -4318,18 +3849,17 @@
         </p:nvSpPr>
         <p:spPr>
           <a:xfrm>
-            <a:off x="360000" y="1980000"/>
-            <a:ext cx="9179640" cy="4679640"/>
-          </a:xfrm>
-          <a:prstGeom prst="rect">
-            <a:avLst/>
-          </a:prstGeom>
-        </p:spPr>
-        <p:txBody>
-          <a:bodyPr lIns="0" tIns="0" rIns="0" bIns="0">
+            <a:off x="504000" y="1768680"/>
+            <a:ext cx="9072000" cy="4384080"/>
+          </a:xfrm>
+          <a:prstGeom prst="rect">
+            <a:avLst/>
+          </a:prstGeom>
+        </p:spPr>
+        <p:txBody>
+          <a:bodyPr lIns="0" rIns="0" tIns="0" bIns="0">
             <a:normAutofit/>
           </a:bodyPr>
-          <a:lstStyle/>
           <a:p>
             <a:pPr marL="432000" indent="-324000">
               <a:spcBef>
@@ -4343,22 +3873,33 @@
               <a:buChar char=""/>
             </a:pPr>
             <a:r>
-              <a:rPr lang="fr-CH" sz="1800" b="0" strike="noStrike" spc="-1">
+              <a:rPr b="0" lang="fr-FR" sz="2800" spc="-1" strike="noStrike">
                 <a:solidFill>
                   <a:srgbClr val="000000"/>
                 </a:solidFill>
                 <a:uFill>
                   <a:solidFill>
-                    <a:srgbClr val="FFFFFF"/>
+                    <a:srgbClr val="ffffff"/>
                   </a:solidFill>
                 </a:uFill>
                 <a:latin typeface="Arial"/>
               </a:rPr>
               <a:t>Click to edit the outline text format</a:t>
             </a:r>
-          </a:p>
-          <a:p>
-            <a:pPr marL="864000" lvl="1" indent="-324000">
+            <a:endParaRPr b="0" lang="fr-FR" sz="2800" spc="-1" strike="noStrike">
+              <a:solidFill>
+                <a:srgbClr val="000000"/>
+              </a:solidFill>
+              <a:uFill>
+                <a:solidFill>
+                  <a:srgbClr val="ffffff"/>
+                </a:solidFill>
+              </a:uFill>
+              <a:latin typeface="Arial"/>
+            </a:endParaRPr>
+          </a:p>
+          <a:p>
+            <a:pPr lvl="1" marL="864000" indent="-324000">
               <a:spcBef>
                 <a:spcPts val="1134"/>
               </a:spcBef>
@@ -4370,22 +3911,33 @@
               <a:buChar char=""/>
             </a:pPr>
             <a:r>
-              <a:rPr lang="fr-CH" sz="1800" b="0" strike="noStrike" spc="-1">
+              <a:rPr b="0" lang="fr-FR" sz="2000" spc="-1" strike="noStrike">
                 <a:solidFill>
                   <a:srgbClr val="000000"/>
                 </a:solidFill>
                 <a:uFill>
                   <a:solidFill>
-                    <a:srgbClr val="FFFFFF"/>
+                    <a:srgbClr val="ffffff"/>
                   </a:solidFill>
                 </a:uFill>
                 <a:latin typeface="Arial"/>
               </a:rPr>
               <a:t>Second Outline Level</a:t>
             </a:r>
-          </a:p>
-          <a:p>
-            <a:pPr marL="1296000" lvl="2" indent="-288000">
+            <a:endParaRPr b="0" lang="fr-FR" sz="2000" spc="-1" strike="noStrike">
+              <a:solidFill>
+                <a:srgbClr val="000000"/>
+              </a:solidFill>
+              <a:uFill>
+                <a:solidFill>
+                  <a:srgbClr val="ffffff"/>
+                </a:solidFill>
+              </a:uFill>
+              <a:latin typeface="Arial"/>
+            </a:endParaRPr>
+          </a:p>
+          <a:p>
+            <a:pPr lvl="2" marL="1296000" indent="-288000">
               <a:spcBef>
                 <a:spcPts val="850"/>
               </a:spcBef>
@@ -4397,22 +3949,33 @@
               <a:buChar char=""/>
             </a:pPr>
             <a:r>
-              <a:rPr lang="fr-CH" sz="1800" b="0" strike="noStrike" spc="-1">
+              <a:rPr b="0" lang="fr-FR" sz="1800" spc="-1" strike="noStrike">
                 <a:solidFill>
                   <a:srgbClr val="000000"/>
                 </a:solidFill>
                 <a:uFill>
                   <a:solidFill>
-                    <a:srgbClr val="FFFFFF"/>
+                    <a:srgbClr val="ffffff"/>
                   </a:solidFill>
                 </a:uFill>
                 <a:latin typeface="Arial"/>
               </a:rPr>
               <a:t>Third Outline Level</a:t>
             </a:r>
-          </a:p>
-          <a:p>
-            <a:pPr marL="1728000" lvl="3" indent="-216000">
+            <a:endParaRPr b="0" lang="fr-FR" sz="1800" spc="-1" strike="noStrike">
+              <a:solidFill>
+                <a:srgbClr val="000000"/>
+              </a:solidFill>
+              <a:uFill>
+                <a:solidFill>
+                  <a:srgbClr val="ffffff"/>
+                </a:solidFill>
+              </a:uFill>
+              <a:latin typeface="Arial"/>
+            </a:endParaRPr>
+          </a:p>
+          <a:p>
+            <a:pPr lvl="3" marL="1728000" indent="-216000">
               <a:spcBef>
                 <a:spcPts val="567"/>
               </a:spcBef>
@@ -4424,22 +3987,33 @@
               <a:buChar char=""/>
             </a:pPr>
             <a:r>
-              <a:rPr lang="fr-CH" sz="1800" b="0" strike="noStrike" spc="-1">
+              <a:rPr b="0" lang="fr-FR" sz="1800" spc="-1" strike="noStrike">
                 <a:solidFill>
                   <a:srgbClr val="000000"/>
                 </a:solidFill>
                 <a:uFill>
                   <a:solidFill>
-                    <a:srgbClr val="FFFFFF"/>
+                    <a:srgbClr val="ffffff"/>
                   </a:solidFill>
                 </a:uFill>
                 <a:latin typeface="Arial"/>
               </a:rPr>
               <a:t>Fourth Outline Level</a:t>
             </a:r>
-          </a:p>
-          <a:p>
-            <a:pPr marL="2160000" lvl="4" indent="-216000">
+            <a:endParaRPr b="0" lang="fr-FR" sz="1800" spc="-1" strike="noStrike">
+              <a:solidFill>
+                <a:srgbClr val="000000"/>
+              </a:solidFill>
+              <a:uFill>
+                <a:solidFill>
+                  <a:srgbClr val="ffffff"/>
+                </a:solidFill>
+              </a:uFill>
+              <a:latin typeface="Arial"/>
+            </a:endParaRPr>
+          </a:p>
+          <a:p>
+            <a:pPr lvl="4" marL="2160000" indent="-216000">
               <a:spcBef>
                 <a:spcPts val="283"/>
               </a:spcBef>
@@ -4451,22 +4025,33 @@
               <a:buChar char=""/>
             </a:pPr>
             <a:r>
-              <a:rPr lang="fr-CH" sz="1800" b="0" strike="noStrike" spc="-1">
+              <a:rPr b="0" lang="fr-FR" sz="2000" spc="-1" strike="noStrike">
                 <a:solidFill>
                   <a:srgbClr val="000000"/>
                 </a:solidFill>
                 <a:uFill>
                   <a:solidFill>
-                    <a:srgbClr val="FFFFFF"/>
+                    <a:srgbClr val="ffffff"/>
                   </a:solidFill>
                 </a:uFill>
                 <a:latin typeface="Arial"/>
               </a:rPr>
               <a:t>Fifth Outline Level</a:t>
             </a:r>
-          </a:p>
-          <a:p>
-            <a:pPr marL="2592000" lvl="5" indent="-216000">
+            <a:endParaRPr b="0" lang="fr-FR" sz="2000" spc="-1" strike="noStrike">
+              <a:solidFill>
+                <a:srgbClr val="000000"/>
+              </a:solidFill>
+              <a:uFill>
+                <a:solidFill>
+                  <a:srgbClr val="ffffff"/>
+                </a:solidFill>
+              </a:uFill>
+              <a:latin typeface="Arial"/>
+            </a:endParaRPr>
+          </a:p>
+          <a:p>
+            <a:pPr lvl="5" marL="2592000" indent="-216000">
               <a:spcBef>
                 <a:spcPts val="283"/>
               </a:spcBef>
@@ -4478,22 +4063,33 @@
               <a:buChar char=""/>
             </a:pPr>
             <a:r>
-              <a:rPr lang="fr-CH" sz="1800" b="0" strike="noStrike" spc="-1">
+              <a:rPr b="0" lang="fr-FR" sz="2000" spc="-1" strike="noStrike">
                 <a:solidFill>
                   <a:srgbClr val="000000"/>
                 </a:solidFill>
                 <a:uFill>
                   <a:solidFill>
-                    <a:srgbClr val="FFFFFF"/>
+                    <a:srgbClr val="ffffff"/>
                   </a:solidFill>
                 </a:uFill>
                 <a:latin typeface="Arial"/>
               </a:rPr>
               <a:t>Sixth Outline Level</a:t>
             </a:r>
-          </a:p>
-          <a:p>
-            <a:pPr marL="3024000" lvl="6" indent="-216000">
+            <a:endParaRPr b="0" lang="fr-FR" sz="2000" spc="-1" strike="noStrike">
+              <a:solidFill>
+                <a:srgbClr val="000000"/>
+              </a:solidFill>
+              <a:uFill>
+                <a:solidFill>
+                  <a:srgbClr val="ffffff"/>
+                </a:solidFill>
+              </a:uFill>
+              <a:latin typeface="Arial"/>
+            </a:endParaRPr>
+          </a:p>
+          <a:p>
+            <a:pPr lvl="6" marL="3024000" indent="-216000">
               <a:spcBef>
                 <a:spcPts val="283"/>
               </a:spcBef>
@@ -4505,324 +4101,55 @@
               <a:buChar char=""/>
             </a:pPr>
             <a:r>
-              <a:rPr lang="fr-CH" sz="1800" b="0" strike="noStrike" spc="-1">
+              <a:rPr b="0" lang="fr-FR" sz="2000" spc="-1" strike="noStrike">
                 <a:solidFill>
                   <a:srgbClr val="000000"/>
                 </a:solidFill>
                 <a:uFill>
                   <a:solidFill>
-                    <a:srgbClr val="FFFFFF"/>
+                    <a:srgbClr val="ffffff"/>
                   </a:solidFill>
                 </a:uFill>
                 <a:latin typeface="Arial"/>
               </a:rPr>
               <a:t>Seventh Outline Level</a:t>
             </a:r>
+            <a:endParaRPr b="0" lang="fr-FR" sz="2000" spc="-1" strike="noStrike">
+              <a:solidFill>
+                <a:srgbClr val="000000"/>
+              </a:solidFill>
+              <a:uFill>
+                <a:solidFill>
+                  <a:srgbClr val="ffffff"/>
+                </a:solidFill>
+              </a:uFill>
+              <a:latin typeface="Arial"/>
+            </a:endParaRPr>
           </a:p>
         </p:txBody>
       </p:sp>
     </p:spTree>
   </p:cSld>
-  <p:clrMap bg1="lt1" tx1="dk1" bg2="lt2" tx2="dk2" accent1="accent1" accent2="accent2" accent3="accent3" accent4="accent4" accent5="accent5" accent6="accent6" hlink="hlink" folHlink="folHlink"/>
+  <p:clrMap bg1="lt1" bg2="lt2" tx1="dk1" tx2="dk2" accent1="accent1" accent2="accent2" accent3="accent3" accent4="accent4" accent5="accent5" accent6="accent6" hlink="hlink" folHlink="folHlink"/>
   <p:sldLayoutIdLst>
-    <p:sldLayoutId id="2147483662" r:id="rId1"/>
-    <p:sldLayoutId id="2147483663" r:id="rId2"/>
-    <p:sldLayoutId id="2147483664" r:id="rId3"/>
-    <p:sldLayoutId id="2147483665" r:id="rId4"/>
-    <p:sldLayoutId id="2147483666" r:id="rId5"/>
-    <p:sldLayoutId id="2147483667" r:id="rId6"/>
-    <p:sldLayoutId id="2147483668" r:id="rId7"/>
-    <p:sldLayoutId id="2147483669" r:id="rId8"/>
-    <p:sldLayoutId id="2147483670" r:id="rId9"/>
-    <p:sldLayoutId id="2147483671" r:id="rId10"/>
-    <p:sldLayoutId id="2147483672" r:id="rId11"/>
-    <p:sldLayoutId id="2147483673" r:id="rId12"/>
+    <p:sldLayoutId id="2147483662" r:id="rId2"/>
+    <p:sldLayoutId id="2147483663" r:id="rId3"/>
+    <p:sldLayoutId id="2147483664" r:id="rId4"/>
+    <p:sldLayoutId id="2147483665" r:id="rId5"/>
+    <p:sldLayoutId id="2147483666" r:id="rId6"/>
+    <p:sldLayoutId id="2147483667" r:id="rId7"/>
+    <p:sldLayoutId id="2147483668" r:id="rId8"/>
+    <p:sldLayoutId id="2147483669" r:id="rId9"/>
+    <p:sldLayoutId id="2147483670" r:id="rId10"/>
+    <p:sldLayoutId id="2147483671" r:id="rId11"/>
+    <p:sldLayoutId id="2147483672" r:id="rId12"/>
+    <p:sldLayoutId id="2147483673" r:id="rId13"/>
   </p:sldLayoutIdLst>
-  <p:txStyles>
-    <p:titleStyle>
-      <a:lvl1pPr algn="l" defTabSz="914400" rtl="0" eaLnBrk="1" latinLnBrk="0" hangingPunct="1">
-        <a:lnSpc>
-          <a:spcPct val="90000"/>
-        </a:lnSpc>
-        <a:spcBef>
-          <a:spcPct val="0"/>
-        </a:spcBef>
-        <a:buNone/>
-        <a:defRPr sz="4400" kern="1200">
-          <a:solidFill>
-            <a:schemeClr val="tx1"/>
-          </a:solidFill>
-          <a:latin typeface="+mj-lt"/>
-          <a:ea typeface="+mj-ea"/>
-          <a:cs typeface="+mj-cs"/>
-        </a:defRPr>
-      </a:lvl1pPr>
-    </p:titleStyle>
-    <p:bodyStyle>
-      <a:lvl1pPr marL="228600" indent="-228600" algn="l" defTabSz="914400" rtl="0" eaLnBrk="1" latinLnBrk="0" hangingPunct="1">
-        <a:lnSpc>
-          <a:spcPct val="90000"/>
-        </a:lnSpc>
-        <a:spcBef>
-          <a:spcPts val="1000"/>
-        </a:spcBef>
-        <a:buFont typeface="Arial" panose="020B0604020202020204" pitchFamily="34" charset="0"/>
-        <a:buChar char="•"/>
-        <a:defRPr sz="2800" kern="1200">
-          <a:solidFill>
-            <a:schemeClr val="tx1"/>
-          </a:solidFill>
-          <a:latin typeface="+mn-lt"/>
-          <a:ea typeface="+mn-ea"/>
-          <a:cs typeface="+mn-cs"/>
-        </a:defRPr>
-      </a:lvl1pPr>
-      <a:lvl2pPr marL="685800" indent="-228600" algn="l" defTabSz="914400" rtl="0" eaLnBrk="1" latinLnBrk="0" hangingPunct="1">
-        <a:lnSpc>
-          <a:spcPct val="90000"/>
-        </a:lnSpc>
-        <a:spcBef>
-          <a:spcPts val="500"/>
-        </a:spcBef>
-        <a:buFont typeface="Arial" panose="020B0604020202020204" pitchFamily="34" charset="0"/>
-        <a:buChar char="•"/>
-        <a:defRPr sz="2400" kern="1200">
-          <a:solidFill>
-            <a:schemeClr val="tx1"/>
-          </a:solidFill>
-          <a:latin typeface="+mn-lt"/>
-          <a:ea typeface="+mn-ea"/>
-          <a:cs typeface="+mn-cs"/>
-        </a:defRPr>
-      </a:lvl2pPr>
-      <a:lvl3pPr marL="1143000" indent="-228600" algn="l" defTabSz="914400" rtl="0" eaLnBrk="1" latinLnBrk="0" hangingPunct="1">
-        <a:lnSpc>
-          <a:spcPct val="90000"/>
-        </a:lnSpc>
-        <a:spcBef>
-          <a:spcPts val="500"/>
-        </a:spcBef>
-        <a:buFont typeface="Arial" panose="020B0604020202020204" pitchFamily="34" charset="0"/>
-        <a:buChar char="•"/>
-        <a:defRPr sz="2000" kern="1200">
-          <a:solidFill>
-            <a:schemeClr val="tx1"/>
-          </a:solidFill>
-          <a:latin typeface="+mn-lt"/>
-          <a:ea typeface="+mn-ea"/>
-          <a:cs typeface="+mn-cs"/>
-        </a:defRPr>
-      </a:lvl3pPr>
-      <a:lvl4pPr marL="1600200" indent="-228600" algn="l" defTabSz="914400" rtl="0" eaLnBrk="1" latinLnBrk="0" hangingPunct="1">
-        <a:lnSpc>
-          <a:spcPct val="90000"/>
-        </a:lnSpc>
-        <a:spcBef>
-          <a:spcPts val="500"/>
-        </a:spcBef>
-        <a:buFont typeface="Arial" panose="020B0604020202020204" pitchFamily="34" charset="0"/>
-        <a:buChar char="•"/>
-        <a:defRPr sz="1800" kern="1200">
-          <a:solidFill>
-            <a:schemeClr val="tx1"/>
-          </a:solidFill>
-          <a:latin typeface="+mn-lt"/>
-          <a:ea typeface="+mn-ea"/>
-          <a:cs typeface="+mn-cs"/>
-        </a:defRPr>
-      </a:lvl4pPr>
-      <a:lvl5pPr marL="2057400" indent="-228600" algn="l" defTabSz="914400" rtl="0" eaLnBrk="1" latinLnBrk="0" hangingPunct="1">
-        <a:lnSpc>
-          <a:spcPct val="90000"/>
-        </a:lnSpc>
-        <a:spcBef>
-          <a:spcPts val="500"/>
-        </a:spcBef>
-        <a:buFont typeface="Arial" panose="020B0604020202020204" pitchFamily="34" charset="0"/>
-        <a:buChar char="•"/>
-        <a:defRPr sz="1800" kern="1200">
-          <a:solidFill>
-            <a:schemeClr val="tx1"/>
-          </a:solidFill>
-          <a:latin typeface="+mn-lt"/>
-          <a:ea typeface="+mn-ea"/>
-          <a:cs typeface="+mn-cs"/>
-        </a:defRPr>
-      </a:lvl5pPr>
-      <a:lvl6pPr marL="2514600" indent="-228600" algn="l" defTabSz="914400" rtl="0" eaLnBrk="1" latinLnBrk="0" hangingPunct="1">
-        <a:lnSpc>
-          <a:spcPct val="90000"/>
-        </a:lnSpc>
-        <a:spcBef>
-          <a:spcPts val="500"/>
-        </a:spcBef>
-        <a:buFont typeface="Arial" panose="020B0604020202020204" pitchFamily="34" charset="0"/>
-        <a:buChar char="•"/>
-        <a:defRPr sz="1800" kern="1200">
-          <a:solidFill>
-            <a:schemeClr val="tx1"/>
-          </a:solidFill>
-          <a:latin typeface="+mn-lt"/>
-          <a:ea typeface="+mn-ea"/>
-          <a:cs typeface="+mn-cs"/>
-        </a:defRPr>
-      </a:lvl6pPr>
-      <a:lvl7pPr marL="2971800" indent="-228600" algn="l" defTabSz="914400" rtl="0" eaLnBrk="1" latinLnBrk="0" hangingPunct="1">
-        <a:lnSpc>
-          <a:spcPct val="90000"/>
-        </a:lnSpc>
-        <a:spcBef>
-          <a:spcPts val="500"/>
-        </a:spcBef>
-        <a:buFont typeface="Arial" panose="020B0604020202020204" pitchFamily="34" charset="0"/>
-        <a:buChar char="•"/>
-        <a:defRPr sz="1800" kern="1200">
-          <a:solidFill>
-            <a:schemeClr val="tx1"/>
-          </a:solidFill>
-          <a:latin typeface="+mn-lt"/>
-          <a:ea typeface="+mn-ea"/>
-          <a:cs typeface="+mn-cs"/>
-        </a:defRPr>
-      </a:lvl7pPr>
-      <a:lvl8pPr marL="3429000" indent="-228600" algn="l" defTabSz="914400" rtl="0" eaLnBrk="1" latinLnBrk="0" hangingPunct="1">
-        <a:lnSpc>
-          <a:spcPct val="90000"/>
-        </a:lnSpc>
-        <a:spcBef>
-          <a:spcPts val="500"/>
-        </a:spcBef>
-        <a:buFont typeface="Arial" panose="020B0604020202020204" pitchFamily="34" charset="0"/>
-        <a:buChar char="•"/>
-        <a:defRPr sz="1800" kern="1200">
-          <a:solidFill>
-            <a:schemeClr val="tx1"/>
-          </a:solidFill>
-          <a:latin typeface="+mn-lt"/>
-          <a:ea typeface="+mn-ea"/>
-          <a:cs typeface="+mn-cs"/>
-        </a:defRPr>
-      </a:lvl8pPr>
-      <a:lvl9pPr marL="3886200" indent="-228600" algn="l" defTabSz="914400" rtl="0" eaLnBrk="1" latinLnBrk="0" hangingPunct="1">
-        <a:lnSpc>
-          <a:spcPct val="90000"/>
-        </a:lnSpc>
-        <a:spcBef>
-          <a:spcPts val="500"/>
-        </a:spcBef>
-        <a:buFont typeface="Arial" panose="020B0604020202020204" pitchFamily="34" charset="0"/>
-        <a:buChar char="•"/>
-        <a:defRPr sz="1800" kern="1200">
-          <a:solidFill>
-            <a:schemeClr val="tx1"/>
-          </a:solidFill>
-          <a:latin typeface="+mn-lt"/>
-          <a:ea typeface="+mn-ea"/>
-          <a:cs typeface="+mn-cs"/>
-        </a:defRPr>
-      </a:lvl9pPr>
-    </p:bodyStyle>
-    <p:otherStyle>
-      <a:defPPr>
-        <a:defRPr lang="fr-FR"/>
-      </a:defPPr>
-      <a:lvl1pPr marL="0" algn="l" defTabSz="914400" rtl="0" eaLnBrk="1" latinLnBrk="0" hangingPunct="1">
-        <a:defRPr sz="1800" kern="1200">
-          <a:solidFill>
-            <a:schemeClr val="tx1"/>
-          </a:solidFill>
-          <a:latin typeface="+mn-lt"/>
-          <a:ea typeface="+mn-ea"/>
-          <a:cs typeface="+mn-cs"/>
-        </a:defRPr>
-      </a:lvl1pPr>
-      <a:lvl2pPr marL="457200" algn="l" defTabSz="914400" rtl="0" eaLnBrk="1" latinLnBrk="0" hangingPunct="1">
-        <a:defRPr sz="1800" kern="1200">
-          <a:solidFill>
-            <a:schemeClr val="tx1"/>
-          </a:solidFill>
-          <a:latin typeface="+mn-lt"/>
-          <a:ea typeface="+mn-ea"/>
-          <a:cs typeface="+mn-cs"/>
-        </a:defRPr>
-      </a:lvl2pPr>
-      <a:lvl3pPr marL="914400" algn="l" defTabSz="914400" rtl="0" eaLnBrk="1" latinLnBrk="0" hangingPunct="1">
-        <a:defRPr sz="1800" kern="1200">
-          <a:solidFill>
-            <a:schemeClr val="tx1"/>
-          </a:solidFill>
-          <a:latin typeface="+mn-lt"/>
-          <a:ea typeface="+mn-ea"/>
-          <a:cs typeface="+mn-cs"/>
-        </a:defRPr>
-      </a:lvl3pPr>
-      <a:lvl4pPr marL="1371600" algn="l" defTabSz="914400" rtl="0" eaLnBrk="1" latinLnBrk="0" hangingPunct="1">
-        <a:defRPr sz="1800" kern="1200">
-          <a:solidFill>
-            <a:schemeClr val="tx1"/>
-          </a:solidFill>
-          <a:latin typeface="+mn-lt"/>
-          <a:ea typeface="+mn-ea"/>
-          <a:cs typeface="+mn-cs"/>
-        </a:defRPr>
-      </a:lvl4pPr>
-      <a:lvl5pPr marL="1828800" algn="l" defTabSz="914400" rtl="0" eaLnBrk="1" latinLnBrk="0" hangingPunct="1">
-        <a:defRPr sz="1800" kern="1200">
-          <a:solidFill>
-            <a:schemeClr val="tx1"/>
-          </a:solidFill>
-          <a:latin typeface="+mn-lt"/>
-          <a:ea typeface="+mn-ea"/>
-          <a:cs typeface="+mn-cs"/>
-        </a:defRPr>
-      </a:lvl5pPr>
-      <a:lvl6pPr marL="2286000" algn="l" defTabSz="914400" rtl="0" eaLnBrk="1" latinLnBrk="0" hangingPunct="1">
-        <a:defRPr sz="1800" kern="1200">
-          <a:solidFill>
-            <a:schemeClr val="tx1"/>
-          </a:solidFill>
-          <a:latin typeface="+mn-lt"/>
-          <a:ea typeface="+mn-ea"/>
-          <a:cs typeface="+mn-cs"/>
-        </a:defRPr>
-      </a:lvl6pPr>
-      <a:lvl7pPr marL="2743200" algn="l" defTabSz="914400" rtl="0" eaLnBrk="1" latinLnBrk="0" hangingPunct="1">
-        <a:defRPr sz="1800" kern="1200">
-          <a:solidFill>
-            <a:schemeClr val="tx1"/>
-          </a:solidFill>
-          <a:latin typeface="+mn-lt"/>
-          <a:ea typeface="+mn-ea"/>
-          <a:cs typeface="+mn-cs"/>
-        </a:defRPr>
-      </a:lvl7pPr>
-      <a:lvl8pPr marL="3200400" algn="l" defTabSz="914400" rtl="0" eaLnBrk="1" latinLnBrk="0" hangingPunct="1">
-        <a:defRPr sz="1800" kern="1200">
-          <a:solidFill>
-            <a:schemeClr val="tx1"/>
-          </a:solidFill>
-          <a:latin typeface="+mn-lt"/>
-          <a:ea typeface="+mn-ea"/>
-          <a:cs typeface="+mn-cs"/>
-        </a:defRPr>
-      </a:lvl8pPr>
-      <a:lvl9pPr marL="3657600" algn="l" defTabSz="914400" rtl="0" eaLnBrk="1" latinLnBrk="0" hangingPunct="1">
-        <a:defRPr sz="1800" kern="1200">
-          <a:solidFill>
-            <a:schemeClr val="tx1"/>
-          </a:solidFill>
-          <a:latin typeface="+mn-lt"/>
-          <a:ea typeface="+mn-ea"/>
-          <a:cs typeface="+mn-cs"/>
-        </a:defRPr>
-      </a:lvl9pPr>
-    </p:otherStyle>
-  </p:txStyles>
 </p:sldMaster>
 </file>
 
 <file path=ppt/slides/slide1.xml><?xml version="1.0" encoding="utf-8"?>
-<p:sld xmlns:a="http://schemas.openxmlformats.org/drawingml/2006/main" xmlns:r="http://schemas.openxmlformats.org/officeDocument/2006/relationships" xmlns:p="http://schemas.openxmlformats.org/presentationml/2006/main">
+<p:sld xmlns:a="http://schemas.openxmlformats.org/drawingml/2006/main" xmlns:p="http://schemas.openxmlformats.org/presentationml/2006/main" xmlns:r="http://schemas.openxmlformats.org/officeDocument/2006/relationships" xmlns:p14="http://schemas.microsoft.com/office/powerpoint/2010/main" xmlns:p15="http://schemas.microsoft.com/office/powerpoint/2012/main" xmlns:mc="http://schemas.openxmlformats.org/markup-compatibility/2006">
   <p:cSld>
     <p:spTree>
       <p:nvGrpSpPr>
@@ -4847,7 +4174,7 @@
         <p:spPr>
           <a:xfrm>
             <a:off x="360000" y="3330000"/>
-            <a:ext cx="9359640" cy="899640"/>
+            <a:ext cx="9359280" cy="899280"/>
           </a:xfrm>
           <a:prstGeom prst="rect">
             <a:avLst/>
@@ -4858,42 +4185,41 @@
           </a:ln>
         </p:spPr>
         <p:style>
-          <a:lnRef idx="0">
-            <a:scrgbClr r="0" g="0" b="0"/>
-          </a:lnRef>
-          <a:fillRef idx="0">
-            <a:scrgbClr r="0" g="0" b="0"/>
-          </a:fillRef>
-          <a:effectRef idx="0">
-            <a:scrgbClr r="0" g="0" b="0"/>
-          </a:effectRef>
+          <a:lnRef idx="0"/>
+          <a:fillRef idx="0"/>
+          <a:effectRef idx="0"/>
           <a:fontRef idx="minor"/>
         </p:style>
         <p:txBody>
-          <a:bodyPr lIns="0" tIns="0" rIns="0" bIns="0" anchor="b"/>
-          <a:lstStyle/>
-          <a:p>
+          <a:bodyPr lIns="0" rIns="0" tIns="0" bIns="0" anchor="b"/>
+          <a:p>
+            <a:pPr>
+              <a:lnSpc>
+                <a:spcPct val="100000"/>
+              </a:lnSpc>
+            </a:pPr>
             <a:r>
-              <a:rPr lang="fr-CH" sz="4800" b="1" strike="noStrike" spc="-1">
-                <a:solidFill>
-                  <a:srgbClr val="FFFFFF"/>
+              <a:rPr b="1" lang="fr-CH" sz="4800" spc="-1" strike="noStrike">
+                <a:solidFill>
+                  <a:srgbClr val="ffffff"/>
                 </a:solidFill>
                 <a:uFill>
                   <a:solidFill>
-                    <a:srgbClr val="FFFFFF"/>
+                    <a:srgbClr val="ffffff"/>
                   </a:solidFill>
                 </a:uFill>
                 <a:latin typeface="Consolas"/>
+                <a:ea typeface="DejaVu Sans"/>
               </a:rPr>
               <a:t>CoRe</a:t>
             </a:r>
-            <a:endParaRPr lang="fr-CH" sz="4800" b="0" strike="noStrike" spc="-1">
-              <a:solidFill>
-                <a:srgbClr val="000000"/>
-              </a:solidFill>
-              <a:uFill>
-                <a:solidFill>
-                  <a:srgbClr val="FFFFFF"/>
+            <a:endParaRPr b="0" lang="fr-CH" sz="4800" spc="-1" strike="noStrike">
+              <a:solidFill>
+                <a:srgbClr val="000000"/>
+              </a:solidFill>
+              <a:uFill>
+                <a:solidFill>
+                  <a:srgbClr val="ffffff"/>
                 </a:solidFill>
               </a:uFill>
               <a:latin typeface="Arial"/>
@@ -4910,7 +4236,7 @@
         <p:spPr>
           <a:xfrm>
             <a:off x="540000" y="4680000"/>
-            <a:ext cx="9179640" cy="2519640"/>
+            <a:ext cx="9179280" cy="2519280"/>
           </a:xfrm>
           <a:prstGeom prst="rect">
             <a:avLst/>
@@ -4921,42 +4247,41 @@
           </a:ln>
         </p:spPr>
         <p:style>
-          <a:lnRef idx="0">
-            <a:scrgbClr r="0" g="0" b="0"/>
-          </a:lnRef>
-          <a:fillRef idx="0">
-            <a:scrgbClr r="0" g="0" b="0"/>
-          </a:fillRef>
-          <a:effectRef idx="0">
-            <a:scrgbClr r="0" g="0" b="0"/>
-          </a:effectRef>
+          <a:lnRef idx="0"/>
+          <a:fillRef idx="0"/>
+          <a:effectRef idx="0"/>
           <a:fontRef idx="minor"/>
         </p:style>
         <p:txBody>
-          <a:bodyPr lIns="0" tIns="0" rIns="0" bIns="0"/>
-          <a:lstStyle/>
-          <a:p>
+          <a:bodyPr lIns="0" rIns="0" tIns="0" bIns="0"/>
+          <a:p>
+            <a:pPr>
+              <a:lnSpc>
+                <a:spcPct val="100000"/>
+              </a:lnSpc>
+            </a:pPr>
             <a:r>
-              <a:rPr lang="fr-CH" sz="2200" b="0" strike="noStrike" spc="-1">
-                <a:solidFill>
-                  <a:srgbClr val="1C1C1C"/>
+              <a:rPr b="0" lang="fr-CH" sz="2200" spc="-1" strike="noStrike">
+                <a:solidFill>
+                  <a:srgbClr val="1c1c1c"/>
                 </a:solidFill>
                 <a:uFill>
                   <a:solidFill>
-                    <a:srgbClr val="FFFFFF"/>
+                    <a:srgbClr val="ffffff"/>
                   </a:solidFill>
                 </a:uFill>
                 <a:latin typeface="Source Sans Pro Light"/>
+                <a:ea typeface="DejaVu Sans"/>
               </a:rPr>
-              <a:t>Chain of Responsabilty</a:t>
+              <a:t>Chain of Responsibilty</a:t>
             </a:r>
-            <a:endParaRPr lang="fr-CH" sz="2200" b="0" strike="noStrike" spc="-1">
-              <a:solidFill>
-                <a:srgbClr val="000000"/>
-              </a:solidFill>
-              <a:uFill>
-                <a:solidFill>
-                  <a:srgbClr val="FFFFFF"/>
+            <a:endParaRPr b="0" lang="fr-CH" sz="2200" spc="-1" strike="noStrike">
+              <a:solidFill>
+                <a:srgbClr val="000000"/>
+              </a:solidFill>
+              <a:uFill>
+                <a:solidFill>
+                  <a:srgbClr val="ffffff"/>
                 </a:solidFill>
               </a:uFill>
               <a:latin typeface="Arial"/>
@@ -4966,9 +4291,6 @@
       </p:sp>
     </p:spTree>
   </p:cSld>
-  <p:clrMapOvr>
-    <a:masterClrMapping/>
-  </p:clrMapOvr>
   <p:timing>
     <p:tnLst>
       <p:par>
@@ -4977,14 +4299,14 @@
             <p:seq>
               <p:cTn id="2" nodeType="mainSeq"/>
               <p:prevCondLst>
-                <p:cond evt="onPrev" delay="0">
+                <p:cond delay="0" evt="onPrev">
                   <p:tgtEl>
                     <p:sldTgt/>
                   </p:tgtEl>
                 </p:cond>
               </p:prevCondLst>
               <p:nextCondLst>
-                <p:cond evt="onNext" delay="0">
+                <p:cond delay="0" evt="onNext">
                   <p:tgtEl>
                     <p:sldTgt/>
                   </p:tgtEl>
@@ -5000,7 +4322,7 @@
 </file>
 
 <file path=ppt/slides/slide2.xml><?xml version="1.0" encoding="utf-8"?>
-<p:sld xmlns:a="http://schemas.openxmlformats.org/drawingml/2006/main" xmlns:r="http://schemas.openxmlformats.org/officeDocument/2006/relationships" xmlns:p="http://schemas.openxmlformats.org/presentationml/2006/main">
+<p:sld xmlns:a="http://schemas.openxmlformats.org/drawingml/2006/main" xmlns:p="http://schemas.openxmlformats.org/presentationml/2006/main" xmlns:r="http://schemas.openxmlformats.org/officeDocument/2006/relationships" xmlns:p14="http://schemas.microsoft.com/office/powerpoint/2010/main" xmlns:p15="http://schemas.microsoft.com/office/powerpoint/2012/main" xmlns:mc="http://schemas.openxmlformats.org/markup-compatibility/2006">
   <p:cSld>
     <p:spTree>
       <p:nvGrpSpPr>
@@ -5025,7 +4347,7 @@
         <p:spPr>
           <a:xfrm>
             <a:off x="360000" y="360000"/>
-            <a:ext cx="9359640" cy="899640"/>
+            <a:ext cx="9359280" cy="899280"/>
           </a:xfrm>
           <a:prstGeom prst="rect">
             <a:avLst/>
@@ -5036,42 +4358,41 @@
           </a:ln>
         </p:spPr>
         <p:style>
-          <a:lnRef idx="0">
-            <a:scrgbClr r="0" g="0" b="0"/>
-          </a:lnRef>
-          <a:fillRef idx="0">
-            <a:scrgbClr r="0" g="0" b="0"/>
-          </a:fillRef>
-          <a:effectRef idx="0">
-            <a:scrgbClr r="0" g="0" b="0"/>
-          </a:effectRef>
+          <a:lnRef idx="0"/>
+          <a:fillRef idx="0"/>
+          <a:effectRef idx="0"/>
           <a:fontRef idx="minor"/>
         </p:style>
         <p:txBody>
-          <a:bodyPr lIns="0" tIns="0" rIns="0" bIns="0" anchor="b"/>
-          <a:lstStyle/>
-          <a:p>
+          <a:bodyPr lIns="0" rIns="0" tIns="0" bIns="0" anchor="b"/>
+          <a:p>
+            <a:pPr>
+              <a:lnSpc>
+                <a:spcPct val="100000"/>
+              </a:lnSpc>
+            </a:pPr>
             <a:r>
-              <a:rPr lang="fr-CH" sz="3200" b="1" strike="noStrike" spc="-1">
-                <a:solidFill>
-                  <a:srgbClr val="FFFFFF"/>
+              <a:rPr b="1" lang="fr-CH" sz="3200" spc="-1" strike="noStrike">
+                <a:solidFill>
+                  <a:srgbClr val="ffffff"/>
                 </a:solidFill>
                 <a:uFill>
                   <a:solidFill>
-                    <a:srgbClr val="FFFFFF"/>
+                    <a:srgbClr val="ffffff"/>
                   </a:solidFill>
                 </a:uFill>
                 <a:latin typeface="Source Sans Pro Black"/>
+                <a:ea typeface="DejaVu Sans"/>
               </a:rPr>
               <a:t>Introduction</a:t>
             </a:r>
-            <a:endParaRPr lang="fr-CH" sz="3200" b="0" strike="noStrike" spc="-1">
-              <a:solidFill>
-                <a:srgbClr val="000000"/>
-              </a:solidFill>
-              <a:uFill>
-                <a:solidFill>
-                  <a:srgbClr val="FFFFFF"/>
+            <a:endParaRPr b="0" lang="fr-CH" sz="3200" spc="-1" strike="noStrike">
+              <a:solidFill>
+                <a:srgbClr val="000000"/>
+              </a:solidFill>
+              <a:uFill>
+                <a:solidFill>
+                  <a:srgbClr val="ffffff"/>
                 </a:solidFill>
               </a:uFill>
               <a:latin typeface="Arial"/>
@@ -5088,7 +4409,7 @@
         <p:spPr>
           <a:xfrm>
             <a:off x="360000" y="1980000"/>
-            <a:ext cx="9179640" cy="4679640"/>
+            <a:ext cx="9179280" cy="4679280"/>
           </a:xfrm>
           <a:prstGeom prst="rect">
             <a:avLst/>
@@ -5099,22 +4420,15 @@
           </a:ln>
         </p:spPr>
         <p:style>
-          <a:lnRef idx="0">
-            <a:scrgbClr r="0" g="0" b="0"/>
-          </a:lnRef>
-          <a:fillRef idx="0">
-            <a:scrgbClr r="0" g="0" b="0"/>
-          </a:fillRef>
-          <a:effectRef idx="0">
-            <a:scrgbClr r="0" g="0" b="0"/>
-          </a:effectRef>
+          <a:lnRef idx="0"/>
+          <a:fillRef idx="0"/>
+          <a:effectRef idx="0"/>
           <a:fontRef idx="minor"/>
         </p:style>
         <p:txBody>
-          <a:bodyPr lIns="0" tIns="0" rIns="0" bIns="0">
+          <a:bodyPr lIns="0" rIns="0" tIns="0" bIns="0">
             <a:normAutofit/>
           </a:bodyPr>
-          <a:lstStyle/>
           <a:p>
             <a:pPr>
               <a:lnSpc>
@@ -5124,13 +4438,13 @@
                 <a:spcPts val="1142"/>
               </a:spcAft>
             </a:pPr>
-            <a:endParaRPr lang="fr-CH" sz="1800" b="0" strike="noStrike" spc="-1">
-              <a:solidFill>
-                <a:srgbClr val="000000"/>
-              </a:solidFill>
-              <a:uFill>
-                <a:solidFill>
-                  <a:srgbClr val="FFFFFF"/>
+            <a:endParaRPr b="0" lang="fr-CH" sz="1800" spc="-1" strike="noStrike">
+              <a:solidFill>
+                <a:srgbClr val="000000"/>
+              </a:solidFill>
+              <a:uFill>
+                <a:solidFill>
+                  <a:srgbClr val="ffffff"/>
                 </a:solidFill>
               </a:uFill>
               <a:latin typeface="Arial"/>
@@ -5146,26 +4460,42 @@
               </a:spcAft>
             </a:pPr>
             <a:r>
-              <a:rPr lang="fr-CH" sz="2600" b="1" strike="noStrike" spc="-1">
-                <a:solidFill>
-                  <a:srgbClr val="1C1C1C"/>
+              <a:rPr b="1" lang="fr-CH" sz="2600" spc="-1" strike="noStrike">
+                <a:solidFill>
+                  <a:srgbClr val="1c1c1c"/>
                 </a:solidFill>
                 <a:uFill>
                   <a:solidFill>
-                    <a:srgbClr val="FFFFFF"/>
+                    <a:srgbClr val="ffffff"/>
                   </a:solidFill>
                 </a:uFill>
                 <a:latin typeface="Source Sans Pro Semibold"/>
+                <a:ea typeface="DejaVu Sans"/>
               </a:rPr>
-              <a:t>→ Shoot ’em up coloré</a:t>
+              <a:t>→ </a:t>
             </a:r>
-            <a:endParaRPr lang="fr-CH" sz="2600" b="0" strike="noStrike" spc="-1">
-              <a:solidFill>
-                <a:srgbClr val="000000"/>
-              </a:solidFill>
-              <a:uFill>
-                <a:solidFill>
-                  <a:srgbClr val="FFFFFF"/>
+            <a:r>
+              <a:rPr b="1" lang="fr-CH" sz="2600" spc="-1" strike="noStrike">
+                <a:solidFill>
+                  <a:srgbClr val="1c1c1c"/>
+                </a:solidFill>
+                <a:uFill>
+                  <a:solidFill>
+                    <a:srgbClr val="ffffff"/>
+                  </a:solidFill>
+                </a:uFill>
+                <a:latin typeface="Source Sans Pro Semibold"/>
+                <a:ea typeface="DejaVu Sans"/>
+              </a:rPr>
+              <a:t>Shoot ’em up coloré</a:t>
+            </a:r>
+            <a:endParaRPr b="0" lang="fr-CH" sz="2600" spc="-1" strike="noStrike">
+              <a:solidFill>
+                <a:srgbClr val="000000"/>
+              </a:solidFill>
+              <a:uFill>
+                <a:solidFill>
+                  <a:srgbClr val="ffffff"/>
                 </a:solidFill>
               </a:uFill>
               <a:latin typeface="Arial"/>
@@ -5181,26 +4511,42 @@
               </a:spcAft>
             </a:pPr>
             <a:r>
-              <a:rPr lang="fr-CH" sz="2600" b="1" strike="noStrike" spc="-1">
-                <a:solidFill>
-                  <a:srgbClr val="1C1C1C"/>
+              <a:rPr b="1" lang="fr-CH" sz="2600" spc="-1" strike="noStrike">
+                <a:solidFill>
+                  <a:srgbClr val="1c1c1c"/>
                 </a:solidFill>
                 <a:uFill>
                   <a:solidFill>
-                    <a:srgbClr val="FFFFFF"/>
+                    <a:srgbClr val="ffffff"/>
                   </a:solidFill>
                 </a:uFill>
                 <a:latin typeface="Source Sans Pro Semibold"/>
+                <a:ea typeface="DejaVu Sans"/>
               </a:rPr>
-              <a:t>→ Maillons de la chaîne = obstacles</a:t>
+              <a:t>→ </a:t>
             </a:r>
-            <a:endParaRPr lang="fr-CH" sz="2600" b="0" strike="noStrike" spc="-1">
-              <a:solidFill>
-                <a:srgbClr val="000000"/>
-              </a:solidFill>
-              <a:uFill>
-                <a:solidFill>
-                  <a:srgbClr val="FFFFFF"/>
+            <a:r>
+              <a:rPr b="1" lang="fr-CH" sz="2600" spc="-1" strike="noStrike">
+                <a:solidFill>
+                  <a:srgbClr val="1c1c1c"/>
+                </a:solidFill>
+                <a:uFill>
+                  <a:solidFill>
+                    <a:srgbClr val="ffffff"/>
+                  </a:solidFill>
+                </a:uFill>
+                <a:latin typeface="Source Sans Pro Semibold"/>
+                <a:ea typeface="DejaVu Sans"/>
+              </a:rPr>
+              <a:t>Maillons de la chaîne = obstacles</a:t>
+            </a:r>
+            <a:endParaRPr b="0" lang="fr-CH" sz="2600" spc="-1" strike="noStrike">
+              <a:solidFill>
+                <a:srgbClr val="000000"/>
+              </a:solidFill>
+              <a:uFill>
+                <a:solidFill>
+                  <a:srgbClr val="ffffff"/>
                 </a:solidFill>
               </a:uFill>
               <a:latin typeface="Arial"/>
@@ -5216,26 +4562,42 @@
               </a:spcAft>
             </a:pPr>
             <a:r>
-              <a:rPr lang="fr-CH" sz="2600" b="1" strike="noStrike" spc="-1">
-                <a:solidFill>
-                  <a:srgbClr val="1C1C1C"/>
+              <a:rPr b="1" lang="fr-CH" sz="2600" spc="-1" strike="noStrike">
+                <a:solidFill>
+                  <a:srgbClr val="1c1c1c"/>
                 </a:solidFill>
                 <a:uFill>
                   <a:solidFill>
-                    <a:srgbClr val="FFFFFF"/>
+                    <a:srgbClr val="ffffff"/>
                   </a:solidFill>
                 </a:uFill>
                 <a:latin typeface="Source Sans Pro Semibold"/>
+                <a:ea typeface="DejaVu Sans"/>
               </a:rPr>
-              <a:t>→ Chaîne = explosions en chaîne</a:t>
+              <a:t>→ </a:t>
             </a:r>
-            <a:endParaRPr lang="fr-CH" sz="2600" b="0" strike="noStrike" spc="-1">
-              <a:solidFill>
-                <a:srgbClr val="000000"/>
-              </a:solidFill>
-              <a:uFill>
-                <a:solidFill>
-                  <a:srgbClr val="FFFFFF"/>
+            <a:r>
+              <a:rPr b="1" lang="fr-CH" sz="2600" spc="-1" strike="noStrike">
+                <a:solidFill>
+                  <a:srgbClr val="1c1c1c"/>
+                </a:solidFill>
+                <a:uFill>
+                  <a:solidFill>
+                    <a:srgbClr val="ffffff"/>
+                  </a:solidFill>
+                </a:uFill>
+                <a:latin typeface="Source Sans Pro Semibold"/>
+                <a:ea typeface="DejaVu Sans"/>
+              </a:rPr>
+              <a:t>Chaîne = explosions en chaîne</a:t>
+            </a:r>
+            <a:endParaRPr b="0" lang="fr-CH" sz="2600" spc="-1" strike="noStrike">
+              <a:solidFill>
+                <a:srgbClr val="000000"/>
+              </a:solidFill>
+              <a:uFill>
+                <a:solidFill>
+                  <a:srgbClr val="ffffff"/>
                 </a:solidFill>
               </a:uFill>
               <a:latin typeface="Arial"/>
@@ -5245,7 +4607,30 @@
       </p:sp>
       <p:pic>
         <p:nvPicPr>
-          <p:cNvPr id="85" name="Image 84"/>
+          <p:cNvPr id="85" name="Image 84" descr=""/>
+          <p:cNvPicPr/>
+          <p:nvPr/>
+        </p:nvPicPr>
+        <p:blipFill>
+          <a:blip r:embed="rId1"/>
+          <a:stretch/>
+        </p:blipFill>
+        <p:spPr>
+          <a:xfrm>
+            <a:off x="7150680" y="2805480"/>
+            <a:ext cx="811440" cy="811440"/>
+          </a:xfrm>
+          <a:prstGeom prst="rect">
+            <a:avLst/>
+          </a:prstGeom>
+          <a:ln>
+            <a:noFill/>
+          </a:ln>
+        </p:spPr>
+      </p:pic>
+      <p:pic>
+        <p:nvPicPr>
+          <p:cNvPr id="86" name="Image 85" descr=""/>
           <p:cNvPicPr/>
           <p:nvPr/>
         </p:nvPicPr>
@@ -5254,9 +4639,9 @@
           <a:stretch/>
         </p:blipFill>
         <p:spPr>
-          <a:xfrm>
-            <a:off x="7150680" y="2805480"/>
-            <a:ext cx="811800" cy="811800"/>
+          <a:xfrm rot="19020000">
+            <a:off x="8266320" y="2814480"/>
+            <a:ext cx="811440" cy="811440"/>
           </a:xfrm>
           <a:prstGeom prst="rect">
             <a:avLst/>
@@ -5266,50 +4651,24 @@
           </a:ln>
         </p:spPr>
       </p:pic>
-      <p:pic>
-        <p:nvPicPr>
-          <p:cNvPr id="86" name="Image 85"/>
-          <p:cNvPicPr/>
-          <p:nvPr/>
-        </p:nvPicPr>
-        <p:blipFill>
-          <a:blip r:embed="rId3"/>
-          <a:stretch/>
-        </p:blipFill>
-        <p:spPr>
-          <a:xfrm rot="19020000">
-            <a:off x="8266680" y="2814480"/>
-            <a:ext cx="811800" cy="811800"/>
-          </a:xfrm>
-          <a:prstGeom prst="rect">
-            <a:avLst/>
-          </a:prstGeom>
-          <a:ln>
-            <a:noFill/>
-          </a:ln>
-        </p:spPr>
-      </p:pic>
     </p:spTree>
   </p:cSld>
-  <p:clrMapOvr>
-    <a:masterClrMapping/>
-  </p:clrMapOvr>
   <p:timing>
     <p:tnLst>
       <p:par>
-        <p:cTn id="1" dur="indefinite" restart="never" nodeType="tmRoot">
+        <p:cTn id="3" dur="indefinite" restart="never" nodeType="tmRoot">
           <p:childTnLst>
             <p:seq>
-              <p:cTn id="2" nodeType="mainSeq"/>
+              <p:cTn id="4" nodeType="mainSeq"/>
               <p:prevCondLst>
-                <p:cond evt="onPrev" delay="0">
+                <p:cond delay="0" evt="onPrev">
                   <p:tgtEl>
                     <p:sldTgt/>
                   </p:tgtEl>
                 </p:cond>
               </p:prevCondLst>
               <p:nextCondLst>
-                <p:cond evt="onNext" delay="0">
+                <p:cond delay="0" evt="onNext">
                   <p:tgtEl>
                     <p:sldTgt/>
                   </p:tgtEl>
@@ -5325,7 +4684,7 @@
 </file>
 
 <file path=ppt/slides/slide3.xml><?xml version="1.0" encoding="utf-8"?>
-<p:sld xmlns:a="http://schemas.openxmlformats.org/drawingml/2006/main" xmlns:r="http://schemas.openxmlformats.org/officeDocument/2006/relationships" xmlns:p="http://schemas.openxmlformats.org/presentationml/2006/main">
+<p:sld xmlns:a="http://schemas.openxmlformats.org/drawingml/2006/main" xmlns:p="http://schemas.openxmlformats.org/presentationml/2006/main" xmlns:r="http://schemas.openxmlformats.org/officeDocument/2006/relationships" xmlns:p14="http://schemas.microsoft.com/office/powerpoint/2010/main" xmlns:p15="http://schemas.microsoft.com/office/powerpoint/2012/main" xmlns:mc="http://schemas.openxmlformats.org/markup-compatibility/2006">
   <p:cSld>
     <p:spTree>
       <p:nvGrpSpPr>
@@ -5350,7 +4709,7 @@
         <p:spPr>
           <a:xfrm>
             <a:off x="360000" y="360000"/>
-            <a:ext cx="9359640" cy="899640"/>
+            <a:ext cx="9359280" cy="899280"/>
           </a:xfrm>
           <a:prstGeom prst="rect">
             <a:avLst/>
@@ -5361,42 +4720,41 @@
           </a:ln>
         </p:spPr>
         <p:style>
-          <a:lnRef idx="0">
-            <a:scrgbClr r="0" g="0" b="0"/>
-          </a:lnRef>
-          <a:fillRef idx="0">
-            <a:scrgbClr r="0" g="0" b="0"/>
-          </a:fillRef>
-          <a:effectRef idx="0">
-            <a:scrgbClr r="0" g="0" b="0"/>
-          </a:effectRef>
+          <a:lnRef idx="0"/>
+          <a:fillRef idx="0"/>
+          <a:effectRef idx="0"/>
           <a:fontRef idx="minor"/>
         </p:style>
         <p:txBody>
-          <a:bodyPr lIns="0" tIns="0" rIns="0" bIns="0" anchor="b"/>
-          <a:lstStyle/>
-          <a:p>
+          <a:bodyPr lIns="0" rIns="0" tIns="0" bIns="0" anchor="b"/>
+          <a:p>
+            <a:pPr>
+              <a:lnSpc>
+                <a:spcPct val="100000"/>
+              </a:lnSpc>
+            </a:pPr>
             <a:r>
-              <a:rPr lang="fr-CH" sz="3200" b="1" strike="noStrike" spc="-1">
-                <a:solidFill>
-                  <a:srgbClr val="FFFFFF"/>
+              <a:rPr b="1" lang="fr-CH" sz="3200" spc="-1" strike="noStrike">
+                <a:solidFill>
+                  <a:srgbClr val="ffffff"/>
                 </a:solidFill>
                 <a:uFill>
                   <a:solidFill>
-                    <a:srgbClr val="FFFFFF"/>
+                    <a:srgbClr val="ffffff"/>
                   </a:solidFill>
                 </a:uFill>
                 <a:latin typeface="Source Sans Pro Black"/>
+                <a:ea typeface="DejaVu Sans"/>
               </a:rPr>
               <a:t>Technologies utilisées</a:t>
             </a:r>
-            <a:endParaRPr lang="fr-CH" sz="3200" b="0" strike="noStrike" spc="-1">
-              <a:solidFill>
-                <a:srgbClr val="000000"/>
-              </a:solidFill>
-              <a:uFill>
-                <a:solidFill>
-                  <a:srgbClr val="FFFFFF"/>
+            <a:endParaRPr b="0" lang="fr-CH" sz="3200" spc="-1" strike="noStrike">
+              <a:solidFill>
+                <a:srgbClr val="000000"/>
+              </a:solidFill>
+              <a:uFill>
+                <a:solidFill>
+                  <a:srgbClr val="ffffff"/>
                 </a:solidFill>
               </a:uFill>
               <a:latin typeface="Arial"/>
@@ -5413,7 +4771,7 @@
         <p:spPr>
           <a:xfrm>
             <a:off x="360000" y="1980000"/>
-            <a:ext cx="9179640" cy="4679640"/>
+            <a:ext cx="9179280" cy="4679280"/>
           </a:xfrm>
           <a:prstGeom prst="rect">
             <a:avLst/>
@@ -5424,15 +4782,9 @@
           </a:ln>
         </p:spPr>
         <p:style>
-          <a:lnRef idx="0">
-            <a:scrgbClr r="0" g="0" b="0"/>
-          </a:lnRef>
-          <a:fillRef idx="0">
-            <a:scrgbClr r="0" g="0" b="0"/>
-          </a:fillRef>
-          <a:effectRef idx="0">
-            <a:scrgbClr r="0" g="0" b="0"/>
-          </a:effectRef>
+          <a:lnRef idx="0"/>
+          <a:fillRef idx="0"/>
+          <a:effectRef idx="0"/>
           <a:fontRef idx="minor"/>
         </p:style>
       </p:sp>
@@ -5445,7 +4797,7 @@
         <p:spPr>
           <a:xfrm>
             <a:off x="360000" y="1980000"/>
-            <a:ext cx="9179640" cy="4679640"/>
+            <a:ext cx="9179280" cy="4679280"/>
           </a:xfrm>
           <a:prstGeom prst="rect">
             <a:avLst/>
@@ -5456,22 +4808,15 @@
           </a:ln>
         </p:spPr>
         <p:style>
-          <a:lnRef idx="0">
-            <a:scrgbClr r="0" g="0" b="0"/>
-          </a:lnRef>
-          <a:fillRef idx="0">
-            <a:scrgbClr r="0" g="0" b="0"/>
-          </a:fillRef>
-          <a:effectRef idx="0">
-            <a:scrgbClr r="0" g="0" b="0"/>
-          </a:effectRef>
+          <a:lnRef idx="0"/>
+          <a:fillRef idx="0"/>
+          <a:effectRef idx="0"/>
           <a:fontRef idx="minor"/>
         </p:style>
         <p:txBody>
-          <a:bodyPr lIns="0" tIns="0" rIns="0" bIns="0">
+          <a:bodyPr lIns="0" rIns="0" tIns="0" bIns="0">
             <a:normAutofit/>
           </a:bodyPr>
-          <a:lstStyle/>
           <a:p>
             <a:pPr>
               <a:lnSpc>
@@ -5481,13 +4826,13 @@
                 <a:spcPts val="1142"/>
               </a:spcAft>
             </a:pPr>
-            <a:endParaRPr lang="fr-CH" sz="1800" b="0" strike="noStrike" spc="-1">
-              <a:solidFill>
-                <a:srgbClr val="000000"/>
-              </a:solidFill>
-              <a:uFill>
-                <a:solidFill>
-                  <a:srgbClr val="FFFFFF"/>
+            <a:endParaRPr b="0" lang="fr-CH" sz="1800" spc="-1" strike="noStrike">
+              <a:solidFill>
+                <a:srgbClr val="000000"/>
+              </a:solidFill>
+              <a:uFill>
+                <a:solidFill>
+                  <a:srgbClr val="ffffff"/>
                 </a:solidFill>
               </a:uFill>
               <a:latin typeface="Arial"/>
@@ -5503,26 +4848,42 @@
               </a:spcAft>
             </a:pPr>
             <a:r>
-              <a:rPr lang="fr-CH" sz="2600" b="1" strike="noStrike" spc="-1">
-                <a:solidFill>
-                  <a:srgbClr val="1C1C1C"/>
+              <a:rPr b="1" lang="fr-CH" sz="2600" spc="-1" strike="noStrike">
+                <a:solidFill>
+                  <a:srgbClr val="1c1c1c"/>
                 </a:solidFill>
                 <a:uFill>
                   <a:solidFill>
-                    <a:srgbClr val="FFFFFF"/>
+                    <a:srgbClr val="ffffff"/>
                   </a:solidFill>
                 </a:uFill>
                 <a:latin typeface="Source Sans Pro Semibold"/>
+                <a:ea typeface="DejaVu Sans"/>
               </a:rPr>
-              <a:t>→ Libgdx (framework)</a:t>
+              <a:t>→ </a:t>
             </a:r>
-            <a:endParaRPr lang="fr-CH" sz="2600" b="0" strike="noStrike" spc="-1">
-              <a:solidFill>
-                <a:srgbClr val="000000"/>
-              </a:solidFill>
-              <a:uFill>
-                <a:solidFill>
-                  <a:srgbClr val="FFFFFF"/>
+            <a:r>
+              <a:rPr b="1" lang="fr-CH" sz="2600" spc="-1" strike="noStrike">
+                <a:solidFill>
+                  <a:srgbClr val="1c1c1c"/>
+                </a:solidFill>
+                <a:uFill>
+                  <a:solidFill>
+                    <a:srgbClr val="ffffff"/>
+                  </a:solidFill>
+                </a:uFill>
+                <a:latin typeface="Source Sans Pro Semibold"/>
+                <a:ea typeface="DejaVu Sans"/>
+              </a:rPr>
+              <a:t>Libgdx (framework)</a:t>
+            </a:r>
+            <a:endParaRPr b="0" lang="fr-CH" sz="2600" spc="-1" strike="noStrike">
+              <a:solidFill>
+                <a:srgbClr val="000000"/>
+              </a:solidFill>
+              <a:uFill>
+                <a:solidFill>
+                  <a:srgbClr val="ffffff"/>
                 </a:solidFill>
               </a:uFill>
               <a:latin typeface="Arial"/>
@@ -5538,26 +4899,42 @@
               </a:spcAft>
             </a:pPr>
             <a:r>
-              <a:rPr lang="fr-CH" sz="2600" b="1" strike="noStrike" spc="-1">
-                <a:solidFill>
-                  <a:srgbClr val="1C1C1C"/>
+              <a:rPr b="1" lang="fr-CH" sz="2600" spc="-1" strike="noStrike">
+                <a:solidFill>
+                  <a:srgbClr val="1c1c1c"/>
                 </a:solidFill>
                 <a:uFill>
                   <a:solidFill>
-                    <a:srgbClr val="FFFFFF"/>
+                    <a:srgbClr val="ffffff"/>
                   </a:solidFill>
                 </a:uFill>
                 <a:latin typeface="Source Sans Pro Semibold"/>
+                <a:ea typeface="DejaVu Sans"/>
               </a:rPr>
-              <a:t>→ Gradle (préconfiguré par libgdx)</a:t>
+              <a:t>→ </a:t>
             </a:r>
-            <a:endParaRPr lang="fr-CH" sz="2600" b="0" strike="noStrike" spc="-1">
-              <a:solidFill>
-                <a:srgbClr val="000000"/>
-              </a:solidFill>
-              <a:uFill>
-                <a:solidFill>
-                  <a:srgbClr val="FFFFFF"/>
+            <a:r>
+              <a:rPr b="1" lang="fr-CH" sz="2600" spc="-1" strike="noStrike">
+                <a:solidFill>
+                  <a:srgbClr val="1c1c1c"/>
+                </a:solidFill>
+                <a:uFill>
+                  <a:solidFill>
+                    <a:srgbClr val="ffffff"/>
+                  </a:solidFill>
+                </a:uFill>
+                <a:latin typeface="Source Sans Pro Semibold"/>
+                <a:ea typeface="DejaVu Sans"/>
+              </a:rPr>
+              <a:t>Gradle (préconfiguré par libgdx)</a:t>
+            </a:r>
+            <a:endParaRPr b="0" lang="fr-CH" sz="2600" spc="-1" strike="noStrike">
+              <a:solidFill>
+                <a:srgbClr val="000000"/>
+              </a:solidFill>
+              <a:uFill>
+                <a:solidFill>
+                  <a:srgbClr val="ffffff"/>
                 </a:solidFill>
               </a:uFill>
               <a:latin typeface="Arial"/>
@@ -5573,26 +4950,42 @@
               </a:spcAft>
             </a:pPr>
             <a:r>
-              <a:rPr lang="fr-CH" sz="2600" b="1" strike="noStrike" spc="-1">
-                <a:solidFill>
-                  <a:srgbClr val="1C1C1C"/>
+              <a:rPr b="1" lang="fr-CH" sz="2600" spc="-1" strike="noStrike">
+                <a:solidFill>
+                  <a:srgbClr val="1c1c1c"/>
                 </a:solidFill>
                 <a:uFill>
                   <a:solidFill>
-                    <a:srgbClr val="FFFFFF"/>
+                    <a:srgbClr val="ffffff"/>
                   </a:solidFill>
                 </a:uFill>
                 <a:latin typeface="Source Sans Pro Semibold"/>
+                <a:ea typeface="DejaVu Sans"/>
               </a:rPr>
-              <a:t>→ GIT</a:t>
+              <a:t>→ </a:t>
             </a:r>
-            <a:endParaRPr lang="fr-CH" sz="2600" b="0" strike="noStrike" spc="-1">
-              <a:solidFill>
-                <a:srgbClr val="000000"/>
-              </a:solidFill>
-              <a:uFill>
-                <a:solidFill>
-                  <a:srgbClr val="FFFFFF"/>
+            <a:r>
+              <a:rPr b="1" lang="fr-CH" sz="2600" spc="-1" strike="noStrike">
+                <a:solidFill>
+                  <a:srgbClr val="1c1c1c"/>
+                </a:solidFill>
+                <a:uFill>
+                  <a:solidFill>
+                    <a:srgbClr val="ffffff"/>
+                  </a:solidFill>
+                </a:uFill>
+                <a:latin typeface="Source Sans Pro Semibold"/>
+                <a:ea typeface="DejaVu Sans"/>
+              </a:rPr>
+              <a:t>GIT</a:t>
+            </a:r>
+            <a:endParaRPr b="0" lang="fr-CH" sz="2600" spc="-1" strike="noStrike">
+              <a:solidFill>
+                <a:srgbClr val="000000"/>
+              </a:solidFill>
+              <a:uFill>
+                <a:solidFill>
+                  <a:srgbClr val="ffffff"/>
                 </a:solidFill>
               </a:uFill>
               <a:latin typeface="Arial"/>
@@ -5602,25 +4995,22 @@
       </p:sp>
     </p:spTree>
   </p:cSld>
-  <p:clrMapOvr>
-    <a:masterClrMapping/>
-  </p:clrMapOvr>
   <p:timing>
     <p:tnLst>
       <p:par>
-        <p:cTn id="1" dur="indefinite" restart="never" nodeType="tmRoot">
+        <p:cTn id="5" dur="indefinite" restart="never" nodeType="tmRoot">
           <p:childTnLst>
             <p:seq>
-              <p:cTn id="2" nodeType="mainSeq"/>
+              <p:cTn id="6" nodeType="mainSeq"/>
               <p:prevCondLst>
-                <p:cond evt="onPrev" delay="0">
+                <p:cond delay="0" evt="onPrev">
                   <p:tgtEl>
                     <p:sldTgt/>
                   </p:tgtEl>
                 </p:cond>
               </p:prevCondLst>
               <p:nextCondLst>
-                <p:cond evt="onNext" delay="0">
+                <p:cond delay="0" evt="onNext">
                   <p:tgtEl>
                     <p:sldTgt/>
                   </p:tgtEl>
@@ -5636,7 +5026,7 @@
 </file>
 
 <file path=ppt/slides/slide4.xml><?xml version="1.0" encoding="utf-8"?>
-<p:sld xmlns:a="http://schemas.openxmlformats.org/drawingml/2006/main" xmlns:r="http://schemas.openxmlformats.org/officeDocument/2006/relationships" xmlns:p="http://schemas.openxmlformats.org/presentationml/2006/main">
+<p:sld xmlns:a="http://schemas.openxmlformats.org/drawingml/2006/main" xmlns:p="http://schemas.openxmlformats.org/presentationml/2006/main" xmlns:r="http://schemas.openxmlformats.org/officeDocument/2006/relationships" xmlns:p14="http://schemas.microsoft.com/office/powerpoint/2010/main" xmlns:p15="http://schemas.microsoft.com/office/powerpoint/2012/main" xmlns:mc="http://schemas.openxmlformats.org/markup-compatibility/2006">
   <p:cSld>
     <p:spTree>
       <p:nvGrpSpPr>
@@ -5654,18 +5044,21 @@
       </p:grpSpPr>
       <p:sp>
         <p:nvSpPr>
-          <p:cNvPr id="2" name="Rectangle 1"/>
+          <p:cNvPr id="90" name="CustomShape 1"/>
           <p:cNvSpPr/>
           <p:nvPr/>
         </p:nvSpPr>
         <p:spPr>
           <a:xfrm>
-            <a:off x="502200" y="3194304"/>
-            <a:ext cx="4094184" cy="2389632"/>
-          </a:xfrm>
-          <a:prstGeom prst="rect">
-            <a:avLst/>
-          </a:prstGeom>
+            <a:off x="502200" y="3194280"/>
+            <a:ext cx="4093920" cy="2389320"/>
+          </a:xfrm>
+          <a:prstGeom prst="rect">
+            <a:avLst/>
+          </a:prstGeom>
+          <a:ln>
+            <a:round/>
+          </a:ln>
         </p:spPr>
         <p:style>
           <a:lnRef idx="2">
@@ -5679,29 +5072,19 @@
           <a:effectRef idx="0">
             <a:schemeClr val="accent1"/>
           </a:effectRef>
-          <a:fontRef idx="minor">
-            <a:schemeClr val="lt1"/>
-          </a:fontRef>
+          <a:fontRef idx="minor"/>
         </p:style>
-        <p:txBody>
-          <a:bodyPr rtlCol="0" anchor="ctr"/>
-          <a:lstStyle/>
-          <a:p>
-            <a:pPr algn="ctr"/>
-            <a:endParaRPr lang="fr-CH"/>
-          </a:p>
-        </p:txBody>
-      </p:sp>
-      <p:sp>
-        <p:nvSpPr>
-          <p:cNvPr id="90" name="CustomShape 1"/>
+      </p:sp>
+      <p:sp>
+        <p:nvSpPr>
+          <p:cNvPr id="91" name="CustomShape 2"/>
           <p:cNvSpPr/>
           <p:nvPr/>
         </p:nvSpPr>
         <p:spPr>
           <a:xfrm>
             <a:off x="360000" y="360000"/>
-            <a:ext cx="9359640" cy="899640"/>
+            <a:ext cx="9359280" cy="899280"/>
           </a:xfrm>
           <a:prstGeom prst="rect">
             <a:avLst/>
@@ -5712,66 +5095,68 @@
           </a:ln>
         </p:spPr>
         <p:style>
-          <a:lnRef idx="0">
-            <a:scrgbClr r="0" g="0" b="0"/>
-          </a:lnRef>
-          <a:fillRef idx="0">
-            <a:scrgbClr r="0" g="0" b="0"/>
-          </a:fillRef>
-          <a:effectRef idx="0">
-            <a:scrgbClr r="0" g="0" b="0"/>
-          </a:effectRef>
+          <a:lnRef idx="0"/>
+          <a:fillRef idx="0"/>
+          <a:effectRef idx="0"/>
           <a:fontRef idx="minor"/>
         </p:style>
         <p:txBody>
-          <a:bodyPr lIns="0" tIns="0" rIns="0" bIns="0" anchor="b"/>
-          <a:lstStyle/>
-          <a:p>
+          <a:bodyPr lIns="0" rIns="0" tIns="0" bIns="0" anchor="b"/>
+          <a:p>
+            <a:pPr>
+              <a:lnSpc>
+                <a:spcPct val="100000"/>
+              </a:lnSpc>
+            </a:pPr>
             <a:r>
-              <a:rPr lang="fr-CH" sz="3200" b="1" strike="noStrike" spc="-1">
-                <a:solidFill>
-                  <a:srgbClr val="FFFFFF"/>
+              <a:rPr b="1" lang="fr-CH" sz="3200" spc="-1" strike="noStrike">
+                <a:solidFill>
+                  <a:srgbClr val="ffffff"/>
                 </a:solidFill>
                 <a:uFill>
                   <a:solidFill>
-                    <a:srgbClr val="FFFFFF"/>
+                    <a:srgbClr val="ffffff"/>
                   </a:solidFill>
                 </a:uFill>
                 <a:latin typeface="Source Sans Pro Black"/>
+                <a:ea typeface="DejaVu Sans"/>
               </a:rPr>
               <a:t>Diagramme de classes</a:t>
             </a:r>
-            <a:endParaRPr lang="fr-CH" sz="3200" b="0" strike="noStrike" spc="-1">
-              <a:solidFill>
-                <a:srgbClr val="000000"/>
-              </a:solidFill>
-              <a:uFill>
-                <a:solidFill>
-                  <a:srgbClr val="FFFFFF"/>
-                </a:solidFill>
-              </a:uFill>
-              <a:latin typeface="Arial"/>
-            </a:endParaRPr>
-          </a:p>
-        </p:txBody>
-      </p:sp>
-      <p:sp>
-        <p:nvSpPr>
-          <p:cNvPr id="3" name="Rectangle 2"/>
+            <a:endParaRPr b="0" lang="fr-CH" sz="3200" spc="-1" strike="noStrike">
+              <a:solidFill>
+                <a:srgbClr val="000000"/>
+              </a:solidFill>
+              <a:uFill>
+                <a:solidFill>
+                  <a:srgbClr val="ffffff"/>
+                </a:solidFill>
+              </a:uFill>
+              <a:latin typeface="Arial"/>
+            </a:endParaRPr>
+          </a:p>
+        </p:txBody>
+      </p:sp>
+      <p:sp>
+        <p:nvSpPr>
+          <p:cNvPr id="92" name="CustomShape 3"/>
           <p:cNvSpPr/>
           <p:nvPr/>
         </p:nvSpPr>
         <p:spPr>
           <a:xfrm>
-            <a:off x="4852416" y="1475232"/>
-            <a:ext cx="3925824" cy="2414016"/>
+            <a:off x="4852440" y="1475280"/>
+            <a:ext cx="3925440" cy="2413800"/>
           </a:xfrm>
           <a:prstGeom prst="rect">
             <a:avLst/>
           </a:prstGeom>
           <a:solidFill>
-            <a:srgbClr val="00B050"/>
+            <a:srgbClr val="00b050"/>
           </a:solidFill>
+          <a:ln>
+            <a:round/>
+          </a:ln>
         </p:spPr>
         <p:style>
           <a:lnRef idx="2">
@@ -5785,36 +5170,29 @@
           <a:effectRef idx="0">
             <a:schemeClr val="accent1"/>
           </a:effectRef>
-          <a:fontRef idx="minor">
-            <a:schemeClr val="lt1"/>
-          </a:fontRef>
+          <a:fontRef idx="minor"/>
         </p:style>
-        <p:txBody>
-          <a:bodyPr rtlCol="0" anchor="ctr"/>
-          <a:lstStyle/>
-          <a:p>
-            <a:pPr algn="ctr"/>
-            <a:endParaRPr lang="fr-CH"/>
-          </a:p>
-        </p:txBody>
-      </p:sp>
-      <p:sp>
-        <p:nvSpPr>
-          <p:cNvPr id="6" name="Rectangle 5"/>
+      </p:sp>
+      <p:sp>
+        <p:nvSpPr>
+          <p:cNvPr id="93" name="CustomShape 4"/>
           <p:cNvSpPr/>
           <p:nvPr/>
         </p:nvSpPr>
         <p:spPr>
           <a:xfrm>
-            <a:off x="707136" y="5669280"/>
-            <a:ext cx="3608832" cy="1133856"/>
+            <a:off x="707040" y="5669280"/>
+            <a:ext cx="3608640" cy="1133640"/>
           </a:xfrm>
           <a:prstGeom prst="rect">
             <a:avLst/>
           </a:prstGeom>
           <a:solidFill>
-            <a:srgbClr val="7030A0"/>
+            <a:srgbClr val="7030a0"/>
           </a:solidFill>
+          <a:ln>
+            <a:round/>
+          </a:ln>
         </p:spPr>
         <p:style>
           <a:lnRef idx="2">
@@ -5828,33 +5206,23 @@
           <a:effectRef idx="0">
             <a:schemeClr val="accent1"/>
           </a:effectRef>
-          <a:fontRef idx="minor">
-            <a:schemeClr val="lt1"/>
-          </a:fontRef>
+          <a:fontRef idx="minor"/>
         </p:style>
-        <p:txBody>
-          <a:bodyPr rtlCol="0" anchor="ctr"/>
-          <a:lstStyle/>
-          <a:p>
-            <a:pPr algn="ctr"/>
-            <a:endParaRPr lang="fr-CH"/>
-          </a:p>
-        </p:txBody>
       </p:sp>
       <p:pic>
         <p:nvPicPr>
-          <p:cNvPr id="91" name="Image 90"/>
+          <p:cNvPr id="94" name="Image 90" descr=""/>
           <p:cNvPicPr/>
           <p:nvPr/>
         </p:nvPicPr>
         <p:blipFill>
-          <a:blip r:embed="rId2"/>
+          <a:blip r:embed="rId1"/>
           <a:stretch/>
         </p:blipFill>
         <p:spPr>
           <a:xfrm>
             <a:off x="502200" y="1440000"/>
-            <a:ext cx="9145800" cy="5544000"/>
+            <a:ext cx="9145440" cy="5543640"/>
           </a:xfrm>
           <a:prstGeom prst="rect">
             <a:avLst/>
@@ -5866,25 +5234,22 @@
       </p:pic>
     </p:spTree>
   </p:cSld>
-  <p:clrMapOvr>
-    <a:masterClrMapping/>
-  </p:clrMapOvr>
   <p:timing>
     <p:tnLst>
       <p:par>
-        <p:cTn id="1" dur="indefinite" restart="never" nodeType="tmRoot">
+        <p:cTn id="7" dur="indefinite" restart="never" nodeType="tmRoot">
           <p:childTnLst>
             <p:seq>
-              <p:cTn id="2" nodeType="mainSeq"/>
+              <p:cTn id="8" nodeType="mainSeq"/>
               <p:prevCondLst>
-                <p:cond evt="onPrev" delay="0">
+                <p:cond delay="0" evt="onPrev">
                   <p:tgtEl>
                     <p:sldTgt/>
                   </p:tgtEl>
                 </p:cond>
               </p:prevCondLst>
               <p:nextCondLst>
-                <p:cond evt="onNext" delay="0">
+                <p:cond delay="0" evt="onNext">
                   <p:tgtEl>
                     <p:sldTgt/>
                   </p:tgtEl>
@@ -5900,7 +5265,7 @@
 </file>
 
 <file path=ppt/slides/slide5.xml><?xml version="1.0" encoding="utf-8"?>
-<p:sld xmlns:a="http://schemas.openxmlformats.org/drawingml/2006/main" xmlns:r="http://schemas.openxmlformats.org/officeDocument/2006/relationships" xmlns:p="http://schemas.openxmlformats.org/presentationml/2006/main">
+<p:sld xmlns:a="http://schemas.openxmlformats.org/drawingml/2006/main" xmlns:p="http://schemas.openxmlformats.org/presentationml/2006/main" xmlns:r="http://schemas.openxmlformats.org/officeDocument/2006/relationships" xmlns:p14="http://schemas.microsoft.com/office/powerpoint/2010/main" xmlns:p15="http://schemas.microsoft.com/office/powerpoint/2012/main" xmlns:mc="http://schemas.openxmlformats.org/markup-compatibility/2006">
   <p:cSld>
     <p:spTree>
       <p:nvGrpSpPr>
@@ -5918,14 +5283,14 @@
       </p:grpSpPr>
       <p:sp>
         <p:nvSpPr>
-          <p:cNvPr id="92" name="CustomShape 1"/>
+          <p:cNvPr id="95" name="CustomShape 1"/>
           <p:cNvSpPr/>
           <p:nvPr/>
         </p:nvSpPr>
         <p:spPr>
           <a:xfrm>
             <a:off x="360000" y="360000"/>
-            <a:ext cx="9359640" cy="899640"/>
+            <a:ext cx="9359280" cy="899280"/>
           </a:xfrm>
           <a:prstGeom prst="rect">
             <a:avLst/>
@@ -5936,149 +5301,123 @@
           </a:ln>
         </p:spPr>
         <p:style>
-          <a:lnRef idx="0">
-            <a:scrgbClr r="0" g="0" b="0"/>
+          <a:lnRef idx="0"/>
+          <a:fillRef idx="0"/>
+          <a:effectRef idx="0"/>
+          <a:fontRef idx="minor"/>
+        </p:style>
+        <p:txBody>
+          <a:bodyPr lIns="0" rIns="0" tIns="0" bIns="0" anchor="b"/>
+          <a:p>
+            <a:pPr>
+              <a:lnSpc>
+                <a:spcPct val="100000"/>
+              </a:lnSpc>
+            </a:pPr>
+            <a:r>
+              <a:rPr b="1" lang="fr-CH" sz="3200" spc="-1" strike="noStrike">
+                <a:solidFill>
+                  <a:srgbClr val="ffffff"/>
+                </a:solidFill>
+                <a:uFill>
+                  <a:solidFill>
+                    <a:srgbClr val="ffffff"/>
+                  </a:solidFill>
+                </a:uFill>
+                <a:latin typeface="Source Sans Pro Black"/>
+                <a:ea typeface="DejaVu Sans"/>
+              </a:rPr>
+              <a:t>Diagramme de classes</a:t>
+            </a:r>
+            <a:endParaRPr b="0" lang="fr-CH" sz="3200" spc="-1" strike="noStrike">
+              <a:solidFill>
+                <a:srgbClr val="000000"/>
+              </a:solidFill>
+              <a:uFill>
+                <a:solidFill>
+                  <a:srgbClr val="ffffff"/>
+                </a:solidFill>
+              </a:uFill>
+              <a:latin typeface="Arial"/>
+            </a:endParaRPr>
+          </a:p>
+        </p:txBody>
+      </p:sp>
+      <p:sp>
+        <p:nvSpPr>
+          <p:cNvPr id="96" name="CustomShape 2"/>
+          <p:cNvSpPr/>
+          <p:nvPr/>
+        </p:nvSpPr>
+        <p:spPr>
+          <a:xfrm>
+            <a:off x="906480" y="1730880"/>
+            <a:ext cx="8151840" cy="4757760"/>
+          </a:xfrm>
+          <a:prstGeom prst="rect">
+            <a:avLst/>
+          </a:prstGeom>
+          <a:ln>
+            <a:round/>
+          </a:ln>
+        </p:spPr>
+        <p:style>
+          <a:lnRef idx="2">
+            <a:schemeClr val="accent1">
+              <a:shade val="50000"/>
+            </a:schemeClr>
           </a:lnRef>
-          <a:fillRef idx="0">
-            <a:scrgbClr r="0" g="0" b="0"/>
+          <a:fillRef idx="1">
+            <a:schemeClr val="accent1"/>
           </a:fillRef>
           <a:effectRef idx="0">
-            <a:scrgbClr r="0" g="0" b="0"/>
+            <a:schemeClr val="accent1"/>
           </a:effectRef>
           <a:fontRef idx="minor"/>
         </p:style>
-        <p:txBody>
-          <a:bodyPr lIns="0" tIns="0" rIns="0" bIns="0" anchor="b"/>
-          <a:lstStyle/>
-          <a:p>
-            <a:r>
-              <a:rPr lang="fr-CH" sz="3200" b="1" strike="noStrike" spc="-1">
-                <a:solidFill>
-                  <a:srgbClr val="FFFFFF"/>
-                </a:solidFill>
-                <a:uFill>
-                  <a:solidFill>
-                    <a:srgbClr val="FFFFFF"/>
-                  </a:solidFill>
-                </a:uFill>
-                <a:latin typeface="Source Sans Pro Black"/>
-              </a:rPr>
-              <a:t>Diagramme de classes</a:t>
-            </a:r>
-            <a:endParaRPr lang="fr-CH" sz="3200" b="0" strike="noStrike" spc="-1">
-              <a:solidFill>
-                <a:srgbClr val="000000"/>
-              </a:solidFill>
-              <a:uFill>
-                <a:solidFill>
-                  <a:srgbClr val="FFFFFF"/>
-                </a:solidFill>
-              </a:uFill>
-              <a:latin typeface="Arial"/>
-            </a:endParaRPr>
-          </a:p>
-        </p:txBody>
-      </p:sp>
-      <p:grpSp>
-        <p:nvGrpSpPr>
-          <p:cNvPr id="4" name="Groupe 3"/>
-          <p:cNvGrpSpPr/>
+      </p:sp>
+      <p:pic>
+        <p:nvPicPr>
+          <p:cNvPr id="97" name="Image 5" descr=""/>
+          <p:cNvPicPr/>
           <p:nvPr/>
-        </p:nvGrpSpPr>
-        <p:grpSpPr>
-          <a:xfrm>
-            <a:off x="853440" y="1682495"/>
-            <a:ext cx="8229600" cy="4830945"/>
-            <a:chOff x="475488" y="3169920"/>
-            <a:chExt cx="4133088" cy="2426208"/>
-          </a:xfrm>
-        </p:grpSpPr>
-        <p:sp>
-          <p:nvSpPr>
-            <p:cNvPr id="5" name="Rectangle 4"/>
-            <p:cNvSpPr/>
-            <p:nvPr/>
-          </p:nvSpPr>
-          <p:spPr>
-            <a:xfrm>
-              <a:off x="502200" y="3194304"/>
-              <a:ext cx="4094184" cy="2389632"/>
-            </a:xfrm>
-            <a:prstGeom prst="rect">
-              <a:avLst/>
-            </a:prstGeom>
-          </p:spPr>
-          <p:style>
-            <a:lnRef idx="2">
-              <a:schemeClr val="accent1">
-                <a:shade val="50000"/>
-              </a:schemeClr>
-            </a:lnRef>
-            <a:fillRef idx="1">
-              <a:schemeClr val="accent1"/>
-            </a:fillRef>
-            <a:effectRef idx="0">
-              <a:schemeClr val="accent1"/>
-            </a:effectRef>
-            <a:fontRef idx="minor">
-              <a:schemeClr val="lt1"/>
-            </a:fontRef>
-          </p:style>
-          <p:txBody>
-            <a:bodyPr rtlCol="0" anchor="ctr"/>
-            <a:lstStyle/>
-            <a:p>
-              <a:pPr algn="ctr"/>
-              <a:endParaRPr lang="fr-CH"/>
-            </a:p>
-          </p:txBody>
-        </p:sp>
-        <p:pic>
-          <p:nvPicPr>
-            <p:cNvPr id="6" name="Image 5"/>
-            <p:cNvPicPr/>
-            <p:nvPr/>
-          </p:nvPicPr>
-          <p:blipFill rotWithShape="1">
-            <a:blip r:embed="rId2"/>
-            <a:srcRect l="-292" t="31203" r="55101" b="25034"/>
-            <a:stretch/>
-          </p:blipFill>
-          <p:spPr>
-            <a:xfrm>
-              <a:off x="475488" y="3169920"/>
-              <a:ext cx="4133088" cy="2426208"/>
-            </a:xfrm>
-            <a:prstGeom prst="rect">
-              <a:avLst/>
-            </a:prstGeom>
-            <a:ln>
-              <a:noFill/>
-            </a:ln>
-          </p:spPr>
-        </p:pic>
-      </p:grpSp>
+        </p:nvPicPr>
+        <p:blipFill>
+          <a:blip r:embed="rId1"/>
+          <a:srcRect l="-293" t="31207" r="55108" b="25038"/>
+          <a:stretch/>
+        </p:blipFill>
+        <p:spPr>
+          <a:xfrm>
+            <a:off x="853560" y="1682640"/>
+            <a:ext cx="8229240" cy="4830480"/>
+          </a:xfrm>
+          <a:prstGeom prst="rect">
+            <a:avLst/>
+          </a:prstGeom>
+          <a:ln>
+            <a:noFill/>
+          </a:ln>
+        </p:spPr>
+      </p:pic>
     </p:spTree>
   </p:cSld>
-  <p:clrMapOvr>
-    <a:masterClrMapping/>
-  </p:clrMapOvr>
   <p:timing>
     <p:tnLst>
       <p:par>
-        <p:cTn id="1" dur="indefinite" restart="never" nodeType="tmRoot">
+        <p:cTn id="9" dur="indefinite" restart="never" nodeType="tmRoot">
           <p:childTnLst>
             <p:seq>
-              <p:cTn id="2" nodeType="mainSeq"/>
+              <p:cTn id="10" nodeType="mainSeq"/>
               <p:prevCondLst>
-                <p:cond evt="onPrev" delay="0">
+                <p:cond delay="0" evt="onPrev">
                   <p:tgtEl>
                     <p:sldTgt/>
                   </p:tgtEl>
                 </p:cond>
               </p:prevCondLst>
               <p:nextCondLst>
-                <p:cond evt="onNext" delay="0">
+                <p:cond delay="0" evt="onNext">
                   <p:tgtEl>
                     <p:sldTgt/>
                   </p:tgtEl>
@@ -6094,7 +5433,7 @@
 </file>
 
 <file path=ppt/slides/slide6.xml><?xml version="1.0" encoding="utf-8"?>
-<p:sld xmlns:a="http://schemas.openxmlformats.org/drawingml/2006/main" xmlns:r="http://schemas.openxmlformats.org/officeDocument/2006/relationships" xmlns:p="http://schemas.openxmlformats.org/presentationml/2006/main">
+<p:sld xmlns:a="http://schemas.openxmlformats.org/drawingml/2006/main" xmlns:p="http://schemas.openxmlformats.org/presentationml/2006/main" xmlns:r="http://schemas.openxmlformats.org/officeDocument/2006/relationships" xmlns:p14="http://schemas.microsoft.com/office/powerpoint/2010/main" xmlns:p15="http://schemas.microsoft.com/office/powerpoint/2012/main" xmlns:mc="http://schemas.openxmlformats.org/markup-compatibility/2006">
   <p:cSld>
     <p:spTree>
       <p:nvGrpSpPr>
@@ -6112,14 +5451,14 @@
       </p:grpSpPr>
       <p:sp>
         <p:nvSpPr>
-          <p:cNvPr id="94" name="CustomShape 1"/>
+          <p:cNvPr id="98" name="CustomShape 1"/>
           <p:cNvSpPr/>
           <p:nvPr/>
         </p:nvSpPr>
         <p:spPr>
           <a:xfrm>
             <a:off x="360000" y="360000"/>
-            <a:ext cx="9359640" cy="899640"/>
+            <a:ext cx="9359280" cy="899280"/>
           </a:xfrm>
           <a:prstGeom prst="rect">
             <a:avLst/>
@@ -6130,152 +5469,126 @@
           </a:ln>
         </p:spPr>
         <p:style>
-          <a:lnRef idx="0">
-            <a:scrgbClr r="0" g="0" b="0"/>
+          <a:lnRef idx="0"/>
+          <a:fillRef idx="0"/>
+          <a:effectRef idx="0"/>
+          <a:fontRef idx="minor"/>
+        </p:style>
+        <p:txBody>
+          <a:bodyPr lIns="0" rIns="0" tIns="0" bIns="0" anchor="b"/>
+          <a:p>
+            <a:pPr>
+              <a:lnSpc>
+                <a:spcPct val="100000"/>
+              </a:lnSpc>
+            </a:pPr>
+            <a:r>
+              <a:rPr b="1" lang="fr-CH" sz="3200" spc="-1" strike="noStrike">
+                <a:solidFill>
+                  <a:srgbClr val="ffffff"/>
+                </a:solidFill>
+                <a:uFill>
+                  <a:solidFill>
+                    <a:srgbClr val="ffffff"/>
+                  </a:solidFill>
+                </a:uFill>
+                <a:latin typeface="Source Sans Pro Black"/>
+                <a:ea typeface="DejaVu Sans"/>
+              </a:rPr>
+              <a:t>Diagramme de classes</a:t>
+            </a:r>
+            <a:endParaRPr b="0" lang="fr-CH" sz="3200" spc="-1" strike="noStrike">
+              <a:solidFill>
+                <a:srgbClr val="000000"/>
+              </a:solidFill>
+              <a:uFill>
+                <a:solidFill>
+                  <a:srgbClr val="ffffff"/>
+                </a:solidFill>
+              </a:uFill>
+              <a:latin typeface="Arial"/>
+            </a:endParaRPr>
+          </a:p>
+        </p:txBody>
+      </p:sp>
+      <p:sp>
+        <p:nvSpPr>
+          <p:cNvPr id="99" name="CustomShape 2"/>
+          <p:cNvSpPr/>
+          <p:nvPr/>
+        </p:nvSpPr>
+        <p:spPr>
+          <a:xfrm>
+            <a:off x="915120" y="1695600"/>
+            <a:ext cx="7984080" cy="4909320"/>
+          </a:xfrm>
+          <a:prstGeom prst="rect">
+            <a:avLst/>
+          </a:prstGeom>
+          <a:solidFill>
+            <a:srgbClr val="00b050"/>
+          </a:solidFill>
+          <a:ln>
+            <a:round/>
+          </a:ln>
+        </p:spPr>
+        <p:style>
+          <a:lnRef idx="2">
+            <a:schemeClr val="accent1">
+              <a:shade val="50000"/>
+            </a:schemeClr>
           </a:lnRef>
-          <a:fillRef idx="0">
-            <a:scrgbClr r="0" g="0" b="0"/>
+          <a:fillRef idx="1">
+            <a:schemeClr val="accent1"/>
           </a:fillRef>
           <a:effectRef idx="0">
-            <a:scrgbClr r="0" g="0" b="0"/>
+            <a:schemeClr val="accent1"/>
           </a:effectRef>
           <a:fontRef idx="minor"/>
         </p:style>
-        <p:txBody>
-          <a:bodyPr lIns="0" tIns="0" rIns="0" bIns="0" anchor="b"/>
-          <a:lstStyle/>
-          <a:p>
-            <a:r>
-              <a:rPr lang="fr-CH" sz="3200" b="1" strike="noStrike" spc="-1">
-                <a:solidFill>
-                  <a:srgbClr val="FFFFFF"/>
-                </a:solidFill>
-                <a:uFill>
-                  <a:solidFill>
-                    <a:srgbClr val="FFFFFF"/>
-                  </a:solidFill>
-                </a:uFill>
-                <a:latin typeface="Source Sans Pro Black"/>
-              </a:rPr>
-              <a:t>Diagramme de classes</a:t>
-            </a:r>
-            <a:endParaRPr lang="fr-CH" sz="3200" b="0" strike="noStrike" spc="-1">
-              <a:solidFill>
-                <a:srgbClr val="000000"/>
-              </a:solidFill>
-              <a:uFill>
-                <a:solidFill>
-                  <a:srgbClr val="FFFFFF"/>
-                </a:solidFill>
-              </a:uFill>
-              <a:latin typeface="Arial"/>
-            </a:endParaRPr>
-          </a:p>
-        </p:txBody>
-      </p:sp>
-      <p:grpSp>
-        <p:nvGrpSpPr>
-          <p:cNvPr id="3" name="Groupe 2"/>
-          <p:cNvGrpSpPr/>
+      </p:sp>
+      <p:pic>
+        <p:nvPicPr>
+          <p:cNvPr id="100" name="Image 6" descr=""/>
+          <p:cNvPicPr/>
           <p:nvPr/>
-        </p:nvGrpSpPr>
-        <p:grpSpPr>
-          <a:xfrm>
-            <a:off x="865632" y="1645919"/>
-            <a:ext cx="8058912" cy="4984127"/>
-            <a:chOff x="4828032" y="1450848"/>
-            <a:chExt cx="3962400" cy="2450592"/>
-          </a:xfrm>
-        </p:grpSpPr>
-        <p:sp>
-          <p:nvSpPr>
-            <p:cNvPr id="6" name="Rectangle 5"/>
-            <p:cNvSpPr/>
-            <p:nvPr/>
-          </p:nvSpPr>
-          <p:spPr>
-            <a:xfrm>
-              <a:off x="4852416" y="1475232"/>
-              <a:ext cx="3925824" cy="2414016"/>
-            </a:xfrm>
-            <a:prstGeom prst="rect">
-              <a:avLst/>
-            </a:prstGeom>
-            <a:solidFill>
-              <a:srgbClr val="00B050"/>
-            </a:solidFill>
-          </p:spPr>
-          <p:style>
-            <a:lnRef idx="2">
-              <a:schemeClr val="accent1">
-                <a:shade val="50000"/>
-              </a:schemeClr>
-            </a:lnRef>
-            <a:fillRef idx="1">
-              <a:schemeClr val="accent1"/>
-            </a:fillRef>
-            <a:effectRef idx="0">
-              <a:schemeClr val="accent1"/>
-            </a:effectRef>
-            <a:fontRef idx="minor">
-              <a:schemeClr val="lt1"/>
-            </a:fontRef>
-          </p:style>
-          <p:txBody>
-            <a:bodyPr rtlCol="0" anchor="ctr"/>
-            <a:lstStyle/>
-            <a:p>
-              <a:pPr algn="ctr"/>
-              <a:endParaRPr lang="fr-CH"/>
-            </a:p>
-          </p:txBody>
-        </p:sp>
-        <p:pic>
-          <p:nvPicPr>
-            <p:cNvPr id="7" name="Image 6"/>
-            <p:cNvPicPr/>
-            <p:nvPr/>
-          </p:nvPicPr>
-          <p:blipFill rotWithShape="1">
-            <a:blip r:embed="rId2"/>
-            <a:srcRect l="47300" t="195" r="9376" b="55602"/>
-            <a:stretch/>
-          </p:blipFill>
-          <p:spPr>
-            <a:xfrm>
-              <a:off x="4828032" y="1450848"/>
-              <a:ext cx="3962400" cy="2450592"/>
-            </a:xfrm>
-            <a:prstGeom prst="rect">
-              <a:avLst/>
-            </a:prstGeom>
-            <a:ln>
-              <a:noFill/>
-            </a:ln>
-          </p:spPr>
-        </p:pic>
-      </p:grpSp>
+        </p:nvPicPr>
+        <p:blipFill>
+          <a:blip r:embed="rId1"/>
+          <a:srcRect l="47306" t="195" r="9378" b="55608"/>
+          <a:stretch/>
+        </p:blipFill>
+        <p:spPr>
+          <a:xfrm>
+            <a:off x="865800" y="1645920"/>
+            <a:ext cx="8058600" cy="4983840"/>
+          </a:xfrm>
+          <a:prstGeom prst="rect">
+            <a:avLst/>
+          </a:prstGeom>
+          <a:ln>
+            <a:noFill/>
+          </a:ln>
+        </p:spPr>
+      </p:pic>
     </p:spTree>
   </p:cSld>
-  <p:clrMapOvr>
-    <a:masterClrMapping/>
-  </p:clrMapOvr>
   <p:timing>
     <p:tnLst>
       <p:par>
-        <p:cTn id="1" dur="indefinite" restart="never" nodeType="tmRoot">
+        <p:cTn id="11" dur="indefinite" restart="never" nodeType="tmRoot">
           <p:childTnLst>
             <p:seq>
-              <p:cTn id="2" nodeType="mainSeq"/>
+              <p:cTn id="12" nodeType="mainSeq"/>
               <p:prevCondLst>
-                <p:cond evt="onPrev" delay="0">
+                <p:cond delay="0" evt="onPrev">
                   <p:tgtEl>
                     <p:sldTgt/>
                   </p:tgtEl>
                 </p:cond>
               </p:prevCondLst>
               <p:nextCondLst>
-                <p:cond evt="onNext" delay="0">
+                <p:cond delay="0" evt="onNext">
                   <p:tgtEl>
                     <p:sldTgt/>
                   </p:tgtEl>
@@ -6291,7 +5604,7 @@
 </file>
 
 <file path=ppt/slides/slide7.xml><?xml version="1.0" encoding="utf-8"?>
-<p:sld xmlns:a="http://schemas.openxmlformats.org/drawingml/2006/main" xmlns:r="http://schemas.openxmlformats.org/officeDocument/2006/relationships" xmlns:p="http://schemas.openxmlformats.org/presentationml/2006/main">
+<p:sld xmlns:a="http://schemas.openxmlformats.org/drawingml/2006/main" xmlns:p="http://schemas.openxmlformats.org/presentationml/2006/main" xmlns:r="http://schemas.openxmlformats.org/officeDocument/2006/relationships" xmlns:p14="http://schemas.microsoft.com/office/powerpoint/2010/main" xmlns:p15="http://schemas.microsoft.com/office/powerpoint/2012/main" xmlns:mc="http://schemas.openxmlformats.org/markup-compatibility/2006">
   <p:cSld>
     <p:spTree>
       <p:nvGrpSpPr>
@@ -6309,14 +5622,14 @@
       </p:grpSpPr>
       <p:sp>
         <p:nvSpPr>
-          <p:cNvPr id="96" name="CustomShape 1"/>
+          <p:cNvPr id="101" name="CustomShape 1"/>
           <p:cNvSpPr/>
           <p:nvPr/>
         </p:nvSpPr>
         <p:spPr>
           <a:xfrm>
             <a:off x="360000" y="360000"/>
-            <a:ext cx="9359640" cy="899640"/>
+            <a:ext cx="9359280" cy="899280"/>
           </a:xfrm>
           <a:prstGeom prst="rect">
             <a:avLst/>
@@ -6327,152 +5640,126 @@
           </a:ln>
         </p:spPr>
         <p:style>
-          <a:lnRef idx="0">
-            <a:scrgbClr r="0" g="0" b="0"/>
+          <a:lnRef idx="0"/>
+          <a:fillRef idx="0"/>
+          <a:effectRef idx="0"/>
+          <a:fontRef idx="minor"/>
+        </p:style>
+        <p:txBody>
+          <a:bodyPr lIns="0" rIns="0" tIns="0" bIns="0" anchor="b"/>
+          <a:p>
+            <a:pPr>
+              <a:lnSpc>
+                <a:spcPct val="100000"/>
+              </a:lnSpc>
+            </a:pPr>
+            <a:r>
+              <a:rPr b="1" lang="fr-CH" sz="3200" spc="-1" strike="noStrike">
+                <a:solidFill>
+                  <a:srgbClr val="ffffff"/>
+                </a:solidFill>
+                <a:uFill>
+                  <a:solidFill>
+                    <a:srgbClr val="ffffff"/>
+                  </a:solidFill>
+                </a:uFill>
+                <a:latin typeface="Source Sans Pro Black"/>
+                <a:ea typeface="DejaVu Sans"/>
+              </a:rPr>
+              <a:t>Diagramme de classes</a:t>
+            </a:r>
+            <a:endParaRPr b="0" lang="fr-CH" sz="3200" spc="-1" strike="noStrike">
+              <a:solidFill>
+                <a:srgbClr val="000000"/>
+              </a:solidFill>
+              <a:uFill>
+                <a:solidFill>
+                  <a:srgbClr val="ffffff"/>
+                </a:solidFill>
+              </a:uFill>
+              <a:latin typeface="Arial"/>
+            </a:endParaRPr>
+          </a:p>
+        </p:txBody>
+      </p:sp>
+      <p:sp>
+        <p:nvSpPr>
+          <p:cNvPr id="102" name="CustomShape 2"/>
+          <p:cNvSpPr/>
+          <p:nvPr/>
+        </p:nvSpPr>
+        <p:spPr>
+          <a:xfrm>
+            <a:off x="933120" y="2765160"/>
+            <a:ext cx="8377560" cy="2631960"/>
+          </a:xfrm>
+          <a:prstGeom prst="rect">
+            <a:avLst/>
+          </a:prstGeom>
+          <a:solidFill>
+            <a:srgbClr val="7030a0"/>
+          </a:solidFill>
+          <a:ln>
+            <a:round/>
+          </a:ln>
+        </p:spPr>
+        <p:style>
+          <a:lnRef idx="2">
+            <a:schemeClr val="accent1">
+              <a:shade val="50000"/>
+            </a:schemeClr>
           </a:lnRef>
-          <a:fillRef idx="0">
-            <a:scrgbClr r="0" g="0" b="0"/>
+          <a:fillRef idx="1">
+            <a:schemeClr val="accent1"/>
           </a:fillRef>
           <a:effectRef idx="0">
-            <a:scrgbClr r="0" g="0" b="0"/>
+            <a:schemeClr val="accent1"/>
           </a:effectRef>
           <a:fontRef idx="minor"/>
         </p:style>
-        <p:txBody>
-          <a:bodyPr lIns="0" tIns="0" rIns="0" bIns="0" anchor="b"/>
-          <a:lstStyle/>
-          <a:p>
-            <a:r>
-              <a:rPr lang="fr-CH" sz="3200" b="1" strike="noStrike" spc="-1">
-                <a:solidFill>
-                  <a:srgbClr val="FFFFFF"/>
-                </a:solidFill>
-                <a:uFill>
-                  <a:solidFill>
-                    <a:srgbClr val="FFFFFF"/>
-                  </a:solidFill>
-                </a:uFill>
-                <a:latin typeface="Source Sans Pro Black"/>
-              </a:rPr>
-              <a:t>Diagramme de classes</a:t>
-            </a:r>
-            <a:endParaRPr lang="fr-CH" sz="3200" b="0" strike="noStrike" spc="-1">
-              <a:solidFill>
-                <a:srgbClr val="000000"/>
-              </a:solidFill>
-              <a:uFill>
-                <a:solidFill>
-                  <a:srgbClr val="FFFFFF"/>
-                </a:solidFill>
-              </a:uFill>
-              <a:latin typeface="Arial"/>
-            </a:endParaRPr>
-          </a:p>
-        </p:txBody>
-      </p:sp>
-      <p:grpSp>
-        <p:nvGrpSpPr>
-          <p:cNvPr id="3" name="Groupe 2"/>
-          <p:cNvGrpSpPr/>
+      </p:sp>
+      <p:pic>
+        <p:nvPicPr>
+          <p:cNvPr id="103" name="Image 6" descr=""/>
+          <p:cNvPicPr/>
           <p:nvPr/>
-        </p:nvGrpSpPr>
-        <p:grpSpPr>
-          <a:xfrm>
-            <a:off x="933024" y="2743200"/>
-            <a:ext cx="8406048" cy="2688803"/>
-            <a:chOff x="360000" y="2389632"/>
-            <a:chExt cx="9338430" cy="2987040"/>
-          </a:xfrm>
-        </p:grpSpPr>
-        <p:sp>
-          <p:nvSpPr>
-            <p:cNvPr id="6" name="Rectangle 5"/>
-            <p:cNvSpPr/>
-            <p:nvPr/>
-          </p:nvSpPr>
-          <p:spPr>
-            <a:xfrm>
-              <a:off x="360000" y="2414015"/>
-              <a:ext cx="9306988" cy="2924155"/>
-            </a:xfrm>
-            <a:prstGeom prst="rect">
-              <a:avLst/>
-            </a:prstGeom>
-            <a:solidFill>
-              <a:srgbClr val="7030A0"/>
-            </a:solidFill>
-          </p:spPr>
-          <p:style>
-            <a:lnRef idx="2">
-              <a:schemeClr val="accent1">
-                <a:shade val="50000"/>
-              </a:schemeClr>
-            </a:lnRef>
-            <a:fillRef idx="1">
-              <a:schemeClr val="accent1"/>
-            </a:fillRef>
-            <a:effectRef idx="0">
-              <a:schemeClr val="accent1"/>
-            </a:effectRef>
-            <a:fontRef idx="minor">
-              <a:schemeClr val="lt1"/>
-            </a:fontRef>
-          </p:style>
-          <p:txBody>
-            <a:bodyPr rtlCol="0" anchor="ctr"/>
-            <a:lstStyle/>
-            <a:p>
-              <a:pPr algn="ctr"/>
-              <a:endParaRPr lang="fr-CH"/>
-            </a:p>
-          </p:txBody>
-        </p:sp>
-        <p:pic>
-          <p:nvPicPr>
-            <p:cNvPr id="7" name="Image 6"/>
-            <p:cNvPicPr/>
-            <p:nvPr/>
-          </p:nvPicPr>
-          <p:blipFill rotWithShape="1">
-            <a:blip r:embed="rId2"/>
-            <a:srcRect l="2241" t="75846" r="58167" b="3262"/>
-            <a:stretch/>
-          </p:blipFill>
-          <p:spPr>
-            <a:xfrm>
-              <a:off x="360000" y="2389632"/>
-              <a:ext cx="9338430" cy="2987040"/>
-            </a:xfrm>
-            <a:prstGeom prst="rect">
-              <a:avLst/>
-            </a:prstGeom>
-            <a:ln>
-              <a:noFill/>
-            </a:ln>
-          </p:spPr>
-        </p:pic>
-      </p:grpSp>
+        </p:nvPicPr>
+        <p:blipFill>
+          <a:blip r:embed="rId1"/>
+          <a:srcRect l="2241" t="75855" r="58175" b="3261"/>
+          <a:stretch/>
+        </p:blipFill>
+        <p:spPr>
+          <a:xfrm>
+            <a:off x="933120" y="2743200"/>
+            <a:ext cx="8405640" cy="2688480"/>
+          </a:xfrm>
+          <a:prstGeom prst="rect">
+            <a:avLst/>
+          </a:prstGeom>
+          <a:ln>
+            <a:noFill/>
+          </a:ln>
+        </p:spPr>
+      </p:pic>
     </p:spTree>
   </p:cSld>
-  <p:clrMapOvr>
-    <a:masterClrMapping/>
-  </p:clrMapOvr>
   <p:timing>
     <p:tnLst>
       <p:par>
-        <p:cTn id="1" dur="indefinite" restart="never" nodeType="tmRoot">
+        <p:cTn id="13" dur="indefinite" restart="never" nodeType="tmRoot">
           <p:childTnLst>
             <p:seq>
-              <p:cTn id="2" nodeType="mainSeq"/>
+              <p:cTn id="14" nodeType="mainSeq"/>
               <p:prevCondLst>
-                <p:cond evt="onPrev" delay="0">
+                <p:cond delay="0" evt="onPrev">
                   <p:tgtEl>
                     <p:sldTgt/>
                   </p:tgtEl>
                 </p:cond>
               </p:prevCondLst>
               <p:nextCondLst>
-                <p:cond evt="onNext" delay="0">
+                <p:cond delay="0" evt="onNext">
                   <p:tgtEl>
                     <p:sldTgt/>
                   </p:tgtEl>
@@ -6488,7 +5775,7 @@
 </file>
 
 <file path=ppt/slides/slide8.xml><?xml version="1.0" encoding="utf-8"?>
-<p:sld xmlns:a="http://schemas.openxmlformats.org/drawingml/2006/main" xmlns:r="http://schemas.openxmlformats.org/officeDocument/2006/relationships" xmlns:p="http://schemas.openxmlformats.org/presentationml/2006/main">
+<p:sld xmlns:a="http://schemas.openxmlformats.org/drawingml/2006/main" xmlns:p="http://schemas.openxmlformats.org/presentationml/2006/main" xmlns:r="http://schemas.openxmlformats.org/officeDocument/2006/relationships" xmlns:p14="http://schemas.microsoft.com/office/powerpoint/2010/main" xmlns:p15="http://schemas.microsoft.com/office/powerpoint/2012/main" xmlns:mc="http://schemas.openxmlformats.org/markup-compatibility/2006">
   <p:cSld>
     <p:spTree>
       <p:nvGrpSpPr>
@@ -6506,14 +5793,14 @@
       </p:grpSpPr>
       <p:sp>
         <p:nvSpPr>
-          <p:cNvPr id="98" name="CustomShape 1"/>
+          <p:cNvPr id="104" name="CustomShape 1"/>
           <p:cNvSpPr/>
           <p:nvPr/>
         </p:nvSpPr>
         <p:spPr>
           <a:xfrm>
             <a:off x="360000" y="360000"/>
-            <a:ext cx="9359640" cy="899640"/>
+            <a:ext cx="9359280" cy="899280"/>
           </a:xfrm>
           <a:prstGeom prst="rect">
             <a:avLst/>
@@ -6524,42 +5811,41 @@
           </a:ln>
         </p:spPr>
         <p:style>
-          <a:lnRef idx="0">
-            <a:scrgbClr r="0" g="0" b="0"/>
-          </a:lnRef>
-          <a:fillRef idx="0">
-            <a:scrgbClr r="0" g="0" b="0"/>
-          </a:fillRef>
-          <a:effectRef idx="0">
-            <a:scrgbClr r="0" g="0" b="0"/>
-          </a:effectRef>
+          <a:lnRef idx="0"/>
+          <a:fillRef idx="0"/>
+          <a:effectRef idx="0"/>
           <a:fontRef idx="minor"/>
         </p:style>
         <p:txBody>
-          <a:bodyPr lIns="0" tIns="0" rIns="0" bIns="0" anchor="b"/>
-          <a:lstStyle/>
-          <a:p>
+          <a:bodyPr lIns="0" rIns="0" tIns="0" bIns="0" anchor="b"/>
+          <a:p>
+            <a:pPr>
+              <a:lnSpc>
+                <a:spcPct val="100000"/>
+              </a:lnSpc>
+            </a:pPr>
             <a:r>
-              <a:rPr lang="fr-CH" sz="3200" b="1" strike="noStrike" spc="-1">
-                <a:solidFill>
-                  <a:srgbClr val="FFFFFF"/>
+              <a:rPr b="1" lang="fr-CH" sz="3200" spc="-1" strike="noStrike">
+                <a:solidFill>
+                  <a:srgbClr val="ffffff"/>
                 </a:solidFill>
                 <a:uFill>
                   <a:solidFill>
-                    <a:srgbClr val="FFFFFF"/>
+                    <a:srgbClr val="ffffff"/>
                   </a:solidFill>
                 </a:uFill>
                 <a:latin typeface="Source Sans Pro Black"/>
+                <a:ea typeface="DejaVu Sans"/>
               </a:rPr>
               <a:t>Démonstration</a:t>
             </a:r>
-            <a:endParaRPr lang="fr-CH" sz="3200" b="0" strike="noStrike" spc="-1">
-              <a:solidFill>
-                <a:srgbClr val="000000"/>
-              </a:solidFill>
-              <a:uFill>
-                <a:solidFill>
-                  <a:srgbClr val="FFFFFF"/>
+            <a:endParaRPr b="0" lang="fr-CH" sz="3200" spc="-1" strike="noStrike">
+              <a:solidFill>
+                <a:srgbClr val="000000"/>
+              </a:solidFill>
+              <a:uFill>
+                <a:solidFill>
+                  <a:srgbClr val="ffffff"/>
                 </a:solidFill>
               </a:uFill>
               <a:latin typeface="Arial"/>
@@ -6569,18 +5855,18 @@
       </p:sp>
       <p:pic>
         <p:nvPicPr>
-          <p:cNvPr id="99" name="Image 98"/>
+          <p:cNvPr id="105" name="Image 98" descr=""/>
           <p:cNvPicPr/>
           <p:nvPr/>
         </p:nvPicPr>
         <p:blipFill>
-          <a:blip r:embed="rId2"/>
+          <a:blip r:embed="rId1"/>
           <a:stretch/>
         </p:blipFill>
         <p:spPr>
           <a:xfrm>
             <a:off x="12240" y="1584000"/>
-            <a:ext cx="10068480" cy="5975640"/>
+            <a:ext cx="10068120" cy="5975280"/>
           </a:xfrm>
           <a:prstGeom prst="rect">
             <a:avLst/>
@@ -6592,25 +5878,22 @@
       </p:pic>
     </p:spTree>
   </p:cSld>
-  <p:clrMapOvr>
-    <a:masterClrMapping/>
-  </p:clrMapOvr>
   <p:timing>
     <p:tnLst>
       <p:par>
-        <p:cTn id="1" dur="indefinite" restart="never" nodeType="tmRoot">
+        <p:cTn id="15" dur="indefinite" restart="never" nodeType="tmRoot">
           <p:childTnLst>
             <p:seq>
-              <p:cTn id="2" nodeType="mainSeq"/>
+              <p:cTn id="16" nodeType="mainSeq"/>
               <p:prevCondLst>
-                <p:cond evt="onPrev" delay="0">
+                <p:cond delay="0" evt="onPrev">
                   <p:tgtEl>
                     <p:sldTgt/>
                   </p:tgtEl>
                 </p:cond>
               </p:prevCondLst>
               <p:nextCondLst>
-                <p:cond evt="onNext" delay="0">
+                <p:cond delay="0" evt="onNext">
                   <p:tgtEl>
                     <p:sldTgt/>
                   </p:tgtEl>
@@ -6845,8 +6128,6 @@
       </a:bgFillStyleLst>
     </a:fmtScheme>
   </a:themeElements>
-  <a:objectDefaults/>
-  <a:extraClrSchemeLst/>
 </a:theme>
 </file>
 
@@ -7070,7 +6351,5 @@
       </a:bgFillStyleLst>
     </a:fmtScheme>
   </a:themeElements>
-  <a:objectDefaults/>
-  <a:extraClrSchemeLst/>
 </a:theme>
 </file>